--- a/Naudy_Antoine_5_presentation_032023.pptx
+++ b/Naudy_Antoine_5_presentation_032023.pptx
@@ -5,18 +5,35 @@
     <p:sldMasterId id="2147483648" r:id="rId1"/>
   </p:sldMasterIdLst>
   <p:notesMasterIdLst>
-    <p:notesMasterId r:id="rId11"/>
+    <p:notesMasterId r:id="rId28"/>
   </p:notesMasterIdLst>
   <p:sldIdLst>
     <p:sldId id="256" r:id="rId2"/>
     <p:sldId id="257" r:id="rId3"/>
     <p:sldId id="300" r:id="rId4"/>
     <p:sldId id="359" r:id="rId5"/>
-    <p:sldId id="360" r:id="rId6"/>
-    <p:sldId id="361" r:id="rId7"/>
-    <p:sldId id="362" r:id="rId8"/>
-    <p:sldId id="363" r:id="rId9"/>
-    <p:sldId id="364" r:id="rId10"/>
+    <p:sldId id="365" r:id="rId6"/>
+    <p:sldId id="366" r:id="rId7"/>
+    <p:sldId id="367" r:id="rId8"/>
+    <p:sldId id="369" r:id="rId9"/>
+    <p:sldId id="360" r:id="rId10"/>
+    <p:sldId id="370" r:id="rId11"/>
+    <p:sldId id="371" r:id="rId12"/>
+    <p:sldId id="372" r:id="rId13"/>
+    <p:sldId id="373" r:id="rId14"/>
+    <p:sldId id="361" r:id="rId15"/>
+    <p:sldId id="378" r:id="rId16"/>
+    <p:sldId id="379" r:id="rId17"/>
+    <p:sldId id="380" r:id="rId18"/>
+    <p:sldId id="374" r:id="rId19"/>
+    <p:sldId id="381" r:id="rId20"/>
+    <p:sldId id="382" r:id="rId21"/>
+    <p:sldId id="362" r:id="rId22"/>
+    <p:sldId id="377" r:id="rId23"/>
+    <p:sldId id="363" r:id="rId24"/>
+    <p:sldId id="375" r:id="rId25"/>
+    <p:sldId id="364" r:id="rId26"/>
+    <p:sldId id="376" r:id="rId27"/>
   </p:sldIdLst>
   <p:sldSz cx="12192000" cy="6858000"/>
   <p:notesSz cx="6858000" cy="9144000"/>
@@ -208,7 +225,7 @@
           <a:p>
             <a:fld id="{E6006A49-327D-4BCC-97C6-9D9C4E83DBB1}" type="datetimeFigureOut">
               <a:rPr lang="fr-FR" smtClean="0"/>
-              <a:t>27/03/2023</a:t>
+              <a:t>28/03/2023</a:t>
             </a:fld>
             <a:endParaRPr lang="fr-FR"/>
           </a:p>
@@ -570,7 +587,7 @@
           <a:effectLst/>
           <a:extLst>
             <a:ext uri="{91240B29-F687-4f45-9708-019B960494DF}">
-              <a14:hiddenLine xmlns="" xmlns:a14="http://schemas.microsoft.com/office/drawing/2010/main" w="9525">
+              <a14:hiddenLine xmlns:a14="http://schemas.microsoft.com/office/drawing/2010/main" xmlns="" w="9525">
                 <a:solidFill>
                   <a:srgbClr val="000000"/>
                 </a:solidFill>
@@ -762,7 +779,7 @@
           <a:p>
             <a:fld id="{FA2CD0EE-1A2D-42B1-85D6-73227B981290}" type="datetime1">
               <a:rPr lang="en-US" smtClean="0"/>
-              <a:t>3/27/2023</a:t>
+              <a:t>3/28/2023</a:t>
             </a:fld>
             <a:endParaRPr lang="en-US" dirty="0"/>
           </a:p>
@@ -1076,7 +1093,7 @@
           <a:p>
             <a:fld id="{907E49B7-EE9C-4BC8-835A-EF0E2C2704A5}" type="datetime1">
               <a:rPr lang="en-US" smtClean="0"/>
-              <a:t>3/27/2023</a:t>
+              <a:t>3/28/2023</a:t>
             </a:fld>
             <a:endParaRPr lang="en-US" dirty="0"/>
           </a:p>
@@ -1560,7 +1577,7 @@
           <a:p>
             <a:fld id="{C0B93884-749E-4681-BD10-F501BD0744C1}" type="datetime1">
               <a:rPr lang="en-US" smtClean="0"/>
-              <a:t>3/27/2023</a:t>
+              <a:t>3/28/2023</a:t>
             </a:fld>
             <a:endParaRPr lang="en-US" dirty="0"/>
           </a:p>
@@ -1925,7 +1942,7 @@
           <a:p>
             <a:fld id="{4CBDAAD4-CB1A-4380-B916-72943FC8EC03}" type="datetime1">
               <a:rPr lang="en-US" smtClean="0"/>
-              <a:t>3/27/2023</a:t>
+              <a:t>3/28/2023</a:t>
             </a:fld>
             <a:endParaRPr lang="en-US" dirty="0"/>
           </a:p>
@@ -2076,7 +2093,7 @@
           <a:ln/>
           <a:extLst>
             <a:ext uri="{91240B29-F687-4f45-9708-019B960494DF}">
-              <a14:hiddenLine xmlns="" xmlns:a14="http://schemas.microsoft.com/office/drawing/2010/main" w="9525">
+              <a14:hiddenLine xmlns:a14="http://schemas.microsoft.com/office/drawing/2010/main" xmlns="" w="9525">
                 <a:solidFill>
                   <a:srgbClr val="000000"/>
                 </a:solidFill>
@@ -2194,7 +2211,7 @@
           <a:p>
             <a:fld id="{FFA54222-87B2-455E-A22D-2C612F284EA9}" type="datetime1">
               <a:rPr lang="en-US" smtClean="0"/>
-              <a:t>3/27/2023</a:t>
+              <a:t>3/28/2023</a:t>
             </a:fld>
             <a:endParaRPr lang="en-US" dirty="0"/>
           </a:p>
@@ -2347,7 +2364,7 @@
           <a:ln/>
           <a:extLst>
             <a:ext uri="{91240B29-F687-4f45-9708-019B960494DF}">
-              <a14:hiddenLine xmlns="" xmlns:a14="http://schemas.microsoft.com/office/drawing/2010/main" w="9525">
+              <a14:hiddenLine xmlns:a14="http://schemas.microsoft.com/office/drawing/2010/main" xmlns="" w="9525">
                 <a:solidFill>
                   <a:srgbClr val="000000"/>
                 </a:solidFill>
@@ -2475,7 +2492,7 @@
           <a:p>
             <a:fld id="{6D5EEAE5-93A6-41D9-BF72-951912D2BAB1}" type="datetime1">
               <a:rPr lang="en-US" smtClean="0"/>
-              <a:t>3/27/2023</a:t>
+              <a:t>3/28/2023</a:t>
             </a:fld>
             <a:endParaRPr lang="en-US" dirty="0"/>
           </a:p>
@@ -2626,7 +2643,7 @@
           <a:ln/>
           <a:extLst>
             <a:ext uri="{91240B29-F687-4f45-9708-019B960494DF}">
-              <a14:hiddenLine xmlns="" xmlns:a14="http://schemas.microsoft.com/office/drawing/2010/main" w="9525">
+              <a14:hiddenLine xmlns:a14="http://schemas.microsoft.com/office/drawing/2010/main" xmlns="" w="9525">
                 <a:solidFill>
                   <a:srgbClr val="000000"/>
                 </a:solidFill>
@@ -2754,7 +2771,7 @@
           <a:p>
             <a:fld id="{FDFA228A-72F3-4608-BB10-FF0335C6ECAB}" type="datetime1">
               <a:rPr lang="en-US" smtClean="0"/>
-              <a:t>3/27/2023</a:t>
+              <a:t>3/28/2023</a:t>
             </a:fld>
             <a:endParaRPr lang="en-US" dirty="0"/>
           </a:p>
@@ -3093,7 +3110,7 @@
           <a:p>
             <a:fld id="{5A7110EE-882E-41FA-9B9C-85ADBBA044CC}" type="datetime1">
               <a:rPr lang="en-US" smtClean="0"/>
-              <a:t>3/27/2023</a:t>
+              <a:t>3/28/2023</a:t>
             </a:fld>
             <a:endParaRPr lang="en-US" dirty="0"/>
           </a:p>
@@ -3244,7 +3261,7 @@
           <a:ln/>
           <a:extLst>
             <a:ext uri="{91240B29-F687-4f45-9708-019B960494DF}">
-              <a14:hiddenLine xmlns="" xmlns:a14="http://schemas.microsoft.com/office/drawing/2010/main" w="9525">
+              <a14:hiddenLine xmlns:a14="http://schemas.microsoft.com/office/drawing/2010/main" xmlns="" w="9525">
                 <a:solidFill>
                   <a:srgbClr val="000000"/>
                 </a:solidFill>
@@ -3428,7 +3445,7 @@
           <a:p>
             <a:fld id="{28C24F94-0BB5-4141-A7EC-A6494A229A04}" type="datetime1">
               <a:rPr lang="en-US" smtClean="0"/>
-              <a:t>3/27/2023</a:t>
+              <a:t>3/28/2023</a:t>
             </a:fld>
             <a:endParaRPr lang="en-US" dirty="0"/>
           </a:p>
@@ -3579,7 +3596,7 @@
           <a:ln/>
           <a:extLst>
             <a:ext uri="{91240B29-F687-4f45-9708-019B960494DF}">
-              <a14:hiddenLine xmlns="" xmlns:a14="http://schemas.microsoft.com/office/drawing/2010/main" w="9525">
+              <a14:hiddenLine xmlns:a14="http://schemas.microsoft.com/office/drawing/2010/main" xmlns="" w="9525">
                 <a:solidFill>
                   <a:srgbClr val="000000"/>
                 </a:solidFill>
@@ -3901,7 +3918,7 @@
           <a:p>
             <a:fld id="{FC56BB5B-F9EF-4A35-98AE-DF06F8F463B9}" type="datetime1">
               <a:rPr lang="en-US" smtClean="0"/>
-              <a:t>3/27/2023</a:t>
+              <a:t>3/28/2023</a:t>
             </a:fld>
             <a:endParaRPr lang="en-US" dirty="0"/>
           </a:p>
@@ -4052,7 +4069,7 @@
           <a:ln/>
           <a:extLst>
             <a:ext uri="{91240B29-F687-4f45-9708-019B960494DF}">
-              <a14:hiddenLine xmlns="" xmlns:a14="http://schemas.microsoft.com/office/drawing/2010/main" w="9525">
+              <a14:hiddenLine xmlns:a14="http://schemas.microsoft.com/office/drawing/2010/main" xmlns="" w="9525">
                 <a:solidFill>
                   <a:srgbClr val="000000"/>
                 </a:solidFill>
@@ -4118,7 +4135,7 @@
           <a:p>
             <a:fld id="{78A692C4-458E-40EA-8D8D-08E5FB60FB62}" type="datetime1">
               <a:rPr lang="en-US" smtClean="0"/>
-              <a:t>3/27/2023</a:t>
+              <a:t>3/28/2023</a:t>
             </a:fld>
             <a:endParaRPr lang="en-US" dirty="0"/>
           </a:p>
@@ -4209,7 +4226,7 @@
           <a:p>
             <a:fld id="{034CF9E0-AFBB-4BBB-8BBF-800D2602D9D4}" type="datetime1">
               <a:rPr lang="en-US" smtClean="0"/>
-              <a:t>3/27/2023</a:t>
+              <a:t>3/28/2023</a:t>
             </a:fld>
             <a:endParaRPr lang="en-US" dirty="0"/>
           </a:p>
@@ -4473,7 +4490,7 @@
           <a:ln/>
           <a:extLst>
             <a:ext uri="{91240B29-F687-4f45-9708-019B960494DF}">
-              <a14:hiddenLine xmlns="" xmlns:a14="http://schemas.microsoft.com/office/drawing/2010/main" w="9525">
+              <a14:hiddenLine xmlns:a14="http://schemas.microsoft.com/office/drawing/2010/main" xmlns="" w="9525">
                 <a:solidFill>
                   <a:srgbClr val="000000"/>
                 </a:solidFill>
@@ -4672,7 +4689,7 @@
           <a:p>
             <a:fld id="{E1FEB71E-AF5D-469C-AFB6-7F840C5435E6}" type="datetime1">
               <a:rPr lang="en-US" smtClean="0"/>
-              <a:t>3/27/2023</a:t>
+              <a:t>3/28/2023</a:t>
             </a:fld>
             <a:endParaRPr lang="en-US" dirty="0"/>
           </a:p>
@@ -4981,7 +4998,7 @@
           <a:p>
             <a:fld id="{BA31807E-8A0C-44BB-9DA9-2687C584468E}" type="datetime1">
               <a:rPr lang="en-US" smtClean="0"/>
-              <a:t>3/27/2023</a:t>
+              <a:t>3/28/2023</a:t>
             </a:fld>
             <a:endParaRPr lang="en-US" dirty="0"/>
           </a:p>
@@ -5247,7 +5264,7 @@
           <a:p>
             <a:fld id="{1D9D340B-C70C-4985-8987-1A8D9C94A88F}" type="datetime1">
               <a:rPr lang="en-US" smtClean="0"/>
-              <a:t>3/27/2023</a:t>
+              <a:t>3/28/2023</a:t>
             </a:fld>
             <a:endParaRPr lang="en-US" dirty="0"/>
           </a:p>
@@ -5772,7 +5789,7 @@
           <a:p>
             <a:fld id="{72056C24-5725-434F-BF97-BE9F261B464F}" type="datetime1">
               <a:rPr lang="en-US" smtClean="0"/>
-              <a:t>3/27/2023</a:t>
+              <a:t>3/28/2023</a:t>
             </a:fld>
             <a:endParaRPr lang="en-US" dirty="0"/>
           </a:p>
@@ -5812,6 +5829,4209 @@
     <p:extLst>
       <p:ext uri="{BB962C8B-B14F-4D97-AF65-F5344CB8AC3E}">
         <p14:creationId xmlns:p14="http://schemas.microsoft.com/office/powerpoint/2010/main" val="1081664981"/>
+      </p:ext>
+    </p:extLst>
+  </p:cSld>
+  <p:clrMapOvr>
+    <a:masterClrMapping/>
+  </p:clrMapOvr>
+</p:sld>
+</file>
+
+<file path=ppt/slides/slide10.xml><?xml version="1.0" encoding="utf-8"?>
+<p:sld xmlns:a="http://schemas.openxmlformats.org/drawingml/2006/main" xmlns:r="http://schemas.openxmlformats.org/officeDocument/2006/relationships" xmlns:p="http://schemas.openxmlformats.org/presentationml/2006/main">
+  <p:cSld>
+    <p:spTree>
+      <p:nvGrpSpPr>
+        <p:cNvPr id="1" name=""/>
+        <p:cNvGrpSpPr/>
+        <p:nvPr/>
+      </p:nvGrpSpPr>
+      <p:grpSpPr>
+        <a:xfrm>
+          <a:off x="0" y="0"/>
+          <a:ext cx="0" cy="0"/>
+          <a:chOff x="0" y="0"/>
+          <a:chExt cx="0" cy="0"/>
+        </a:xfrm>
+      </p:grpSpPr>
+      <p:sp>
+        <p:nvSpPr>
+          <p:cNvPr id="2" name="Titre 1">
+            <a:extLst>
+              <a:ext uri="{FF2B5EF4-FFF2-40B4-BE49-F238E27FC236}">
+                <a16:creationId xmlns:a16="http://schemas.microsoft.com/office/drawing/2014/main" id="{CC8DC5E3-547F-1CAC-74AA-8AD3A246DD5F}"/>
+              </a:ext>
+            </a:extLst>
+          </p:cNvPr>
+          <p:cNvSpPr>
+            <a:spLocks noGrp="1"/>
+          </p:cNvSpPr>
+          <p:nvPr>
+            <p:ph type="title"/>
+          </p:nvPr>
+        </p:nvSpPr>
+        <p:spPr/>
+        <p:txBody>
+          <a:bodyPr/>
+          <a:lstStyle/>
+          <a:p>
+            <a:r>
+              <a:rPr lang="fr-FR" sz="4000" b="1" dirty="0"/>
+              <a:t>Part 3 : </a:t>
+            </a:r>
+            <a:r>
+              <a:rPr lang="fr-FR" sz="4000" b="1" dirty="0" err="1"/>
+              <a:t>Text</a:t>
+            </a:r>
+            <a:r>
+              <a:rPr lang="fr-FR" sz="4000" b="1" dirty="0"/>
+              <a:t> classification </a:t>
+            </a:r>
+            <a:r>
+              <a:rPr lang="fr-FR" sz="4000" b="1" dirty="0" err="1"/>
+              <a:t>feasibility</a:t>
+            </a:r>
+            <a:endParaRPr lang="fr-FR" sz="4000" b="1" dirty="0"/>
+          </a:p>
+        </p:txBody>
+      </p:sp>
+      <p:sp>
+        <p:nvSpPr>
+          <p:cNvPr id="3" name="Espace réservé du contenu 2">
+            <a:extLst>
+              <a:ext uri="{FF2B5EF4-FFF2-40B4-BE49-F238E27FC236}">
+                <a16:creationId xmlns:a16="http://schemas.microsoft.com/office/drawing/2014/main" id="{E57A140B-F8CB-842C-F3E7-F5ECF42B665F}"/>
+              </a:ext>
+            </a:extLst>
+          </p:cNvPr>
+          <p:cNvSpPr>
+            <a:spLocks noGrp="1"/>
+          </p:cNvSpPr>
+          <p:nvPr>
+            <p:ph idx="1"/>
+          </p:nvPr>
+        </p:nvSpPr>
+        <p:spPr>
+          <a:xfrm>
+            <a:off x="810000" y="2174161"/>
+            <a:ext cx="10554574" cy="3636511"/>
+          </a:xfrm>
+        </p:spPr>
+        <p:txBody>
+          <a:bodyPr anchor="t" anchorCtr="0">
+            <a:normAutofit/>
+          </a:bodyPr>
+          <a:lstStyle/>
+          <a:p>
+            <a:r>
+              <a:rPr lang="fr-FR" dirty="0"/>
+              <a:t>2nd </a:t>
+            </a:r>
+            <a:r>
+              <a:rPr lang="fr-FR" dirty="0" err="1"/>
+              <a:t>Approach</a:t>
+            </a:r>
+            <a:r>
+              <a:rPr lang="fr-FR" dirty="0"/>
+              <a:t> : Bag of </a:t>
+            </a:r>
+            <a:r>
+              <a:rPr lang="fr-FR" dirty="0" err="1"/>
+              <a:t>words</a:t>
+            </a:r>
+            <a:r>
+              <a:rPr lang="fr-FR" dirty="0"/>
+              <a:t> </a:t>
+            </a:r>
+            <a:r>
+              <a:rPr lang="fr-FR" dirty="0" err="1"/>
+              <a:t>TfidfVectorizer</a:t>
+            </a:r>
+            <a:endParaRPr lang="fr-FR" dirty="0"/>
+          </a:p>
+          <a:p>
+            <a:pPr lvl="1"/>
+            <a:r>
+              <a:rPr lang="en-US" i="1" dirty="0"/>
+              <a:t>TF-IDF (Term Frequency-Inverse Document Frequency) is a numerical statistic used to evaluate the importance of a word in a document by measuring its frequency in the document and inversely scaling it by the frequency of the word across all documents in the corpus.</a:t>
+            </a:r>
+            <a:endParaRPr lang="fr-FR" i="1" dirty="0"/>
+          </a:p>
+        </p:txBody>
+      </p:sp>
+      <p:sp>
+        <p:nvSpPr>
+          <p:cNvPr id="4" name="Espace réservé de la date 3">
+            <a:extLst>
+              <a:ext uri="{FF2B5EF4-FFF2-40B4-BE49-F238E27FC236}">
+                <a16:creationId xmlns:a16="http://schemas.microsoft.com/office/drawing/2014/main" id="{CDACFC15-EC92-8C77-6720-CD3727DE2F16}"/>
+              </a:ext>
+            </a:extLst>
+          </p:cNvPr>
+          <p:cNvSpPr>
+            <a:spLocks noGrp="1"/>
+          </p:cNvSpPr>
+          <p:nvPr>
+            <p:ph type="dt" sz="half" idx="10"/>
+          </p:nvPr>
+        </p:nvSpPr>
+        <p:spPr/>
+        <p:txBody>
+          <a:bodyPr/>
+          <a:lstStyle/>
+          <a:p>
+            <a:fld id="{869FCAE3-2148-4EC4-A7B4-A35E953F750C}" type="datetime1">
+              <a:rPr lang="en-US" smtClean="0"/>
+              <a:t>3/28/2023</a:t>
+            </a:fld>
+            <a:endParaRPr lang="en-US" dirty="0"/>
+          </a:p>
+        </p:txBody>
+      </p:sp>
+      <p:sp>
+        <p:nvSpPr>
+          <p:cNvPr id="5" name="Espace réservé du numéro de diapositive 4">
+            <a:extLst>
+              <a:ext uri="{FF2B5EF4-FFF2-40B4-BE49-F238E27FC236}">
+                <a16:creationId xmlns:a16="http://schemas.microsoft.com/office/drawing/2014/main" id="{83714EF2-B3AF-5769-1C63-FFFF1485DFDD}"/>
+              </a:ext>
+            </a:extLst>
+          </p:cNvPr>
+          <p:cNvSpPr>
+            <a:spLocks noGrp="1"/>
+          </p:cNvSpPr>
+          <p:nvPr>
+            <p:ph type="sldNum" sz="quarter" idx="12"/>
+          </p:nvPr>
+        </p:nvSpPr>
+        <p:spPr/>
+        <p:txBody>
+          <a:bodyPr/>
+          <a:lstStyle/>
+          <a:p>
+            <a:fld id="{D57F1E4F-1CFF-5643-939E-217C01CDF565}" type="slidenum">
+              <a:rPr lang="en-US" smtClean="0"/>
+              <a:pPr/>
+              <a:t>10</a:t>
+            </a:fld>
+            <a:endParaRPr lang="en-US" dirty="0"/>
+          </a:p>
+        </p:txBody>
+      </p:sp>
+      <p:pic>
+        <p:nvPicPr>
+          <p:cNvPr id="8194" name="Picture 2">
+            <a:extLst>
+              <a:ext uri="{FF2B5EF4-FFF2-40B4-BE49-F238E27FC236}">
+                <a16:creationId xmlns:a16="http://schemas.microsoft.com/office/drawing/2014/main" id="{683C33A1-BC7D-6F2F-9545-B2BEF932478C}"/>
+              </a:ext>
+            </a:extLst>
+          </p:cNvPr>
+          <p:cNvPicPr>
+            <a:picLocks noChangeAspect="1" noChangeArrowheads="1"/>
+          </p:cNvPicPr>
+          <p:nvPr/>
+        </p:nvPicPr>
+        <p:blipFill>
+          <a:blip r:embed="rId2">
+            <a:extLst>
+              <a:ext uri="{28A0092B-C50C-407E-A947-70E740481C1C}">
+                <a14:useLocalDpi xmlns:a14="http://schemas.microsoft.com/office/drawing/2010/main" val="0"/>
+              </a:ext>
+            </a:extLst>
+          </a:blip>
+          <a:srcRect/>
+          <a:stretch>
+            <a:fillRect/>
+          </a:stretch>
+        </p:blipFill>
+        <p:spPr bwMode="auto">
+          <a:xfrm>
+            <a:off x="39211" y="3395164"/>
+            <a:ext cx="7952883" cy="3439085"/>
+          </a:xfrm>
+          <a:prstGeom prst="rect">
+            <a:avLst/>
+          </a:prstGeom>
+          <a:noFill/>
+          <a:extLst>
+            <a:ext uri="{909E8E84-426E-40DD-AFC4-6F175D3DCCD1}">
+              <a14:hiddenFill xmlns:a14="http://schemas.microsoft.com/office/drawing/2010/main">
+                <a:solidFill>
+                  <a:srgbClr val="FFFFFF"/>
+                </a:solidFill>
+              </a14:hiddenFill>
+            </a:ext>
+          </a:extLst>
+        </p:spPr>
+      </p:pic>
+      <p:sp>
+        <p:nvSpPr>
+          <p:cNvPr id="6" name="Espace réservé du contenu 2">
+            <a:extLst>
+              <a:ext uri="{FF2B5EF4-FFF2-40B4-BE49-F238E27FC236}">
+                <a16:creationId xmlns:a16="http://schemas.microsoft.com/office/drawing/2014/main" id="{C3EADD73-F90B-10D3-E11B-12A5B77E549D}"/>
+              </a:ext>
+            </a:extLst>
+          </p:cNvPr>
+          <p:cNvSpPr txBox="1">
+            <a:spLocks/>
+          </p:cNvSpPr>
+          <p:nvPr/>
+        </p:nvSpPr>
+        <p:spPr>
+          <a:xfrm>
+            <a:off x="9831575" y="4663713"/>
+            <a:ext cx="2055626" cy="1252175"/>
+          </a:xfrm>
+          <a:prstGeom prst="rect">
+            <a:avLst/>
+          </a:prstGeom>
+          <a:effectLst>
+            <a:outerShdw blurRad="50800" dir="14400000">
+              <a:srgbClr val="000000">
+                <a:alpha val="40000"/>
+              </a:srgbClr>
+            </a:outerShdw>
+          </a:effectLst>
+        </p:spPr>
+        <p:txBody>
+          <a:bodyPr vert="horz" lIns="91440" tIns="45720" rIns="91440" bIns="45720" rtlCol="0" anchor="t" anchorCtr="0">
+            <a:normAutofit/>
+          </a:bodyPr>
+          <a:lstStyle>
+            <a:lvl1pPr marL="342900" indent="-342900" algn="l" defTabSz="457200" rtl="0" eaLnBrk="1" latinLnBrk="0" hangingPunct="1">
+              <a:spcBef>
+                <a:spcPct val="20000"/>
+              </a:spcBef>
+              <a:spcAft>
+                <a:spcPts val="600"/>
+              </a:spcAft>
+              <a:buClr>
+                <a:schemeClr val="accent1"/>
+              </a:buClr>
+              <a:buFont typeface="Wingdings 2" charset="2"/>
+              <a:buChar char=""/>
+              <a:defRPr sz="1800" kern="1200">
+                <a:solidFill>
+                  <a:schemeClr val="tx1"/>
+                </a:solidFill>
+                <a:latin typeface="+mn-lt"/>
+                <a:ea typeface="+mn-ea"/>
+                <a:cs typeface="+mn-cs"/>
+              </a:defRPr>
+            </a:lvl1pPr>
+            <a:lvl2pPr marL="742950" indent="-285750" algn="l" defTabSz="457200" rtl="0" eaLnBrk="1" latinLnBrk="0" hangingPunct="1">
+              <a:spcBef>
+                <a:spcPct val="20000"/>
+              </a:spcBef>
+              <a:spcAft>
+                <a:spcPts val="600"/>
+              </a:spcAft>
+              <a:buClr>
+                <a:schemeClr val="accent1"/>
+              </a:buClr>
+              <a:buFont typeface="Wingdings 2" charset="2"/>
+              <a:buChar char=""/>
+              <a:defRPr sz="1600" kern="1200">
+                <a:solidFill>
+                  <a:schemeClr val="tx1"/>
+                </a:solidFill>
+                <a:latin typeface="+mn-lt"/>
+                <a:ea typeface="+mn-ea"/>
+                <a:cs typeface="+mn-cs"/>
+              </a:defRPr>
+            </a:lvl2pPr>
+            <a:lvl3pPr marL="1143000" indent="-228600" algn="l" defTabSz="457200" rtl="0" eaLnBrk="1" latinLnBrk="0" hangingPunct="1">
+              <a:spcBef>
+                <a:spcPct val="20000"/>
+              </a:spcBef>
+              <a:spcAft>
+                <a:spcPts val="600"/>
+              </a:spcAft>
+              <a:buClr>
+                <a:schemeClr val="accent1"/>
+              </a:buClr>
+              <a:buFont typeface="Wingdings 2" charset="2"/>
+              <a:buChar char=""/>
+              <a:defRPr sz="1400" kern="1200">
+                <a:solidFill>
+                  <a:schemeClr val="tx1"/>
+                </a:solidFill>
+                <a:latin typeface="+mn-lt"/>
+                <a:ea typeface="+mn-ea"/>
+                <a:cs typeface="+mn-cs"/>
+              </a:defRPr>
+            </a:lvl3pPr>
+            <a:lvl4pPr marL="1600200" indent="-228600" algn="l" defTabSz="457200" rtl="0" eaLnBrk="1" latinLnBrk="0" hangingPunct="1">
+              <a:spcBef>
+                <a:spcPct val="20000"/>
+              </a:spcBef>
+              <a:spcAft>
+                <a:spcPts val="600"/>
+              </a:spcAft>
+              <a:buClr>
+                <a:schemeClr val="accent1"/>
+              </a:buClr>
+              <a:buFont typeface="Wingdings 2" charset="2"/>
+              <a:buChar char=""/>
+              <a:defRPr sz="1200" kern="1200">
+                <a:solidFill>
+                  <a:schemeClr val="tx1"/>
+                </a:solidFill>
+                <a:latin typeface="+mn-lt"/>
+                <a:ea typeface="+mn-ea"/>
+                <a:cs typeface="+mn-cs"/>
+              </a:defRPr>
+            </a:lvl4pPr>
+            <a:lvl5pPr marL="2057400" indent="-228600" algn="l" defTabSz="457200" rtl="0" eaLnBrk="1" latinLnBrk="0" hangingPunct="1">
+              <a:spcBef>
+                <a:spcPct val="20000"/>
+              </a:spcBef>
+              <a:spcAft>
+                <a:spcPts val="600"/>
+              </a:spcAft>
+              <a:buClr>
+                <a:schemeClr val="accent1"/>
+              </a:buClr>
+              <a:buFont typeface="Wingdings 2" charset="2"/>
+              <a:buChar char=""/>
+              <a:defRPr sz="1200" kern="1200">
+                <a:solidFill>
+                  <a:schemeClr val="tx1"/>
+                </a:solidFill>
+                <a:latin typeface="+mn-lt"/>
+                <a:ea typeface="+mn-ea"/>
+                <a:cs typeface="+mn-cs"/>
+              </a:defRPr>
+            </a:lvl5pPr>
+            <a:lvl6pPr marL="2400000" indent="-228600" algn="l" defTabSz="457200" rtl="0" eaLnBrk="1" latinLnBrk="0" hangingPunct="1">
+              <a:spcBef>
+                <a:spcPct val="20000"/>
+              </a:spcBef>
+              <a:spcAft>
+                <a:spcPts val="600"/>
+              </a:spcAft>
+              <a:buClr>
+                <a:schemeClr val="accent1"/>
+              </a:buClr>
+              <a:buFont typeface="Wingdings 2" charset="2"/>
+              <a:buChar char=""/>
+              <a:defRPr sz="1200" kern="1200">
+                <a:solidFill>
+                  <a:schemeClr val="tx1"/>
+                </a:solidFill>
+                <a:latin typeface="+mn-lt"/>
+                <a:ea typeface="+mn-ea"/>
+                <a:cs typeface="+mn-cs"/>
+              </a:defRPr>
+            </a:lvl6pPr>
+            <a:lvl7pPr marL="2800000" indent="-228600" algn="l" defTabSz="457200" rtl="0" eaLnBrk="1" latinLnBrk="0" hangingPunct="1">
+              <a:spcBef>
+                <a:spcPct val="20000"/>
+              </a:spcBef>
+              <a:spcAft>
+                <a:spcPts val="600"/>
+              </a:spcAft>
+              <a:buClr>
+                <a:schemeClr val="accent1"/>
+              </a:buClr>
+              <a:buFont typeface="Wingdings 2" charset="2"/>
+              <a:buChar char=""/>
+              <a:defRPr sz="1200" kern="1200">
+                <a:solidFill>
+                  <a:schemeClr val="tx1"/>
+                </a:solidFill>
+                <a:latin typeface="+mn-lt"/>
+                <a:ea typeface="+mn-ea"/>
+                <a:cs typeface="+mn-cs"/>
+              </a:defRPr>
+            </a:lvl7pPr>
+            <a:lvl8pPr marL="3200000" indent="-228600" algn="l" defTabSz="457200" rtl="0" eaLnBrk="1" latinLnBrk="0" hangingPunct="1">
+              <a:spcBef>
+                <a:spcPct val="20000"/>
+              </a:spcBef>
+              <a:spcAft>
+                <a:spcPts val="600"/>
+              </a:spcAft>
+              <a:buClr>
+                <a:schemeClr val="accent1"/>
+              </a:buClr>
+              <a:buFont typeface="Wingdings 2" charset="2"/>
+              <a:buChar char=""/>
+              <a:defRPr sz="1200" kern="1200">
+                <a:solidFill>
+                  <a:schemeClr val="tx1"/>
+                </a:solidFill>
+                <a:latin typeface="+mn-lt"/>
+                <a:ea typeface="+mn-ea"/>
+                <a:cs typeface="+mn-cs"/>
+              </a:defRPr>
+            </a:lvl8pPr>
+            <a:lvl9pPr marL="3600000" indent="-228600" algn="l" defTabSz="457200" rtl="0" eaLnBrk="1" latinLnBrk="0" hangingPunct="1">
+              <a:spcBef>
+                <a:spcPct val="20000"/>
+              </a:spcBef>
+              <a:spcAft>
+                <a:spcPts val="600"/>
+              </a:spcAft>
+              <a:buClr>
+                <a:schemeClr val="accent1"/>
+              </a:buClr>
+              <a:buFont typeface="Wingdings 2" charset="2"/>
+              <a:buChar char=""/>
+              <a:defRPr sz="1200" kern="1200">
+                <a:solidFill>
+                  <a:schemeClr val="tx1"/>
+                </a:solidFill>
+                <a:latin typeface="+mn-lt"/>
+                <a:ea typeface="+mn-ea"/>
+                <a:cs typeface="+mn-cs"/>
+              </a:defRPr>
+            </a:lvl9pPr>
+          </a:lstStyle>
+          <a:p>
+            <a:r>
+              <a:rPr lang="fr-FR" dirty="0"/>
+              <a:t>Acc : 0.47</a:t>
+            </a:r>
+          </a:p>
+        </p:txBody>
+      </p:sp>
+    </p:spTree>
+    <p:extLst>
+      <p:ext uri="{BB962C8B-B14F-4D97-AF65-F5344CB8AC3E}">
+        <p14:creationId xmlns:p14="http://schemas.microsoft.com/office/powerpoint/2010/main" val="1638455837"/>
+      </p:ext>
+    </p:extLst>
+  </p:cSld>
+  <p:clrMapOvr>
+    <a:masterClrMapping/>
+  </p:clrMapOvr>
+</p:sld>
+</file>
+
+<file path=ppt/slides/slide11.xml><?xml version="1.0" encoding="utf-8"?>
+<p:sld xmlns:a="http://schemas.openxmlformats.org/drawingml/2006/main" xmlns:r="http://schemas.openxmlformats.org/officeDocument/2006/relationships" xmlns:p="http://schemas.openxmlformats.org/presentationml/2006/main">
+  <p:cSld>
+    <p:spTree>
+      <p:nvGrpSpPr>
+        <p:cNvPr id="1" name=""/>
+        <p:cNvGrpSpPr/>
+        <p:nvPr/>
+      </p:nvGrpSpPr>
+      <p:grpSpPr>
+        <a:xfrm>
+          <a:off x="0" y="0"/>
+          <a:ext cx="0" cy="0"/>
+          <a:chOff x="0" y="0"/>
+          <a:chExt cx="0" cy="0"/>
+        </a:xfrm>
+      </p:grpSpPr>
+      <p:sp>
+        <p:nvSpPr>
+          <p:cNvPr id="2" name="Titre 1">
+            <a:extLst>
+              <a:ext uri="{FF2B5EF4-FFF2-40B4-BE49-F238E27FC236}">
+                <a16:creationId xmlns:a16="http://schemas.microsoft.com/office/drawing/2014/main" id="{CC8DC5E3-547F-1CAC-74AA-8AD3A246DD5F}"/>
+              </a:ext>
+            </a:extLst>
+          </p:cNvPr>
+          <p:cNvSpPr>
+            <a:spLocks noGrp="1"/>
+          </p:cNvSpPr>
+          <p:nvPr>
+            <p:ph type="title"/>
+          </p:nvPr>
+        </p:nvSpPr>
+        <p:spPr/>
+        <p:txBody>
+          <a:bodyPr/>
+          <a:lstStyle/>
+          <a:p>
+            <a:r>
+              <a:rPr lang="fr-FR" sz="4000" b="1" dirty="0"/>
+              <a:t>Part 3 : </a:t>
+            </a:r>
+            <a:r>
+              <a:rPr lang="fr-FR" sz="4000" b="1" dirty="0" err="1"/>
+              <a:t>Text</a:t>
+            </a:r>
+            <a:r>
+              <a:rPr lang="fr-FR" sz="4000" b="1" dirty="0"/>
+              <a:t> classification </a:t>
+            </a:r>
+            <a:r>
+              <a:rPr lang="fr-FR" sz="4000" b="1" dirty="0" err="1"/>
+              <a:t>feasibility</a:t>
+            </a:r>
+            <a:endParaRPr lang="fr-FR" sz="4000" b="1" dirty="0"/>
+          </a:p>
+        </p:txBody>
+      </p:sp>
+      <p:sp>
+        <p:nvSpPr>
+          <p:cNvPr id="3" name="Espace réservé du contenu 2">
+            <a:extLst>
+              <a:ext uri="{FF2B5EF4-FFF2-40B4-BE49-F238E27FC236}">
+                <a16:creationId xmlns:a16="http://schemas.microsoft.com/office/drawing/2014/main" id="{E57A140B-F8CB-842C-F3E7-F5ECF42B665F}"/>
+              </a:ext>
+            </a:extLst>
+          </p:cNvPr>
+          <p:cNvSpPr>
+            <a:spLocks noGrp="1"/>
+          </p:cNvSpPr>
+          <p:nvPr>
+            <p:ph idx="1"/>
+          </p:nvPr>
+        </p:nvSpPr>
+        <p:spPr>
+          <a:xfrm>
+            <a:off x="810000" y="2174161"/>
+            <a:ext cx="10554574" cy="3636511"/>
+          </a:xfrm>
+        </p:spPr>
+        <p:txBody>
+          <a:bodyPr anchor="t" anchorCtr="0">
+            <a:normAutofit/>
+          </a:bodyPr>
+          <a:lstStyle/>
+          <a:p>
+            <a:r>
+              <a:rPr lang="fr-FR" dirty="0"/>
+              <a:t>3rd </a:t>
+            </a:r>
+            <a:r>
+              <a:rPr lang="fr-FR" dirty="0" err="1"/>
+              <a:t>Approach</a:t>
+            </a:r>
+            <a:r>
+              <a:rPr lang="fr-FR" dirty="0"/>
+              <a:t> : Word </a:t>
+            </a:r>
+            <a:r>
+              <a:rPr lang="fr-FR" dirty="0" err="1"/>
+              <a:t>embedding</a:t>
+            </a:r>
+            <a:r>
+              <a:rPr lang="fr-FR" dirty="0"/>
+              <a:t> Word2Vec</a:t>
+            </a:r>
+          </a:p>
+          <a:p>
+            <a:pPr lvl="1"/>
+            <a:r>
+              <a:rPr lang="en-US" i="1" dirty="0"/>
+              <a:t>Word2Vec is a neural network-based algorithm used to create word embeddings that represent words as vectors in a high-dimensional space based on their context and meaning.</a:t>
+            </a:r>
+          </a:p>
+          <a:p>
+            <a:pPr lvl="1"/>
+            <a:endParaRPr lang="en-US" i="1" dirty="0"/>
+          </a:p>
+          <a:p>
+            <a:pPr lvl="1"/>
+            <a:endParaRPr lang="en-US" i="1" dirty="0"/>
+          </a:p>
+          <a:p>
+            <a:pPr lvl="1"/>
+            <a:endParaRPr lang="en-US" i="1" dirty="0"/>
+          </a:p>
+          <a:p>
+            <a:pPr lvl="1"/>
+            <a:endParaRPr lang="en-US" i="1" dirty="0"/>
+          </a:p>
+          <a:p>
+            <a:pPr lvl="1"/>
+            <a:endParaRPr lang="fr-FR" i="1" dirty="0"/>
+          </a:p>
+        </p:txBody>
+      </p:sp>
+      <p:sp>
+        <p:nvSpPr>
+          <p:cNvPr id="4" name="Espace réservé de la date 3">
+            <a:extLst>
+              <a:ext uri="{FF2B5EF4-FFF2-40B4-BE49-F238E27FC236}">
+                <a16:creationId xmlns:a16="http://schemas.microsoft.com/office/drawing/2014/main" id="{CDACFC15-EC92-8C77-6720-CD3727DE2F16}"/>
+              </a:ext>
+            </a:extLst>
+          </p:cNvPr>
+          <p:cNvSpPr>
+            <a:spLocks noGrp="1"/>
+          </p:cNvSpPr>
+          <p:nvPr>
+            <p:ph type="dt" sz="half" idx="10"/>
+          </p:nvPr>
+        </p:nvSpPr>
+        <p:spPr/>
+        <p:txBody>
+          <a:bodyPr/>
+          <a:lstStyle/>
+          <a:p>
+            <a:fld id="{869FCAE3-2148-4EC4-A7B4-A35E953F750C}" type="datetime1">
+              <a:rPr lang="en-US" smtClean="0"/>
+              <a:t>3/28/2023</a:t>
+            </a:fld>
+            <a:endParaRPr lang="en-US" dirty="0"/>
+          </a:p>
+        </p:txBody>
+      </p:sp>
+      <p:sp>
+        <p:nvSpPr>
+          <p:cNvPr id="5" name="Espace réservé du numéro de diapositive 4">
+            <a:extLst>
+              <a:ext uri="{FF2B5EF4-FFF2-40B4-BE49-F238E27FC236}">
+                <a16:creationId xmlns:a16="http://schemas.microsoft.com/office/drawing/2014/main" id="{83714EF2-B3AF-5769-1C63-FFFF1485DFDD}"/>
+              </a:ext>
+            </a:extLst>
+          </p:cNvPr>
+          <p:cNvSpPr>
+            <a:spLocks noGrp="1"/>
+          </p:cNvSpPr>
+          <p:nvPr>
+            <p:ph type="sldNum" sz="quarter" idx="12"/>
+          </p:nvPr>
+        </p:nvSpPr>
+        <p:spPr/>
+        <p:txBody>
+          <a:bodyPr/>
+          <a:lstStyle/>
+          <a:p>
+            <a:fld id="{D57F1E4F-1CFF-5643-939E-217C01CDF565}" type="slidenum">
+              <a:rPr lang="en-US" smtClean="0"/>
+              <a:pPr/>
+              <a:t>11</a:t>
+            </a:fld>
+            <a:endParaRPr lang="en-US" dirty="0"/>
+          </a:p>
+        </p:txBody>
+      </p:sp>
+      <p:sp>
+        <p:nvSpPr>
+          <p:cNvPr id="6" name="Espace réservé du contenu 2">
+            <a:extLst>
+              <a:ext uri="{FF2B5EF4-FFF2-40B4-BE49-F238E27FC236}">
+                <a16:creationId xmlns:a16="http://schemas.microsoft.com/office/drawing/2014/main" id="{D0D30B43-9295-F8C1-8B2D-204A5C7FA571}"/>
+              </a:ext>
+            </a:extLst>
+          </p:cNvPr>
+          <p:cNvSpPr txBox="1">
+            <a:spLocks/>
+          </p:cNvSpPr>
+          <p:nvPr/>
+        </p:nvSpPr>
+        <p:spPr>
+          <a:xfrm>
+            <a:off x="9831575" y="4663713"/>
+            <a:ext cx="2055626" cy="1252175"/>
+          </a:xfrm>
+          <a:prstGeom prst="rect">
+            <a:avLst/>
+          </a:prstGeom>
+          <a:effectLst>
+            <a:outerShdw blurRad="50800" dir="14400000">
+              <a:srgbClr val="000000">
+                <a:alpha val="40000"/>
+              </a:srgbClr>
+            </a:outerShdw>
+          </a:effectLst>
+        </p:spPr>
+        <p:txBody>
+          <a:bodyPr vert="horz" lIns="91440" tIns="45720" rIns="91440" bIns="45720" rtlCol="0" anchor="t" anchorCtr="0">
+            <a:normAutofit/>
+          </a:bodyPr>
+          <a:lstStyle>
+            <a:lvl1pPr marL="342900" indent="-342900" algn="l" defTabSz="457200" rtl="0" eaLnBrk="1" latinLnBrk="0" hangingPunct="1">
+              <a:spcBef>
+                <a:spcPct val="20000"/>
+              </a:spcBef>
+              <a:spcAft>
+                <a:spcPts val="600"/>
+              </a:spcAft>
+              <a:buClr>
+                <a:schemeClr val="accent1"/>
+              </a:buClr>
+              <a:buFont typeface="Wingdings 2" charset="2"/>
+              <a:buChar char=""/>
+              <a:defRPr sz="1800" kern="1200">
+                <a:solidFill>
+                  <a:schemeClr val="tx1"/>
+                </a:solidFill>
+                <a:latin typeface="+mn-lt"/>
+                <a:ea typeface="+mn-ea"/>
+                <a:cs typeface="+mn-cs"/>
+              </a:defRPr>
+            </a:lvl1pPr>
+            <a:lvl2pPr marL="742950" indent="-285750" algn="l" defTabSz="457200" rtl="0" eaLnBrk="1" latinLnBrk="0" hangingPunct="1">
+              <a:spcBef>
+                <a:spcPct val="20000"/>
+              </a:spcBef>
+              <a:spcAft>
+                <a:spcPts val="600"/>
+              </a:spcAft>
+              <a:buClr>
+                <a:schemeClr val="accent1"/>
+              </a:buClr>
+              <a:buFont typeface="Wingdings 2" charset="2"/>
+              <a:buChar char=""/>
+              <a:defRPr sz="1600" kern="1200">
+                <a:solidFill>
+                  <a:schemeClr val="tx1"/>
+                </a:solidFill>
+                <a:latin typeface="+mn-lt"/>
+                <a:ea typeface="+mn-ea"/>
+                <a:cs typeface="+mn-cs"/>
+              </a:defRPr>
+            </a:lvl2pPr>
+            <a:lvl3pPr marL="1143000" indent="-228600" algn="l" defTabSz="457200" rtl="0" eaLnBrk="1" latinLnBrk="0" hangingPunct="1">
+              <a:spcBef>
+                <a:spcPct val="20000"/>
+              </a:spcBef>
+              <a:spcAft>
+                <a:spcPts val="600"/>
+              </a:spcAft>
+              <a:buClr>
+                <a:schemeClr val="accent1"/>
+              </a:buClr>
+              <a:buFont typeface="Wingdings 2" charset="2"/>
+              <a:buChar char=""/>
+              <a:defRPr sz="1400" kern="1200">
+                <a:solidFill>
+                  <a:schemeClr val="tx1"/>
+                </a:solidFill>
+                <a:latin typeface="+mn-lt"/>
+                <a:ea typeface="+mn-ea"/>
+                <a:cs typeface="+mn-cs"/>
+              </a:defRPr>
+            </a:lvl3pPr>
+            <a:lvl4pPr marL="1600200" indent="-228600" algn="l" defTabSz="457200" rtl="0" eaLnBrk="1" latinLnBrk="0" hangingPunct="1">
+              <a:spcBef>
+                <a:spcPct val="20000"/>
+              </a:spcBef>
+              <a:spcAft>
+                <a:spcPts val="600"/>
+              </a:spcAft>
+              <a:buClr>
+                <a:schemeClr val="accent1"/>
+              </a:buClr>
+              <a:buFont typeface="Wingdings 2" charset="2"/>
+              <a:buChar char=""/>
+              <a:defRPr sz="1200" kern="1200">
+                <a:solidFill>
+                  <a:schemeClr val="tx1"/>
+                </a:solidFill>
+                <a:latin typeface="+mn-lt"/>
+                <a:ea typeface="+mn-ea"/>
+                <a:cs typeface="+mn-cs"/>
+              </a:defRPr>
+            </a:lvl4pPr>
+            <a:lvl5pPr marL="2057400" indent="-228600" algn="l" defTabSz="457200" rtl="0" eaLnBrk="1" latinLnBrk="0" hangingPunct="1">
+              <a:spcBef>
+                <a:spcPct val="20000"/>
+              </a:spcBef>
+              <a:spcAft>
+                <a:spcPts val="600"/>
+              </a:spcAft>
+              <a:buClr>
+                <a:schemeClr val="accent1"/>
+              </a:buClr>
+              <a:buFont typeface="Wingdings 2" charset="2"/>
+              <a:buChar char=""/>
+              <a:defRPr sz="1200" kern="1200">
+                <a:solidFill>
+                  <a:schemeClr val="tx1"/>
+                </a:solidFill>
+                <a:latin typeface="+mn-lt"/>
+                <a:ea typeface="+mn-ea"/>
+                <a:cs typeface="+mn-cs"/>
+              </a:defRPr>
+            </a:lvl5pPr>
+            <a:lvl6pPr marL="2400000" indent="-228600" algn="l" defTabSz="457200" rtl="0" eaLnBrk="1" latinLnBrk="0" hangingPunct="1">
+              <a:spcBef>
+                <a:spcPct val="20000"/>
+              </a:spcBef>
+              <a:spcAft>
+                <a:spcPts val="600"/>
+              </a:spcAft>
+              <a:buClr>
+                <a:schemeClr val="accent1"/>
+              </a:buClr>
+              <a:buFont typeface="Wingdings 2" charset="2"/>
+              <a:buChar char=""/>
+              <a:defRPr sz="1200" kern="1200">
+                <a:solidFill>
+                  <a:schemeClr val="tx1"/>
+                </a:solidFill>
+                <a:latin typeface="+mn-lt"/>
+                <a:ea typeface="+mn-ea"/>
+                <a:cs typeface="+mn-cs"/>
+              </a:defRPr>
+            </a:lvl6pPr>
+            <a:lvl7pPr marL="2800000" indent="-228600" algn="l" defTabSz="457200" rtl="0" eaLnBrk="1" latinLnBrk="0" hangingPunct="1">
+              <a:spcBef>
+                <a:spcPct val="20000"/>
+              </a:spcBef>
+              <a:spcAft>
+                <a:spcPts val="600"/>
+              </a:spcAft>
+              <a:buClr>
+                <a:schemeClr val="accent1"/>
+              </a:buClr>
+              <a:buFont typeface="Wingdings 2" charset="2"/>
+              <a:buChar char=""/>
+              <a:defRPr sz="1200" kern="1200">
+                <a:solidFill>
+                  <a:schemeClr val="tx1"/>
+                </a:solidFill>
+                <a:latin typeface="+mn-lt"/>
+                <a:ea typeface="+mn-ea"/>
+                <a:cs typeface="+mn-cs"/>
+              </a:defRPr>
+            </a:lvl7pPr>
+            <a:lvl8pPr marL="3200000" indent="-228600" algn="l" defTabSz="457200" rtl="0" eaLnBrk="1" latinLnBrk="0" hangingPunct="1">
+              <a:spcBef>
+                <a:spcPct val="20000"/>
+              </a:spcBef>
+              <a:spcAft>
+                <a:spcPts val="600"/>
+              </a:spcAft>
+              <a:buClr>
+                <a:schemeClr val="accent1"/>
+              </a:buClr>
+              <a:buFont typeface="Wingdings 2" charset="2"/>
+              <a:buChar char=""/>
+              <a:defRPr sz="1200" kern="1200">
+                <a:solidFill>
+                  <a:schemeClr val="tx1"/>
+                </a:solidFill>
+                <a:latin typeface="+mn-lt"/>
+                <a:ea typeface="+mn-ea"/>
+                <a:cs typeface="+mn-cs"/>
+              </a:defRPr>
+            </a:lvl8pPr>
+            <a:lvl9pPr marL="3600000" indent="-228600" algn="l" defTabSz="457200" rtl="0" eaLnBrk="1" latinLnBrk="0" hangingPunct="1">
+              <a:spcBef>
+                <a:spcPct val="20000"/>
+              </a:spcBef>
+              <a:spcAft>
+                <a:spcPts val="600"/>
+              </a:spcAft>
+              <a:buClr>
+                <a:schemeClr val="accent1"/>
+              </a:buClr>
+              <a:buFont typeface="Wingdings 2" charset="2"/>
+              <a:buChar char=""/>
+              <a:defRPr sz="1200" kern="1200">
+                <a:solidFill>
+                  <a:schemeClr val="tx1"/>
+                </a:solidFill>
+                <a:latin typeface="+mn-lt"/>
+                <a:ea typeface="+mn-ea"/>
+                <a:cs typeface="+mn-cs"/>
+              </a:defRPr>
+            </a:lvl9pPr>
+          </a:lstStyle>
+          <a:p>
+            <a:r>
+              <a:rPr lang="fr-FR" dirty="0"/>
+              <a:t>Acc : 0.29</a:t>
+            </a:r>
+          </a:p>
+        </p:txBody>
+      </p:sp>
+      <p:pic>
+        <p:nvPicPr>
+          <p:cNvPr id="9218" name="Picture 2">
+            <a:extLst>
+              <a:ext uri="{FF2B5EF4-FFF2-40B4-BE49-F238E27FC236}">
+                <a16:creationId xmlns:a16="http://schemas.microsoft.com/office/drawing/2014/main" id="{ED08E05B-5662-BDBD-3D9B-A825132CDEF1}"/>
+              </a:ext>
+            </a:extLst>
+          </p:cNvPr>
+          <p:cNvPicPr>
+            <a:picLocks noChangeAspect="1" noChangeArrowheads="1"/>
+          </p:cNvPicPr>
+          <p:nvPr/>
+        </p:nvPicPr>
+        <p:blipFill>
+          <a:blip r:embed="rId2">
+            <a:extLst>
+              <a:ext uri="{28A0092B-C50C-407E-A947-70E740481C1C}">
+                <a14:useLocalDpi xmlns:a14="http://schemas.microsoft.com/office/drawing/2010/main" val="0"/>
+              </a:ext>
+            </a:extLst>
+          </a:blip>
+          <a:srcRect/>
+          <a:stretch>
+            <a:fillRect/>
+          </a:stretch>
+        </p:blipFill>
+        <p:spPr bwMode="auto">
+          <a:xfrm>
+            <a:off x="51087" y="3162470"/>
+            <a:ext cx="8463522" cy="3659901"/>
+          </a:xfrm>
+          <a:prstGeom prst="rect">
+            <a:avLst/>
+          </a:prstGeom>
+          <a:noFill/>
+          <a:extLst>
+            <a:ext uri="{909E8E84-426E-40DD-AFC4-6F175D3DCCD1}">
+              <a14:hiddenFill xmlns:a14="http://schemas.microsoft.com/office/drawing/2010/main">
+                <a:solidFill>
+                  <a:srgbClr val="FFFFFF"/>
+                </a:solidFill>
+              </a14:hiddenFill>
+            </a:ext>
+          </a:extLst>
+        </p:spPr>
+      </p:pic>
+    </p:spTree>
+    <p:extLst>
+      <p:ext uri="{BB962C8B-B14F-4D97-AF65-F5344CB8AC3E}">
+        <p14:creationId xmlns:p14="http://schemas.microsoft.com/office/powerpoint/2010/main" val="1134337860"/>
+      </p:ext>
+    </p:extLst>
+  </p:cSld>
+  <p:clrMapOvr>
+    <a:masterClrMapping/>
+  </p:clrMapOvr>
+</p:sld>
+</file>
+
+<file path=ppt/slides/slide12.xml><?xml version="1.0" encoding="utf-8"?>
+<p:sld xmlns:a="http://schemas.openxmlformats.org/drawingml/2006/main" xmlns:r="http://schemas.openxmlformats.org/officeDocument/2006/relationships" xmlns:p="http://schemas.openxmlformats.org/presentationml/2006/main">
+  <p:cSld>
+    <p:spTree>
+      <p:nvGrpSpPr>
+        <p:cNvPr id="1" name=""/>
+        <p:cNvGrpSpPr/>
+        <p:nvPr/>
+      </p:nvGrpSpPr>
+      <p:grpSpPr>
+        <a:xfrm>
+          <a:off x="0" y="0"/>
+          <a:ext cx="0" cy="0"/>
+          <a:chOff x="0" y="0"/>
+          <a:chExt cx="0" cy="0"/>
+        </a:xfrm>
+      </p:grpSpPr>
+      <p:sp>
+        <p:nvSpPr>
+          <p:cNvPr id="2" name="Titre 1">
+            <a:extLst>
+              <a:ext uri="{FF2B5EF4-FFF2-40B4-BE49-F238E27FC236}">
+                <a16:creationId xmlns:a16="http://schemas.microsoft.com/office/drawing/2014/main" id="{CC8DC5E3-547F-1CAC-74AA-8AD3A246DD5F}"/>
+              </a:ext>
+            </a:extLst>
+          </p:cNvPr>
+          <p:cNvSpPr>
+            <a:spLocks noGrp="1"/>
+          </p:cNvSpPr>
+          <p:nvPr>
+            <p:ph type="title"/>
+          </p:nvPr>
+        </p:nvSpPr>
+        <p:spPr/>
+        <p:txBody>
+          <a:bodyPr/>
+          <a:lstStyle/>
+          <a:p>
+            <a:r>
+              <a:rPr lang="fr-FR" sz="4000" b="1" dirty="0"/>
+              <a:t>Part 3 : </a:t>
+            </a:r>
+            <a:r>
+              <a:rPr lang="fr-FR" sz="4000" b="1" dirty="0" err="1"/>
+              <a:t>Text</a:t>
+            </a:r>
+            <a:r>
+              <a:rPr lang="fr-FR" sz="4000" b="1" dirty="0"/>
+              <a:t> classification </a:t>
+            </a:r>
+            <a:r>
+              <a:rPr lang="fr-FR" sz="4000" b="1" dirty="0" err="1"/>
+              <a:t>feasibility</a:t>
+            </a:r>
+            <a:endParaRPr lang="fr-FR" sz="4000" b="1" dirty="0"/>
+          </a:p>
+        </p:txBody>
+      </p:sp>
+      <p:sp>
+        <p:nvSpPr>
+          <p:cNvPr id="3" name="Espace réservé du contenu 2">
+            <a:extLst>
+              <a:ext uri="{FF2B5EF4-FFF2-40B4-BE49-F238E27FC236}">
+                <a16:creationId xmlns:a16="http://schemas.microsoft.com/office/drawing/2014/main" id="{E57A140B-F8CB-842C-F3E7-F5ECF42B665F}"/>
+              </a:ext>
+            </a:extLst>
+          </p:cNvPr>
+          <p:cNvSpPr>
+            <a:spLocks noGrp="1"/>
+          </p:cNvSpPr>
+          <p:nvPr>
+            <p:ph idx="1"/>
+          </p:nvPr>
+        </p:nvSpPr>
+        <p:spPr>
+          <a:xfrm>
+            <a:off x="810000" y="2174161"/>
+            <a:ext cx="10554574" cy="3636511"/>
+          </a:xfrm>
+        </p:spPr>
+        <p:txBody>
+          <a:bodyPr anchor="t" anchorCtr="0">
+            <a:normAutofit/>
+          </a:bodyPr>
+          <a:lstStyle/>
+          <a:p>
+            <a:r>
+              <a:rPr lang="fr-FR" dirty="0"/>
+              <a:t>4th </a:t>
+            </a:r>
+            <a:r>
+              <a:rPr lang="fr-FR" dirty="0" err="1"/>
+              <a:t>Approach</a:t>
+            </a:r>
+            <a:r>
+              <a:rPr lang="fr-FR" dirty="0"/>
+              <a:t> : Word </a:t>
+            </a:r>
+            <a:r>
+              <a:rPr lang="fr-FR" dirty="0" err="1"/>
+              <a:t>embedding</a:t>
+            </a:r>
+            <a:r>
+              <a:rPr lang="fr-FR" dirty="0"/>
+              <a:t> BERT</a:t>
+            </a:r>
+          </a:p>
+          <a:p>
+            <a:pPr lvl="1"/>
+            <a:r>
+              <a:rPr lang="en-US" i="1" dirty="0"/>
+              <a:t>BERT (Bidirectional Encoder Representations from Transformers) is a pre-trained deep learning model for natural language processing (NLP) that uses a transformer-based architecture to generate contextualized word embeddings.</a:t>
+            </a:r>
+          </a:p>
+          <a:p>
+            <a:pPr lvl="1"/>
+            <a:endParaRPr lang="en-US" i="1" dirty="0"/>
+          </a:p>
+          <a:p>
+            <a:pPr lvl="1"/>
+            <a:endParaRPr lang="en-US" i="1" dirty="0"/>
+          </a:p>
+          <a:p>
+            <a:pPr lvl="1"/>
+            <a:endParaRPr lang="en-US" i="1" dirty="0"/>
+          </a:p>
+          <a:p>
+            <a:pPr lvl="1"/>
+            <a:endParaRPr lang="en-US" i="1" dirty="0"/>
+          </a:p>
+          <a:p>
+            <a:pPr lvl="1"/>
+            <a:endParaRPr lang="fr-FR" i="1" dirty="0"/>
+          </a:p>
+        </p:txBody>
+      </p:sp>
+      <p:sp>
+        <p:nvSpPr>
+          <p:cNvPr id="4" name="Espace réservé de la date 3">
+            <a:extLst>
+              <a:ext uri="{FF2B5EF4-FFF2-40B4-BE49-F238E27FC236}">
+                <a16:creationId xmlns:a16="http://schemas.microsoft.com/office/drawing/2014/main" id="{CDACFC15-EC92-8C77-6720-CD3727DE2F16}"/>
+              </a:ext>
+            </a:extLst>
+          </p:cNvPr>
+          <p:cNvSpPr>
+            <a:spLocks noGrp="1"/>
+          </p:cNvSpPr>
+          <p:nvPr>
+            <p:ph type="dt" sz="half" idx="10"/>
+          </p:nvPr>
+        </p:nvSpPr>
+        <p:spPr/>
+        <p:txBody>
+          <a:bodyPr/>
+          <a:lstStyle/>
+          <a:p>
+            <a:fld id="{869FCAE3-2148-4EC4-A7B4-A35E953F750C}" type="datetime1">
+              <a:rPr lang="en-US" smtClean="0"/>
+              <a:t>3/28/2023</a:t>
+            </a:fld>
+            <a:endParaRPr lang="en-US" dirty="0"/>
+          </a:p>
+        </p:txBody>
+      </p:sp>
+      <p:sp>
+        <p:nvSpPr>
+          <p:cNvPr id="5" name="Espace réservé du numéro de diapositive 4">
+            <a:extLst>
+              <a:ext uri="{FF2B5EF4-FFF2-40B4-BE49-F238E27FC236}">
+                <a16:creationId xmlns:a16="http://schemas.microsoft.com/office/drawing/2014/main" id="{83714EF2-B3AF-5769-1C63-FFFF1485DFDD}"/>
+              </a:ext>
+            </a:extLst>
+          </p:cNvPr>
+          <p:cNvSpPr>
+            <a:spLocks noGrp="1"/>
+          </p:cNvSpPr>
+          <p:nvPr>
+            <p:ph type="sldNum" sz="quarter" idx="12"/>
+          </p:nvPr>
+        </p:nvSpPr>
+        <p:spPr/>
+        <p:txBody>
+          <a:bodyPr/>
+          <a:lstStyle/>
+          <a:p>
+            <a:fld id="{D57F1E4F-1CFF-5643-939E-217C01CDF565}" type="slidenum">
+              <a:rPr lang="en-US" smtClean="0"/>
+              <a:pPr/>
+              <a:t>12</a:t>
+            </a:fld>
+            <a:endParaRPr lang="en-US" dirty="0"/>
+          </a:p>
+        </p:txBody>
+      </p:sp>
+      <p:pic>
+        <p:nvPicPr>
+          <p:cNvPr id="10242" name="Picture 2">
+            <a:extLst>
+              <a:ext uri="{FF2B5EF4-FFF2-40B4-BE49-F238E27FC236}">
+                <a16:creationId xmlns:a16="http://schemas.microsoft.com/office/drawing/2014/main" id="{9F30FD35-591F-3375-CB82-07BC6F393C8D}"/>
+              </a:ext>
+            </a:extLst>
+          </p:cNvPr>
+          <p:cNvPicPr>
+            <a:picLocks noChangeAspect="1" noChangeArrowheads="1"/>
+          </p:cNvPicPr>
+          <p:nvPr/>
+        </p:nvPicPr>
+        <p:blipFill>
+          <a:blip r:embed="rId2">
+            <a:extLst>
+              <a:ext uri="{28A0092B-C50C-407E-A947-70E740481C1C}">
+                <a14:useLocalDpi xmlns:a14="http://schemas.microsoft.com/office/drawing/2010/main" val="0"/>
+              </a:ext>
+            </a:extLst>
+          </a:blip>
+          <a:srcRect/>
+          <a:stretch>
+            <a:fillRect/>
+          </a:stretch>
+        </p:blipFill>
+        <p:spPr bwMode="auto">
+          <a:xfrm>
+            <a:off x="31292" y="3402009"/>
+            <a:ext cx="7937051" cy="3432238"/>
+          </a:xfrm>
+          <a:prstGeom prst="rect">
+            <a:avLst/>
+          </a:prstGeom>
+          <a:noFill/>
+          <a:extLst>
+            <a:ext uri="{909E8E84-426E-40DD-AFC4-6F175D3DCCD1}">
+              <a14:hiddenFill xmlns:a14="http://schemas.microsoft.com/office/drawing/2010/main">
+                <a:solidFill>
+                  <a:srgbClr val="FFFFFF"/>
+                </a:solidFill>
+              </a14:hiddenFill>
+            </a:ext>
+          </a:extLst>
+        </p:spPr>
+      </p:pic>
+      <p:sp>
+        <p:nvSpPr>
+          <p:cNvPr id="6" name="Espace réservé du contenu 2">
+            <a:extLst>
+              <a:ext uri="{FF2B5EF4-FFF2-40B4-BE49-F238E27FC236}">
+                <a16:creationId xmlns:a16="http://schemas.microsoft.com/office/drawing/2014/main" id="{FFBCB6F4-36CB-E3B4-3A76-5D531ADCDDBC}"/>
+              </a:ext>
+            </a:extLst>
+          </p:cNvPr>
+          <p:cNvSpPr txBox="1">
+            <a:spLocks/>
+          </p:cNvSpPr>
+          <p:nvPr/>
+        </p:nvSpPr>
+        <p:spPr>
+          <a:xfrm>
+            <a:off x="9831575" y="4663713"/>
+            <a:ext cx="2055626" cy="1252175"/>
+          </a:xfrm>
+          <a:prstGeom prst="rect">
+            <a:avLst/>
+          </a:prstGeom>
+          <a:effectLst>
+            <a:outerShdw blurRad="50800" dir="14400000">
+              <a:srgbClr val="000000">
+                <a:alpha val="40000"/>
+              </a:srgbClr>
+            </a:outerShdw>
+          </a:effectLst>
+        </p:spPr>
+        <p:txBody>
+          <a:bodyPr vert="horz" lIns="91440" tIns="45720" rIns="91440" bIns="45720" rtlCol="0" anchor="t" anchorCtr="0">
+            <a:normAutofit/>
+          </a:bodyPr>
+          <a:lstStyle>
+            <a:lvl1pPr marL="342900" indent="-342900" algn="l" defTabSz="457200" rtl="0" eaLnBrk="1" latinLnBrk="0" hangingPunct="1">
+              <a:spcBef>
+                <a:spcPct val="20000"/>
+              </a:spcBef>
+              <a:spcAft>
+                <a:spcPts val="600"/>
+              </a:spcAft>
+              <a:buClr>
+                <a:schemeClr val="accent1"/>
+              </a:buClr>
+              <a:buFont typeface="Wingdings 2" charset="2"/>
+              <a:buChar char=""/>
+              <a:defRPr sz="1800" kern="1200">
+                <a:solidFill>
+                  <a:schemeClr val="tx1"/>
+                </a:solidFill>
+                <a:latin typeface="+mn-lt"/>
+                <a:ea typeface="+mn-ea"/>
+                <a:cs typeface="+mn-cs"/>
+              </a:defRPr>
+            </a:lvl1pPr>
+            <a:lvl2pPr marL="742950" indent="-285750" algn="l" defTabSz="457200" rtl="0" eaLnBrk="1" latinLnBrk="0" hangingPunct="1">
+              <a:spcBef>
+                <a:spcPct val="20000"/>
+              </a:spcBef>
+              <a:spcAft>
+                <a:spcPts val="600"/>
+              </a:spcAft>
+              <a:buClr>
+                <a:schemeClr val="accent1"/>
+              </a:buClr>
+              <a:buFont typeface="Wingdings 2" charset="2"/>
+              <a:buChar char=""/>
+              <a:defRPr sz="1600" kern="1200">
+                <a:solidFill>
+                  <a:schemeClr val="tx1"/>
+                </a:solidFill>
+                <a:latin typeface="+mn-lt"/>
+                <a:ea typeface="+mn-ea"/>
+                <a:cs typeface="+mn-cs"/>
+              </a:defRPr>
+            </a:lvl2pPr>
+            <a:lvl3pPr marL="1143000" indent="-228600" algn="l" defTabSz="457200" rtl="0" eaLnBrk="1" latinLnBrk="0" hangingPunct="1">
+              <a:spcBef>
+                <a:spcPct val="20000"/>
+              </a:spcBef>
+              <a:spcAft>
+                <a:spcPts val="600"/>
+              </a:spcAft>
+              <a:buClr>
+                <a:schemeClr val="accent1"/>
+              </a:buClr>
+              <a:buFont typeface="Wingdings 2" charset="2"/>
+              <a:buChar char=""/>
+              <a:defRPr sz="1400" kern="1200">
+                <a:solidFill>
+                  <a:schemeClr val="tx1"/>
+                </a:solidFill>
+                <a:latin typeface="+mn-lt"/>
+                <a:ea typeface="+mn-ea"/>
+                <a:cs typeface="+mn-cs"/>
+              </a:defRPr>
+            </a:lvl3pPr>
+            <a:lvl4pPr marL="1600200" indent="-228600" algn="l" defTabSz="457200" rtl="0" eaLnBrk="1" latinLnBrk="0" hangingPunct="1">
+              <a:spcBef>
+                <a:spcPct val="20000"/>
+              </a:spcBef>
+              <a:spcAft>
+                <a:spcPts val="600"/>
+              </a:spcAft>
+              <a:buClr>
+                <a:schemeClr val="accent1"/>
+              </a:buClr>
+              <a:buFont typeface="Wingdings 2" charset="2"/>
+              <a:buChar char=""/>
+              <a:defRPr sz="1200" kern="1200">
+                <a:solidFill>
+                  <a:schemeClr val="tx1"/>
+                </a:solidFill>
+                <a:latin typeface="+mn-lt"/>
+                <a:ea typeface="+mn-ea"/>
+                <a:cs typeface="+mn-cs"/>
+              </a:defRPr>
+            </a:lvl4pPr>
+            <a:lvl5pPr marL="2057400" indent="-228600" algn="l" defTabSz="457200" rtl="0" eaLnBrk="1" latinLnBrk="0" hangingPunct="1">
+              <a:spcBef>
+                <a:spcPct val="20000"/>
+              </a:spcBef>
+              <a:spcAft>
+                <a:spcPts val="600"/>
+              </a:spcAft>
+              <a:buClr>
+                <a:schemeClr val="accent1"/>
+              </a:buClr>
+              <a:buFont typeface="Wingdings 2" charset="2"/>
+              <a:buChar char=""/>
+              <a:defRPr sz="1200" kern="1200">
+                <a:solidFill>
+                  <a:schemeClr val="tx1"/>
+                </a:solidFill>
+                <a:latin typeface="+mn-lt"/>
+                <a:ea typeface="+mn-ea"/>
+                <a:cs typeface="+mn-cs"/>
+              </a:defRPr>
+            </a:lvl5pPr>
+            <a:lvl6pPr marL="2400000" indent="-228600" algn="l" defTabSz="457200" rtl="0" eaLnBrk="1" latinLnBrk="0" hangingPunct="1">
+              <a:spcBef>
+                <a:spcPct val="20000"/>
+              </a:spcBef>
+              <a:spcAft>
+                <a:spcPts val="600"/>
+              </a:spcAft>
+              <a:buClr>
+                <a:schemeClr val="accent1"/>
+              </a:buClr>
+              <a:buFont typeface="Wingdings 2" charset="2"/>
+              <a:buChar char=""/>
+              <a:defRPr sz="1200" kern="1200">
+                <a:solidFill>
+                  <a:schemeClr val="tx1"/>
+                </a:solidFill>
+                <a:latin typeface="+mn-lt"/>
+                <a:ea typeface="+mn-ea"/>
+                <a:cs typeface="+mn-cs"/>
+              </a:defRPr>
+            </a:lvl6pPr>
+            <a:lvl7pPr marL="2800000" indent="-228600" algn="l" defTabSz="457200" rtl="0" eaLnBrk="1" latinLnBrk="0" hangingPunct="1">
+              <a:spcBef>
+                <a:spcPct val="20000"/>
+              </a:spcBef>
+              <a:spcAft>
+                <a:spcPts val="600"/>
+              </a:spcAft>
+              <a:buClr>
+                <a:schemeClr val="accent1"/>
+              </a:buClr>
+              <a:buFont typeface="Wingdings 2" charset="2"/>
+              <a:buChar char=""/>
+              <a:defRPr sz="1200" kern="1200">
+                <a:solidFill>
+                  <a:schemeClr val="tx1"/>
+                </a:solidFill>
+                <a:latin typeface="+mn-lt"/>
+                <a:ea typeface="+mn-ea"/>
+                <a:cs typeface="+mn-cs"/>
+              </a:defRPr>
+            </a:lvl7pPr>
+            <a:lvl8pPr marL="3200000" indent="-228600" algn="l" defTabSz="457200" rtl="0" eaLnBrk="1" latinLnBrk="0" hangingPunct="1">
+              <a:spcBef>
+                <a:spcPct val="20000"/>
+              </a:spcBef>
+              <a:spcAft>
+                <a:spcPts val="600"/>
+              </a:spcAft>
+              <a:buClr>
+                <a:schemeClr val="accent1"/>
+              </a:buClr>
+              <a:buFont typeface="Wingdings 2" charset="2"/>
+              <a:buChar char=""/>
+              <a:defRPr sz="1200" kern="1200">
+                <a:solidFill>
+                  <a:schemeClr val="tx1"/>
+                </a:solidFill>
+                <a:latin typeface="+mn-lt"/>
+                <a:ea typeface="+mn-ea"/>
+                <a:cs typeface="+mn-cs"/>
+              </a:defRPr>
+            </a:lvl8pPr>
+            <a:lvl9pPr marL="3600000" indent="-228600" algn="l" defTabSz="457200" rtl="0" eaLnBrk="1" latinLnBrk="0" hangingPunct="1">
+              <a:spcBef>
+                <a:spcPct val="20000"/>
+              </a:spcBef>
+              <a:spcAft>
+                <a:spcPts val="600"/>
+              </a:spcAft>
+              <a:buClr>
+                <a:schemeClr val="accent1"/>
+              </a:buClr>
+              <a:buFont typeface="Wingdings 2" charset="2"/>
+              <a:buChar char=""/>
+              <a:defRPr sz="1200" kern="1200">
+                <a:solidFill>
+                  <a:schemeClr val="tx1"/>
+                </a:solidFill>
+                <a:latin typeface="+mn-lt"/>
+                <a:ea typeface="+mn-ea"/>
+                <a:cs typeface="+mn-cs"/>
+              </a:defRPr>
+            </a:lvl9pPr>
+          </a:lstStyle>
+          <a:p>
+            <a:r>
+              <a:rPr lang="fr-FR" dirty="0"/>
+              <a:t>Acc : 0.28</a:t>
+            </a:r>
+          </a:p>
+        </p:txBody>
+      </p:sp>
+    </p:spTree>
+    <p:extLst>
+      <p:ext uri="{BB962C8B-B14F-4D97-AF65-F5344CB8AC3E}">
+        <p14:creationId xmlns:p14="http://schemas.microsoft.com/office/powerpoint/2010/main" val="1773225599"/>
+      </p:ext>
+    </p:extLst>
+  </p:cSld>
+  <p:clrMapOvr>
+    <a:masterClrMapping/>
+  </p:clrMapOvr>
+</p:sld>
+</file>
+
+<file path=ppt/slides/slide13.xml><?xml version="1.0" encoding="utf-8"?>
+<p:sld xmlns:a="http://schemas.openxmlformats.org/drawingml/2006/main" xmlns:r="http://schemas.openxmlformats.org/officeDocument/2006/relationships" xmlns:p="http://schemas.openxmlformats.org/presentationml/2006/main">
+  <p:cSld>
+    <p:spTree>
+      <p:nvGrpSpPr>
+        <p:cNvPr id="1" name=""/>
+        <p:cNvGrpSpPr/>
+        <p:nvPr/>
+      </p:nvGrpSpPr>
+      <p:grpSpPr>
+        <a:xfrm>
+          <a:off x="0" y="0"/>
+          <a:ext cx="0" cy="0"/>
+          <a:chOff x="0" y="0"/>
+          <a:chExt cx="0" cy="0"/>
+        </a:xfrm>
+      </p:grpSpPr>
+      <p:sp>
+        <p:nvSpPr>
+          <p:cNvPr id="2" name="Titre 1">
+            <a:extLst>
+              <a:ext uri="{FF2B5EF4-FFF2-40B4-BE49-F238E27FC236}">
+                <a16:creationId xmlns:a16="http://schemas.microsoft.com/office/drawing/2014/main" id="{CC8DC5E3-547F-1CAC-74AA-8AD3A246DD5F}"/>
+              </a:ext>
+            </a:extLst>
+          </p:cNvPr>
+          <p:cNvSpPr>
+            <a:spLocks noGrp="1"/>
+          </p:cNvSpPr>
+          <p:nvPr>
+            <p:ph type="title"/>
+          </p:nvPr>
+        </p:nvSpPr>
+        <p:spPr/>
+        <p:txBody>
+          <a:bodyPr/>
+          <a:lstStyle/>
+          <a:p>
+            <a:r>
+              <a:rPr lang="fr-FR" sz="4000" b="1" dirty="0"/>
+              <a:t>Part 3 : </a:t>
+            </a:r>
+            <a:r>
+              <a:rPr lang="fr-FR" sz="4000" b="1" dirty="0" err="1"/>
+              <a:t>Text</a:t>
+            </a:r>
+            <a:r>
+              <a:rPr lang="fr-FR" sz="4000" b="1" dirty="0"/>
+              <a:t> classification </a:t>
+            </a:r>
+            <a:r>
+              <a:rPr lang="fr-FR" sz="4000" b="1" dirty="0" err="1"/>
+              <a:t>feasibility</a:t>
+            </a:r>
+            <a:endParaRPr lang="fr-FR" sz="4000" b="1" dirty="0"/>
+          </a:p>
+        </p:txBody>
+      </p:sp>
+      <p:sp>
+        <p:nvSpPr>
+          <p:cNvPr id="3" name="Espace réservé du contenu 2">
+            <a:extLst>
+              <a:ext uri="{FF2B5EF4-FFF2-40B4-BE49-F238E27FC236}">
+                <a16:creationId xmlns:a16="http://schemas.microsoft.com/office/drawing/2014/main" id="{E57A140B-F8CB-842C-F3E7-F5ECF42B665F}"/>
+              </a:ext>
+            </a:extLst>
+          </p:cNvPr>
+          <p:cNvSpPr>
+            <a:spLocks noGrp="1"/>
+          </p:cNvSpPr>
+          <p:nvPr>
+            <p:ph idx="1"/>
+          </p:nvPr>
+        </p:nvSpPr>
+        <p:spPr>
+          <a:xfrm>
+            <a:off x="810000" y="2174161"/>
+            <a:ext cx="10554574" cy="3636511"/>
+          </a:xfrm>
+        </p:spPr>
+        <p:txBody>
+          <a:bodyPr anchor="t" anchorCtr="0">
+            <a:normAutofit/>
+          </a:bodyPr>
+          <a:lstStyle/>
+          <a:p>
+            <a:r>
+              <a:rPr lang="fr-FR" dirty="0"/>
+              <a:t>5th </a:t>
+            </a:r>
+            <a:r>
+              <a:rPr lang="fr-FR" dirty="0" err="1"/>
+              <a:t>Approach</a:t>
+            </a:r>
+            <a:r>
+              <a:rPr lang="fr-FR" dirty="0"/>
+              <a:t> : Word </a:t>
+            </a:r>
+            <a:r>
+              <a:rPr lang="fr-FR" dirty="0" err="1"/>
+              <a:t>embedding</a:t>
+            </a:r>
+            <a:r>
+              <a:rPr lang="fr-FR" dirty="0"/>
+              <a:t> USE</a:t>
+            </a:r>
+          </a:p>
+          <a:p>
+            <a:pPr lvl="1"/>
+            <a:r>
+              <a:rPr lang="en-US" i="1" dirty="0"/>
+              <a:t>USE (Universal Sentence Encoder) is a pre-trained deep learning model for encoding and embedding sentences and short text inputs into high-dimensional vectors that capture semantic information and meaning.</a:t>
+            </a:r>
+          </a:p>
+          <a:p>
+            <a:pPr lvl="1"/>
+            <a:endParaRPr lang="en-US" i="1" dirty="0"/>
+          </a:p>
+          <a:p>
+            <a:pPr lvl="1"/>
+            <a:endParaRPr lang="en-US" i="1" dirty="0"/>
+          </a:p>
+          <a:p>
+            <a:pPr lvl="1"/>
+            <a:endParaRPr lang="en-US" i="1" dirty="0"/>
+          </a:p>
+          <a:p>
+            <a:pPr lvl="1"/>
+            <a:endParaRPr lang="en-US" i="1" dirty="0"/>
+          </a:p>
+          <a:p>
+            <a:pPr lvl="1"/>
+            <a:endParaRPr lang="fr-FR" i="1" dirty="0"/>
+          </a:p>
+        </p:txBody>
+      </p:sp>
+      <p:sp>
+        <p:nvSpPr>
+          <p:cNvPr id="4" name="Espace réservé de la date 3">
+            <a:extLst>
+              <a:ext uri="{FF2B5EF4-FFF2-40B4-BE49-F238E27FC236}">
+                <a16:creationId xmlns:a16="http://schemas.microsoft.com/office/drawing/2014/main" id="{CDACFC15-EC92-8C77-6720-CD3727DE2F16}"/>
+              </a:ext>
+            </a:extLst>
+          </p:cNvPr>
+          <p:cNvSpPr>
+            <a:spLocks noGrp="1"/>
+          </p:cNvSpPr>
+          <p:nvPr>
+            <p:ph type="dt" sz="half" idx="10"/>
+          </p:nvPr>
+        </p:nvSpPr>
+        <p:spPr/>
+        <p:txBody>
+          <a:bodyPr/>
+          <a:lstStyle/>
+          <a:p>
+            <a:fld id="{869FCAE3-2148-4EC4-A7B4-A35E953F750C}" type="datetime1">
+              <a:rPr lang="en-US" smtClean="0"/>
+              <a:t>3/28/2023</a:t>
+            </a:fld>
+            <a:endParaRPr lang="en-US" dirty="0"/>
+          </a:p>
+        </p:txBody>
+      </p:sp>
+      <p:sp>
+        <p:nvSpPr>
+          <p:cNvPr id="5" name="Espace réservé du numéro de diapositive 4">
+            <a:extLst>
+              <a:ext uri="{FF2B5EF4-FFF2-40B4-BE49-F238E27FC236}">
+                <a16:creationId xmlns:a16="http://schemas.microsoft.com/office/drawing/2014/main" id="{83714EF2-B3AF-5769-1C63-FFFF1485DFDD}"/>
+              </a:ext>
+            </a:extLst>
+          </p:cNvPr>
+          <p:cNvSpPr>
+            <a:spLocks noGrp="1"/>
+          </p:cNvSpPr>
+          <p:nvPr>
+            <p:ph type="sldNum" sz="quarter" idx="12"/>
+          </p:nvPr>
+        </p:nvSpPr>
+        <p:spPr/>
+        <p:txBody>
+          <a:bodyPr/>
+          <a:lstStyle/>
+          <a:p>
+            <a:fld id="{D57F1E4F-1CFF-5643-939E-217C01CDF565}" type="slidenum">
+              <a:rPr lang="en-US" smtClean="0"/>
+              <a:pPr/>
+              <a:t>13</a:t>
+            </a:fld>
+            <a:endParaRPr lang="en-US" dirty="0"/>
+          </a:p>
+        </p:txBody>
+      </p:sp>
+      <p:pic>
+        <p:nvPicPr>
+          <p:cNvPr id="11266" name="Picture 2">
+            <a:extLst>
+              <a:ext uri="{FF2B5EF4-FFF2-40B4-BE49-F238E27FC236}">
+                <a16:creationId xmlns:a16="http://schemas.microsoft.com/office/drawing/2014/main" id="{361464FA-E248-4182-1BA5-2CBFC0E55973}"/>
+              </a:ext>
+            </a:extLst>
+          </p:cNvPr>
+          <p:cNvPicPr>
+            <a:picLocks noChangeAspect="1" noChangeArrowheads="1"/>
+          </p:cNvPicPr>
+          <p:nvPr/>
+        </p:nvPicPr>
+        <p:blipFill>
+          <a:blip r:embed="rId2">
+            <a:extLst>
+              <a:ext uri="{28A0092B-C50C-407E-A947-70E740481C1C}">
+                <a14:useLocalDpi xmlns:a14="http://schemas.microsoft.com/office/drawing/2010/main" val="0"/>
+              </a:ext>
+            </a:extLst>
+          </a:blip>
+          <a:srcRect/>
+          <a:stretch>
+            <a:fillRect/>
+          </a:stretch>
+        </p:blipFill>
+        <p:spPr bwMode="auto">
+          <a:xfrm>
+            <a:off x="51087" y="3408964"/>
+            <a:ext cx="7893506" cy="3413408"/>
+          </a:xfrm>
+          <a:prstGeom prst="rect">
+            <a:avLst/>
+          </a:prstGeom>
+          <a:noFill/>
+          <a:extLst>
+            <a:ext uri="{909E8E84-426E-40DD-AFC4-6F175D3DCCD1}">
+              <a14:hiddenFill xmlns:a14="http://schemas.microsoft.com/office/drawing/2010/main">
+                <a:solidFill>
+                  <a:srgbClr val="FFFFFF"/>
+                </a:solidFill>
+              </a14:hiddenFill>
+            </a:ext>
+          </a:extLst>
+        </p:spPr>
+      </p:pic>
+      <p:sp>
+        <p:nvSpPr>
+          <p:cNvPr id="6" name="Espace réservé du contenu 2">
+            <a:extLst>
+              <a:ext uri="{FF2B5EF4-FFF2-40B4-BE49-F238E27FC236}">
+                <a16:creationId xmlns:a16="http://schemas.microsoft.com/office/drawing/2014/main" id="{D892EEDA-DD22-FA95-C834-45AA83CA7095}"/>
+              </a:ext>
+            </a:extLst>
+          </p:cNvPr>
+          <p:cNvSpPr txBox="1">
+            <a:spLocks/>
+          </p:cNvSpPr>
+          <p:nvPr/>
+        </p:nvSpPr>
+        <p:spPr>
+          <a:xfrm>
+            <a:off x="9831575" y="4663713"/>
+            <a:ext cx="2055626" cy="1252175"/>
+          </a:xfrm>
+          <a:prstGeom prst="rect">
+            <a:avLst/>
+          </a:prstGeom>
+          <a:effectLst>
+            <a:outerShdw blurRad="50800" dir="14400000">
+              <a:srgbClr val="000000">
+                <a:alpha val="40000"/>
+              </a:srgbClr>
+            </a:outerShdw>
+          </a:effectLst>
+        </p:spPr>
+        <p:txBody>
+          <a:bodyPr vert="horz" lIns="91440" tIns="45720" rIns="91440" bIns="45720" rtlCol="0" anchor="t" anchorCtr="0">
+            <a:normAutofit/>
+          </a:bodyPr>
+          <a:lstStyle>
+            <a:lvl1pPr marL="342900" indent="-342900" algn="l" defTabSz="457200" rtl="0" eaLnBrk="1" latinLnBrk="0" hangingPunct="1">
+              <a:spcBef>
+                <a:spcPct val="20000"/>
+              </a:spcBef>
+              <a:spcAft>
+                <a:spcPts val="600"/>
+              </a:spcAft>
+              <a:buClr>
+                <a:schemeClr val="accent1"/>
+              </a:buClr>
+              <a:buFont typeface="Wingdings 2" charset="2"/>
+              <a:buChar char=""/>
+              <a:defRPr sz="1800" kern="1200">
+                <a:solidFill>
+                  <a:schemeClr val="tx1"/>
+                </a:solidFill>
+                <a:latin typeface="+mn-lt"/>
+                <a:ea typeface="+mn-ea"/>
+                <a:cs typeface="+mn-cs"/>
+              </a:defRPr>
+            </a:lvl1pPr>
+            <a:lvl2pPr marL="742950" indent="-285750" algn="l" defTabSz="457200" rtl="0" eaLnBrk="1" latinLnBrk="0" hangingPunct="1">
+              <a:spcBef>
+                <a:spcPct val="20000"/>
+              </a:spcBef>
+              <a:spcAft>
+                <a:spcPts val="600"/>
+              </a:spcAft>
+              <a:buClr>
+                <a:schemeClr val="accent1"/>
+              </a:buClr>
+              <a:buFont typeface="Wingdings 2" charset="2"/>
+              <a:buChar char=""/>
+              <a:defRPr sz="1600" kern="1200">
+                <a:solidFill>
+                  <a:schemeClr val="tx1"/>
+                </a:solidFill>
+                <a:latin typeface="+mn-lt"/>
+                <a:ea typeface="+mn-ea"/>
+                <a:cs typeface="+mn-cs"/>
+              </a:defRPr>
+            </a:lvl2pPr>
+            <a:lvl3pPr marL="1143000" indent="-228600" algn="l" defTabSz="457200" rtl="0" eaLnBrk="1" latinLnBrk="0" hangingPunct="1">
+              <a:spcBef>
+                <a:spcPct val="20000"/>
+              </a:spcBef>
+              <a:spcAft>
+                <a:spcPts val="600"/>
+              </a:spcAft>
+              <a:buClr>
+                <a:schemeClr val="accent1"/>
+              </a:buClr>
+              <a:buFont typeface="Wingdings 2" charset="2"/>
+              <a:buChar char=""/>
+              <a:defRPr sz="1400" kern="1200">
+                <a:solidFill>
+                  <a:schemeClr val="tx1"/>
+                </a:solidFill>
+                <a:latin typeface="+mn-lt"/>
+                <a:ea typeface="+mn-ea"/>
+                <a:cs typeface="+mn-cs"/>
+              </a:defRPr>
+            </a:lvl3pPr>
+            <a:lvl4pPr marL="1600200" indent="-228600" algn="l" defTabSz="457200" rtl="0" eaLnBrk="1" latinLnBrk="0" hangingPunct="1">
+              <a:spcBef>
+                <a:spcPct val="20000"/>
+              </a:spcBef>
+              <a:spcAft>
+                <a:spcPts val="600"/>
+              </a:spcAft>
+              <a:buClr>
+                <a:schemeClr val="accent1"/>
+              </a:buClr>
+              <a:buFont typeface="Wingdings 2" charset="2"/>
+              <a:buChar char=""/>
+              <a:defRPr sz="1200" kern="1200">
+                <a:solidFill>
+                  <a:schemeClr val="tx1"/>
+                </a:solidFill>
+                <a:latin typeface="+mn-lt"/>
+                <a:ea typeface="+mn-ea"/>
+                <a:cs typeface="+mn-cs"/>
+              </a:defRPr>
+            </a:lvl4pPr>
+            <a:lvl5pPr marL="2057400" indent="-228600" algn="l" defTabSz="457200" rtl="0" eaLnBrk="1" latinLnBrk="0" hangingPunct="1">
+              <a:spcBef>
+                <a:spcPct val="20000"/>
+              </a:spcBef>
+              <a:spcAft>
+                <a:spcPts val="600"/>
+              </a:spcAft>
+              <a:buClr>
+                <a:schemeClr val="accent1"/>
+              </a:buClr>
+              <a:buFont typeface="Wingdings 2" charset="2"/>
+              <a:buChar char=""/>
+              <a:defRPr sz="1200" kern="1200">
+                <a:solidFill>
+                  <a:schemeClr val="tx1"/>
+                </a:solidFill>
+                <a:latin typeface="+mn-lt"/>
+                <a:ea typeface="+mn-ea"/>
+                <a:cs typeface="+mn-cs"/>
+              </a:defRPr>
+            </a:lvl5pPr>
+            <a:lvl6pPr marL="2400000" indent="-228600" algn="l" defTabSz="457200" rtl="0" eaLnBrk="1" latinLnBrk="0" hangingPunct="1">
+              <a:spcBef>
+                <a:spcPct val="20000"/>
+              </a:spcBef>
+              <a:spcAft>
+                <a:spcPts val="600"/>
+              </a:spcAft>
+              <a:buClr>
+                <a:schemeClr val="accent1"/>
+              </a:buClr>
+              <a:buFont typeface="Wingdings 2" charset="2"/>
+              <a:buChar char=""/>
+              <a:defRPr sz="1200" kern="1200">
+                <a:solidFill>
+                  <a:schemeClr val="tx1"/>
+                </a:solidFill>
+                <a:latin typeface="+mn-lt"/>
+                <a:ea typeface="+mn-ea"/>
+                <a:cs typeface="+mn-cs"/>
+              </a:defRPr>
+            </a:lvl6pPr>
+            <a:lvl7pPr marL="2800000" indent="-228600" algn="l" defTabSz="457200" rtl="0" eaLnBrk="1" latinLnBrk="0" hangingPunct="1">
+              <a:spcBef>
+                <a:spcPct val="20000"/>
+              </a:spcBef>
+              <a:spcAft>
+                <a:spcPts val="600"/>
+              </a:spcAft>
+              <a:buClr>
+                <a:schemeClr val="accent1"/>
+              </a:buClr>
+              <a:buFont typeface="Wingdings 2" charset="2"/>
+              <a:buChar char=""/>
+              <a:defRPr sz="1200" kern="1200">
+                <a:solidFill>
+                  <a:schemeClr val="tx1"/>
+                </a:solidFill>
+                <a:latin typeface="+mn-lt"/>
+                <a:ea typeface="+mn-ea"/>
+                <a:cs typeface="+mn-cs"/>
+              </a:defRPr>
+            </a:lvl7pPr>
+            <a:lvl8pPr marL="3200000" indent="-228600" algn="l" defTabSz="457200" rtl="0" eaLnBrk="1" latinLnBrk="0" hangingPunct="1">
+              <a:spcBef>
+                <a:spcPct val="20000"/>
+              </a:spcBef>
+              <a:spcAft>
+                <a:spcPts val="600"/>
+              </a:spcAft>
+              <a:buClr>
+                <a:schemeClr val="accent1"/>
+              </a:buClr>
+              <a:buFont typeface="Wingdings 2" charset="2"/>
+              <a:buChar char=""/>
+              <a:defRPr sz="1200" kern="1200">
+                <a:solidFill>
+                  <a:schemeClr val="tx1"/>
+                </a:solidFill>
+                <a:latin typeface="+mn-lt"/>
+                <a:ea typeface="+mn-ea"/>
+                <a:cs typeface="+mn-cs"/>
+              </a:defRPr>
+            </a:lvl8pPr>
+            <a:lvl9pPr marL="3600000" indent="-228600" algn="l" defTabSz="457200" rtl="0" eaLnBrk="1" latinLnBrk="0" hangingPunct="1">
+              <a:spcBef>
+                <a:spcPct val="20000"/>
+              </a:spcBef>
+              <a:spcAft>
+                <a:spcPts val="600"/>
+              </a:spcAft>
+              <a:buClr>
+                <a:schemeClr val="accent1"/>
+              </a:buClr>
+              <a:buFont typeface="Wingdings 2" charset="2"/>
+              <a:buChar char=""/>
+              <a:defRPr sz="1200" kern="1200">
+                <a:solidFill>
+                  <a:schemeClr val="tx1"/>
+                </a:solidFill>
+                <a:latin typeface="+mn-lt"/>
+                <a:ea typeface="+mn-ea"/>
+                <a:cs typeface="+mn-cs"/>
+              </a:defRPr>
+            </a:lvl9pPr>
+          </a:lstStyle>
+          <a:p>
+            <a:r>
+              <a:rPr lang="fr-FR" dirty="0"/>
+              <a:t>Acc : 0.44</a:t>
+            </a:r>
+          </a:p>
+        </p:txBody>
+      </p:sp>
+    </p:spTree>
+    <p:extLst>
+      <p:ext uri="{BB962C8B-B14F-4D97-AF65-F5344CB8AC3E}">
+        <p14:creationId xmlns:p14="http://schemas.microsoft.com/office/powerpoint/2010/main" val="919382921"/>
+      </p:ext>
+    </p:extLst>
+  </p:cSld>
+  <p:clrMapOvr>
+    <a:masterClrMapping/>
+  </p:clrMapOvr>
+</p:sld>
+</file>
+
+<file path=ppt/slides/slide14.xml><?xml version="1.0" encoding="utf-8"?>
+<p:sld xmlns:a="http://schemas.openxmlformats.org/drawingml/2006/main" xmlns:r="http://schemas.openxmlformats.org/officeDocument/2006/relationships" xmlns:p="http://schemas.openxmlformats.org/presentationml/2006/main">
+  <p:cSld>
+    <p:spTree>
+      <p:nvGrpSpPr>
+        <p:cNvPr id="1" name=""/>
+        <p:cNvGrpSpPr/>
+        <p:nvPr/>
+      </p:nvGrpSpPr>
+      <p:grpSpPr>
+        <a:xfrm>
+          <a:off x="0" y="0"/>
+          <a:ext cx="0" cy="0"/>
+          <a:chOff x="0" y="0"/>
+          <a:chExt cx="0" cy="0"/>
+        </a:xfrm>
+      </p:grpSpPr>
+      <p:sp>
+        <p:nvSpPr>
+          <p:cNvPr id="2" name="Titre 1">
+            <a:extLst>
+              <a:ext uri="{FF2B5EF4-FFF2-40B4-BE49-F238E27FC236}">
+                <a16:creationId xmlns:a16="http://schemas.microsoft.com/office/drawing/2014/main" id="{CC8DC5E3-547F-1CAC-74AA-8AD3A246DD5F}"/>
+              </a:ext>
+            </a:extLst>
+          </p:cNvPr>
+          <p:cNvSpPr>
+            <a:spLocks noGrp="1"/>
+          </p:cNvSpPr>
+          <p:nvPr>
+            <p:ph type="title"/>
+          </p:nvPr>
+        </p:nvSpPr>
+        <p:spPr/>
+        <p:txBody>
+          <a:bodyPr/>
+          <a:lstStyle/>
+          <a:p>
+            <a:r>
+              <a:rPr lang="fr-FR" sz="4000" b="1" dirty="0"/>
+              <a:t>Part 4 : Image classification </a:t>
+            </a:r>
+            <a:r>
+              <a:rPr lang="fr-FR" sz="4000" b="1" dirty="0" err="1"/>
+              <a:t>feasibility</a:t>
+            </a:r>
+            <a:endParaRPr lang="fr-FR" sz="4000" b="1" dirty="0"/>
+          </a:p>
+        </p:txBody>
+      </p:sp>
+      <p:sp>
+        <p:nvSpPr>
+          <p:cNvPr id="3" name="Espace réservé du contenu 2">
+            <a:extLst>
+              <a:ext uri="{FF2B5EF4-FFF2-40B4-BE49-F238E27FC236}">
+                <a16:creationId xmlns:a16="http://schemas.microsoft.com/office/drawing/2014/main" id="{E57A140B-F8CB-842C-F3E7-F5ECF42B665F}"/>
+              </a:ext>
+            </a:extLst>
+          </p:cNvPr>
+          <p:cNvSpPr>
+            <a:spLocks noGrp="1"/>
+          </p:cNvSpPr>
+          <p:nvPr>
+            <p:ph idx="1"/>
+          </p:nvPr>
+        </p:nvSpPr>
+        <p:spPr>
+          <a:xfrm>
+            <a:off x="810000" y="2174161"/>
+            <a:ext cx="10554574" cy="3636511"/>
+          </a:xfrm>
+        </p:spPr>
+        <p:txBody>
+          <a:bodyPr anchor="t" anchorCtr="0">
+            <a:normAutofit/>
+          </a:bodyPr>
+          <a:lstStyle/>
+          <a:p>
+            <a:r>
+              <a:rPr lang="fr-FR" dirty="0"/>
+              <a:t>1st </a:t>
+            </a:r>
+            <a:r>
+              <a:rPr lang="fr-FR" dirty="0" err="1"/>
+              <a:t>approach</a:t>
+            </a:r>
+            <a:r>
+              <a:rPr lang="fr-FR" dirty="0"/>
+              <a:t> : SIFT</a:t>
+            </a:r>
+          </a:p>
+          <a:p>
+            <a:pPr lvl="1"/>
+            <a:r>
+              <a:rPr lang="en-US" i="1" dirty="0"/>
+              <a:t>SIFT (Scale-Invariant Feature Transform) is a computer vision algorithm used for feature detection and description of local </a:t>
+            </a:r>
+            <a:r>
+              <a:rPr lang="en-US" i="1" dirty="0" err="1"/>
+              <a:t>keypoints</a:t>
+            </a:r>
+            <a:r>
+              <a:rPr lang="en-US" i="1" dirty="0"/>
+              <a:t> in images.</a:t>
+            </a:r>
+            <a:endParaRPr lang="fr-FR" i="1" dirty="0"/>
+          </a:p>
+        </p:txBody>
+      </p:sp>
+      <p:sp>
+        <p:nvSpPr>
+          <p:cNvPr id="4" name="Espace réservé de la date 3">
+            <a:extLst>
+              <a:ext uri="{FF2B5EF4-FFF2-40B4-BE49-F238E27FC236}">
+                <a16:creationId xmlns:a16="http://schemas.microsoft.com/office/drawing/2014/main" id="{FE4CBB04-6343-5AD9-1F90-96ED5CF26CAE}"/>
+              </a:ext>
+            </a:extLst>
+          </p:cNvPr>
+          <p:cNvSpPr>
+            <a:spLocks noGrp="1"/>
+          </p:cNvSpPr>
+          <p:nvPr>
+            <p:ph type="dt" sz="half" idx="10"/>
+          </p:nvPr>
+        </p:nvSpPr>
+        <p:spPr/>
+        <p:txBody>
+          <a:bodyPr/>
+          <a:lstStyle/>
+          <a:p>
+            <a:fld id="{12B4ACCD-1085-4E95-90B7-9239FD28BE42}" type="datetime1">
+              <a:rPr lang="en-US" smtClean="0"/>
+              <a:t>3/28/2023</a:t>
+            </a:fld>
+            <a:endParaRPr lang="en-US" dirty="0"/>
+          </a:p>
+        </p:txBody>
+      </p:sp>
+      <p:sp>
+        <p:nvSpPr>
+          <p:cNvPr id="5" name="Espace réservé du numéro de diapositive 4">
+            <a:extLst>
+              <a:ext uri="{FF2B5EF4-FFF2-40B4-BE49-F238E27FC236}">
+                <a16:creationId xmlns:a16="http://schemas.microsoft.com/office/drawing/2014/main" id="{7B6798E4-D93C-1E85-82A8-C73B44F215BA}"/>
+              </a:ext>
+            </a:extLst>
+          </p:cNvPr>
+          <p:cNvSpPr>
+            <a:spLocks noGrp="1"/>
+          </p:cNvSpPr>
+          <p:nvPr>
+            <p:ph type="sldNum" sz="quarter" idx="12"/>
+          </p:nvPr>
+        </p:nvSpPr>
+        <p:spPr/>
+        <p:txBody>
+          <a:bodyPr/>
+          <a:lstStyle/>
+          <a:p>
+            <a:fld id="{D57F1E4F-1CFF-5643-939E-217C01CDF565}" type="slidenum">
+              <a:rPr lang="en-US" smtClean="0"/>
+              <a:pPr/>
+              <a:t>14</a:t>
+            </a:fld>
+            <a:endParaRPr lang="en-US" dirty="0"/>
+          </a:p>
+        </p:txBody>
+      </p:sp>
+      <p:pic>
+        <p:nvPicPr>
+          <p:cNvPr id="12290" name="Picture 2">
+            <a:extLst>
+              <a:ext uri="{FF2B5EF4-FFF2-40B4-BE49-F238E27FC236}">
+                <a16:creationId xmlns:a16="http://schemas.microsoft.com/office/drawing/2014/main" id="{85D75BF2-5B22-1B81-6B0D-16598327728D}"/>
+              </a:ext>
+            </a:extLst>
+          </p:cNvPr>
+          <p:cNvPicPr>
+            <a:picLocks noChangeAspect="1" noChangeArrowheads="1"/>
+          </p:cNvPicPr>
+          <p:nvPr/>
+        </p:nvPicPr>
+        <p:blipFill>
+          <a:blip r:embed="rId2">
+            <a:extLst>
+              <a:ext uri="{28A0092B-C50C-407E-A947-70E740481C1C}">
+                <a14:useLocalDpi xmlns:a14="http://schemas.microsoft.com/office/drawing/2010/main" val="0"/>
+              </a:ext>
+            </a:extLst>
+          </a:blip>
+          <a:srcRect/>
+          <a:stretch>
+            <a:fillRect/>
+          </a:stretch>
+        </p:blipFill>
+        <p:spPr bwMode="auto">
+          <a:xfrm>
+            <a:off x="3090872" y="3309791"/>
+            <a:ext cx="4533086" cy="3483143"/>
+          </a:xfrm>
+          <a:prstGeom prst="rect">
+            <a:avLst/>
+          </a:prstGeom>
+          <a:noFill/>
+          <a:extLst>
+            <a:ext uri="{909E8E84-426E-40DD-AFC4-6F175D3DCCD1}">
+              <a14:hiddenFill xmlns:a14="http://schemas.microsoft.com/office/drawing/2010/main">
+                <a:solidFill>
+                  <a:srgbClr val="FFFFFF"/>
+                </a:solidFill>
+              </a14:hiddenFill>
+            </a:ext>
+          </a:extLst>
+        </p:spPr>
+      </p:pic>
+    </p:spTree>
+    <p:extLst>
+      <p:ext uri="{BB962C8B-B14F-4D97-AF65-F5344CB8AC3E}">
+        <p14:creationId xmlns:p14="http://schemas.microsoft.com/office/powerpoint/2010/main" val="4070953170"/>
+      </p:ext>
+    </p:extLst>
+  </p:cSld>
+  <p:clrMapOvr>
+    <a:masterClrMapping/>
+  </p:clrMapOvr>
+</p:sld>
+</file>
+
+<file path=ppt/slides/slide15.xml><?xml version="1.0" encoding="utf-8"?>
+<p:sld xmlns:a="http://schemas.openxmlformats.org/drawingml/2006/main" xmlns:r="http://schemas.openxmlformats.org/officeDocument/2006/relationships" xmlns:p="http://schemas.openxmlformats.org/presentationml/2006/main">
+  <p:cSld>
+    <p:spTree>
+      <p:nvGrpSpPr>
+        <p:cNvPr id="1" name=""/>
+        <p:cNvGrpSpPr/>
+        <p:nvPr/>
+      </p:nvGrpSpPr>
+      <p:grpSpPr>
+        <a:xfrm>
+          <a:off x="0" y="0"/>
+          <a:ext cx="0" cy="0"/>
+          <a:chOff x="0" y="0"/>
+          <a:chExt cx="0" cy="0"/>
+        </a:xfrm>
+      </p:grpSpPr>
+      <p:sp>
+        <p:nvSpPr>
+          <p:cNvPr id="2" name="Titre 1">
+            <a:extLst>
+              <a:ext uri="{FF2B5EF4-FFF2-40B4-BE49-F238E27FC236}">
+                <a16:creationId xmlns:a16="http://schemas.microsoft.com/office/drawing/2014/main" id="{CC8DC5E3-547F-1CAC-74AA-8AD3A246DD5F}"/>
+              </a:ext>
+            </a:extLst>
+          </p:cNvPr>
+          <p:cNvSpPr>
+            <a:spLocks noGrp="1"/>
+          </p:cNvSpPr>
+          <p:nvPr>
+            <p:ph type="title"/>
+          </p:nvPr>
+        </p:nvSpPr>
+        <p:spPr/>
+        <p:txBody>
+          <a:bodyPr/>
+          <a:lstStyle/>
+          <a:p>
+            <a:r>
+              <a:rPr lang="fr-FR" sz="4000" b="1" dirty="0"/>
+              <a:t>Part 4 : Image classification </a:t>
+            </a:r>
+            <a:r>
+              <a:rPr lang="fr-FR" sz="4000" b="1" dirty="0" err="1"/>
+              <a:t>feasibility</a:t>
+            </a:r>
+            <a:endParaRPr lang="fr-FR" sz="4000" b="1" dirty="0"/>
+          </a:p>
+        </p:txBody>
+      </p:sp>
+      <p:sp>
+        <p:nvSpPr>
+          <p:cNvPr id="3" name="Espace réservé du contenu 2">
+            <a:extLst>
+              <a:ext uri="{FF2B5EF4-FFF2-40B4-BE49-F238E27FC236}">
+                <a16:creationId xmlns:a16="http://schemas.microsoft.com/office/drawing/2014/main" id="{E57A140B-F8CB-842C-F3E7-F5ECF42B665F}"/>
+              </a:ext>
+            </a:extLst>
+          </p:cNvPr>
+          <p:cNvSpPr>
+            <a:spLocks noGrp="1"/>
+          </p:cNvSpPr>
+          <p:nvPr>
+            <p:ph idx="1"/>
+          </p:nvPr>
+        </p:nvSpPr>
+        <p:spPr>
+          <a:xfrm>
+            <a:off x="810000" y="2174161"/>
+            <a:ext cx="10554574" cy="3636511"/>
+          </a:xfrm>
+        </p:spPr>
+        <p:txBody>
+          <a:bodyPr anchor="t" anchorCtr="0">
+            <a:normAutofit/>
+          </a:bodyPr>
+          <a:lstStyle/>
+          <a:p>
+            <a:r>
+              <a:rPr lang="fr-FR" dirty="0"/>
+              <a:t>1st </a:t>
+            </a:r>
+            <a:r>
+              <a:rPr lang="fr-FR" dirty="0" err="1"/>
+              <a:t>approach</a:t>
+            </a:r>
+            <a:r>
+              <a:rPr lang="fr-FR" dirty="0"/>
+              <a:t> : SIFT</a:t>
+            </a:r>
+          </a:p>
+        </p:txBody>
+      </p:sp>
+      <p:sp>
+        <p:nvSpPr>
+          <p:cNvPr id="4" name="Espace réservé de la date 3">
+            <a:extLst>
+              <a:ext uri="{FF2B5EF4-FFF2-40B4-BE49-F238E27FC236}">
+                <a16:creationId xmlns:a16="http://schemas.microsoft.com/office/drawing/2014/main" id="{FE4CBB04-6343-5AD9-1F90-96ED5CF26CAE}"/>
+              </a:ext>
+            </a:extLst>
+          </p:cNvPr>
+          <p:cNvSpPr>
+            <a:spLocks noGrp="1"/>
+          </p:cNvSpPr>
+          <p:nvPr>
+            <p:ph type="dt" sz="half" idx="10"/>
+          </p:nvPr>
+        </p:nvSpPr>
+        <p:spPr/>
+        <p:txBody>
+          <a:bodyPr/>
+          <a:lstStyle/>
+          <a:p>
+            <a:fld id="{12B4ACCD-1085-4E95-90B7-9239FD28BE42}" type="datetime1">
+              <a:rPr lang="en-US" smtClean="0"/>
+              <a:t>3/28/2023</a:t>
+            </a:fld>
+            <a:endParaRPr lang="en-US" dirty="0"/>
+          </a:p>
+        </p:txBody>
+      </p:sp>
+      <p:sp>
+        <p:nvSpPr>
+          <p:cNvPr id="5" name="Espace réservé du numéro de diapositive 4">
+            <a:extLst>
+              <a:ext uri="{FF2B5EF4-FFF2-40B4-BE49-F238E27FC236}">
+                <a16:creationId xmlns:a16="http://schemas.microsoft.com/office/drawing/2014/main" id="{7B6798E4-D93C-1E85-82A8-C73B44F215BA}"/>
+              </a:ext>
+            </a:extLst>
+          </p:cNvPr>
+          <p:cNvSpPr>
+            <a:spLocks noGrp="1"/>
+          </p:cNvSpPr>
+          <p:nvPr>
+            <p:ph type="sldNum" sz="quarter" idx="12"/>
+          </p:nvPr>
+        </p:nvSpPr>
+        <p:spPr/>
+        <p:txBody>
+          <a:bodyPr/>
+          <a:lstStyle/>
+          <a:p>
+            <a:fld id="{D57F1E4F-1CFF-5643-939E-217C01CDF565}" type="slidenum">
+              <a:rPr lang="en-US" smtClean="0"/>
+              <a:pPr/>
+              <a:t>15</a:t>
+            </a:fld>
+            <a:endParaRPr lang="en-US" dirty="0"/>
+          </a:p>
+        </p:txBody>
+      </p:sp>
+      <p:pic>
+        <p:nvPicPr>
+          <p:cNvPr id="14338" name="Picture 2">
+            <a:extLst>
+              <a:ext uri="{FF2B5EF4-FFF2-40B4-BE49-F238E27FC236}">
+                <a16:creationId xmlns:a16="http://schemas.microsoft.com/office/drawing/2014/main" id="{B2FD85DF-6E97-1E72-2B2A-5B34DA597FC6}"/>
+              </a:ext>
+            </a:extLst>
+          </p:cNvPr>
+          <p:cNvPicPr>
+            <a:picLocks noChangeAspect="1" noChangeArrowheads="1"/>
+          </p:cNvPicPr>
+          <p:nvPr/>
+        </p:nvPicPr>
+        <p:blipFill>
+          <a:blip r:embed="rId2">
+            <a:extLst>
+              <a:ext uri="{28A0092B-C50C-407E-A947-70E740481C1C}">
+                <a14:useLocalDpi xmlns:a14="http://schemas.microsoft.com/office/drawing/2010/main" val="0"/>
+              </a:ext>
+            </a:extLst>
+          </a:blip>
+          <a:srcRect/>
+          <a:stretch>
+            <a:fillRect/>
+          </a:stretch>
+        </p:blipFill>
+        <p:spPr bwMode="auto">
+          <a:xfrm>
+            <a:off x="40061" y="3366936"/>
+            <a:ext cx="5261168" cy="2674426"/>
+          </a:xfrm>
+          <a:prstGeom prst="rect">
+            <a:avLst/>
+          </a:prstGeom>
+          <a:noFill/>
+          <a:extLst>
+            <a:ext uri="{909E8E84-426E-40DD-AFC4-6F175D3DCCD1}">
+              <a14:hiddenFill xmlns:a14="http://schemas.microsoft.com/office/drawing/2010/main">
+                <a:solidFill>
+                  <a:srgbClr val="FFFFFF"/>
+                </a:solidFill>
+              </a14:hiddenFill>
+            </a:ext>
+          </a:extLst>
+        </p:spPr>
+      </p:pic>
+      <p:pic>
+        <p:nvPicPr>
+          <p:cNvPr id="14340" name="Picture 4">
+            <a:extLst>
+              <a:ext uri="{FF2B5EF4-FFF2-40B4-BE49-F238E27FC236}">
+                <a16:creationId xmlns:a16="http://schemas.microsoft.com/office/drawing/2014/main" id="{43396678-FCF2-81A3-A44C-F5D0C4545665}"/>
+              </a:ext>
+            </a:extLst>
+          </p:cNvPr>
+          <p:cNvPicPr>
+            <a:picLocks noChangeAspect="1" noChangeArrowheads="1"/>
+          </p:cNvPicPr>
+          <p:nvPr/>
+        </p:nvPicPr>
+        <p:blipFill>
+          <a:blip r:embed="rId3">
+            <a:extLst>
+              <a:ext uri="{28A0092B-C50C-407E-A947-70E740481C1C}">
+                <a14:useLocalDpi xmlns:a14="http://schemas.microsoft.com/office/drawing/2010/main" val="0"/>
+              </a:ext>
+            </a:extLst>
+          </a:blip>
+          <a:srcRect/>
+          <a:stretch>
+            <a:fillRect/>
+          </a:stretch>
+        </p:blipFill>
+        <p:spPr bwMode="auto">
+          <a:xfrm>
+            <a:off x="5626883" y="3362640"/>
+            <a:ext cx="4125060" cy="2678721"/>
+          </a:xfrm>
+          <a:prstGeom prst="rect">
+            <a:avLst/>
+          </a:prstGeom>
+          <a:noFill/>
+          <a:extLst>
+            <a:ext uri="{909E8E84-426E-40DD-AFC4-6F175D3DCCD1}">
+              <a14:hiddenFill xmlns:a14="http://schemas.microsoft.com/office/drawing/2010/main">
+                <a:solidFill>
+                  <a:srgbClr val="FFFFFF"/>
+                </a:solidFill>
+              </a14:hiddenFill>
+            </a:ext>
+          </a:extLst>
+        </p:spPr>
+      </p:pic>
+      <p:sp>
+        <p:nvSpPr>
+          <p:cNvPr id="6" name="Espace réservé du contenu 2">
+            <a:extLst>
+              <a:ext uri="{FF2B5EF4-FFF2-40B4-BE49-F238E27FC236}">
+                <a16:creationId xmlns:a16="http://schemas.microsoft.com/office/drawing/2014/main" id="{4353FD2B-5F97-002F-EC99-C1307EB30B41}"/>
+              </a:ext>
+            </a:extLst>
+          </p:cNvPr>
+          <p:cNvSpPr txBox="1">
+            <a:spLocks/>
+          </p:cNvSpPr>
+          <p:nvPr/>
+        </p:nvSpPr>
+        <p:spPr>
+          <a:xfrm>
+            <a:off x="9831575" y="4663713"/>
+            <a:ext cx="2055626" cy="1252175"/>
+          </a:xfrm>
+          <a:prstGeom prst="rect">
+            <a:avLst/>
+          </a:prstGeom>
+          <a:effectLst>
+            <a:outerShdw blurRad="50800" dir="14400000">
+              <a:srgbClr val="000000">
+                <a:alpha val="40000"/>
+              </a:srgbClr>
+            </a:outerShdw>
+          </a:effectLst>
+        </p:spPr>
+        <p:txBody>
+          <a:bodyPr vert="horz" lIns="91440" tIns="45720" rIns="91440" bIns="45720" rtlCol="0" anchor="t" anchorCtr="0">
+            <a:normAutofit/>
+          </a:bodyPr>
+          <a:lstStyle>
+            <a:lvl1pPr marL="342900" indent="-342900" algn="l" defTabSz="457200" rtl="0" eaLnBrk="1" latinLnBrk="0" hangingPunct="1">
+              <a:spcBef>
+                <a:spcPct val="20000"/>
+              </a:spcBef>
+              <a:spcAft>
+                <a:spcPts val="600"/>
+              </a:spcAft>
+              <a:buClr>
+                <a:schemeClr val="accent1"/>
+              </a:buClr>
+              <a:buFont typeface="Wingdings 2" charset="2"/>
+              <a:buChar char=""/>
+              <a:defRPr sz="1800" kern="1200">
+                <a:solidFill>
+                  <a:schemeClr val="tx1"/>
+                </a:solidFill>
+                <a:latin typeface="+mn-lt"/>
+                <a:ea typeface="+mn-ea"/>
+                <a:cs typeface="+mn-cs"/>
+              </a:defRPr>
+            </a:lvl1pPr>
+            <a:lvl2pPr marL="742950" indent="-285750" algn="l" defTabSz="457200" rtl="0" eaLnBrk="1" latinLnBrk="0" hangingPunct="1">
+              <a:spcBef>
+                <a:spcPct val="20000"/>
+              </a:spcBef>
+              <a:spcAft>
+                <a:spcPts val="600"/>
+              </a:spcAft>
+              <a:buClr>
+                <a:schemeClr val="accent1"/>
+              </a:buClr>
+              <a:buFont typeface="Wingdings 2" charset="2"/>
+              <a:buChar char=""/>
+              <a:defRPr sz="1600" kern="1200">
+                <a:solidFill>
+                  <a:schemeClr val="tx1"/>
+                </a:solidFill>
+                <a:latin typeface="+mn-lt"/>
+                <a:ea typeface="+mn-ea"/>
+                <a:cs typeface="+mn-cs"/>
+              </a:defRPr>
+            </a:lvl2pPr>
+            <a:lvl3pPr marL="1143000" indent="-228600" algn="l" defTabSz="457200" rtl="0" eaLnBrk="1" latinLnBrk="0" hangingPunct="1">
+              <a:spcBef>
+                <a:spcPct val="20000"/>
+              </a:spcBef>
+              <a:spcAft>
+                <a:spcPts val="600"/>
+              </a:spcAft>
+              <a:buClr>
+                <a:schemeClr val="accent1"/>
+              </a:buClr>
+              <a:buFont typeface="Wingdings 2" charset="2"/>
+              <a:buChar char=""/>
+              <a:defRPr sz="1400" kern="1200">
+                <a:solidFill>
+                  <a:schemeClr val="tx1"/>
+                </a:solidFill>
+                <a:latin typeface="+mn-lt"/>
+                <a:ea typeface="+mn-ea"/>
+                <a:cs typeface="+mn-cs"/>
+              </a:defRPr>
+            </a:lvl3pPr>
+            <a:lvl4pPr marL="1600200" indent="-228600" algn="l" defTabSz="457200" rtl="0" eaLnBrk="1" latinLnBrk="0" hangingPunct="1">
+              <a:spcBef>
+                <a:spcPct val="20000"/>
+              </a:spcBef>
+              <a:spcAft>
+                <a:spcPts val="600"/>
+              </a:spcAft>
+              <a:buClr>
+                <a:schemeClr val="accent1"/>
+              </a:buClr>
+              <a:buFont typeface="Wingdings 2" charset="2"/>
+              <a:buChar char=""/>
+              <a:defRPr sz="1200" kern="1200">
+                <a:solidFill>
+                  <a:schemeClr val="tx1"/>
+                </a:solidFill>
+                <a:latin typeface="+mn-lt"/>
+                <a:ea typeface="+mn-ea"/>
+                <a:cs typeface="+mn-cs"/>
+              </a:defRPr>
+            </a:lvl4pPr>
+            <a:lvl5pPr marL="2057400" indent="-228600" algn="l" defTabSz="457200" rtl="0" eaLnBrk="1" latinLnBrk="0" hangingPunct="1">
+              <a:spcBef>
+                <a:spcPct val="20000"/>
+              </a:spcBef>
+              <a:spcAft>
+                <a:spcPts val="600"/>
+              </a:spcAft>
+              <a:buClr>
+                <a:schemeClr val="accent1"/>
+              </a:buClr>
+              <a:buFont typeface="Wingdings 2" charset="2"/>
+              <a:buChar char=""/>
+              <a:defRPr sz="1200" kern="1200">
+                <a:solidFill>
+                  <a:schemeClr val="tx1"/>
+                </a:solidFill>
+                <a:latin typeface="+mn-lt"/>
+                <a:ea typeface="+mn-ea"/>
+                <a:cs typeface="+mn-cs"/>
+              </a:defRPr>
+            </a:lvl5pPr>
+            <a:lvl6pPr marL="2400000" indent="-228600" algn="l" defTabSz="457200" rtl="0" eaLnBrk="1" latinLnBrk="0" hangingPunct="1">
+              <a:spcBef>
+                <a:spcPct val="20000"/>
+              </a:spcBef>
+              <a:spcAft>
+                <a:spcPts val="600"/>
+              </a:spcAft>
+              <a:buClr>
+                <a:schemeClr val="accent1"/>
+              </a:buClr>
+              <a:buFont typeface="Wingdings 2" charset="2"/>
+              <a:buChar char=""/>
+              <a:defRPr sz="1200" kern="1200">
+                <a:solidFill>
+                  <a:schemeClr val="tx1"/>
+                </a:solidFill>
+                <a:latin typeface="+mn-lt"/>
+                <a:ea typeface="+mn-ea"/>
+                <a:cs typeface="+mn-cs"/>
+              </a:defRPr>
+            </a:lvl6pPr>
+            <a:lvl7pPr marL="2800000" indent="-228600" algn="l" defTabSz="457200" rtl="0" eaLnBrk="1" latinLnBrk="0" hangingPunct="1">
+              <a:spcBef>
+                <a:spcPct val="20000"/>
+              </a:spcBef>
+              <a:spcAft>
+                <a:spcPts val="600"/>
+              </a:spcAft>
+              <a:buClr>
+                <a:schemeClr val="accent1"/>
+              </a:buClr>
+              <a:buFont typeface="Wingdings 2" charset="2"/>
+              <a:buChar char=""/>
+              <a:defRPr sz="1200" kern="1200">
+                <a:solidFill>
+                  <a:schemeClr val="tx1"/>
+                </a:solidFill>
+                <a:latin typeface="+mn-lt"/>
+                <a:ea typeface="+mn-ea"/>
+                <a:cs typeface="+mn-cs"/>
+              </a:defRPr>
+            </a:lvl7pPr>
+            <a:lvl8pPr marL="3200000" indent="-228600" algn="l" defTabSz="457200" rtl="0" eaLnBrk="1" latinLnBrk="0" hangingPunct="1">
+              <a:spcBef>
+                <a:spcPct val="20000"/>
+              </a:spcBef>
+              <a:spcAft>
+                <a:spcPts val="600"/>
+              </a:spcAft>
+              <a:buClr>
+                <a:schemeClr val="accent1"/>
+              </a:buClr>
+              <a:buFont typeface="Wingdings 2" charset="2"/>
+              <a:buChar char=""/>
+              <a:defRPr sz="1200" kern="1200">
+                <a:solidFill>
+                  <a:schemeClr val="tx1"/>
+                </a:solidFill>
+                <a:latin typeface="+mn-lt"/>
+                <a:ea typeface="+mn-ea"/>
+                <a:cs typeface="+mn-cs"/>
+              </a:defRPr>
+            </a:lvl8pPr>
+            <a:lvl9pPr marL="3600000" indent="-228600" algn="l" defTabSz="457200" rtl="0" eaLnBrk="1" latinLnBrk="0" hangingPunct="1">
+              <a:spcBef>
+                <a:spcPct val="20000"/>
+              </a:spcBef>
+              <a:spcAft>
+                <a:spcPts val="600"/>
+              </a:spcAft>
+              <a:buClr>
+                <a:schemeClr val="accent1"/>
+              </a:buClr>
+              <a:buFont typeface="Wingdings 2" charset="2"/>
+              <a:buChar char=""/>
+              <a:defRPr sz="1200" kern="1200">
+                <a:solidFill>
+                  <a:schemeClr val="tx1"/>
+                </a:solidFill>
+                <a:latin typeface="+mn-lt"/>
+                <a:ea typeface="+mn-ea"/>
+                <a:cs typeface="+mn-cs"/>
+              </a:defRPr>
+            </a:lvl9pPr>
+          </a:lstStyle>
+          <a:p>
+            <a:r>
+              <a:rPr lang="fr-FR" dirty="0"/>
+              <a:t>Acc : 0.05</a:t>
+            </a:r>
+          </a:p>
+        </p:txBody>
+      </p:sp>
+    </p:spTree>
+    <p:extLst>
+      <p:ext uri="{BB962C8B-B14F-4D97-AF65-F5344CB8AC3E}">
+        <p14:creationId xmlns:p14="http://schemas.microsoft.com/office/powerpoint/2010/main" val="1215568588"/>
+      </p:ext>
+    </p:extLst>
+  </p:cSld>
+  <p:clrMapOvr>
+    <a:masterClrMapping/>
+  </p:clrMapOvr>
+</p:sld>
+</file>
+
+<file path=ppt/slides/slide16.xml><?xml version="1.0" encoding="utf-8"?>
+<p:sld xmlns:a="http://schemas.openxmlformats.org/drawingml/2006/main" xmlns:r="http://schemas.openxmlformats.org/officeDocument/2006/relationships" xmlns:p="http://schemas.openxmlformats.org/presentationml/2006/main">
+  <p:cSld>
+    <p:spTree>
+      <p:nvGrpSpPr>
+        <p:cNvPr id="1" name=""/>
+        <p:cNvGrpSpPr/>
+        <p:nvPr/>
+      </p:nvGrpSpPr>
+      <p:grpSpPr>
+        <a:xfrm>
+          <a:off x="0" y="0"/>
+          <a:ext cx="0" cy="0"/>
+          <a:chOff x="0" y="0"/>
+          <a:chExt cx="0" cy="0"/>
+        </a:xfrm>
+      </p:grpSpPr>
+      <p:sp>
+        <p:nvSpPr>
+          <p:cNvPr id="2" name="Titre 1">
+            <a:extLst>
+              <a:ext uri="{FF2B5EF4-FFF2-40B4-BE49-F238E27FC236}">
+                <a16:creationId xmlns:a16="http://schemas.microsoft.com/office/drawing/2014/main" id="{CC8DC5E3-547F-1CAC-74AA-8AD3A246DD5F}"/>
+              </a:ext>
+            </a:extLst>
+          </p:cNvPr>
+          <p:cNvSpPr>
+            <a:spLocks noGrp="1"/>
+          </p:cNvSpPr>
+          <p:nvPr>
+            <p:ph type="title"/>
+          </p:nvPr>
+        </p:nvSpPr>
+        <p:spPr/>
+        <p:txBody>
+          <a:bodyPr/>
+          <a:lstStyle/>
+          <a:p>
+            <a:r>
+              <a:rPr lang="fr-FR" sz="4000" b="1" dirty="0"/>
+              <a:t>Part 4 : Image classification </a:t>
+            </a:r>
+            <a:r>
+              <a:rPr lang="fr-FR" sz="4000" b="1" dirty="0" err="1"/>
+              <a:t>feasibility</a:t>
+            </a:r>
+            <a:endParaRPr lang="fr-FR" sz="4000" b="1" dirty="0"/>
+          </a:p>
+        </p:txBody>
+      </p:sp>
+      <p:sp>
+        <p:nvSpPr>
+          <p:cNvPr id="3" name="Espace réservé du contenu 2">
+            <a:extLst>
+              <a:ext uri="{FF2B5EF4-FFF2-40B4-BE49-F238E27FC236}">
+                <a16:creationId xmlns:a16="http://schemas.microsoft.com/office/drawing/2014/main" id="{E57A140B-F8CB-842C-F3E7-F5ECF42B665F}"/>
+              </a:ext>
+            </a:extLst>
+          </p:cNvPr>
+          <p:cNvSpPr>
+            <a:spLocks noGrp="1"/>
+          </p:cNvSpPr>
+          <p:nvPr>
+            <p:ph idx="1"/>
+          </p:nvPr>
+        </p:nvSpPr>
+        <p:spPr>
+          <a:xfrm>
+            <a:off x="810000" y="2174161"/>
+            <a:ext cx="10554574" cy="3636511"/>
+          </a:xfrm>
+        </p:spPr>
+        <p:txBody>
+          <a:bodyPr anchor="t" anchorCtr="0">
+            <a:normAutofit/>
+          </a:bodyPr>
+          <a:lstStyle/>
+          <a:p>
+            <a:r>
+              <a:rPr lang="fr-FR" dirty="0"/>
+              <a:t>1st </a:t>
+            </a:r>
+            <a:r>
+              <a:rPr lang="fr-FR" dirty="0" err="1"/>
+              <a:t>approach</a:t>
+            </a:r>
+            <a:r>
+              <a:rPr lang="fr-FR" dirty="0"/>
+              <a:t> : SIFT</a:t>
+            </a:r>
+          </a:p>
+        </p:txBody>
+      </p:sp>
+      <p:sp>
+        <p:nvSpPr>
+          <p:cNvPr id="4" name="Espace réservé de la date 3">
+            <a:extLst>
+              <a:ext uri="{FF2B5EF4-FFF2-40B4-BE49-F238E27FC236}">
+                <a16:creationId xmlns:a16="http://schemas.microsoft.com/office/drawing/2014/main" id="{FE4CBB04-6343-5AD9-1F90-96ED5CF26CAE}"/>
+              </a:ext>
+            </a:extLst>
+          </p:cNvPr>
+          <p:cNvSpPr>
+            <a:spLocks noGrp="1"/>
+          </p:cNvSpPr>
+          <p:nvPr>
+            <p:ph type="dt" sz="half" idx="10"/>
+          </p:nvPr>
+        </p:nvSpPr>
+        <p:spPr/>
+        <p:txBody>
+          <a:bodyPr/>
+          <a:lstStyle/>
+          <a:p>
+            <a:fld id="{12B4ACCD-1085-4E95-90B7-9239FD28BE42}" type="datetime1">
+              <a:rPr lang="en-US" smtClean="0"/>
+              <a:t>3/28/2023</a:t>
+            </a:fld>
+            <a:endParaRPr lang="en-US" dirty="0"/>
+          </a:p>
+        </p:txBody>
+      </p:sp>
+      <p:sp>
+        <p:nvSpPr>
+          <p:cNvPr id="5" name="Espace réservé du numéro de diapositive 4">
+            <a:extLst>
+              <a:ext uri="{FF2B5EF4-FFF2-40B4-BE49-F238E27FC236}">
+                <a16:creationId xmlns:a16="http://schemas.microsoft.com/office/drawing/2014/main" id="{7B6798E4-D93C-1E85-82A8-C73B44F215BA}"/>
+              </a:ext>
+            </a:extLst>
+          </p:cNvPr>
+          <p:cNvSpPr>
+            <a:spLocks noGrp="1"/>
+          </p:cNvSpPr>
+          <p:nvPr>
+            <p:ph type="sldNum" sz="quarter" idx="12"/>
+          </p:nvPr>
+        </p:nvSpPr>
+        <p:spPr/>
+        <p:txBody>
+          <a:bodyPr/>
+          <a:lstStyle/>
+          <a:p>
+            <a:fld id="{D57F1E4F-1CFF-5643-939E-217C01CDF565}" type="slidenum">
+              <a:rPr lang="en-US" smtClean="0"/>
+              <a:pPr/>
+              <a:t>16</a:t>
+            </a:fld>
+            <a:endParaRPr lang="en-US" dirty="0"/>
+          </a:p>
+        </p:txBody>
+      </p:sp>
+      <p:sp>
+        <p:nvSpPr>
+          <p:cNvPr id="6" name="Espace réservé du contenu 2">
+            <a:extLst>
+              <a:ext uri="{FF2B5EF4-FFF2-40B4-BE49-F238E27FC236}">
+                <a16:creationId xmlns:a16="http://schemas.microsoft.com/office/drawing/2014/main" id="{4353FD2B-5F97-002F-EC99-C1307EB30B41}"/>
+              </a:ext>
+            </a:extLst>
+          </p:cNvPr>
+          <p:cNvSpPr txBox="1">
+            <a:spLocks/>
+          </p:cNvSpPr>
+          <p:nvPr/>
+        </p:nvSpPr>
+        <p:spPr>
+          <a:xfrm>
+            <a:off x="9831575" y="4663713"/>
+            <a:ext cx="2055626" cy="1252175"/>
+          </a:xfrm>
+          <a:prstGeom prst="rect">
+            <a:avLst/>
+          </a:prstGeom>
+          <a:effectLst>
+            <a:outerShdw blurRad="50800" dir="14400000">
+              <a:srgbClr val="000000">
+                <a:alpha val="40000"/>
+              </a:srgbClr>
+            </a:outerShdw>
+          </a:effectLst>
+        </p:spPr>
+        <p:txBody>
+          <a:bodyPr vert="horz" lIns="91440" tIns="45720" rIns="91440" bIns="45720" rtlCol="0" anchor="t" anchorCtr="0">
+            <a:normAutofit/>
+          </a:bodyPr>
+          <a:lstStyle>
+            <a:lvl1pPr marL="342900" indent="-342900" algn="l" defTabSz="457200" rtl="0" eaLnBrk="1" latinLnBrk="0" hangingPunct="1">
+              <a:spcBef>
+                <a:spcPct val="20000"/>
+              </a:spcBef>
+              <a:spcAft>
+                <a:spcPts val="600"/>
+              </a:spcAft>
+              <a:buClr>
+                <a:schemeClr val="accent1"/>
+              </a:buClr>
+              <a:buFont typeface="Wingdings 2" charset="2"/>
+              <a:buChar char=""/>
+              <a:defRPr sz="1800" kern="1200">
+                <a:solidFill>
+                  <a:schemeClr val="tx1"/>
+                </a:solidFill>
+                <a:latin typeface="+mn-lt"/>
+                <a:ea typeface="+mn-ea"/>
+                <a:cs typeface="+mn-cs"/>
+              </a:defRPr>
+            </a:lvl1pPr>
+            <a:lvl2pPr marL="742950" indent="-285750" algn="l" defTabSz="457200" rtl="0" eaLnBrk="1" latinLnBrk="0" hangingPunct="1">
+              <a:spcBef>
+                <a:spcPct val="20000"/>
+              </a:spcBef>
+              <a:spcAft>
+                <a:spcPts val="600"/>
+              </a:spcAft>
+              <a:buClr>
+                <a:schemeClr val="accent1"/>
+              </a:buClr>
+              <a:buFont typeface="Wingdings 2" charset="2"/>
+              <a:buChar char=""/>
+              <a:defRPr sz="1600" kern="1200">
+                <a:solidFill>
+                  <a:schemeClr val="tx1"/>
+                </a:solidFill>
+                <a:latin typeface="+mn-lt"/>
+                <a:ea typeface="+mn-ea"/>
+                <a:cs typeface="+mn-cs"/>
+              </a:defRPr>
+            </a:lvl2pPr>
+            <a:lvl3pPr marL="1143000" indent="-228600" algn="l" defTabSz="457200" rtl="0" eaLnBrk="1" latinLnBrk="0" hangingPunct="1">
+              <a:spcBef>
+                <a:spcPct val="20000"/>
+              </a:spcBef>
+              <a:spcAft>
+                <a:spcPts val="600"/>
+              </a:spcAft>
+              <a:buClr>
+                <a:schemeClr val="accent1"/>
+              </a:buClr>
+              <a:buFont typeface="Wingdings 2" charset="2"/>
+              <a:buChar char=""/>
+              <a:defRPr sz="1400" kern="1200">
+                <a:solidFill>
+                  <a:schemeClr val="tx1"/>
+                </a:solidFill>
+                <a:latin typeface="+mn-lt"/>
+                <a:ea typeface="+mn-ea"/>
+                <a:cs typeface="+mn-cs"/>
+              </a:defRPr>
+            </a:lvl3pPr>
+            <a:lvl4pPr marL="1600200" indent="-228600" algn="l" defTabSz="457200" rtl="0" eaLnBrk="1" latinLnBrk="0" hangingPunct="1">
+              <a:spcBef>
+                <a:spcPct val="20000"/>
+              </a:spcBef>
+              <a:spcAft>
+                <a:spcPts val="600"/>
+              </a:spcAft>
+              <a:buClr>
+                <a:schemeClr val="accent1"/>
+              </a:buClr>
+              <a:buFont typeface="Wingdings 2" charset="2"/>
+              <a:buChar char=""/>
+              <a:defRPr sz="1200" kern="1200">
+                <a:solidFill>
+                  <a:schemeClr val="tx1"/>
+                </a:solidFill>
+                <a:latin typeface="+mn-lt"/>
+                <a:ea typeface="+mn-ea"/>
+                <a:cs typeface="+mn-cs"/>
+              </a:defRPr>
+            </a:lvl4pPr>
+            <a:lvl5pPr marL="2057400" indent="-228600" algn="l" defTabSz="457200" rtl="0" eaLnBrk="1" latinLnBrk="0" hangingPunct="1">
+              <a:spcBef>
+                <a:spcPct val="20000"/>
+              </a:spcBef>
+              <a:spcAft>
+                <a:spcPts val="600"/>
+              </a:spcAft>
+              <a:buClr>
+                <a:schemeClr val="accent1"/>
+              </a:buClr>
+              <a:buFont typeface="Wingdings 2" charset="2"/>
+              <a:buChar char=""/>
+              <a:defRPr sz="1200" kern="1200">
+                <a:solidFill>
+                  <a:schemeClr val="tx1"/>
+                </a:solidFill>
+                <a:latin typeface="+mn-lt"/>
+                <a:ea typeface="+mn-ea"/>
+                <a:cs typeface="+mn-cs"/>
+              </a:defRPr>
+            </a:lvl5pPr>
+            <a:lvl6pPr marL="2400000" indent="-228600" algn="l" defTabSz="457200" rtl="0" eaLnBrk="1" latinLnBrk="0" hangingPunct="1">
+              <a:spcBef>
+                <a:spcPct val="20000"/>
+              </a:spcBef>
+              <a:spcAft>
+                <a:spcPts val="600"/>
+              </a:spcAft>
+              <a:buClr>
+                <a:schemeClr val="accent1"/>
+              </a:buClr>
+              <a:buFont typeface="Wingdings 2" charset="2"/>
+              <a:buChar char=""/>
+              <a:defRPr sz="1200" kern="1200">
+                <a:solidFill>
+                  <a:schemeClr val="tx1"/>
+                </a:solidFill>
+                <a:latin typeface="+mn-lt"/>
+                <a:ea typeface="+mn-ea"/>
+                <a:cs typeface="+mn-cs"/>
+              </a:defRPr>
+            </a:lvl6pPr>
+            <a:lvl7pPr marL="2800000" indent="-228600" algn="l" defTabSz="457200" rtl="0" eaLnBrk="1" latinLnBrk="0" hangingPunct="1">
+              <a:spcBef>
+                <a:spcPct val="20000"/>
+              </a:spcBef>
+              <a:spcAft>
+                <a:spcPts val="600"/>
+              </a:spcAft>
+              <a:buClr>
+                <a:schemeClr val="accent1"/>
+              </a:buClr>
+              <a:buFont typeface="Wingdings 2" charset="2"/>
+              <a:buChar char=""/>
+              <a:defRPr sz="1200" kern="1200">
+                <a:solidFill>
+                  <a:schemeClr val="tx1"/>
+                </a:solidFill>
+                <a:latin typeface="+mn-lt"/>
+                <a:ea typeface="+mn-ea"/>
+                <a:cs typeface="+mn-cs"/>
+              </a:defRPr>
+            </a:lvl7pPr>
+            <a:lvl8pPr marL="3200000" indent="-228600" algn="l" defTabSz="457200" rtl="0" eaLnBrk="1" latinLnBrk="0" hangingPunct="1">
+              <a:spcBef>
+                <a:spcPct val="20000"/>
+              </a:spcBef>
+              <a:spcAft>
+                <a:spcPts val="600"/>
+              </a:spcAft>
+              <a:buClr>
+                <a:schemeClr val="accent1"/>
+              </a:buClr>
+              <a:buFont typeface="Wingdings 2" charset="2"/>
+              <a:buChar char=""/>
+              <a:defRPr sz="1200" kern="1200">
+                <a:solidFill>
+                  <a:schemeClr val="tx1"/>
+                </a:solidFill>
+                <a:latin typeface="+mn-lt"/>
+                <a:ea typeface="+mn-ea"/>
+                <a:cs typeface="+mn-cs"/>
+              </a:defRPr>
+            </a:lvl8pPr>
+            <a:lvl9pPr marL="3600000" indent="-228600" algn="l" defTabSz="457200" rtl="0" eaLnBrk="1" latinLnBrk="0" hangingPunct="1">
+              <a:spcBef>
+                <a:spcPct val="20000"/>
+              </a:spcBef>
+              <a:spcAft>
+                <a:spcPts val="600"/>
+              </a:spcAft>
+              <a:buClr>
+                <a:schemeClr val="accent1"/>
+              </a:buClr>
+              <a:buFont typeface="Wingdings 2" charset="2"/>
+              <a:buChar char=""/>
+              <a:defRPr sz="1200" kern="1200">
+                <a:solidFill>
+                  <a:schemeClr val="tx1"/>
+                </a:solidFill>
+                <a:latin typeface="+mn-lt"/>
+                <a:ea typeface="+mn-ea"/>
+                <a:cs typeface="+mn-cs"/>
+              </a:defRPr>
+            </a:lvl9pPr>
+          </a:lstStyle>
+          <a:p>
+            <a:r>
+              <a:rPr lang="fr-FR" dirty="0"/>
+              <a:t>Acc : 0.05</a:t>
+            </a:r>
+          </a:p>
+        </p:txBody>
+      </p:sp>
+      <p:pic>
+        <p:nvPicPr>
+          <p:cNvPr id="15362" name="Picture 2">
+            <a:extLst>
+              <a:ext uri="{FF2B5EF4-FFF2-40B4-BE49-F238E27FC236}">
+                <a16:creationId xmlns:a16="http://schemas.microsoft.com/office/drawing/2014/main" id="{9700390F-AA26-61BA-0966-E04401185BE4}"/>
+              </a:ext>
+            </a:extLst>
+          </p:cNvPr>
+          <p:cNvPicPr>
+            <a:picLocks noChangeAspect="1" noChangeArrowheads="1"/>
+          </p:cNvPicPr>
+          <p:nvPr/>
+        </p:nvPicPr>
+        <p:blipFill>
+          <a:blip r:embed="rId2">
+            <a:extLst>
+              <a:ext uri="{28A0092B-C50C-407E-A947-70E740481C1C}">
+                <a14:useLocalDpi xmlns:a14="http://schemas.microsoft.com/office/drawing/2010/main" val="0"/>
+              </a:ext>
+            </a:extLst>
+          </a:blip>
+          <a:srcRect/>
+          <a:stretch>
+            <a:fillRect/>
+          </a:stretch>
+        </p:blipFill>
+        <p:spPr bwMode="auto">
+          <a:xfrm>
+            <a:off x="304799" y="2880649"/>
+            <a:ext cx="6033270" cy="3160713"/>
+          </a:xfrm>
+          <a:prstGeom prst="rect">
+            <a:avLst/>
+          </a:prstGeom>
+          <a:noFill/>
+          <a:extLst>
+            <a:ext uri="{909E8E84-426E-40DD-AFC4-6F175D3DCCD1}">
+              <a14:hiddenFill xmlns:a14="http://schemas.microsoft.com/office/drawing/2010/main">
+                <a:solidFill>
+                  <a:srgbClr val="FFFFFF"/>
+                </a:solidFill>
+              </a14:hiddenFill>
+            </a:ext>
+          </a:extLst>
+        </p:spPr>
+      </p:pic>
+      <p:pic>
+        <p:nvPicPr>
+          <p:cNvPr id="8" name="Image 7">
+            <a:extLst>
+              <a:ext uri="{FF2B5EF4-FFF2-40B4-BE49-F238E27FC236}">
+                <a16:creationId xmlns:a16="http://schemas.microsoft.com/office/drawing/2014/main" id="{C4E8DF43-9CF8-1DC0-30B8-E9309547BCF5}"/>
+              </a:ext>
+            </a:extLst>
+          </p:cNvPr>
+          <p:cNvPicPr>
+            <a:picLocks noChangeAspect="1"/>
+          </p:cNvPicPr>
+          <p:nvPr/>
+        </p:nvPicPr>
+        <p:blipFill>
+          <a:blip r:embed="rId3"/>
+          <a:stretch>
+            <a:fillRect/>
+          </a:stretch>
+        </p:blipFill>
+        <p:spPr>
+          <a:xfrm>
+            <a:off x="6779436" y="2880649"/>
+            <a:ext cx="5149974" cy="3160713"/>
+          </a:xfrm>
+          <a:prstGeom prst="rect">
+            <a:avLst/>
+          </a:prstGeom>
+        </p:spPr>
+      </p:pic>
+    </p:spTree>
+    <p:extLst>
+      <p:ext uri="{BB962C8B-B14F-4D97-AF65-F5344CB8AC3E}">
+        <p14:creationId xmlns:p14="http://schemas.microsoft.com/office/powerpoint/2010/main" val="2983292924"/>
+      </p:ext>
+    </p:extLst>
+  </p:cSld>
+  <p:clrMapOvr>
+    <a:masterClrMapping/>
+  </p:clrMapOvr>
+</p:sld>
+</file>
+
+<file path=ppt/slides/slide17.xml><?xml version="1.0" encoding="utf-8"?>
+<p:sld xmlns:a="http://schemas.openxmlformats.org/drawingml/2006/main" xmlns:r="http://schemas.openxmlformats.org/officeDocument/2006/relationships" xmlns:p="http://schemas.openxmlformats.org/presentationml/2006/main">
+  <p:cSld>
+    <p:spTree>
+      <p:nvGrpSpPr>
+        <p:cNvPr id="1" name=""/>
+        <p:cNvGrpSpPr/>
+        <p:nvPr/>
+      </p:nvGrpSpPr>
+      <p:grpSpPr>
+        <a:xfrm>
+          <a:off x="0" y="0"/>
+          <a:ext cx="0" cy="0"/>
+          <a:chOff x="0" y="0"/>
+          <a:chExt cx="0" cy="0"/>
+        </a:xfrm>
+      </p:grpSpPr>
+      <p:sp>
+        <p:nvSpPr>
+          <p:cNvPr id="2" name="Titre 1">
+            <a:extLst>
+              <a:ext uri="{FF2B5EF4-FFF2-40B4-BE49-F238E27FC236}">
+                <a16:creationId xmlns:a16="http://schemas.microsoft.com/office/drawing/2014/main" id="{CC8DC5E3-547F-1CAC-74AA-8AD3A246DD5F}"/>
+              </a:ext>
+            </a:extLst>
+          </p:cNvPr>
+          <p:cNvSpPr>
+            <a:spLocks noGrp="1"/>
+          </p:cNvSpPr>
+          <p:nvPr>
+            <p:ph type="title"/>
+          </p:nvPr>
+        </p:nvSpPr>
+        <p:spPr/>
+        <p:txBody>
+          <a:bodyPr/>
+          <a:lstStyle/>
+          <a:p>
+            <a:r>
+              <a:rPr lang="fr-FR" sz="4000" b="1" dirty="0"/>
+              <a:t>Part 4 : Image classification </a:t>
+            </a:r>
+            <a:r>
+              <a:rPr lang="fr-FR" sz="4000" b="1" dirty="0" err="1"/>
+              <a:t>feasibility</a:t>
+            </a:r>
+            <a:endParaRPr lang="fr-FR" sz="4000" b="1" dirty="0"/>
+          </a:p>
+        </p:txBody>
+      </p:sp>
+      <p:sp>
+        <p:nvSpPr>
+          <p:cNvPr id="3" name="Espace réservé du contenu 2">
+            <a:extLst>
+              <a:ext uri="{FF2B5EF4-FFF2-40B4-BE49-F238E27FC236}">
+                <a16:creationId xmlns:a16="http://schemas.microsoft.com/office/drawing/2014/main" id="{E57A140B-F8CB-842C-F3E7-F5ECF42B665F}"/>
+              </a:ext>
+            </a:extLst>
+          </p:cNvPr>
+          <p:cNvSpPr>
+            <a:spLocks noGrp="1"/>
+          </p:cNvSpPr>
+          <p:nvPr>
+            <p:ph idx="1"/>
+          </p:nvPr>
+        </p:nvSpPr>
+        <p:spPr>
+          <a:xfrm>
+            <a:off x="810000" y="2174161"/>
+            <a:ext cx="10554574" cy="3636511"/>
+          </a:xfrm>
+        </p:spPr>
+        <p:txBody>
+          <a:bodyPr anchor="t" anchorCtr="0">
+            <a:normAutofit/>
+          </a:bodyPr>
+          <a:lstStyle/>
+          <a:p>
+            <a:r>
+              <a:rPr lang="fr-FR" dirty="0"/>
+              <a:t>1st </a:t>
+            </a:r>
+            <a:r>
+              <a:rPr lang="fr-FR" dirty="0" err="1"/>
+              <a:t>approach</a:t>
+            </a:r>
+            <a:r>
+              <a:rPr lang="fr-FR" dirty="0"/>
+              <a:t> : SIFT – </a:t>
+            </a:r>
+            <a:r>
+              <a:rPr lang="fr-FR" dirty="0" err="1"/>
+              <a:t>example</a:t>
+            </a:r>
+            <a:r>
+              <a:rPr lang="fr-FR" dirty="0"/>
+              <a:t> of confusion</a:t>
+            </a:r>
+          </a:p>
+        </p:txBody>
+      </p:sp>
+      <p:sp>
+        <p:nvSpPr>
+          <p:cNvPr id="4" name="Espace réservé de la date 3">
+            <a:extLst>
+              <a:ext uri="{FF2B5EF4-FFF2-40B4-BE49-F238E27FC236}">
+                <a16:creationId xmlns:a16="http://schemas.microsoft.com/office/drawing/2014/main" id="{FE4CBB04-6343-5AD9-1F90-96ED5CF26CAE}"/>
+              </a:ext>
+            </a:extLst>
+          </p:cNvPr>
+          <p:cNvSpPr>
+            <a:spLocks noGrp="1"/>
+          </p:cNvSpPr>
+          <p:nvPr>
+            <p:ph type="dt" sz="half" idx="10"/>
+          </p:nvPr>
+        </p:nvSpPr>
+        <p:spPr/>
+        <p:txBody>
+          <a:bodyPr/>
+          <a:lstStyle/>
+          <a:p>
+            <a:fld id="{12B4ACCD-1085-4E95-90B7-9239FD28BE42}" type="datetime1">
+              <a:rPr lang="en-US" smtClean="0"/>
+              <a:t>3/28/2023</a:t>
+            </a:fld>
+            <a:endParaRPr lang="en-US" dirty="0"/>
+          </a:p>
+        </p:txBody>
+      </p:sp>
+      <p:sp>
+        <p:nvSpPr>
+          <p:cNvPr id="5" name="Espace réservé du numéro de diapositive 4">
+            <a:extLst>
+              <a:ext uri="{FF2B5EF4-FFF2-40B4-BE49-F238E27FC236}">
+                <a16:creationId xmlns:a16="http://schemas.microsoft.com/office/drawing/2014/main" id="{7B6798E4-D93C-1E85-82A8-C73B44F215BA}"/>
+              </a:ext>
+            </a:extLst>
+          </p:cNvPr>
+          <p:cNvSpPr>
+            <a:spLocks noGrp="1"/>
+          </p:cNvSpPr>
+          <p:nvPr>
+            <p:ph type="sldNum" sz="quarter" idx="12"/>
+          </p:nvPr>
+        </p:nvSpPr>
+        <p:spPr/>
+        <p:txBody>
+          <a:bodyPr/>
+          <a:lstStyle/>
+          <a:p>
+            <a:fld id="{D57F1E4F-1CFF-5643-939E-217C01CDF565}" type="slidenum">
+              <a:rPr lang="en-US" smtClean="0"/>
+              <a:pPr/>
+              <a:t>17</a:t>
+            </a:fld>
+            <a:endParaRPr lang="en-US" dirty="0"/>
+          </a:p>
+        </p:txBody>
+      </p:sp>
+      <p:pic>
+        <p:nvPicPr>
+          <p:cNvPr id="16386" name="Picture 2">
+            <a:extLst>
+              <a:ext uri="{FF2B5EF4-FFF2-40B4-BE49-F238E27FC236}">
+                <a16:creationId xmlns:a16="http://schemas.microsoft.com/office/drawing/2014/main" id="{AF5A3E9F-5114-7234-F6E1-B65F53374436}"/>
+              </a:ext>
+            </a:extLst>
+          </p:cNvPr>
+          <p:cNvPicPr>
+            <a:picLocks noChangeAspect="1" noChangeArrowheads="1"/>
+          </p:cNvPicPr>
+          <p:nvPr/>
+        </p:nvPicPr>
+        <p:blipFill>
+          <a:blip r:embed="rId2">
+            <a:extLst>
+              <a:ext uri="{28A0092B-C50C-407E-A947-70E740481C1C}">
+                <a14:useLocalDpi xmlns:a14="http://schemas.microsoft.com/office/drawing/2010/main" val="0"/>
+              </a:ext>
+            </a:extLst>
+          </a:blip>
+          <a:srcRect/>
+          <a:stretch>
+            <a:fillRect/>
+          </a:stretch>
+        </p:blipFill>
+        <p:spPr bwMode="auto">
+          <a:xfrm>
+            <a:off x="2028458" y="2892613"/>
+            <a:ext cx="6438900" cy="3857625"/>
+          </a:xfrm>
+          <a:prstGeom prst="rect">
+            <a:avLst/>
+          </a:prstGeom>
+          <a:noFill/>
+          <a:extLst>
+            <a:ext uri="{909E8E84-426E-40DD-AFC4-6F175D3DCCD1}">
+              <a14:hiddenFill xmlns:a14="http://schemas.microsoft.com/office/drawing/2010/main">
+                <a:solidFill>
+                  <a:srgbClr val="FFFFFF"/>
+                </a:solidFill>
+              </a14:hiddenFill>
+            </a:ext>
+          </a:extLst>
+        </p:spPr>
+      </p:pic>
+      <p:sp>
+        <p:nvSpPr>
+          <p:cNvPr id="7" name="ZoneTexte 6">
+            <a:extLst>
+              <a:ext uri="{FF2B5EF4-FFF2-40B4-BE49-F238E27FC236}">
+                <a16:creationId xmlns:a16="http://schemas.microsoft.com/office/drawing/2014/main" id="{D3A0B965-59D4-F213-54F8-8F8027D19589}"/>
+              </a:ext>
+            </a:extLst>
+          </p:cNvPr>
+          <p:cNvSpPr txBox="1"/>
+          <p:nvPr/>
+        </p:nvSpPr>
+        <p:spPr>
+          <a:xfrm>
+            <a:off x="2256354" y="2572982"/>
+            <a:ext cx="5920235" cy="369332"/>
+          </a:xfrm>
+          <a:prstGeom prst="rect">
+            <a:avLst/>
+          </a:prstGeom>
+          <a:solidFill>
+            <a:schemeClr val="tx1"/>
+          </a:solidFill>
+        </p:spPr>
+        <p:txBody>
+          <a:bodyPr wrap="square" rtlCol="0">
+            <a:spAutoFit/>
+          </a:bodyPr>
+          <a:lstStyle/>
+          <a:p>
+            <a:pPr algn="ctr"/>
+            <a:r>
+              <a:rPr lang="fr-FR" dirty="0" err="1">
+                <a:solidFill>
+                  <a:schemeClr val="bg1"/>
+                </a:solidFill>
+              </a:rPr>
+              <a:t>True</a:t>
+            </a:r>
+            <a:r>
+              <a:rPr lang="fr-FR" dirty="0">
+                <a:solidFill>
+                  <a:schemeClr val="bg1"/>
+                </a:solidFill>
+              </a:rPr>
+              <a:t> : Beauty and </a:t>
+            </a:r>
+            <a:r>
+              <a:rPr lang="fr-FR" dirty="0" err="1">
+                <a:solidFill>
+                  <a:schemeClr val="bg1"/>
+                </a:solidFill>
+              </a:rPr>
+              <a:t>Personal</a:t>
+            </a:r>
+            <a:r>
+              <a:rPr lang="fr-FR" dirty="0">
+                <a:solidFill>
+                  <a:schemeClr val="bg1"/>
+                </a:solidFill>
+              </a:rPr>
+              <a:t> Care – </a:t>
+            </a:r>
+            <a:r>
+              <a:rPr lang="fr-FR" dirty="0" err="1">
+                <a:solidFill>
+                  <a:schemeClr val="bg1"/>
+                </a:solidFill>
+              </a:rPr>
+              <a:t>Pred</a:t>
+            </a:r>
+            <a:r>
+              <a:rPr lang="fr-FR" dirty="0">
+                <a:solidFill>
+                  <a:schemeClr val="bg1"/>
+                </a:solidFill>
+              </a:rPr>
+              <a:t> : Baby Care</a:t>
+            </a:r>
+          </a:p>
+        </p:txBody>
+      </p:sp>
+    </p:spTree>
+    <p:extLst>
+      <p:ext uri="{BB962C8B-B14F-4D97-AF65-F5344CB8AC3E}">
+        <p14:creationId xmlns:p14="http://schemas.microsoft.com/office/powerpoint/2010/main" val="1104021152"/>
+      </p:ext>
+    </p:extLst>
+  </p:cSld>
+  <p:clrMapOvr>
+    <a:masterClrMapping/>
+  </p:clrMapOvr>
+</p:sld>
+</file>
+
+<file path=ppt/slides/slide18.xml><?xml version="1.0" encoding="utf-8"?>
+<p:sld xmlns:a="http://schemas.openxmlformats.org/drawingml/2006/main" xmlns:r="http://schemas.openxmlformats.org/officeDocument/2006/relationships" xmlns:p="http://schemas.openxmlformats.org/presentationml/2006/main">
+  <p:cSld>
+    <p:spTree>
+      <p:nvGrpSpPr>
+        <p:cNvPr id="1" name=""/>
+        <p:cNvGrpSpPr/>
+        <p:nvPr/>
+      </p:nvGrpSpPr>
+      <p:grpSpPr>
+        <a:xfrm>
+          <a:off x="0" y="0"/>
+          <a:ext cx="0" cy="0"/>
+          <a:chOff x="0" y="0"/>
+          <a:chExt cx="0" cy="0"/>
+        </a:xfrm>
+      </p:grpSpPr>
+      <p:sp>
+        <p:nvSpPr>
+          <p:cNvPr id="2" name="Titre 1">
+            <a:extLst>
+              <a:ext uri="{FF2B5EF4-FFF2-40B4-BE49-F238E27FC236}">
+                <a16:creationId xmlns:a16="http://schemas.microsoft.com/office/drawing/2014/main" id="{CC8DC5E3-547F-1CAC-74AA-8AD3A246DD5F}"/>
+              </a:ext>
+            </a:extLst>
+          </p:cNvPr>
+          <p:cNvSpPr>
+            <a:spLocks noGrp="1"/>
+          </p:cNvSpPr>
+          <p:nvPr>
+            <p:ph type="title"/>
+          </p:nvPr>
+        </p:nvSpPr>
+        <p:spPr/>
+        <p:txBody>
+          <a:bodyPr/>
+          <a:lstStyle/>
+          <a:p>
+            <a:r>
+              <a:rPr lang="fr-FR" sz="4000" b="1" dirty="0"/>
+              <a:t>Part 4 : Image classification </a:t>
+            </a:r>
+            <a:r>
+              <a:rPr lang="fr-FR" sz="4000" b="1" dirty="0" err="1"/>
+              <a:t>feasibility</a:t>
+            </a:r>
+            <a:endParaRPr lang="fr-FR" sz="4000" b="1" dirty="0"/>
+          </a:p>
+        </p:txBody>
+      </p:sp>
+      <p:sp>
+        <p:nvSpPr>
+          <p:cNvPr id="3" name="Espace réservé du contenu 2">
+            <a:extLst>
+              <a:ext uri="{FF2B5EF4-FFF2-40B4-BE49-F238E27FC236}">
+                <a16:creationId xmlns:a16="http://schemas.microsoft.com/office/drawing/2014/main" id="{E57A140B-F8CB-842C-F3E7-F5ECF42B665F}"/>
+              </a:ext>
+            </a:extLst>
+          </p:cNvPr>
+          <p:cNvSpPr>
+            <a:spLocks noGrp="1"/>
+          </p:cNvSpPr>
+          <p:nvPr>
+            <p:ph idx="1"/>
+          </p:nvPr>
+        </p:nvSpPr>
+        <p:spPr>
+          <a:xfrm>
+            <a:off x="810000" y="2174161"/>
+            <a:ext cx="10554574" cy="3636511"/>
+          </a:xfrm>
+        </p:spPr>
+        <p:txBody>
+          <a:bodyPr anchor="t" anchorCtr="0">
+            <a:normAutofit/>
+          </a:bodyPr>
+          <a:lstStyle/>
+          <a:p>
+            <a:r>
+              <a:rPr lang="fr-FR" dirty="0"/>
+              <a:t>2nd </a:t>
+            </a:r>
+            <a:r>
+              <a:rPr lang="fr-FR" dirty="0" err="1"/>
+              <a:t>approach</a:t>
+            </a:r>
+            <a:r>
+              <a:rPr lang="fr-FR" dirty="0"/>
+              <a:t> : VGG16 </a:t>
+            </a:r>
+            <a:r>
+              <a:rPr lang="fr-FR" dirty="0" err="1"/>
+              <a:t>transfer</a:t>
+            </a:r>
+            <a:r>
+              <a:rPr lang="fr-FR" dirty="0"/>
+              <a:t> </a:t>
+            </a:r>
+            <a:r>
+              <a:rPr lang="fr-FR" dirty="0" err="1"/>
+              <a:t>learning</a:t>
+            </a:r>
+            <a:endParaRPr lang="fr-FR" dirty="0"/>
+          </a:p>
+          <a:p>
+            <a:pPr lvl="1"/>
+            <a:r>
+              <a:rPr lang="en-US" i="1" dirty="0"/>
+              <a:t>VGG16 transfer learning is a deep learning technique that uses a pre-trained VGG16 convolutional neural network as a feature extractor for image classification tasks on new datasets.</a:t>
+            </a:r>
+            <a:endParaRPr lang="fr-FR" i="1" dirty="0"/>
+          </a:p>
+        </p:txBody>
+      </p:sp>
+      <p:sp>
+        <p:nvSpPr>
+          <p:cNvPr id="4" name="Espace réservé de la date 3">
+            <a:extLst>
+              <a:ext uri="{FF2B5EF4-FFF2-40B4-BE49-F238E27FC236}">
+                <a16:creationId xmlns:a16="http://schemas.microsoft.com/office/drawing/2014/main" id="{FE4CBB04-6343-5AD9-1F90-96ED5CF26CAE}"/>
+              </a:ext>
+            </a:extLst>
+          </p:cNvPr>
+          <p:cNvSpPr>
+            <a:spLocks noGrp="1"/>
+          </p:cNvSpPr>
+          <p:nvPr>
+            <p:ph type="dt" sz="half" idx="10"/>
+          </p:nvPr>
+        </p:nvSpPr>
+        <p:spPr/>
+        <p:txBody>
+          <a:bodyPr/>
+          <a:lstStyle/>
+          <a:p>
+            <a:fld id="{12B4ACCD-1085-4E95-90B7-9239FD28BE42}" type="datetime1">
+              <a:rPr lang="en-US" smtClean="0"/>
+              <a:t>3/28/2023</a:t>
+            </a:fld>
+            <a:endParaRPr lang="en-US" dirty="0"/>
+          </a:p>
+        </p:txBody>
+      </p:sp>
+      <p:sp>
+        <p:nvSpPr>
+          <p:cNvPr id="5" name="Espace réservé du numéro de diapositive 4">
+            <a:extLst>
+              <a:ext uri="{FF2B5EF4-FFF2-40B4-BE49-F238E27FC236}">
+                <a16:creationId xmlns:a16="http://schemas.microsoft.com/office/drawing/2014/main" id="{7B6798E4-D93C-1E85-82A8-C73B44F215BA}"/>
+              </a:ext>
+            </a:extLst>
+          </p:cNvPr>
+          <p:cNvSpPr>
+            <a:spLocks noGrp="1"/>
+          </p:cNvSpPr>
+          <p:nvPr>
+            <p:ph type="sldNum" sz="quarter" idx="12"/>
+          </p:nvPr>
+        </p:nvSpPr>
+        <p:spPr/>
+        <p:txBody>
+          <a:bodyPr/>
+          <a:lstStyle/>
+          <a:p>
+            <a:fld id="{D57F1E4F-1CFF-5643-939E-217C01CDF565}" type="slidenum">
+              <a:rPr lang="en-US" smtClean="0"/>
+              <a:pPr/>
+              <a:t>18</a:t>
+            </a:fld>
+            <a:endParaRPr lang="en-US" dirty="0"/>
+          </a:p>
+        </p:txBody>
+      </p:sp>
+      <p:pic>
+        <p:nvPicPr>
+          <p:cNvPr id="17410" name="Picture 2">
+            <a:extLst>
+              <a:ext uri="{FF2B5EF4-FFF2-40B4-BE49-F238E27FC236}">
+                <a16:creationId xmlns:a16="http://schemas.microsoft.com/office/drawing/2014/main" id="{3517F9E3-8C3A-AFAB-F8A2-C4E5C2B14459}"/>
+              </a:ext>
+            </a:extLst>
+          </p:cNvPr>
+          <p:cNvPicPr>
+            <a:picLocks noChangeAspect="1" noChangeArrowheads="1"/>
+          </p:cNvPicPr>
+          <p:nvPr/>
+        </p:nvPicPr>
+        <p:blipFill>
+          <a:blip r:embed="rId2">
+            <a:extLst>
+              <a:ext uri="{28A0092B-C50C-407E-A947-70E740481C1C}">
+                <a14:useLocalDpi xmlns:a14="http://schemas.microsoft.com/office/drawing/2010/main" val="0"/>
+              </a:ext>
+            </a:extLst>
+          </a:blip>
+          <a:srcRect/>
+          <a:stretch>
+            <a:fillRect/>
+          </a:stretch>
+        </p:blipFill>
+        <p:spPr bwMode="auto">
+          <a:xfrm>
+            <a:off x="53007" y="3601171"/>
+            <a:ext cx="5520499" cy="2806254"/>
+          </a:xfrm>
+          <a:prstGeom prst="rect">
+            <a:avLst/>
+          </a:prstGeom>
+          <a:noFill/>
+          <a:extLst>
+            <a:ext uri="{909E8E84-426E-40DD-AFC4-6F175D3DCCD1}">
+              <a14:hiddenFill xmlns:a14="http://schemas.microsoft.com/office/drawing/2010/main">
+                <a:solidFill>
+                  <a:srgbClr val="FFFFFF"/>
+                </a:solidFill>
+              </a14:hiddenFill>
+            </a:ext>
+          </a:extLst>
+        </p:spPr>
+      </p:pic>
+      <p:pic>
+        <p:nvPicPr>
+          <p:cNvPr id="17412" name="Picture 4">
+            <a:extLst>
+              <a:ext uri="{FF2B5EF4-FFF2-40B4-BE49-F238E27FC236}">
+                <a16:creationId xmlns:a16="http://schemas.microsoft.com/office/drawing/2014/main" id="{E93084E9-BFE7-BD29-5D03-9E41A9DB5511}"/>
+              </a:ext>
+            </a:extLst>
+          </p:cNvPr>
+          <p:cNvPicPr>
+            <a:picLocks noChangeAspect="1" noChangeArrowheads="1"/>
+          </p:cNvPicPr>
+          <p:nvPr/>
+        </p:nvPicPr>
+        <p:blipFill>
+          <a:blip r:embed="rId3">
+            <a:extLst>
+              <a:ext uri="{28A0092B-C50C-407E-A947-70E740481C1C}">
+                <a14:useLocalDpi xmlns:a14="http://schemas.microsoft.com/office/drawing/2010/main" val="0"/>
+              </a:ext>
+            </a:extLst>
+          </a:blip>
+          <a:srcRect/>
+          <a:stretch>
+            <a:fillRect/>
+          </a:stretch>
+        </p:blipFill>
+        <p:spPr bwMode="auto">
+          <a:xfrm>
+            <a:off x="5656874" y="3601171"/>
+            <a:ext cx="4252829" cy="2806254"/>
+          </a:xfrm>
+          <a:prstGeom prst="rect">
+            <a:avLst/>
+          </a:prstGeom>
+          <a:noFill/>
+          <a:extLst>
+            <a:ext uri="{909E8E84-426E-40DD-AFC4-6F175D3DCCD1}">
+              <a14:hiddenFill xmlns:a14="http://schemas.microsoft.com/office/drawing/2010/main">
+                <a:solidFill>
+                  <a:srgbClr val="FFFFFF"/>
+                </a:solidFill>
+              </a14:hiddenFill>
+            </a:ext>
+          </a:extLst>
+        </p:spPr>
+      </p:pic>
+      <p:sp>
+        <p:nvSpPr>
+          <p:cNvPr id="6" name="Espace réservé du contenu 2">
+            <a:extLst>
+              <a:ext uri="{FF2B5EF4-FFF2-40B4-BE49-F238E27FC236}">
+                <a16:creationId xmlns:a16="http://schemas.microsoft.com/office/drawing/2014/main" id="{631819F6-984E-A617-B28B-DFAF3A4F0A70}"/>
+              </a:ext>
+            </a:extLst>
+          </p:cNvPr>
+          <p:cNvSpPr txBox="1">
+            <a:spLocks/>
+          </p:cNvSpPr>
+          <p:nvPr/>
+        </p:nvSpPr>
+        <p:spPr>
+          <a:xfrm>
+            <a:off x="9831575" y="4663713"/>
+            <a:ext cx="2055626" cy="1252175"/>
+          </a:xfrm>
+          <a:prstGeom prst="rect">
+            <a:avLst/>
+          </a:prstGeom>
+          <a:effectLst>
+            <a:outerShdw blurRad="50800" dir="14400000">
+              <a:srgbClr val="000000">
+                <a:alpha val="40000"/>
+              </a:srgbClr>
+            </a:outerShdw>
+          </a:effectLst>
+        </p:spPr>
+        <p:txBody>
+          <a:bodyPr vert="horz" lIns="91440" tIns="45720" rIns="91440" bIns="45720" rtlCol="0" anchor="t" anchorCtr="0">
+            <a:normAutofit/>
+          </a:bodyPr>
+          <a:lstStyle>
+            <a:lvl1pPr marL="342900" indent="-342900" algn="l" defTabSz="457200" rtl="0" eaLnBrk="1" latinLnBrk="0" hangingPunct="1">
+              <a:spcBef>
+                <a:spcPct val="20000"/>
+              </a:spcBef>
+              <a:spcAft>
+                <a:spcPts val="600"/>
+              </a:spcAft>
+              <a:buClr>
+                <a:schemeClr val="accent1"/>
+              </a:buClr>
+              <a:buFont typeface="Wingdings 2" charset="2"/>
+              <a:buChar char=""/>
+              <a:defRPr sz="1800" kern="1200">
+                <a:solidFill>
+                  <a:schemeClr val="tx1"/>
+                </a:solidFill>
+                <a:latin typeface="+mn-lt"/>
+                <a:ea typeface="+mn-ea"/>
+                <a:cs typeface="+mn-cs"/>
+              </a:defRPr>
+            </a:lvl1pPr>
+            <a:lvl2pPr marL="742950" indent="-285750" algn="l" defTabSz="457200" rtl="0" eaLnBrk="1" latinLnBrk="0" hangingPunct="1">
+              <a:spcBef>
+                <a:spcPct val="20000"/>
+              </a:spcBef>
+              <a:spcAft>
+                <a:spcPts val="600"/>
+              </a:spcAft>
+              <a:buClr>
+                <a:schemeClr val="accent1"/>
+              </a:buClr>
+              <a:buFont typeface="Wingdings 2" charset="2"/>
+              <a:buChar char=""/>
+              <a:defRPr sz="1600" kern="1200">
+                <a:solidFill>
+                  <a:schemeClr val="tx1"/>
+                </a:solidFill>
+                <a:latin typeface="+mn-lt"/>
+                <a:ea typeface="+mn-ea"/>
+                <a:cs typeface="+mn-cs"/>
+              </a:defRPr>
+            </a:lvl2pPr>
+            <a:lvl3pPr marL="1143000" indent="-228600" algn="l" defTabSz="457200" rtl="0" eaLnBrk="1" latinLnBrk="0" hangingPunct="1">
+              <a:spcBef>
+                <a:spcPct val="20000"/>
+              </a:spcBef>
+              <a:spcAft>
+                <a:spcPts val="600"/>
+              </a:spcAft>
+              <a:buClr>
+                <a:schemeClr val="accent1"/>
+              </a:buClr>
+              <a:buFont typeface="Wingdings 2" charset="2"/>
+              <a:buChar char=""/>
+              <a:defRPr sz="1400" kern="1200">
+                <a:solidFill>
+                  <a:schemeClr val="tx1"/>
+                </a:solidFill>
+                <a:latin typeface="+mn-lt"/>
+                <a:ea typeface="+mn-ea"/>
+                <a:cs typeface="+mn-cs"/>
+              </a:defRPr>
+            </a:lvl3pPr>
+            <a:lvl4pPr marL="1600200" indent="-228600" algn="l" defTabSz="457200" rtl="0" eaLnBrk="1" latinLnBrk="0" hangingPunct="1">
+              <a:spcBef>
+                <a:spcPct val="20000"/>
+              </a:spcBef>
+              <a:spcAft>
+                <a:spcPts val="600"/>
+              </a:spcAft>
+              <a:buClr>
+                <a:schemeClr val="accent1"/>
+              </a:buClr>
+              <a:buFont typeface="Wingdings 2" charset="2"/>
+              <a:buChar char=""/>
+              <a:defRPr sz="1200" kern="1200">
+                <a:solidFill>
+                  <a:schemeClr val="tx1"/>
+                </a:solidFill>
+                <a:latin typeface="+mn-lt"/>
+                <a:ea typeface="+mn-ea"/>
+                <a:cs typeface="+mn-cs"/>
+              </a:defRPr>
+            </a:lvl4pPr>
+            <a:lvl5pPr marL="2057400" indent="-228600" algn="l" defTabSz="457200" rtl="0" eaLnBrk="1" latinLnBrk="0" hangingPunct="1">
+              <a:spcBef>
+                <a:spcPct val="20000"/>
+              </a:spcBef>
+              <a:spcAft>
+                <a:spcPts val="600"/>
+              </a:spcAft>
+              <a:buClr>
+                <a:schemeClr val="accent1"/>
+              </a:buClr>
+              <a:buFont typeface="Wingdings 2" charset="2"/>
+              <a:buChar char=""/>
+              <a:defRPr sz="1200" kern="1200">
+                <a:solidFill>
+                  <a:schemeClr val="tx1"/>
+                </a:solidFill>
+                <a:latin typeface="+mn-lt"/>
+                <a:ea typeface="+mn-ea"/>
+                <a:cs typeface="+mn-cs"/>
+              </a:defRPr>
+            </a:lvl5pPr>
+            <a:lvl6pPr marL="2400000" indent="-228600" algn="l" defTabSz="457200" rtl="0" eaLnBrk="1" latinLnBrk="0" hangingPunct="1">
+              <a:spcBef>
+                <a:spcPct val="20000"/>
+              </a:spcBef>
+              <a:spcAft>
+                <a:spcPts val="600"/>
+              </a:spcAft>
+              <a:buClr>
+                <a:schemeClr val="accent1"/>
+              </a:buClr>
+              <a:buFont typeface="Wingdings 2" charset="2"/>
+              <a:buChar char=""/>
+              <a:defRPr sz="1200" kern="1200">
+                <a:solidFill>
+                  <a:schemeClr val="tx1"/>
+                </a:solidFill>
+                <a:latin typeface="+mn-lt"/>
+                <a:ea typeface="+mn-ea"/>
+                <a:cs typeface="+mn-cs"/>
+              </a:defRPr>
+            </a:lvl6pPr>
+            <a:lvl7pPr marL="2800000" indent="-228600" algn="l" defTabSz="457200" rtl="0" eaLnBrk="1" latinLnBrk="0" hangingPunct="1">
+              <a:spcBef>
+                <a:spcPct val="20000"/>
+              </a:spcBef>
+              <a:spcAft>
+                <a:spcPts val="600"/>
+              </a:spcAft>
+              <a:buClr>
+                <a:schemeClr val="accent1"/>
+              </a:buClr>
+              <a:buFont typeface="Wingdings 2" charset="2"/>
+              <a:buChar char=""/>
+              <a:defRPr sz="1200" kern="1200">
+                <a:solidFill>
+                  <a:schemeClr val="tx1"/>
+                </a:solidFill>
+                <a:latin typeface="+mn-lt"/>
+                <a:ea typeface="+mn-ea"/>
+                <a:cs typeface="+mn-cs"/>
+              </a:defRPr>
+            </a:lvl7pPr>
+            <a:lvl8pPr marL="3200000" indent="-228600" algn="l" defTabSz="457200" rtl="0" eaLnBrk="1" latinLnBrk="0" hangingPunct="1">
+              <a:spcBef>
+                <a:spcPct val="20000"/>
+              </a:spcBef>
+              <a:spcAft>
+                <a:spcPts val="600"/>
+              </a:spcAft>
+              <a:buClr>
+                <a:schemeClr val="accent1"/>
+              </a:buClr>
+              <a:buFont typeface="Wingdings 2" charset="2"/>
+              <a:buChar char=""/>
+              <a:defRPr sz="1200" kern="1200">
+                <a:solidFill>
+                  <a:schemeClr val="tx1"/>
+                </a:solidFill>
+                <a:latin typeface="+mn-lt"/>
+                <a:ea typeface="+mn-ea"/>
+                <a:cs typeface="+mn-cs"/>
+              </a:defRPr>
+            </a:lvl8pPr>
+            <a:lvl9pPr marL="3600000" indent="-228600" algn="l" defTabSz="457200" rtl="0" eaLnBrk="1" latinLnBrk="0" hangingPunct="1">
+              <a:spcBef>
+                <a:spcPct val="20000"/>
+              </a:spcBef>
+              <a:spcAft>
+                <a:spcPts val="600"/>
+              </a:spcAft>
+              <a:buClr>
+                <a:schemeClr val="accent1"/>
+              </a:buClr>
+              <a:buFont typeface="Wingdings 2" charset="2"/>
+              <a:buChar char=""/>
+              <a:defRPr sz="1200" kern="1200">
+                <a:solidFill>
+                  <a:schemeClr val="tx1"/>
+                </a:solidFill>
+                <a:latin typeface="+mn-lt"/>
+                <a:ea typeface="+mn-ea"/>
+                <a:cs typeface="+mn-cs"/>
+              </a:defRPr>
+            </a:lvl9pPr>
+          </a:lstStyle>
+          <a:p>
+            <a:r>
+              <a:rPr lang="fr-FR" dirty="0"/>
+              <a:t>Acc : 0.45</a:t>
+            </a:r>
+          </a:p>
+        </p:txBody>
+      </p:sp>
+    </p:spTree>
+    <p:extLst>
+      <p:ext uri="{BB962C8B-B14F-4D97-AF65-F5344CB8AC3E}">
+        <p14:creationId xmlns:p14="http://schemas.microsoft.com/office/powerpoint/2010/main" val="2004446550"/>
+      </p:ext>
+    </p:extLst>
+  </p:cSld>
+  <p:clrMapOvr>
+    <a:masterClrMapping/>
+  </p:clrMapOvr>
+</p:sld>
+</file>
+
+<file path=ppt/slides/slide19.xml><?xml version="1.0" encoding="utf-8"?>
+<p:sld xmlns:a="http://schemas.openxmlformats.org/drawingml/2006/main" xmlns:r="http://schemas.openxmlformats.org/officeDocument/2006/relationships" xmlns:p="http://schemas.openxmlformats.org/presentationml/2006/main">
+  <p:cSld>
+    <p:spTree>
+      <p:nvGrpSpPr>
+        <p:cNvPr id="1" name=""/>
+        <p:cNvGrpSpPr/>
+        <p:nvPr/>
+      </p:nvGrpSpPr>
+      <p:grpSpPr>
+        <a:xfrm>
+          <a:off x="0" y="0"/>
+          <a:ext cx="0" cy="0"/>
+          <a:chOff x="0" y="0"/>
+          <a:chExt cx="0" cy="0"/>
+        </a:xfrm>
+      </p:grpSpPr>
+      <p:sp>
+        <p:nvSpPr>
+          <p:cNvPr id="2" name="Titre 1">
+            <a:extLst>
+              <a:ext uri="{FF2B5EF4-FFF2-40B4-BE49-F238E27FC236}">
+                <a16:creationId xmlns:a16="http://schemas.microsoft.com/office/drawing/2014/main" id="{CC8DC5E3-547F-1CAC-74AA-8AD3A246DD5F}"/>
+              </a:ext>
+            </a:extLst>
+          </p:cNvPr>
+          <p:cNvSpPr>
+            <a:spLocks noGrp="1"/>
+          </p:cNvSpPr>
+          <p:nvPr>
+            <p:ph type="title"/>
+          </p:nvPr>
+        </p:nvSpPr>
+        <p:spPr/>
+        <p:txBody>
+          <a:bodyPr/>
+          <a:lstStyle/>
+          <a:p>
+            <a:r>
+              <a:rPr lang="fr-FR" sz="4000" b="1" dirty="0"/>
+              <a:t>Part 4 : Image classification </a:t>
+            </a:r>
+            <a:r>
+              <a:rPr lang="fr-FR" sz="4000" b="1" dirty="0" err="1"/>
+              <a:t>feasibility</a:t>
+            </a:r>
+            <a:endParaRPr lang="fr-FR" sz="4000" b="1" dirty="0"/>
+          </a:p>
+        </p:txBody>
+      </p:sp>
+      <p:sp>
+        <p:nvSpPr>
+          <p:cNvPr id="3" name="Espace réservé du contenu 2">
+            <a:extLst>
+              <a:ext uri="{FF2B5EF4-FFF2-40B4-BE49-F238E27FC236}">
+                <a16:creationId xmlns:a16="http://schemas.microsoft.com/office/drawing/2014/main" id="{E57A140B-F8CB-842C-F3E7-F5ECF42B665F}"/>
+              </a:ext>
+            </a:extLst>
+          </p:cNvPr>
+          <p:cNvSpPr>
+            <a:spLocks noGrp="1"/>
+          </p:cNvSpPr>
+          <p:nvPr>
+            <p:ph idx="1"/>
+          </p:nvPr>
+        </p:nvSpPr>
+        <p:spPr>
+          <a:xfrm>
+            <a:off x="810000" y="2174161"/>
+            <a:ext cx="10554574" cy="3636511"/>
+          </a:xfrm>
+        </p:spPr>
+        <p:txBody>
+          <a:bodyPr anchor="t" anchorCtr="0">
+            <a:normAutofit/>
+          </a:bodyPr>
+          <a:lstStyle/>
+          <a:p>
+            <a:r>
+              <a:rPr lang="fr-FR" dirty="0"/>
+              <a:t>2nd </a:t>
+            </a:r>
+            <a:r>
+              <a:rPr lang="fr-FR" dirty="0" err="1"/>
+              <a:t>approach</a:t>
+            </a:r>
+            <a:r>
+              <a:rPr lang="fr-FR" dirty="0"/>
+              <a:t> : VGG16 </a:t>
+            </a:r>
+            <a:r>
+              <a:rPr lang="fr-FR" dirty="0" err="1"/>
+              <a:t>transfer</a:t>
+            </a:r>
+            <a:r>
+              <a:rPr lang="fr-FR" dirty="0"/>
+              <a:t> </a:t>
+            </a:r>
+            <a:r>
+              <a:rPr lang="fr-FR" dirty="0" err="1"/>
+              <a:t>learning</a:t>
+            </a:r>
+            <a:endParaRPr lang="fr-FR" dirty="0"/>
+          </a:p>
+        </p:txBody>
+      </p:sp>
+      <p:sp>
+        <p:nvSpPr>
+          <p:cNvPr id="4" name="Espace réservé de la date 3">
+            <a:extLst>
+              <a:ext uri="{FF2B5EF4-FFF2-40B4-BE49-F238E27FC236}">
+                <a16:creationId xmlns:a16="http://schemas.microsoft.com/office/drawing/2014/main" id="{FE4CBB04-6343-5AD9-1F90-96ED5CF26CAE}"/>
+              </a:ext>
+            </a:extLst>
+          </p:cNvPr>
+          <p:cNvSpPr>
+            <a:spLocks noGrp="1"/>
+          </p:cNvSpPr>
+          <p:nvPr>
+            <p:ph type="dt" sz="half" idx="10"/>
+          </p:nvPr>
+        </p:nvSpPr>
+        <p:spPr/>
+        <p:txBody>
+          <a:bodyPr/>
+          <a:lstStyle/>
+          <a:p>
+            <a:fld id="{12B4ACCD-1085-4E95-90B7-9239FD28BE42}" type="datetime1">
+              <a:rPr lang="en-US" smtClean="0"/>
+              <a:t>3/28/2023</a:t>
+            </a:fld>
+            <a:endParaRPr lang="en-US" dirty="0"/>
+          </a:p>
+        </p:txBody>
+      </p:sp>
+      <p:sp>
+        <p:nvSpPr>
+          <p:cNvPr id="5" name="Espace réservé du numéro de diapositive 4">
+            <a:extLst>
+              <a:ext uri="{FF2B5EF4-FFF2-40B4-BE49-F238E27FC236}">
+                <a16:creationId xmlns:a16="http://schemas.microsoft.com/office/drawing/2014/main" id="{7B6798E4-D93C-1E85-82A8-C73B44F215BA}"/>
+              </a:ext>
+            </a:extLst>
+          </p:cNvPr>
+          <p:cNvSpPr>
+            <a:spLocks noGrp="1"/>
+          </p:cNvSpPr>
+          <p:nvPr>
+            <p:ph type="sldNum" sz="quarter" idx="12"/>
+          </p:nvPr>
+        </p:nvSpPr>
+        <p:spPr/>
+        <p:txBody>
+          <a:bodyPr/>
+          <a:lstStyle/>
+          <a:p>
+            <a:fld id="{D57F1E4F-1CFF-5643-939E-217C01CDF565}" type="slidenum">
+              <a:rPr lang="en-US" smtClean="0"/>
+              <a:pPr/>
+              <a:t>19</a:t>
+            </a:fld>
+            <a:endParaRPr lang="en-US" dirty="0"/>
+          </a:p>
+        </p:txBody>
+      </p:sp>
+      <p:pic>
+        <p:nvPicPr>
+          <p:cNvPr id="18434" name="Picture 2">
+            <a:extLst>
+              <a:ext uri="{FF2B5EF4-FFF2-40B4-BE49-F238E27FC236}">
+                <a16:creationId xmlns:a16="http://schemas.microsoft.com/office/drawing/2014/main" id="{729DDFBF-5A68-C555-E111-EF06DB428091}"/>
+              </a:ext>
+            </a:extLst>
+          </p:cNvPr>
+          <p:cNvPicPr>
+            <a:picLocks noChangeAspect="1" noChangeArrowheads="1"/>
+          </p:cNvPicPr>
+          <p:nvPr/>
+        </p:nvPicPr>
+        <p:blipFill>
+          <a:blip r:embed="rId2">
+            <a:extLst>
+              <a:ext uri="{28A0092B-C50C-407E-A947-70E740481C1C}">
+                <a14:useLocalDpi xmlns:a14="http://schemas.microsoft.com/office/drawing/2010/main" val="0"/>
+              </a:ext>
+            </a:extLst>
+          </a:blip>
+          <a:srcRect/>
+          <a:stretch>
+            <a:fillRect/>
+          </a:stretch>
+        </p:blipFill>
+        <p:spPr bwMode="auto">
+          <a:xfrm>
+            <a:off x="119065" y="2731909"/>
+            <a:ext cx="6467475" cy="3343275"/>
+          </a:xfrm>
+          <a:prstGeom prst="rect">
+            <a:avLst/>
+          </a:prstGeom>
+          <a:noFill/>
+          <a:extLst>
+            <a:ext uri="{909E8E84-426E-40DD-AFC4-6F175D3DCCD1}">
+              <a14:hiddenFill xmlns:a14="http://schemas.microsoft.com/office/drawing/2010/main">
+                <a:solidFill>
+                  <a:srgbClr val="FFFFFF"/>
+                </a:solidFill>
+              </a14:hiddenFill>
+            </a:ext>
+          </a:extLst>
+        </p:spPr>
+      </p:pic>
+      <p:pic>
+        <p:nvPicPr>
+          <p:cNvPr id="8" name="Image 7">
+            <a:extLst>
+              <a:ext uri="{FF2B5EF4-FFF2-40B4-BE49-F238E27FC236}">
+                <a16:creationId xmlns:a16="http://schemas.microsoft.com/office/drawing/2014/main" id="{F37EC5A4-8BEC-71AC-6F22-1CCDB02DAB2F}"/>
+              </a:ext>
+            </a:extLst>
+          </p:cNvPr>
+          <p:cNvPicPr>
+            <a:picLocks noChangeAspect="1"/>
+          </p:cNvPicPr>
+          <p:nvPr/>
+        </p:nvPicPr>
+        <p:blipFill>
+          <a:blip r:embed="rId3"/>
+          <a:stretch>
+            <a:fillRect/>
+          </a:stretch>
+        </p:blipFill>
+        <p:spPr>
+          <a:xfrm>
+            <a:off x="6826884" y="2731909"/>
+            <a:ext cx="5232455" cy="3343275"/>
+          </a:xfrm>
+          <a:prstGeom prst="rect">
+            <a:avLst/>
+          </a:prstGeom>
+        </p:spPr>
+      </p:pic>
+    </p:spTree>
+    <p:extLst>
+      <p:ext uri="{BB962C8B-B14F-4D97-AF65-F5344CB8AC3E}">
+        <p14:creationId xmlns:p14="http://schemas.microsoft.com/office/powerpoint/2010/main" val="2633704463"/>
       </p:ext>
     </p:extLst>
   </p:cSld>
@@ -6247,7 +10467,7 @@
           <a:p>
             <a:fld id="{3CF22705-48AA-49A5-8942-767BBE7938FD}" type="datetime1">
               <a:rPr lang="en-US" smtClean="0"/>
-              <a:t>3/27/2023</a:t>
+              <a:t>3/28/2023</a:t>
             </a:fld>
             <a:endParaRPr lang="en-US" dirty="0"/>
           </a:p>
@@ -6287,6 +10507,3411 @@
     <p:extLst>
       <p:ext uri="{BB962C8B-B14F-4D97-AF65-F5344CB8AC3E}">
         <p14:creationId xmlns:p14="http://schemas.microsoft.com/office/powerpoint/2010/main" val="1676530224"/>
+      </p:ext>
+    </p:extLst>
+  </p:cSld>
+  <p:clrMapOvr>
+    <a:masterClrMapping/>
+  </p:clrMapOvr>
+</p:sld>
+</file>
+
+<file path=ppt/slides/slide20.xml><?xml version="1.0" encoding="utf-8"?>
+<p:sld xmlns:a="http://schemas.openxmlformats.org/drawingml/2006/main" xmlns:r="http://schemas.openxmlformats.org/officeDocument/2006/relationships" xmlns:p="http://schemas.openxmlformats.org/presentationml/2006/main">
+  <p:cSld>
+    <p:spTree>
+      <p:nvGrpSpPr>
+        <p:cNvPr id="1" name=""/>
+        <p:cNvGrpSpPr/>
+        <p:nvPr/>
+      </p:nvGrpSpPr>
+      <p:grpSpPr>
+        <a:xfrm>
+          <a:off x="0" y="0"/>
+          <a:ext cx="0" cy="0"/>
+          <a:chOff x="0" y="0"/>
+          <a:chExt cx="0" cy="0"/>
+        </a:xfrm>
+      </p:grpSpPr>
+      <p:sp>
+        <p:nvSpPr>
+          <p:cNvPr id="2" name="Titre 1">
+            <a:extLst>
+              <a:ext uri="{FF2B5EF4-FFF2-40B4-BE49-F238E27FC236}">
+                <a16:creationId xmlns:a16="http://schemas.microsoft.com/office/drawing/2014/main" id="{CC8DC5E3-547F-1CAC-74AA-8AD3A246DD5F}"/>
+              </a:ext>
+            </a:extLst>
+          </p:cNvPr>
+          <p:cNvSpPr>
+            <a:spLocks noGrp="1"/>
+          </p:cNvSpPr>
+          <p:nvPr>
+            <p:ph type="title"/>
+          </p:nvPr>
+        </p:nvSpPr>
+        <p:spPr/>
+        <p:txBody>
+          <a:bodyPr/>
+          <a:lstStyle/>
+          <a:p>
+            <a:r>
+              <a:rPr lang="fr-FR" sz="4000" b="1" dirty="0"/>
+              <a:t>Part 4 : Image classification </a:t>
+            </a:r>
+            <a:r>
+              <a:rPr lang="fr-FR" sz="4000" b="1" dirty="0" err="1"/>
+              <a:t>feasibility</a:t>
+            </a:r>
+            <a:endParaRPr lang="fr-FR" sz="4000" b="1" dirty="0"/>
+          </a:p>
+        </p:txBody>
+      </p:sp>
+      <p:sp>
+        <p:nvSpPr>
+          <p:cNvPr id="3" name="Espace réservé du contenu 2">
+            <a:extLst>
+              <a:ext uri="{FF2B5EF4-FFF2-40B4-BE49-F238E27FC236}">
+                <a16:creationId xmlns:a16="http://schemas.microsoft.com/office/drawing/2014/main" id="{E57A140B-F8CB-842C-F3E7-F5ECF42B665F}"/>
+              </a:ext>
+            </a:extLst>
+          </p:cNvPr>
+          <p:cNvSpPr>
+            <a:spLocks noGrp="1"/>
+          </p:cNvSpPr>
+          <p:nvPr>
+            <p:ph idx="1"/>
+          </p:nvPr>
+        </p:nvSpPr>
+        <p:spPr>
+          <a:xfrm>
+            <a:off x="810000" y="2174161"/>
+            <a:ext cx="10554574" cy="3636511"/>
+          </a:xfrm>
+        </p:spPr>
+        <p:txBody>
+          <a:bodyPr anchor="t" anchorCtr="0">
+            <a:normAutofit/>
+          </a:bodyPr>
+          <a:lstStyle/>
+          <a:p>
+            <a:r>
+              <a:rPr lang="fr-FR" dirty="0"/>
+              <a:t>2nd </a:t>
+            </a:r>
+            <a:r>
+              <a:rPr lang="fr-FR" dirty="0" err="1"/>
+              <a:t>approach</a:t>
+            </a:r>
+            <a:r>
+              <a:rPr lang="fr-FR" dirty="0"/>
+              <a:t> : VGG16 </a:t>
+            </a:r>
+            <a:r>
+              <a:rPr lang="fr-FR" dirty="0" err="1"/>
+              <a:t>transfer</a:t>
+            </a:r>
+            <a:r>
+              <a:rPr lang="fr-FR" dirty="0"/>
+              <a:t> </a:t>
+            </a:r>
+            <a:r>
+              <a:rPr lang="fr-FR" dirty="0" err="1"/>
+              <a:t>learning</a:t>
+            </a:r>
+            <a:r>
+              <a:rPr lang="fr-FR" dirty="0"/>
+              <a:t> – </a:t>
+            </a:r>
+            <a:r>
+              <a:rPr lang="fr-FR" dirty="0" err="1"/>
+              <a:t>example</a:t>
+            </a:r>
+            <a:r>
+              <a:rPr lang="fr-FR" dirty="0"/>
+              <a:t> of confusion</a:t>
+            </a:r>
+          </a:p>
+        </p:txBody>
+      </p:sp>
+      <p:sp>
+        <p:nvSpPr>
+          <p:cNvPr id="4" name="Espace réservé de la date 3">
+            <a:extLst>
+              <a:ext uri="{FF2B5EF4-FFF2-40B4-BE49-F238E27FC236}">
+                <a16:creationId xmlns:a16="http://schemas.microsoft.com/office/drawing/2014/main" id="{FE4CBB04-6343-5AD9-1F90-96ED5CF26CAE}"/>
+              </a:ext>
+            </a:extLst>
+          </p:cNvPr>
+          <p:cNvSpPr>
+            <a:spLocks noGrp="1"/>
+          </p:cNvSpPr>
+          <p:nvPr>
+            <p:ph type="dt" sz="half" idx="10"/>
+          </p:nvPr>
+        </p:nvSpPr>
+        <p:spPr/>
+        <p:txBody>
+          <a:bodyPr/>
+          <a:lstStyle/>
+          <a:p>
+            <a:fld id="{12B4ACCD-1085-4E95-90B7-9239FD28BE42}" type="datetime1">
+              <a:rPr lang="en-US" smtClean="0"/>
+              <a:t>3/28/2023</a:t>
+            </a:fld>
+            <a:endParaRPr lang="en-US" dirty="0"/>
+          </a:p>
+        </p:txBody>
+      </p:sp>
+      <p:sp>
+        <p:nvSpPr>
+          <p:cNvPr id="5" name="Espace réservé du numéro de diapositive 4">
+            <a:extLst>
+              <a:ext uri="{FF2B5EF4-FFF2-40B4-BE49-F238E27FC236}">
+                <a16:creationId xmlns:a16="http://schemas.microsoft.com/office/drawing/2014/main" id="{7B6798E4-D93C-1E85-82A8-C73B44F215BA}"/>
+              </a:ext>
+            </a:extLst>
+          </p:cNvPr>
+          <p:cNvSpPr>
+            <a:spLocks noGrp="1"/>
+          </p:cNvSpPr>
+          <p:nvPr>
+            <p:ph type="sldNum" sz="quarter" idx="12"/>
+          </p:nvPr>
+        </p:nvSpPr>
+        <p:spPr/>
+        <p:txBody>
+          <a:bodyPr/>
+          <a:lstStyle/>
+          <a:p>
+            <a:fld id="{D57F1E4F-1CFF-5643-939E-217C01CDF565}" type="slidenum">
+              <a:rPr lang="en-US" smtClean="0"/>
+              <a:pPr/>
+              <a:t>20</a:t>
+            </a:fld>
+            <a:endParaRPr lang="en-US" dirty="0"/>
+          </a:p>
+        </p:txBody>
+      </p:sp>
+      <p:pic>
+        <p:nvPicPr>
+          <p:cNvPr id="19458" name="Picture 2">
+            <a:extLst>
+              <a:ext uri="{FF2B5EF4-FFF2-40B4-BE49-F238E27FC236}">
+                <a16:creationId xmlns:a16="http://schemas.microsoft.com/office/drawing/2014/main" id="{7F6C7BD3-4E33-3DC5-219D-FB3A51D447A9}"/>
+              </a:ext>
+            </a:extLst>
+          </p:cNvPr>
+          <p:cNvPicPr>
+            <a:picLocks noChangeAspect="1" noChangeArrowheads="1"/>
+          </p:cNvPicPr>
+          <p:nvPr/>
+        </p:nvPicPr>
+        <p:blipFill>
+          <a:blip r:embed="rId2">
+            <a:extLst>
+              <a:ext uri="{28A0092B-C50C-407E-A947-70E740481C1C}">
+                <a14:useLocalDpi xmlns:a14="http://schemas.microsoft.com/office/drawing/2010/main" val="0"/>
+              </a:ext>
+            </a:extLst>
+          </a:blip>
+          <a:srcRect/>
+          <a:stretch>
+            <a:fillRect/>
+          </a:stretch>
+        </p:blipFill>
+        <p:spPr bwMode="auto">
+          <a:xfrm>
+            <a:off x="2867837" y="2894112"/>
+            <a:ext cx="6438900" cy="3267075"/>
+          </a:xfrm>
+          <a:prstGeom prst="rect">
+            <a:avLst/>
+          </a:prstGeom>
+          <a:noFill/>
+          <a:extLst>
+            <a:ext uri="{909E8E84-426E-40DD-AFC4-6F175D3DCCD1}">
+              <a14:hiddenFill xmlns:a14="http://schemas.microsoft.com/office/drawing/2010/main">
+                <a:solidFill>
+                  <a:srgbClr val="FFFFFF"/>
+                </a:solidFill>
+              </a14:hiddenFill>
+            </a:ext>
+          </a:extLst>
+        </p:spPr>
+      </p:pic>
+      <p:sp>
+        <p:nvSpPr>
+          <p:cNvPr id="6" name="ZoneTexte 5">
+            <a:extLst>
+              <a:ext uri="{FF2B5EF4-FFF2-40B4-BE49-F238E27FC236}">
+                <a16:creationId xmlns:a16="http://schemas.microsoft.com/office/drawing/2014/main" id="{CFB6E598-65C6-1AEB-1A87-E62B3380211B}"/>
+              </a:ext>
+            </a:extLst>
+          </p:cNvPr>
+          <p:cNvSpPr txBox="1"/>
+          <p:nvPr/>
+        </p:nvSpPr>
+        <p:spPr>
+          <a:xfrm>
+            <a:off x="2667177" y="2572982"/>
+            <a:ext cx="6781625" cy="369332"/>
+          </a:xfrm>
+          <a:prstGeom prst="rect">
+            <a:avLst/>
+          </a:prstGeom>
+          <a:solidFill>
+            <a:schemeClr val="tx1"/>
+          </a:solidFill>
+        </p:spPr>
+        <p:txBody>
+          <a:bodyPr wrap="square" rtlCol="0">
+            <a:spAutoFit/>
+          </a:bodyPr>
+          <a:lstStyle/>
+          <a:p>
+            <a:pPr algn="ctr"/>
+            <a:r>
+              <a:rPr lang="fr-FR" dirty="0" err="1">
+                <a:solidFill>
+                  <a:schemeClr val="bg1"/>
+                </a:solidFill>
+              </a:rPr>
+              <a:t>True</a:t>
+            </a:r>
+            <a:r>
+              <a:rPr lang="fr-FR" dirty="0">
+                <a:solidFill>
+                  <a:schemeClr val="bg1"/>
+                </a:solidFill>
+              </a:rPr>
+              <a:t> : Computers – </a:t>
+            </a:r>
+            <a:r>
+              <a:rPr lang="fr-FR" dirty="0" err="1">
+                <a:solidFill>
+                  <a:schemeClr val="bg1"/>
+                </a:solidFill>
+              </a:rPr>
+              <a:t>Pred</a:t>
+            </a:r>
+            <a:r>
+              <a:rPr lang="fr-FR" dirty="0">
+                <a:solidFill>
+                  <a:schemeClr val="bg1"/>
+                </a:solidFill>
+              </a:rPr>
+              <a:t> : Home </a:t>
+            </a:r>
+            <a:r>
+              <a:rPr lang="fr-FR" dirty="0" err="1">
+                <a:solidFill>
+                  <a:schemeClr val="bg1"/>
+                </a:solidFill>
+              </a:rPr>
+              <a:t>Decor</a:t>
+            </a:r>
+            <a:r>
+              <a:rPr lang="fr-FR" dirty="0">
+                <a:solidFill>
+                  <a:schemeClr val="bg1"/>
+                </a:solidFill>
+              </a:rPr>
+              <a:t> &amp; Festive </a:t>
+            </a:r>
+            <a:r>
+              <a:rPr lang="fr-FR" dirty="0" err="1">
+                <a:solidFill>
+                  <a:schemeClr val="bg1"/>
+                </a:solidFill>
+              </a:rPr>
+              <a:t>Needs</a:t>
+            </a:r>
+            <a:endParaRPr lang="fr-FR" dirty="0">
+              <a:solidFill>
+                <a:schemeClr val="bg1"/>
+              </a:solidFill>
+            </a:endParaRPr>
+          </a:p>
+        </p:txBody>
+      </p:sp>
+    </p:spTree>
+    <p:extLst>
+      <p:ext uri="{BB962C8B-B14F-4D97-AF65-F5344CB8AC3E}">
+        <p14:creationId xmlns:p14="http://schemas.microsoft.com/office/powerpoint/2010/main" val="4101296631"/>
+      </p:ext>
+    </p:extLst>
+  </p:cSld>
+  <p:clrMapOvr>
+    <a:masterClrMapping/>
+  </p:clrMapOvr>
+</p:sld>
+</file>
+
+<file path=ppt/slides/slide21.xml><?xml version="1.0" encoding="utf-8"?>
+<p:sld xmlns:a="http://schemas.openxmlformats.org/drawingml/2006/main" xmlns:r="http://schemas.openxmlformats.org/officeDocument/2006/relationships" xmlns:p="http://schemas.openxmlformats.org/presentationml/2006/main">
+  <p:cSld>
+    <p:spTree>
+      <p:nvGrpSpPr>
+        <p:cNvPr id="1" name=""/>
+        <p:cNvGrpSpPr/>
+        <p:nvPr/>
+      </p:nvGrpSpPr>
+      <p:grpSpPr>
+        <a:xfrm>
+          <a:off x="0" y="0"/>
+          <a:ext cx="0" cy="0"/>
+          <a:chOff x="0" y="0"/>
+          <a:chExt cx="0" cy="0"/>
+        </a:xfrm>
+      </p:grpSpPr>
+      <p:sp>
+        <p:nvSpPr>
+          <p:cNvPr id="2" name="Titre 1">
+            <a:extLst>
+              <a:ext uri="{FF2B5EF4-FFF2-40B4-BE49-F238E27FC236}">
+                <a16:creationId xmlns:a16="http://schemas.microsoft.com/office/drawing/2014/main" id="{CC8DC5E3-547F-1CAC-74AA-8AD3A246DD5F}"/>
+              </a:ext>
+            </a:extLst>
+          </p:cNvPr>
+          <p:cNvSpPr>
+            <a:spLocks noGrp="1"/>
+          </p:cNvSpPr>
+          <p:nvPr>
+            <p:ph type="title"/>
+          </p:nvPr>
+        </p:nvSpPr>
+        <p:spPr/>
+        <p:txBody>
+          <a:bodyPr/>
+          <a:lstStyle/>
+          <a:p>
+            <a:r>
+              <a:rPr lang="fr-FR" sz="4000" b="1" dirty="0"/>
+              <a:t>Part 5 : </a:t>
+            </a:r>
+            <a:r>
+              <a:rPr lang="fr-FR" sz="4000" b="1" dirty="0" err="1"/>
+              <a:t>Supervized</a:t>
+            </a:r>
+            <a:r>
+              <a:rPr lang="fr-FR" sz="4000" b="1" dirty="0"/>
+              <a:t> image classification </a:t>
+            </a:r>
+            <a:r>
+              <a:rPr lang="fr-FR" sz="4000" b="1" dirty="0" err="1"/>
+              <a:t>with</a:t>
+            </a:r>
+            <a:r>
+              <a:rPr lang="fr-FR" sz="4000" b="1" dirty="0"/>
+              <a:t> data augmentation</a:t>
+            </a:r>
+          </a:p>
+        </p:txBody>
+      </p:sp>
+      <p:sp>
+        <p:nvSpPr>
+          <p:cNvPr id="3" name="Espace réservé du contenu 2">
+            <a:extLst>
+              <a:ext uri="{FF2B5EF4-FFF2-40B4-BE49-F238E27FC236}">
+                <a16:creationId xmlns:a16="http://schemas.microsoft.com/office/drawing/2014/main" id="{E57A140B-F8CB-842C-F3E7-F5ECF42B665F}"/>
+              </a:ext>
+            </a:extLst>
+          </p:cNvPr>
+          <p:cNvSpPr>
+            <a:spLocks noGrp="1"/>
+          </p:cNvSpPr>
+          <p:nvPr>
+            <p:ph idx="1"/>
+          </p:nvPr>
+        </p:nvSpPr>
+        <p:spPr>
+          <a:xfrm>
+            <a:off x="810000" y="2174161"/>
+            <a:ext cx="10554574" cy="3636511"/>
+          </a:xfrm>
+        </p:spPr>
+        <p:txBody>
+          <a:bodyPr anchor="t" anchorCtr="0">
+            <a:normAutofit/>
+          </a:bodyPr>
+          <a:lstStyle/>
+          <a:p>
+            <a:r>
+              <a:rPr lang="fr-FR" dirty="0"/>
+              <a:t>VGG16 </a:t>
+            </a:r>
+            <a:r>
+              <a:rPr lang="fr-FR" dirty="0" err="1"/>
+              <a:t>transfer</a:t>
+            </a:r>
+            <a:r>
+              <a:rPr lang="fr-FR" dirty="0"/>
+              <a:t> </a:t>
+            </a:r>
+            <a:r>
+              <a:rPr lang="fr-FR" dirty="0" err="1"/>
+              <a:t>learning</a:t>
+            </a:r>
+            <a:r>
+              <a:rPr lang="fr-FR" dirty="0"/>
+              <a:t> </a:t>
+            </a:r>
+            <a:r>
+              <a:rPr lang="fr-FR" dirty="0" err="1"/>
+              <a:t>with</a:t>
+            </a:r>
+            <a:r>
+              <a:rPr lang="fr-FR" dirty="0"/>
+              <a:t> data augmentation</a:t>
+            </a:r>
+          </a:p>
+          <a:p>
+            <a:pPr lvl="1"/>
+            <a:r>
+              <a:rPr lang="en-US" i="1" dirty="0"/>
+              <a:t>VGG16 transfer learning with data augmentation for image classification is a deep learning technique that uses a pre-trained VGG16 convolutional neural network as a feature extractor and data augmentation to improve the accuracy of image classification tasks on new datasets.</a:t>
+            </a:r>
+            <a:endParaRPr lang="fr-FR" i="1" dirty="0"/>
+          </a:p>
+        </p:txBody>
+      </p:sp>
+      <p:sp>
+        <p:nvSpPr>
+          <p:cNvPr id="4" name="Espace réservé de la date 3">
+            <a:extLst>
+              <a:ext uri="{FF2B5EF4-FFF2-40B4-BE49-F238E27FC236}">
+                <a16:creationId xmlns:a16="http://schemas.microsoft.com/office/drawing/2014/main" id="{FA94EBA3-E94D-DF2B-B479-2B8D8A7B3834}"/>
+              </a:ext>
+            </a:extLst>
+          </p:cNvPr>
+          <p:cNvSpPr>
+            <a:spLocks noGrp="1"/>
+          </p:cNvSpPr>
+          <p:nvPr>
+            <p:ph type="dt" sz="half" idx="10"/>
+          </p:nvPr>
+        </p:nvSpPr>
+        <p:spPr/>
+        <p:txBody>
+          <a:bodyPr/>
+          <a:lstStyle/>
+          <a:p>
+            <a:fld id="{2308EC4A-D272-4061-96D7-4F8E908D7EAD}" type="datetime1">
+              <a:rPr lang="en-US" smtClean="0"/>
+              <a:t>3/28/2023</a:t>
+            </a:fld>
+            <a:endParaRPr lang="en-US" dirty="0"/>
+          </a:p>
+        </p:txBody>
+      </p:sp>
+      <p:sp>
+        <p:nvSpPr>
+          <p:cNvPr id="5" name="Espace réservé du numéro de diapositive 4">
+            <a:extLst>
+              <a:ext uri="{FF2B5EF4-FFF2-40B4-BE49-F238E27FC236}">
+                <a16:creationId xmlns:a16="http://schemas.microsoft.com/office/drawing/2014/main" id="{526A5224-668C-5AB8-242B-4ACA62F29119}"/>
+              </a:ext>
+            </a:extLst>
+          </p:cNvPr>
+          <p:cNvSpPr>
+            <a:spLocks noGrp="1"/>
+          </p:cNvSpPr>
+          <p:nvPr>
+            <p:ph type="sldNum" sz="quarter" idx="12"/>
+          </p:nvPr>
+        </p:nvSpPr>
+        <p:spPr/>
+        <p:txBody>
+          <a:bodyPr/>
+          <a:lstStyle/>
+          <a:p>
+            <a:fld id="{D57F1E4F-1CFF-5643-939E-217C01CDF565}" type="slidenum">
+              <a:rPr lang="en-US" smtClean="0"/>
+              <a:pPr/>
+              <a:t>21</a:t>
+            </a:fld>
+            <a:endParaRPr lang="en-US" dirty="0"/>
+          </a:p>
+        </p:txBody>
+      </p:sp>
+      <p:pic>
+        <p:nvPicPr>
+          <p:cNvPr id="5122" name="Picture 2">
+            <a:extLst>
+              <a:ext uri="{FF2B5EF4-FFF2-40B4-BE49-F238E27FC236}">
+                <a16:creationId xmlns:a16="http://schemas.microsoft.com/office/drawing/2014/main" id="{D5EC3D68-DB46-DCE1-E058-1DB5E44F815F}"/>
+              </a:ext>
+            </a:extLst>
+          </p:cNvPr>
+          <p:cNvPicPr>
+            <a:picLocks noChangeAspect="1" noChangeArrowheads="1"/>
+          </p:cNvPicPr>
+          <p:nvPr/>
+        </p:nvPicPr>
+        <p:blipFill>
+          <a:blip r:embed="rId2">
+            <a:extLst>
+              <a:ext uri="{28A0092B-C50C-407E-A947-70E740481C1C}">
+                <a14:useLocalDpi xmlns:a14="http://schemas.microsoft.com/office/drawing/2010/main" val="0"/>
+              </a:ext>
+            </a:extLst>
+          </a:blip>
+          <a:srcRect/>
+          <a:stretch>
+            <a:fillRect/>
+          </a:stretch>
+        </p:blipFill>
+        <p:spPr bwMode="auto">
+          <a:xfrm>
+            <a:off x="2052043" y="3447011"/>
+            <a:ext cx="6537489" cy="3304309"/>
+          </a:xfrm>
+          <a:prstGeom prst="rect">
+            <a:avLst/>
+          </a:prstGeom>
+          <a:noFill/>
+          <a:extLst>
+            <a:ext uri="{909E8E84-426E-40DD-AFC4-6F175D3DCCD1}">
+              <a14:hiddenFill xmlns:a14="http://schemas.microsoft.com/office/drawing/2010/main">
+                <a:solidFill>
+                  <a:srgbClr val="FFFFFF"/>
+                </a:solidFill>
+              </a14:hiddenFill>
+            </a:ext>
+          </a:extLst>
+        </p:spPr>
+      </p:pic>
+      <p:sp>
+        <p:nvSpPr>
+          <p:cNvPr id="6" name="Espace réservé du contenu 2">
+            <a:extLst>
+              <a:ext uri="{FF2B5EF4-FFF2-40B4-BE49-F238E27FC236}">
+                <a16:creationId xmlns:a16="http://schemas.microsoft.com/office/drawing/2014/main" id="{35FA10E9-7F4A-FE9C-8C25-E03BFAC40AC6}"/>
+              </a:ext>
+            </a:extLst>
+          </p:cNvPr>
+          <p:cNvSpPr txBox="1">
+            <a:spLocks/>
+          </p:cNvSpPr>
+          <p:nvPr/>
+        </p:nvSpPr>
+        <p:spPr>
+          <a:xfrm>
+            <a:off x="9831575" y="4663713"/>
+            <a:ext cx="2055626" cy="1252175"/>
+          </a:xfrm>
+          <a:prstGeom prst="rect">
+            <a:avLst/>
+          </a:prstGeom>
+          <a:effectLst>
+            <a:outerShdw blurRad="50800" dir="14400000">
+              <a:srgbClr val="000000">
+                <a:alpha val="40000"/>
+              </a:srgbClr>
+            </a:outerShdw>
+          </a:effectLst>
+        </p:spPr>
+        <p:txBody>
+          <a:bodyPr vert="horz" lIns="91440" tIns="45720" rIns="91440" bIns="45720" rtlCol="0" anchor="t" anchorCtr="0">
+            <a:normAutofit/>
+          </a:bodyPr>
+          <a:lstStyle>
+            <a:lvl1pPr marL="342900" indent="-342900" algn="l" defTabSz="457200" rtl="0" eaLnBrk="1" latinLnBrk="0" hangingPunct="1">
+              <a:spcBef>
+                <a:spcPct val="20000"/>
+              </a:spcBef>
+              <a:spcAft>
+                <a:spcPts val="600"/>
+              </a:spcAft>
+              <a:buClr>
+                <a:schemeClr val="accent1"/>
+              </a:buClr>
+              <a:buFont typeface="Wingdings 2" charset="2"/>
+              <a:buChar char=""/>
+              <a:defRPr sz="1800" kern="1200">
+                <a:solidFill>
+                  <a:schemeClr val="tx1"/>
+                </a:solidFill>
+                <a:latin typeface="+mn-lt"/>
+                <a:ea typeface="+mn-ea"/>
+                <a:cs typeface="+mn-cs"/>
+              </a:defRPr>
+            </a:lvl1pPr>
+            <a:lvl2pPr marL="742950" indent="-285750" algn="l" defTabSz="457200" rtl="0" eaLnBrk="1" latinLnBrk="0" hangingPunct="1">
+              <a:spcBef>
+                <a:spcPct val="20000"/>
+              </a:spcBef>
+              <a:spcAft>
+                <a:spcPts val="600"/>
+              </a:spcAft>
+              <a:buClr>
+                <a:schemeClr val="accent1"/>
+              </a:buClr>
+              <a:buFont typeface="Wingdings 2" charset="2"/>
+              <a:buChar char=""/>
+              <a:defRPr sz="1600" kern="1200">
+                <a:solidFill>
+                  <a:schemeClr val="tx1"/>
+                </a:solidFill>
+                <a:latin typeface="+mn-lt"/>
+                <a:ea typeface="+mn-ea"/>
+                <a:cs typeface="+mn-cs"/>
+              </a:defRPr>
+            </a:lvl2pPr>
+            <a:lvl3pPr marL="1143000" indent="-228600" algn="l" defTabSz="457200" rtl="0" eaLnBrk="1" latinLnBrk="0" hangingPunct="1">
+              <a:spcBef>
+                <a:spcPct val="20000"/>
+              </a:spcBef>
+              <a:spcAft>
+                <a:spcPts val="600"/>
+              </a:spcAft>
+              <a:buClr>
+                <a:schemeClr val="accent1"/>
+              </a:buClr>
+              <a:buFont typeface="Wingdings 2" charset="2"/>
+              <a:buChar char=""/>
+              <a:defRPr sz="1400" kern="1200">
+                <a:solidFill>
+                  <a:schemeClr val="tx1"/>
+                </a:solidFill>
+                <a:latin typeface="+mn-lt"/>
+                <a:ea typeface="+mn-ea"/>
+                <a:cs typeface="+mn-cs"/>
+              </a:defRPr>
+            </a:lvl3pPr>
+            <a:lvl4pPr marL="1600200" indent="-228600" algn="l" defTabSz="457200" rtl="0" eaLnBrk="1" latinLnBrk="0" hangingPunct="1">
+              <a:spcBef>
+                <a:spcPct val="20000"/>
+              </a:spcBef>
+              <a:spcAft>
+                <a:spcPts val="600"/>
+              </a:spcAft>
+              <a:buClr>
+                <a:schemeClr val="accent1"/>
+              </a:buClr>
+              <a:buFont typeface="Wingdings 2" charset="2"/>
+              <a:buChar char=""/>
+              <a:defRPr sz="1200" kern="1200">
+                <a:solidFill>
+                  <a:schemeClr val="tx1"/>
+                </a:solidFill>
+                <a:latin typeface="+mn-lt"/>
+                <a:ea typeface="+mn-ea"/>
+                <a:cs typeface="+mn-cs"/>
+              </a:defRPr>
+            </a:lvl4pPr>
+            <a:lvl5pPr marL="2057400" indent="-228600" algn="l" defTabSz="457200" rtl="0" eaLnBrk="1" latinLnBrk="0" hangingPunct="1">
+              <a:spcBef>
+                <a:spcPct val="20000"/>
+              </a:spcBef>
+              <a:spcAft>
+                <a:spcPts val="600"/>
+              </a:spcAft>
+              <a:buClr>
+                <a:schemeClr val="accent1"/>
+              </a:buClr>
+              <a:buFont typeface="Wingdings 2" charset="2"/>
+              <a:buChar char=""/>
+              <a:defRPr sz="1200" kern="1200">
+                <a:solidFill>
+                  <a:schemeClr val="tx1"/>
+                </a:solidFill>
+                <a:latin typeface="+mn-lt"/>
+                <a:ea typeface="+mn-ea"/>
+                <a:cs typeface="+mn-cs"/>
+              </a:defRPr>
+            </a:lvl5pPr>
+            <a:lvl6pPr marL="2400000" indent="-228600" algn="l" defTabSz="457200" rtl="0" eaLnBrk="1" latinLnBrk="0" hangingPunct="1">
+              <a:spcBef>
+                <a:spcPct val="20000"/>
+              </a:spcBef>
+              <a:spcAft>
+                <a:spcPts val="600"/>
+              </a:spcAft>
+              <a:buClr>
+                <a:schemeClr val="accent1"/>
+              </a:buClr>
+              <a:buFont typeface="Wingdings 2" charset="2"/>
+              <a:buChar char=""/>
+              <a:defRPr sz="1200" kern="1200">
+                <a:solidFill>
+                  <a:schemeClr val="tx1"/>
+                </a:solidFill>
+                <a:latin typeface="+mn-lt"/>
+                <a:ea typeface="+mn-ea"/>
+                <a:cs typeface="+mn-cs"/>
+              </a:defRPr>
+            </a:lvl6pPr>
+            <a:lvl7pPr marL="2800000" indent="-228600" algn="l" defTabSz="457200" rtl="0" eaLnBrk="1" latinLnBrk="0" hangingPunct="1">
+              <a:spcBef>
+                <a:spcPct val="20000"/>
+              </a:spcBef>
+              <a:spcAft>
+                <a:spcPts val="600"/>
+              </a:spcAft>
+              <a:buClr>
+                <a:schemeClr val="accent1"/>
+              </a:buClr>
+              <a:buFont typeface="Wingdings 2" charset="2"/>
+              <a:buChar char=""/>
+              <a:defRPr sz="1200" kern="1200">
+                <a:solidFill>
+                  <a:schemeClr val="tx1"/>
+                </a:solidFill>
+                <a:latin typeface="+mn-lt"/>
+                <a:ea typeface="+mn-ea"/>
+                <a:cs typeface="+mn-cs"/>
+              </a:defRPr>
+            </a:lvl7pPr>
+            <a:lvl8pPr marL="3200000" indent="-228600" algn="l" defTabSz="457200" rtl="0" eaLnBrk="1" latinLnBrk="0" hangingPunct="1">
+              <a:spcBef>
+                <a:spcPct val="20000"/>
+              </a:spcBef>
+              <a:spcAft>
+                <a:spcPts val="600"/>
+              </a:spcAft>
+              <a:buClr>
+                <a:schemeClr val="accent1"/>
+              </a:buClr>
+              <a:buFont typeface="Wingdings 2" charset="2"/>
+              <a:buChar char=""/>
+              <a:defRPr sz="1200" kern="1200">
+                <a:solidFill>
+                  <a:schemeClr val="tx1"/>
+                </a:solidFill>
+                <a:latin typeface="+mn-lt"/>
+                <a:ea typeface="+mn-ea"/>
+                <a:cs typeface="+mn-cs"/>
+              </a:defRPr>
+            </a:lvl8pPr>
+            <a:lvl9pPr marL="3600000" indent="-228600" algn="l" defTabSz="457200" rtl="0" eaLnBrk="1" latinLnBrk="0" hangingPunct="1">
+              <a:spcBef>
+                <a:spcPct val="20000"/>
+              </a:spcBef>
+              <a:spcAft>
+                <a:spcPts val="600"/>
+              </a:spcAft>
+              <a:buClr>
+                <a:schemeClr val="accent1"/>
+              </a:buClr>
+              <a:buFont typeface="Wingdings 2" charset="2"/>
+              <a:buChar char=""/>
+              <a:defRPr sz="1200" kern="1200">
+                <a:solidFill>
+                  <a:schemeClr val="tx1"/>
+                </a:solidFill>
+                <a:latin typeface="+mn-lt"/>
+                <a:ea typeface="+mn-ea"/>
+                <a:cs typeface="+mn-cs"/>
+              </a:defRPr>
+            </a:lvl9pPr>
+          </a:lstStyle>
+          <a:p>
+            <a:r>
+              <a:rPr lang="fr-FR" dirty="0"/>
+              <a:t>Acc : 0.79</a:t>
+            </a:r>
+          </a:p>
+          <a:p>
+            <a:r>
+              <a:rPr lang="fr-FR" dirty="0"/>
+              <a:t>ARI : 0.58</a:t>
+            </a:r>
+          </a:p>
+        </p:txBody>
+      </p:sp>
+    </p:spTree>
+    <p:extLst>
+      <p:ext uri="{BB962C8B-B14F-4D97-AF65-F5344CB8AC3E}">
+        <p14:creationId xmlns:p14="http://schemas.microsoft.com/office/powerpoint/2010/main" val="102065968"/>
+      </p:ext>
+    </p:extLst>
+  </p:cSld>
+  <p:clrMapOvr>
+    <a:masterClrMapping/>
+  </p:clrMapOvr>
+</p:sld>
+</file>
+
+<file path=ppt/slides/slide22.xml><?xml version="1.0" encoding="utf-8"?>
+<p:sld xmlns:a="http://schemas.openxmlformats.org/drawingml/2006/main" xmlns:r="http://schemas.openxmlformats.org/officeDocument/2006/relationships" xmlns:p="http://schemas.openxmlformats.org/presentationml/2006/main">
+  <p:cSld>
+    <p:spTree>
+      <p:nvGrpSpPr>
+        <p:cNvPr id="1" name=""/>
+        <p:cNvGrpSpPr/>
+        <p:nvPr/>
+      </p:nvGrpSpPr>
+      <p:grpSpPr>
+        <a:xfrm>
+          <a:off x="0" y="0"/>
+          <a:ext cx="0" cy="0"/>
+          <a:chOff x="0" y="0"/>
+          <a:chExt cx="0" cy="0"/>
+        </a:xfrm>
+      </p:grpSpPr>
+      <p:sp>
+        <p:nvSpPr>
+          <p:cNvPr id="2" name="Titre 1">
+            <a:extLst>
+              <a:ext uri="{FF2B5EF4-FFF2-40B4-BE49-F238E27FC236}">
+                <a16:creationId xmlns:a16="http://schemas.microsoft.com/office/drawing/2014/main" id="{CC8DC5E3-547F-1CAC-74AA-8AD3A246DD5F}"/>
+              </a:ext>
+            </a:extLst>
+          </p:cNvPr>
+          <p:cNvSpPr>
+            <a:spLocks noGrp="1"/>
+          </p:cNvSpPr>
+          <p:nvPr>
+            <p:ph type="title"/>
+          </p:nvPr>
+        </p:nvSpPr>
+        <p:spPr/>
+        <p:txBody>
+          <a:bodyPr/>
+          <a:lstStyle/>
+          <a:p>
+            <a:r>
+              <a:rPr lang="fr-FR" sz="4000" b="1" dirty="0"/>
+              <a:t>Part 5 : </a:t>
+            </a:r>
+            <a:r>
+              <a:rPr lang="fr-FR" sz="4000" b="1" dirty="0" err="1"/>
+              <a:t>Supervized</a:t>
+            </a:r>
+            <a:r>
+              <a:rPr lang="fr-FR" sz="4000" b="1" dirty="0"/>
+              <a:t> image classification </a:t>
+            </a:r>
+            <a:r>
+              <a:rPr lang="fr-FR" sz="4000" b="1" dirty="0" err="1"/>
+              <a:t>with</a:t>
+            </a:r>
+            <a:r>
+              <a:rPr lang="fr-FR" sz="4000" b="1" dirty="0"/>
+              <a:t> data augmentation</a:t>
+            </a:r>
+          </a:p>
+        </p:txBody>
+      </p:sp>
+      <p:sp>
+        <p:nvSpPr>
+          <p:cNvPr id="3" name="Espace réservé du contenu 2">
+            <a:extLst>
+              <a:ext uri="{FF2B5EF4-FFF2-40B4-BE49-F238E27FC236}">
+                <a16:creationId xmlns:a16="http://schemas.microsoft.com/office/drawing/2014/main" id="{E57A140B-F8CB-842C-F3E7-F5ECF42B665F}"/>
+              </a:ext>
+            </a:extLst>
+          </p:cNvPr>
+          <p:cNvSpPr>
+            <a:spLocks noGrp="1"/>
+          </p:cNvSpPr>
+          <p:nvPr>
+            <p:ph idx="1"/>
+          </p:nvPr>
+        </p:nvSpPr>
+        <p:spPr>
+          <a:xfrm>
+            <a:off x="810000" y="2174161"/>
+            <a:ext cx="10554574" cy="3636511"/>
+          </a:xfrm>
+        </p:spPr>
+        <p:txBody>
+          <a:bodyPr anchor="t" anchorCtr="0">
+            <a:normAutofit/>
+          </a:bodyPr>
+          <a:lstStyle/>
+          <a:p>
+            <a:r>
+              <a:rPr lang="fr-FR" dirty="0"/>
+              <a:t>VGG16 </a:t>
+            </a:r>
+            <a:r>
+              <a:rPr lang="fr-FR" dirty="0" err="1"/>
+              <a:t>transfer</a:t>
+            </a:r>
+            <a:r>
+              <a:rPr lang="fr-FR" dirty="0"/>
+              <a:t> </a:t>
+            </a:r>
+            <a:r>
+              <a:rPr lang="fr-FR" dirty="0" err="1"/>
+              <a:t>learning</a:t>
+            </a:r>
+            <a:r>
+              <a:rPr lang="fr-FR" dirty="0"/>
+              <a:t> </a:t>
+            </a:r>
+            <a:r>
+              <a:rPr lang="fr-FR" dirty="0" err="1"/>
+              <a:t>with</a:t>
+            </a:r>
+            <a:r>
+              <a:rPr lang="fr-FR" dirty="0"/>
+              <a:t> data augmentation</a:t>
+            </a:r>
+          </a:p>
+        </p:txBody>
+      </p:sp>
+      <p:sp>
+        <p:nvSpPr>
+          <p:cNvPr id="4" name="Espace réservé de la date 3">
+            <a:extLst>
+              <a:ext uri="{FF2B5EF4-FFF2-40B4-BE49-F238E27FC236}">
+                <a16:creationId xmlns:a16="http://schemas.microsoft.com/office/drawing/2014/main" id="{FA94EBA3-E94D-DF2B-B479-2B8D8A7B3834}"/>
+              </a:ext>
+            </a:extLst>
+          </p:cNvPr>
+          <p:cNvSpPr>
+            <a:spLocks noGrp="1"/>
+          </p:cNvSpPr>
+          <p:nvPr>
+            <p:ph type="dt" sz="half" idx="10"/>
+          </p:nvPr>
+        </p:nvSpPr>
+        <p:spPr/>
+        <p:txBody>
+          <a:bodyPr/>
+          <a:lstStyle/>
+          <a:p>
+            <a:fld id="{2308EC4A-D272-4061-96D7-4F8E908D7EAD}" type="datetime1">
+              <a:rPr lang="en-US" smtClean="0"/>
+              <a:t>3/28/2023</a:t>
+            </a:fld>
+            <a:endParaRPr lang="en-US" dirty="0"/>
+          </a:p>
+        </p:txBody>
+      </p:sp>
+      <p:sp>
+        <p:nvSpPr>
+          <p:cNvPr id="5" name="Espace réservé du numéro de diapositive 4">
+            <a:extLst>
+              <a:ext uri="{FF2B5EF4-FFF2-40B4-BE49-F238E27FC236}">
+                <a16:creationId xmlns:a16="http://schemas.microsoft.com/office/drawing/2014/main" id="{526A5224-668C-5AB8-242B-4ACA62F29119}"/>
+              </a:ext>
+            </a:extLst>
+          </p:cNvPr>
+          <p:cNvSpPr>
+            <a:spLocks noGrp="1"/>
+          </p:cNvSpPr>
+          <p:nvPr>
+            <p:ph type="sldNum" sz="quarter" idx="12"/>
+          </p:nvPr>
+        </p:nvSpPr>
+        <p:spPr/>
+        <p:txBody>
+          <a:bodyPr/>
+          <a:lstStyle/>
+          <a:p>
+            <a:fld id="{D57F1E4F-1CFF-5643-939E-217C01CDF565}" type="slidenum">
+              <a:rPr lang="en-US" smtClean="0"/>
+              <a:pPr/>
+              <a:t>22</a:t>
+            </a:fld>
+            <a:endParaRPr lang="en-US" dirty="0"/>
+          </a:p>
+        </p:txBody>
+      </p:sp>
+      <p:sp>
+        <p:nvSpPr>
+          <p:cNvPr id="6" name="Espace réservé du contenu 2">
+            <a:extLst>
+              <a:ext uri="{FF2B5EF4-FFF2-40B4-BE49-F238E27FC236}">
+                <a16:creationId xmlns:a16="http://schemas.microsoft.com/office/drawing/2014/main" id="{35FA10E9-7F4A-FE9C-8C25-E03BFAC40AC6}"/>
+              </a:ext>
+            </a:extLst>
+          </p:cNvPr>
+          <p:cNvSpPr txBox="1">
+            <a:spLocks/>
+          </p:cNvSpPr>
+          <p:nvPr/>
+        </p:nvSpPr>
+        <p:spPr>
+          <a:xfrm>
+            <a:off x="9831575" y="4663713"/>
+            <a:ext cx="2055626" cy="1252175"/>
+          </a:xfrm>
+          <a:prstGeom prst="rect">
+            <a:avLst/>
+          </a:prstGeom>
+          <a:effectLst>
+            <a:outerShdw blurRad="50800" dir="14400000">
+              <a:srgbClr val="000000">
+                <a:alpha val="40000"/>
+              </a:srgbClr>
+            </a:outerShdw>
+          </a:effectLst>
+        </p:spPr>
+        <p:txBody>
+          <a:bodyPr vert="horz" lIns="91440" tIns="45720" rIns="91440" bIns="45720" rtlCol="0" anchor="t" anchorCtr="0">
+            <a:normAutofit/>
+          </a:bodyPr>
+          <a:lstStyle>
+            <a:lvl1pPr marL="342900" indent="-342900" algn="l" defTabSz="457200" rtl="0" eaLnBrk="1" latinLnBrk="0" hangingPunct="1">
+              <a:spcBef>
+                <a:spcPct val="20000"/>
+              </a:spcBef>
+              <a:spcAft>
+                <a:spcPts val="600"/>
+              </a:spcAft>
+              <a:buClr>
+                <a:schemeClr val="accent1"/>
+              </a:buClr>
+              <a:buFont typeface="Wingdings 2" charset="2"/>
+              <a:buChar char=""/>
+              <a:defRPr sz="1800" kern="1200">
+                <a:solidFill>
+                  <a:schemeClr val="tx1"/>
+                </a:solidFill>
+                <a:latin typeface="+mn-lt"/>
+                <a:ea typeface="+mn-ea"/>
+                <a:cs typeface="+mn-cs"/>
+              </a:defRPr>
+            </a:lvl1pPr>
+            <a:lvl2pPr marL="742950" indent="-285750" algn="l" defTabSz="457200" rtl="0" eaLnBrk="1" latinLnBrk="0" hangingPunct="1">
+              <a:spcBef>
+                <a:spcPct val="20000"/>
+              </a:spcBef>
+              <a:spcAft>
+                <a:spcPts val="600"/>
+              </a:spcAft>
+              <a:buClr>
+                <a:schemeClr val="accent1"/>
+              </a:buClr>
+              <a:buFont typeface="Wingdings 2" charset="2"/>
+              <a:buChar char=""/>
+              <a:defRPr sz="1600" kern="1200">
+                <a:solidFill>
+                  <a:schemeClr val="tx1"/>
+                </a:solidFill>
+                <a:latin typeface="+mn-lt"/>
+                <a:ea typeface="+mn-ea"/>
+                <a:cs typeface="+mn-cs"/>
+              </a:defRPr>
+            </a:lvl2pPr>
+            <a:lvl3pPr marL="1143000" indent="-228600" algn="l" defTabSz="457200" rtl="0" eaLnBrk="1" latinLnBrk="0" hangingPunct="1">
+              <a:spcBef>
+                <a:spcPct val="20000"/>
+              </a:spcBef>
+              <a:spcAft>
+                <a:spcPts val="600"/>
+              </a:spcAft>
+              <a:buClr>
+                <a:schemeClr val="accent1"/>
+              </a:buClr>
+              <a:buFont typeface="Wingdings 2" charset="2"/>
+              <a:buChar char=""/>
+              <a:defRPr sz="1400" kern="1200">
+                <a:solidFill>
+                  <a:schemeClr val="tx1"/>
+                </a:solidFill>
+                <a:latin typeface="+mn-lt"/>
+                <a:ea typeface="+mn-ea"/>
+                <a:cs typeface="+mn-cs"/>
+              </a:defRPr>
+            </a:lvl3pPr>
+            <a:lvl4pPr marL="1600200" indent="-228600" algn="l" defTabSz="457200" rtl="0" eaLnBrk="1" latinLnBrk="0" hangingPunct="1">
+              <a:spcBef>
+                <a:spcPct val="20000"/>
+              </a:spcBef>
+              <a:spcAft>
+                <a:spcPts val="600"/>
+              </a:spcAft>
+              <a:buClr>
+                <a:schemeClr val="accent1"/>
+              </a:buClr>
+              <a:buFont typeface="Wingdings 2" charset="2"/>
+              <a:buChar char=""/>
+              <a:defRPr sz="1200" kern="1200">
+                <a:solidFill>
+                  <a:schemeClr val="tx1"/>
+                </a:solidFill>
+                <a:latin typeface="+mn-lt"/>
+                <a:ea typeface="+mn-ea"/>
+                <a:cs typeface="+mn-cs"/>
+              </a:defRPr>
+            </a:lvl4pPr>
+            <a:lvl5pPr marL="2057400" indent="-228600" algn="l" defTabSz="457200" rtl="0" eaLnBrk="1" latinLnBrk="0" hangingPunct="1">
+              <a:spcBef>
+                <a:spcPct val="20000"/>
+              </a:spcBef>
+              <a:spcAft>
+                <a:spcPts val="600"/>
+              </a:spcAft>
+              <a:buClr>
+                <a:schemeClr val="accent1"/>
+              </a:buClr>
+              <a:buFont typeface="Wingdings 2" charset="2"/>
+              <a:buChar char=""/>
+              <a:defRPr sz="1200" kern="1200">
+                <a:solidFill>
+                  <a:schemeClr val="tx1"/>
+                </a:solidFill>
+                <a:latin typeface="+mn-lt"/>
+                <a:ea typeface="+mn-ea"/>
+                <a:cs typeface="+mn-cs"/>
+              </a:defRPr>
+            </a:lvl5pPr>
+            <a:lvl6pPr marL="2400000" indent="-228600" algn="l" defTabSz="457200" rtl="0" eaLnBrk="1" latinLnBrk="0" hangingPunct="1">
+              <a:spcBef>
+                <a:spcPct val="20000"/>
+              </a:spcBef>
+              <a:spcAft>
+                <a:spcPts val="600"/>
+              </a:spcAft>
+              <a:buClr>
+                <a:schemeClr val="accent1"/>
+              </a:buClr>
+              <a:buFont typeface="Wingdings 2" charset="2"/>
+              <a:buChar char=""/>
+              <a:defRPr sz="1200" kern="1200">
+                <a:solidFill>
+                  <a:schemeClr val="tx1"/>
+                </a:solidFill>
+                <a:latin typeface="+mn-lt"/>
+                <a:ea typeface="+mn-ea"/>
+                <a:cs typeface="+mn-cs"/>
+              </a:defRPr>
+            </a:lvl6pPr>
+            <a:lvl7pPr marL="2800000" indent="-228600" algn="l" defTabSz="457200" rtl="0" eaLnBrk="1" latinLnBrk="0" hangingPunct="1">
+              <a:spcBef>
+                <a:spcPct val="20000"/>
+              </a:spcBef>
+              <a:spcAft>
+                <a:spcPts val="600"/>
+              </a:spcAft>
+              <a:buClr>
+                <a:schemeClr val="accent1"/>
+              </a:buClr>
+              <a:buFont typeface="Wingdings 2" charset="2"/>
+              <a:buChar char=""/>
+              <a:defRPr sz="1200" kern="1200">
+                <a:solidFill>
+                  <a:schemeClr val="tx1"/>
+                </a:solidFill>
+                <a:latin typeface="+mn-lt"/>
+                <a:ea typeface="+mn-ea"/>
+                <a:cs typeface="+mn-cs"/>
+              </a:defRPr>
+            </a:lvl7pPr>
+            <a:lvl8pPr marL="3200000" indent="-228600" algn="l" defTabSz="457200" rtl="0" eaLnBrk="1" latinLnBrk="0" hangingPunct="1">
+              <a:spcBef>
+                <a:spcPct val="20000"/>
+              </a:spcBef>
+              <a:spcAft>
+                <a:spcPts val="600"/>
+              </a:spcAft>
+              <a:buClr>
+                <a:schemeClr val="accent1"/>
+              </a:buClr>
+              <a:buFont typeface="Wingdings 2" charset="2"/>
+              <a:buChar char=""/>
+              <a:defRPr sz="1200" kern="1200">
+                <a:solidFill>
+                  <a:schemeClr val="tx1"/>
+                </a:solidFill>
+                <a:latin typeface="+mn-lt"/>
+                <a:ea typeface="+mn-ea"/>
+                <a:cs typeface="+mn-cs"/>
+              </a:defRPr>
+            </a:lvl8pPr>
+            <a:lvl9pPr marL="3600000" indent="-228600" algn="l" defTabSz="457200" rtl="0" eaLnBrk="1" latinLnBrk="0" hangingPunct="1">
+              <a:spcBef>
+                <a:spcPct val="20000"/>
+              </a:spcBef>
+              <a:spcAft>
+                <a:spcPts val="600"/>
+              </a:spcAft>
+              <a:buClr>
+                <a:schemeClr val="accent1"/>
+              </a:buClr>
+              <a:buFont typeface="Wingdings 2" charset="2"/>
+              <a:buChar char=""/>
+              <a:defRPr sz="1200" kern="1200">
+                <a:solidFill>
+                  <a:schemeClr val="tx1"/>
+                </a:solidFill>
+                <a:latin typeface="+mn-lt"/>
+                <a:ea typeface="+mn-ea"/>
+                <a:cs typeface="+mn-cs"/>
+              </a:defRPr>
+            </a:lvl9pPr>
+          </a:lstStyle>
+          <a:p>
+            <a:r>
+              <a:rPr lang="fr-FR" dirty="0"/>
+              <a:t>Acc : 0.79</a:t>
+            </a:r>
+            <a:endParaRPr lang="fr-FR" i="1" dirty="0"/>
+          </a:p>
+        </p:txBody>
+      </p:sp>
+      <p:pic>
+        <p:nvPicPr>
+          <p:cNvPr id="8" name="Image 7">
+            <a:extLst>
+              <a:ext uri="{FF2B5EF4-FFF2-40B4-BE49-F238E27FC236}">
+                <a16:creationId xmlns:a16="http://schemas.microsoft.com/office/drawing/2014/main" id="{39AE661E-748F-8063-0042-21BE89D609DF}"/>
+              </a:ext>
+            </a:extLst>
+          </p:cNvPr>
+          <p:cNvPicPr>
+            <a:picLocks noChangeAspect="1"/>
+          </p:cNvPicPr>
+          <p:nvPr/>
+        </p:nvPicPr>
+        <p:blipFill>
+          <a:blip r:embed="rId2"/>
+          <a:stretch>
+            <a:fillRect/>
+          </a:stretch>
+        </p:blipFill>
+        <p:spPr>
+          <a:xfrm>
+            <a:off x="6516340" y="2698087"/>
+            <a:ext cx="5622782" cy="3343275"/>
+          </a:xfrm>
+          <a:prstGeom prst="rect">
+            <a:avLst/>
+          </a:prstGeom>
+        </p:spPr>
+      </p:pic>
+      <p:pic>
+        <p:nvPicPr>
+          <p:cNvPr id="6146" name="Picture 2">
+            <a:extLst>
+              <a:ext uri="{FF2B5EF4-FFF2-40B4-BE49-F238E27FC236}">
+                <a16:creationId xmlns:a16="http://schemas.microsoft.com/office/drawing/2014/main" id="{187B9982-2DA2-2FE9-A7D2-3A5BBFCD9BF1}"/>
+              </a:ext>
+            </a:extLst>
+          </p:cNvPr>
+          <p:cNvPicPr>
+            <a:picLocks noChangeAspect="1" noChangeArrowheads="1"/>
+          </p:cNvPicPr>
+          <p:nvPr/>
+        </p:nvPicPr>
+        <p:blipFill>
+          <a:blip r:embed="rId3">
+            <a:extLst>
+              <a:ext uri="{28A0092B-C50C-407E-A947-70E740481C1C}">
+                <a14:useLocalDpi xmlns:a14="http://schemas.microsoft.com/office/drawing/2010/main" val="0"/>
+              </a:ext>
+            </a:extLst>
+          </a:blip>
+          <a:srcRect/>
+          <a:stretch>
+            <a:fillRect/>
+          </a:stretch>
+        </p:blipFill>
+        <p:spPr bwMode="auto">
+          <a:xfrm>
+            <a:off x="55053" y="2698087"/>
+            <a:ext cx="6381750" cy="3343275"/>
+          </a:xfrm>
+          <a:prstGeom prst="rect">
+            <a:avLst/>
+          </a:prstGeom>
+          <a:noFill/>
+          <a:extLst>
+            <a:ext uri="{909E8E84-426E-40DD-AFC4-6F175D3DCCD1}">
+              <a14:hiddenFill xmlns:a14="http://schemas.microsoft.com/office/drawing/2010/main">
+                <a:solidFill>
+                  <a:srgbClr val="FFFFFF"/>
+                </a:solidFill>
+              </a14:hiddenFill>
+            </a:ext>
+          </a:extLst>
+        </p:spPr>
+      </p:pic>
+    </p:spTree>
+    <p:extLst>
+      <p:ext uri="{BB962C8B-B14F-4D97-AF65-F5344CB8AC3E}">
+        <p14:creationId xmlns:p14="http://schemas.microsoft.com/office/powerpoint/2010/main" val="4186183957"/>
+      </p:ext>
+    </p:extLst>
+  </p:cSld>
+  <p:clrMapOvr>
+    <a:masterClrMapping/>
+  </p:clrMapOvr>
+</p:sld>
+</file>
+
+<file path=ppt/slides/slide23.xml><?xml version="1.0" encoding="utf-8"?>
+<p:sld xmlns:a="http://schemas.openxmlformats.org/drawingml/2006/main" xmlns:r="http://schemas.openxmlformats.org/officeDocument/2006/relationships" xmlns:p="http://schemas.openxmlformats.org/presentationml/2006/main">
+  <p:cSld>
+    <p:spTree>
+      <p:nvGrpSpPr>
+        <p:cNvPr id="1" name=""/>
+        <p:cNvGrpSpPr/>
+        <p:nvPr/>
+      </p:nvGrpSpPr>
+      <p:grpSpPr>
+        <a:xfrm>
+          <a:off x="0" y="0"/>
+          <a:ext cx="0" cy="0"/>
+          <a:chOff x="0" y="0"/>
+          <a:chExt cx="0" cy="0"/>
+        </a:xfrm>
+      </p:grpSpPr>
+      <p:sp>
+        <p:nvSpPr>
+          <p:cNvPr id="2" name="Titre 1">
+            <a:extLst>
+              <a:ext uri="{FF2B5EF4-FFF2-40B4-BE49-F238E27FC236}">
+                <a16:creationId xmlns:a16="http://schemas.microsoft.com/office/drawing/2014/main" id="{CC8DC5E3-547F-1CAC-74AA-8AD3A246DD5F}"/>
+              </a:ext>
+            </a:extLst>
+          </p:cNvPr>
+          <p:cNvSpPr>
+            <a:spLocks noGrp="1"/>
+          </p:cNvSpPr>
+          <p:nvPr>
+            <p:ph type="title"/>
+          </p:nvPr>
+        </p:nvSpPr>
+        <p:spPr/>
+        <p:txBody>
+          <a:bodyPr/>
+          <a:lstStyle/>
+          <a:p>
+            <a:r>
+              <a:rPr lang="fr-FR" sz="4000" b="1" dirty="0"/>
+              <a:t>Part 6 : Test of </a:t>
+            </a:r>
+            <a:r>
+              <a:rPr lang="fr-FR" sz="4000" b="1" dirty="0" err="1"/>
+              <a:t>Edamam</a:t>
+            </a:r>
+            <a:r>
+              <a:rPr lang="fr-FR" sz="4000" b="1" dirty="0"/>
+              <a:t> API</a:t>
+            </a:r>
+          </a:p>
+        </p:txBody>
+      </p:sp>
+      <p:sp>
+        <p:nvSpPr>
+          <p:cNvPr id="3" name="Espace réservé du contenu 2">
+            <a:extLst>
+              <a:ext uri="{FF2B5EF4-FFF2-40B4-BE49-F238E27FC236}">
+                <a16:creationId xmlns:a16="http://schemas.microsoft.com/office/drawing/2014/main" id="{E57A140B-F8CB-842C-F3E7-F5ECF42B665F}"/>
+              </a:ext>
+            </a:extLst>
+          </p:cNvPr>
+          <p:cNvSpPr>
+            <a:spLocks noGrp="1"/>
+          </p:cNvSpPr>
+          <p:nvPr>
+            <p:ph idx="1"/>
+          </p:nvPr>
+        </p:nvSpPr>
+        <p:spPr>
+          <a:xfrm>
+            <a:off x="810000" y="2174161"/>
+            <a:ext cx="10554574" cy="3636511"/>
+          </a:xfrm>
+        </p:spPr>
+        <p:txBody>
+          <a:bodyPr anchor="t" anchorCtr="0">
+            <a:normAutofit/>
+          </a:bodyPr>
+          <a:lstStyle/>
+          <a:p>
+            <a:r>
+              <a:rPr lang="fr-FR" dirty="0" err="1"/>
+              <a:t>Edamam</a:t>
+            </a:r>
+            <a:r>
+              <a:rPr lang="fr-FR" dirty="0"/>
+              <a:t> API test </a:t>
+            </a:r>
+            <a:r>
+              <a:rPr lang="fr-FR" dirty="0" err="1"/>
+              <a:t>with</a:t>
+            </a:r>
+            <a:r>
+              <a:rPr lang="fr-FR" dirty="0"/>
+              <a:t> </a:t>
+            </a:r>
+            <a:r>
+              <a:rPr lang="fr-FR" dirty="0" err="1"/>
+              <a:t>word</a:t>
+            </a:r>
+            <a:r>
+              <a:rPr lang="fr-FR" dirty="0"/>
+              <a:t> « Champagne »</a:t>
+            </a:r>
+          </a:p>
+          <a:p>
+            <a:pPr lvl="1"/>
+            <a:r>
+              <a:rPr lang="en-US" i="1" dirty="0" err="1"/>
+              <a:t>Edamam</a:t>
+            </a:r>
+            <a:r>
+              <a:rPr lang="en-US" i="1" dirty="0"/>
+              <a:t> API is a food and nutrition database and API service that provides access to extensive data on food items, their nutritional information, and recipe recommendations.</a:t>
+            </a:r>
+            <a:endParaRPr lang="fr-FR" i="1" dirty="0"/>
+          </a:p>
+        </p:txBody>
+      </p:sp>
+      <p:sp>
+        <p:nvSpPr>
+          <p:cNvPr id="4" name="Espace réservé de la date 3">
+            <a:extLst>
+              <a:ext uri="{FF2B5EF4-FFF2-40B4-BE49-F238E27FC236}">
+                <a16:creationId xmlns:a16="http://schemas.microsoft.com/office/drawing/2014/main" id="{914C2D10-BB04-E54F-ED6F-A33B7388CC59}"/>
+              </a:ext>
+            </a:extLst>
+          </p:cNvPr>
+          <p:cNvSpPr>
+            <a:spLocks noGrp="1"/>
+          </p:cNvSpPr>
+          <p:nvPr>
+            <p:ph type="dt" sz="half" idx="10"/>
+          </p:nvPr>
+        </p:nvSpPr>
+        <p:spPr/>
+        <p:txBody>
+          <a:bodyPr/>
+          <a:lstStyle/>
+          <a:p>
+            <a:fld id="{80093CBD-8343-4972-8BF5-131A1B98389A}" type="datetime1">
+              <a:rPr lang="en-US" smtClean="0"/>
+              <a:t>3/28/2023</a:t>
+            </a:fld>
+            <a:endParaRPr lang="en-US" dirty="0"/>
+          </a:p>
+        </p:txBody>
+      </p:sp>
+      <p:sp>
+        <p:nvSpPr>
+          <p:cNvPr id="5" name="Espace réservé du numéro de diapositive 4">
+            <a:extLst>
+              <a:ext uri="{FF2B5EF4-FFF2-40B4-BE49-F238E27FC236}">
+                <a16:creationId xmlns:a16="http://schemas.microsoft.com/office/drawing/2014/main" id="{6B286118-C5AC-D436-D065-E0241803DEA5}"/>
+              </a:ext>
+            </a:extLst>
+          </p:cNvPr>
+          <p:cNvSpPr>
+            <a:spLocks noGrp="1"/>
+          </p:cNvSpPr>
+          <p:nvPr>
+            <p:ph type="sldNum" sz="quarter" idx="12"/>
+          </p:nvPr>
+        </p:nvSpPr>
+        <p:spPr/>
+        <p:txBody>
+          <a:bodyPr/>
+          <a:lstStyle/>
+          <a:p>
+            <a:fld id="{D57F1E4F-1CFF-5643-939E-217C01CDF565}" type="slidenum">
+              <a:rPr lang="en-US" smtClean="0"/>
+              <a:pPr/>
+              <a:t>23</a:t>
+            </a:fld>
+            <a:endParaRPr lang="en-US" dirty="0"/>
+          </a:p>
+        </p:txBody>
+      </p:sp>
+      <p:pic>
+        <p:nvPicPr>
+          <p:cNvPr id="9" name="Image 8">
+            <a:extLst>
+              <a:ext uri="{FF2B5EF4-FFF2-40B4-BE49-F238E27FC236}">
+                <a16:creationId xmlns:a16="http://schemas.microsoft.com/office/drawing/2014/main" id="{6351198E-FD65-24C6-B824-D0CDDB57DE37}"/>
+              </a:ext>
+            </a:extLst>
+          </p:cNvPr>
+          <p:cNvPicPr>
+            <a:picLocks noChangeAspect="1"/>
+          </p:cNvPicPr>
+          <p:nvPr/>
+        </p:nvPicPr>
+        <p:blipFill>
+          <a:blip r:embed="rId2"/>
+          <a:stretch>
+            <a:fillRect/>
+          </a:stretch>
+        </p:blipFill>
+        <p:spPr>
+          <a:xfrm>
+            <a:off x="977262" y="3248678"/>
+            <a:ext cx="3943553" cy="3448227"/>
+          </a:xfrm>
+          <a:prstGeom prst="rect">
+            <a:avLst/>
+          </a:prstGeom>
+        </p:spPr>
+      </p:pic>
+      <p:sp>
+        <p:nvSpPr>
+          <p:cNvPr id="10" name="Rectangle 9">
+            <a:extLst>
+              <a:ext uri="{FF2B5EF4-FFF2-40B4-BE49-F238E27FC236}">
+                <a16:creationId xmlns:a16="http://schemas.microsoft.com/office/drawing/2014/main" id="{379F521B-50CE-E9FD-DA0C-E404FF7EC813}"/>
+              </a:ext>
+            </a:extLst>
+          </p:cNvPr>
+          <p:cNvSpPr/>
+          <p:nvPr/>
+        </p:nvSpPr>
+        <p:spPr>
+          <a:xfrm>
+            <a:off x="2531533" y="4656667"/>
+            <a:ext cx="2389282" cy="143933"/>
+          </a:xfrm>
+          <a:prstGeom prst="rect">
+            <a:avLst/>
+          </a:prstGeom>
+        </p:spPr>
+        <p:style>
+          <a:lnRef idx="2">
+            <a:schemeClr val="dk1">
+              <a:shade val="50000"/>
+            </a:schemeClr>
+          </a:lnRef>
+          <a:fillRef idx="1">
+            <a:schemeClr val="dk1"/>
+          </a:fillRef>
+          <a:effectRef idx="0">
+            <a:schemeClr val="dk1"/>
+          </a:effectRef>
+          <a:fontRef idx="minor">
+            <a:schemeClr val="lt1"/>
+          </a:fontRef>
+        </p:style>
+        <p:txBody>
+          <a:bodyPr rtlCol="0" anchor="ctr"/>
+          <a:lstStyle/>
+          <a:p>
+            <a:pPr algn="ctr"/>
+            <a:endParaRPr lang="fr-FR"/>
+          </a:p>
+        </p:txBody>
+      </p:sp>
+      <p:sp>
+        <p:nvSpPr>
+          <p:cNvPr id="11" name="Rectangle 10">
+            <a:extLst>
+              <a:ext uri="{FF2B5EF4-FFF2-40B4-BE49-F238E27FC236}">
+                <a16:creationId xmlns:a16="http://schemas.microsoft.com/office/drawing/2014/main" id="{F7787BAB-E37E-D393-0256-AE5ED066ACBA}"/>
+              </a:ext>
+            </a:extLst>
+          </p:cNvPr>
+          <p:cNvSpPr/>
+          <p:nvPr/>
+        </p:nvSpPr>
+        <p:spPr>
+          <a:xfrm>
+            <a:off x="1049865" y="4809068"/>
+            <a:ext cx="846669" cy="127000"/>
+          </a:xfrm>
+          <a:prstGeom prst="rect">
+            <a:avLst/>
+          </a:prstGeom>
+        </p:spPr>
+        <p:style>
+          <a:lnRef idx="2">
+            <a:schemeClr val="dk1">
+              <a:shade val="50000"/>
+            </a:schemeClr>
+          </a:lnRef>
+          <a:fillRef idx="1">
+            <a:schemeClr val="dk1"/>
+          </a:fillRef>
+          <a:effectRef idx="0">
+            <a:schemeClr val="dk1"/>
+          </a:effectRef>
+          <a:fontRef idx="minor">
+            <a:schemeClr val="lt1"/>
+          </a:fontRef>
+        </p:style>
+        <p:txBody>
+          <a:bodyPr rtlCol="0" anchor="ctr"/>
+          <a:lstStyle/>
+          <a:p>
+            <a:pPr algn="ctr"/>
+            <a:endParaRPr lang="fr-FR"/>
+          </a:p>
+        </p:txBody>
+      </p:sp>
+      <p:pic>
+        <p:nvPicPr>
+          <p:cNvPr id="13" name="Image 12">
+            <a:extLst>
+              <a:ext uri="{FF2B5EF4-FFF2-40B4-BE49-F238E27FC236}">
+                <a16:creationId xmlns:a16="http://schemas.microsoft.com/office/drawing/2014/main" id="{17DF7F9F-8FC8-CA29-4E2C-2B459F913ACF}"/>
+              </a:ext>
+            </a:extLst>
+          </p:cNvPr>
+          <p:cNvPicPr>
+            <a:picLocks noChangeAspect="1"/>
+          </p:cNvPicPr>
+          <p:nvPr/>
+        </p:nvPicPr>
+        <p:blipFill>
+          <a:blip r:embed="rId3"/>
+          <a:stretch>
+            <a:fillRect/>
+          </a:stretch>
+        </p:blipFill>
+        <p:spPr>
+          <a:xfrm>
+            <a:off x="5086090" y="3753858"/>
+            <a:ext cx="4083260" cy="1949550"/>
+          </a:xfrm>
+          <a:prstGeom prst="rect">
+            <a:avLst/>
+          </a:prstGeom>
+        </p:spPr>
+      </p:pic>
+    </p:spTree>
+    <p:extLst>
+      <p:ext uri="{BB962C8B-B14F-4D97-AF65-F5344CB8AC3E}">
+        <p14:creationId xmlns:p14="http://schemas.microsoft.com/office/powerpoint/2010/main" val="2213149124"/>
+      </p:ext>
+    </p:extLst>
+  </p:cSld>
+  <p:clrMapOvr>
+    <a:masterClrMapping/>
+  </p:clrMapOvr>
+</p:sld>
+</file>
+
+<file path=ppt/slides/slide24.xml><?xml version="1.0" encoding="utf-8"?>
+<p:sld xmlns:a="http://schemas.openxmlformats.org/drawingml/2006/main" xmlns:r="http://schemas.openxmlformats.org/officeDocument/2006/relationships" xmlns:p="http://schemas.openxmlformats.org/presentationml/2006/main">
+  <p:cSld>
+    <p:spTree>
+      <p:nvGrpSpPr>
+        <p:cNvPr id="1" name=""/>
+        <p:cNvGrpSpPr/>
+        <p:nvPr/>
+      </p:nvGrpSpPr>
+      <p:grpSpPr>
+        <a:xfrm>
+          <a:off x="0" y="0"/>
+          <a:ext cx="0" cy="0"/>
+          <a:chOff x="0" y="0"/>
+          <a:chExt cx="0" cy="0"/>
+        </a:xfrm>
+      </p:grpSpPr>
+      <p:sp>
+        <p:nvSpPr>
+          <p:cNvPr id="2" name="Titre 1">
+            <a:extLst>
+              <a:ext uri="{FF2B5EF4-FFF2-40B4-BE49-F238E27FC236}">
+                <a16:creationId xmlns:a16="http://schemas.microsoft.com/office/drawing/2014/main" id="{CC8DC5E3-547F-1CAC-74AA-8AD3A246DD5F}"/>
+              </a:ext>
+            </a:extLst>
+          </p:cNvPr>
+          <p:cNvSpPr>
+            <a:spLocks noGrp="1"/>
+          </p:cNvSpPr>
+          <p:nvPr>
+            <p:ph type="title"/>
+          </p:nvPr>
+        </p:nvSpPr>
+        <p:spPr/>
+        <p:txBody>
+          <a:bodyPr/>
+          <a:lstStyle/>
+          <a:p>
+            <a:r>
+              <a:rPr lang="fr-FR" sz="4000" b="1" dirty="0"/>
+              <a:t>Part 6 : Test of </a:t>
+            </a:r>
+            <a:r>
+              <a:rPr lang="fr-FR" sz="4000" b="1" dirty="0" err="1"/>
+              <a:t>Edamam</a:t>
+            </a:r>
+            <a:r>
+              <a:rPr lang="fr-FR" sz="4000" b="1" dirty="0"/>
+              <a:t> API</a:t>
+            </a:r>
+          </a:p>
+        </p:txBody>
+      </p:sp>
+      <p:sp>
+        <p:nvSpPr>
+          <p:cNvPr id="3" name="Espace réservé du contenu 2">
+            <a:extLst>
+              <a:ext uri="{FF2B5EF4-FFF2-40B4-BE49-F238E27FC236}">
+                <a16:creationId xmlns:a16="http://schemas.microsoft.com/office/drawing/2014/main" id="{E57A140B-F8CB-842C-F3E7-F5ECF42B665F}"/>
+              </a:ext>
+            </a:extLst>
+          </p:cNvPr>
+          <p:cNvSpPr>
+            <a:spLocks noGrp="1"/>
+          </p:cNvSpPr>
+          <p:nvPr>
+            <p:ph idx="1"/>
+          </p:nvPr>
+        </p:nvSpPr>
+        <p:spPr>
+          <a:xfrm>
+            <a:off x="810000" y="2174161"/>
+            <a:ext cx="10554574" cy="3636511"/>
+          </a:xfrm>
+        </p:spPr>
+        <p:txBody>
+          <a:bodyPr anchor="t" anchorCtr="0">
+            <a:normAutofit/>
+          </a:bodyPr>
+          <a:lstStyle/>
+          <a:p>
+            <a:r>
+              <a:rPr lang="fr-FR" dirty="0" err="1"/>
+              <a:t>Edamam</a:t>
+            </a:r>
+            <a:r>
+              <a:rPr lang="fr-FR" dirty="0"/>
+              <a:t> API test </a:t>
+            </a:r>
+            <a:r>
+              <a:rPr lang="fr-FR" dirty="0" err="1"/>
+              <a:t>with</a:t>
+            </a:r>
+            <a:r>
+              <a:rPr lang="fr-FR" dirty="0"/>
+              <a:t> </a:t>
+            </a:r>
+            <a:r>
+              <a:rPr lang="fr-FR" dirty="0" err="1"/>
+              <a:t>word</a:t>
+            </a:r>
+            <a:r>
+              <a:rPr lang="fr-FR" dirty="0"/>
+              <a:t> « Champagne »</a:t>
+            </a:r>
+          </a:p>
+        </p:txBody>
+      </p:sp>
+      <p:sp>
+        <p:nvSpPr>
+          <p:cNvPr id="4" name="Espace réservé de la date 3">
+            <a:extLst>
+              <a:ext uri="{FF2B5EF4-FFF2-40B4-BE49-F238E27FC236}">
+                <a16:creationId xmlns:a16="http://schemas.microsoft.com/office/drawing/2014/main" id="{914C2D10-BB04-E54F-ED6F-A33B7388CC59}"/>
+              </a:ext>
+            </a:extLst>
+          </p:cNvPr>
+          <p:cNvSpPr>
+            <a:spLocks noGrp="1"/>
+          </p:cNvSpPr>
+          <p:nvPr>
+            <p:ph type="dt" sz="half" idx="10"/>
+          </p:nvPr>
+        </p:nvSpPr>
+        <p:spPr/>
+        <p:txBody>
+          <a:bodyPr/>
+          <a:lstStyle/>
+          <a:p>
+            <a:fld id="{80093CBD-8343-4972-8BF5-131A1B98389A}" type="datetime1">
+              <a:rPr lang="en-US" smtClean="0"/>
+              <a:t>3/28/2023</a:t>
+            </a:fld>
+            <a:endParaRPr lang="en-US" dirty="0"/>
+          </a:p>
+        </p:txBody>
+      </p:sp>
+      <p:sp>
+        <p:nvSpPr>
+          <p:cNvPr id="5" name="Espace réservé du numéro de diapositive 4">
+            <a:extLst>
+              <a:ext uri="{FF2B5EF4-FFF2-40B4-BE49-F238E27FC236}">
+                <a16:creationId xmlns:a16="http://schemas.microsoft.com/office/drawing/2014/main" id="{6B286118-C5AC-D436-D065-E0241803DEA5}"/>
+              </a:ext>
+            </a:extLst>
+          </p:cNvPr>
+          <p:cNvSpPr>
+            <a:spLocks noGrp="1"/>
+          </p:cNvSpPr>
+          <p:nvPr>
+            <p:ph type="sldNum" sz="quarter" idx="12"/>
+          </p:nvPr>
+        </p:nvSpPr>
+        <p:spPr/>
+        <p:txBody>
+          <a:bodyPr/>
+          <a:lstStyle/>
+          <a:p>
+            <a:fld id="{D57F1E4F-1CFF-5643-939E-217C01CDF565}" type="slidenum">
+              <a:rPr lang="en-US" smtClean="0"/>
+              <a:pPr/>
+              <a:t>24</a:t>
+            </a:fld>
+            <a:endParaRPr lang="en-US" dirty="0"/>
+          </a:p>
+        </p:txBody>
+      </p:sp>
+      <p:pic>
+        <p:nvPicPr>
+          <p:cNvPr id="7" name="Image 6">
+            <a:extLst>
+              <a:ext uri="{FF2B5EF4-FFF2-40B4-BE49-F238E27FC236}">
+                <a16:creationId xmlns:a16="http://schemas.microsoft.com/office/drawing/2014/main" id="{7B5E38DD-03E9-0334-0F11-938A5E488A62}"/>
+              </a:ext>
+            </a:extLst>
+          </p:cNvPr>
+          <p:cNvPicPr>
+            <a:picLocks noChangeAspect="1"/>
+          </p:cNvPicPr>
+          <p:nvPr/>
+        </p:nvPicPr>
+        <p:blipFill>
+          <a:blip r:embed="rId2"/>
+          <a:stretch>
+            <a:fillRect/>
+          </a:stretch>
+        </p:blipFill>
+        <p:spPr>
+          <a:xfrm>
+            <a:off x="7297607" y="3655774"/>
+            <a:ext cx="3911801" cy="2121009"/>
+          </a:xfrm>
+          <a:prstGeom prst="rect">
+            <a:avLst/>
+          </a:prstGeom>
+        </p:spPr>
+      </p:pic>
+      <p:pic>
+        <p:nvPicPr>
+          <p:cNvPr id="8" name="Image 7">
+            <a:extLst>
+              <a:ext uri="{FF2B5EF4-FFF2-40B4-BE49-F238E27FC236}">
+                <a16:creationId xmlns:a16="http://schemas.microsoft.com/office/drawing/2014/main" id="{90CE0DA0-753B-83F2-1466-852311E8506B}"/>
+              </a:ext>
+            </a:extLst>
+          </p:cNvPr>
+          <p:cNvPicPr>
+            <a:picLocks noChangeAspect="1"/>
+          </p:cNvPicPr>
+          <p:nvPr/>
+        </p:nvPicPr>
+        <p:blipFill>
+          <a:blip r:embed="rId3"/>
+          <a:stretch>
+            <a:fillRect/>
+          </a:stretch>
+        </p:blipFill>
+        <p:spPr>
+          <a:xfrm>
+            <a:off x="169783" y="3828254"/>
+            <a:ext cx="4648439" cy="2578233"/>
+          </a:xfrm>
+          <a:prstGeom prst="rect">
+            <a:avLst/>
+          </a:prstGeom>
+        </p:spPr>
+      </p:pic>
+      <p:sp>
+        <p:nvSpPr>
+          <p:cNvPr id="9" name="Flèche : droite 8">
+            <a:extLst>
+              <a:ext uri="{FF2B5EF4-FFF2-40B4-BE49-F238E27FC236}">
+                <a16:creationId xmlns:a16="http://schemas.microsoft.com/office/drawing/2014/main" id="{CB7BD2AE-79A4-4312-F6C4-1FEF58574B83}"/>
+              </a:ext>
+            </a:extLst>
+          </p:cNvPr>
+          <p:cNvSpPr/>
+          <p:nvPr/>
+        </p:nvSpPr>
+        <p:spPr>
+          <a:xfrm>
+            <a:off x="5459896" y="4574164"/>
+            <a:ext cx="1470511" cy="474914"/>
+          </a:xfrm>
+          <a:prstGeom prst="rightArrow">
+            <a:avLst/>
+          </a:prstGeom>
+        </p:spPr>
+        <p:style>
+          <a:lnRef idx="2">
+            <a:schemeClr val="accent1">
+              <a:shade val="50000"/>
+            </a:schemeClr>
+          </a:lnRef>
+          <a:fillRef idx="1">
+            <a:schemeClr val="accent1"/>
+          </a:fillRef>
+          <a:effectRef idx="0">
+            <a:schemeClr val="accent1"/>
+          </a:effectRef>
+          <a:fontRef idx="minor">
+            <a:schemeClr val="lt1"/>
+          </a:fontRef>
+        </p:style>
+        <p:txBody>
+          <a:bodyPr rtlCol="0" anchor="ctr"/>
+          <a:lstStyle/>
+          <a:p>
+            <a:pPr algn="ctr"/>
+            <a:endParaRPr lang="fr-FR"/>
+          </a:p>
+        </p:txBody>
+      </p:sp>
+      <p:sp>
+        <p:nvSpPr>
+          <p:cNvPr id="10" name="ZoneTexte 9">
+            <a:extLst>
+              <a:ext uri="{FF2B5EF4-FFF2-40B4-BE49-F238E27FC236}">
+                <a16:creationId xmlns:a16="http://schemas.microsoft.com/office/drawing/2014/main" id="{AC75ADBE-564A-6E9D-24C1-61A5285FFF2B}"/>
+              </a:ext>
+            </a:extLst>
+          </p:cNvPr>
+          <p:cNvSpPr txBox="1"/>
+          <p:nvPr/>
+        </p:nvSpPr>
+        <p:spPr>
+          <a:xfrm>
+            <a:off x="169783" y="2913845"/>
+            <a:ext cx="4648439" cy="646331"/>
+          </a:xfrm>
+          <a:prstGeom prst="rect">
+            <a:avLst/>
+          </a:prstGeom>
+          <a:solidFill>
+            <a:schemeClr val="tx1"/>
+          </a:solidFill>
+        </p:spPr>
+        <p:txBody>
+          <a:bodyPr wrap="square" rtlCol="0">
+            <a:spAutoFit/>
+          </a:bodyPr>
+          <a:lstStyle/>
+          <a:p>
+            <a:r>
+              <a:rPr lang="fr-FR" dirty="0" err="1">
+                <a:solidFill>
+                  <a:schemeClr val="bg1"/>
+                </a:solidFill>
+              </a:rPr>
+              <a:t>Result</a:t>
+            </a:r>
+            <a:r>
+              <a:rPr lang="fr-FR" dirty="0">
+                <a:solidFill>
+                  <a:schemeClr val="bg1"/>
+                </a:solidFill>
+              </a:rPr>
+              <a:t> of the </a:t>
+            </a:r>
+            <a:r>
+              <a:rPr lang="fr-FR" dirty="0" err="1">
+                <a:solidFill>
+                  <a:schemeClr val="bg1"/>
+                </a:solidFill>
+              </a:rPr>
+              <a:t>request</a:t>
+            </a:r>
+            <a:r>
+              <a:rPr lang="fr-FR" dirty="0">
+                <a:solidFill>
+                  <a:schemeClr val="bg1"/>
+                </a:solidFill>
+              </a:rPr>
+              <a:t> </a:t>
+            </a:r>
+            <a:r>
+              <a:rPr lang="fr-FR" dirty="0" err="1">
+                <a:solidFill>
+                  <a:schemeClr val="bg1"/>
+                </a:solidFill>
+              </a:rPr>
+              <a:t>with</a:t>
+            </a:r>
+            <a:r>
+              <a:rPr lang="fr-FR" dirty="0">
+                <a:solidFill>
+                  <a:schemeClr val="bg1"/>
+                </a:solidFill>
+              </a:rPr>
+              <a:t> the </a:t>
+            </a:r>
+            <a:r>
+              <a:rPr lang="fr-FR" dirty="0" err="1">
+                <a:solidFill>
+                  <a:schemeClr val="bg1"/>
+                </a:solidFill>
+              </a:rPr>
+              <a:t>word</a:t>
+            </a:r>
+            <a:r>
+              <a:rPr lang="fr-FR" dirty="0">
+                <a:solidFill>
+                  <a:schemeClr val="bg1"/>
+                </a:solidFill>
+              </a:rPr>
+              <a:t> « champagne »</a:t>
+            </a:r>
+          </a:p>
+        </p:txBody>
+      </p:sp>
+      <p:sp>
+        <p:nvSpPr>
+          <p:cNvPr id="11" name="ZoneTexte 10">
+            <a:extLst>
+              <a:ext uri="{FF2B5EF4-FFF2-40B4-BE49-F238E27FC236}">
+                <a16:creationId xmlns:a16="http://schemas.microsoft.com/office/drawing/2014/main" id="{69EEF183-FD04-9703-E499-C79A956067C1}"/>
+              </a:ext>
+            </a:extLst>
+          </p:cNvPr>
+          <p:cNvSpPr txBox="1"/>
+          <p:nvPr/>
+        </p:nvSpPr>
+        <p:spPr>
+          <a:xfrm>
+            <a:off x="6944146" y="3064250"/>
+            <a:ext cx="4648439" cy="369332"/>
+          </a:xfrm>
+          <a:prstGeom prst="rect">
+            <a:avLst/>
+          </a:prstGeom>
+          <a:solidFill>
+            <a:schemeClr val="tx1"/>
+          </a:solidFill>
+        </p:spPr>
+        <p:txBody>
+          <a:bodyPr wrap="square" rtlCol="0">
+            <a:spAutoFit/>
+          </a:bodyPr>
+          <a:lstStyle/>
+          <a:p>
+            <a:r>
+              <a:rPr lang="fr-FR" dirty="0" err="1">
+                <a:solidFill>
+                  <a:schemeClr val="bg1"/>
+                </a:solidFill>
+              </a:rPr>
+              <a:t>Result</a:t>
+            </a:r>
+            <a:r>
+              <a:rPr lang="fr-FR" dirty="0">
+                <a:solidFill>
+                  <a:schemeClr val="bg1"/>
+                </a:solidFill>
+              </a:rPr>
+              <a:t> of the </a:t>
+            </a:r>
+            <a:r>
+              <a:rPr lang="fr-FR" dirty="0" err="1">
+                <a:solidFill>
+                  <a:schemeClr val="bg1"/>
+                </a:solidFill>
+              </a:rPr>
+              <a:t>request</a:t>
+            </a:r>
+            <a:r>
+              <a:rPr lang="fr-FR" dirty="0">
+                <a:solidFill>
+                  <a:schemeClr val="bg1"/>
+                </a:solidFill>
+              </a:rPr>
+              <a:t> </a:t>
+            </a:r>
+            <a:r>
+              <a:rPr lang="fr-FR" dirty="0" err="1">
+                <a:solidFill>
+                  <a:schemeClr val="bg1"/>
+                </a:solidFill>
+              </a:rPr>
+              <a:t>after</a:t>
+            </a:r>
+            <a:r>
+              <a:rPr lang="fr-FR" dirty="0">
+                <a:solidFill>
+                  <a:schemeClr val="bg1"/>
+                </a:solidFill>
+              </a:rPr>
+              <a:t> </a:t>
+            </a:r>
+            <a:r>
+              <a:rPr lang="fr-FR" dirty="0" err="1">
+                <a:solidFill>
+                  <a:schemeClr val="bg1"/>
+                </a:solidFill>
+              </a:rPr>
+              <a:t>processing</a:t>
+            </a:r>
+            <a:endParaRPr lang="fr-FR" dirty="0">
+              <a:solidFill>
+                <a:schemeClr val="bg1"/>
+              </a:solidFill>
+            </a:endParaRPr>
+          </a:p>
+        </p:txBody>
+      </p:sp>
+    </p:spTree>
+    <p:extLst>
+      <p:ext uri="{BB962C8B-B14F-4D97-AF65-F5344CB8AC3E}">
+        <p14:creationId xmlns:p14="http://schemas.microsoft.com/office/powerpoint/2010/main" val="1449084271"/>
+      </p:ext>
+    </p:extLst>
+  </p:cSld>
+  <p:clrMapOvr>
+    <a:masterClrMapping/>
+  </p:clrMapOvr>
+</p:sld>
+</file>
+
+<file path=ppt/slides/slide25.xml><?xml version="1.0" encoding="utf-8"?>
+<p:sld xmlns:a="http://schemas.openxmlformats.org/drawingml/2006/main" xmlns:r="http://schemas.openxmlformats.org/officeDocument/2006/relationships" xmlns:p="http://schemas.openxmlformats.org/presentationml/2006/main">
+  <p:cSld>
+    <p:spTree>
+      <p:nvGrpSpPr>
+        <p:cNvPr id="1" name=""/>
+        <p:cNvGrpSpPr/>
+        <p:nvPr/>
+      </p:nvGrpSpPr>
+      <p:grpSpPr>
+        <a:xfrm>
+          <a:off x="0" y="0"/>
+          <a:ext cx="0" cy="0"/>
+          <a:chOff x="0" y="0"/>
+          <a:chExt cx="0" cy="0"/>
+        </a:xfrm>
+      </p:grpSpPr>
+      <p:sp>
+        <p:nvSpPr>
+          <p:cNvPr id="2" name="Titre 1">
+            <a:extLst>
+              <a:ext uri="{FF2B5EF4-FFF2-40B4-BE49-F238E27FC236}">
+                <a16:creationId xmlns:a16="http://schemas.microsoft.com/office/drawing/2014/main" id="{CC8DC5E3-547F-1CAC-74AA-8AD3A246DD5F}"/>
+              </a:ext>
+            </a:extLst>
+          </p:cNvPr>
+          <p:cNvSpPr>
+            <a:spLocks noGrp="1"/>
+          </p:cNvSpPr>
+          <p:nvPr>
+            <p:ph type="title"/>
+          </p:nvPr>
+        </p:nvSpPr>
+        <p:spPr/>
+        <p:txBody>
+          <a:bodyPr/>
+          <a:lstStyle/>
+          <a:p>
+            <a:r>
+              <a:rPr lang="fr-FR" sz="4000" b="1" dirty="0"/>
+              <a:t>Part 7 : Conclusion</a:t>
+            </a:r>
+          </a:p>
+        </p:txBody>
+      </p:sp>
+      <p:sp>
+        <p:nvSpPr>
+          <p:cNvPr id="3" name="Espace réservé du contenu 2">
+            <a:extLst>
+              <a:ext uri="{FF2B5EF4-FFF2-40B4-BE49-F238E27FC236}">
+                <a16:creationId xmlns:a16="http://schemas.microsoft.com/office/drawing/2014/main" id="{E57A140B-F8CB-842C-F3E7-F5ECF42B665F}"/>
+              </a:ext>
+            </a:extLst>
+          </p:cNvPr>
+          <p:cNvSpPr>
+            <a:spLocks noGrp="1"/>
+          </p:cNvSpPr>
+          <p:nvPr>
+            <p:ph idx="1"/>
+          </p:nvPr>
+        </p:nvSpPr>
+        <p:spPr>
+          <a:xfrm>
+            <a:off x="810000" y="2174161"/>
+            <a:ext cx="2978229" cy="3636511"/>
+          </a:xfrm>
+        </p:spPr>
+        <p:txBody>
+          <a:bodyPr anchor="t" anchorCtr="0">
+            <a:normAutofit/>
+          </a:bodyPr>
+          <a:lstStyle/>
+          <a:p>
+            <a:r>
+              <a:rPr lang="fr-FR" b="1" dirty="0" err="1"/>
+              <a:t>Unsupervized</a:t>
+            </a:r>
+            <a:r>
+              <a:rPr lang="fr-FR" b="1" dirty="0"/>
+              <a:t> </a:t>
+            </a:r>
+            <a:r>
+              <a:rPr lang="fr-FR" b="1" dirty="0" err="1"/>
+              <a:t>text</a:t>
+            </a:r>
+            <a:r>
+              <a:rPr lang="fr-FR" b="1" dirty="0"/>
+              <a:t> classification </a:t>
+            </a:r>
+            <a:r>
+              <a:rPr lang="fr-FR" b="1" dirty="0" err="1"/>
+              <a:t>results</a:t>
+            </a:r>
+            <a:endParaRPr lang="fr-FR" b="1" dirty="0"/>
+          </a:p>
+          <a:p>
+            <a:endParaRPr lang="fr-FR" dirty="0"/>
+          </a:p>
+          <a:p>
+            <a:endParaRPr lang="fr-FR" dirty="0"/>
+          </a:p>
+          <a:p>
+            <a:endParaRPr lang="fr-FR" dirty="0"/>
+          </a:p>
+          <a:p>
+            <a:endParaRPr lang="fr-FR" dirty="0"/>
+          </a:p>
+          <a:p>
+            <a:r>
+              <a:rPr lang="fr-FR" b="1" dirty="0" err="1"/>
+              <a:t>Unsupervized</a:t>
+            </a:r>
+            <a:r>
+              <a:rPr lang="fr-FR" b="1" dirty="0"/>
+              <a:t> image classification </a:t>
+            </a:r>
+            <a:r>
+              <a:rPr lang="fr-FR" b="1" dirty="0" err="1"/>
+              <a:t>results</a:t>
+            </a:r>
+            <a:endParaRPr lang="fr-FR" b="1" dirty="0"/>
+          </a:p>
+          <a:p>
+            <a:endParaRPr lang="fr-FR" dirty="0"/>
+          </a:p>
+          <a:p>
+            <a:endParaRPr lang="fr-FR" dirty="0"/>
+          </a:p>
+        </p:txBody>
+      </p:sp>
+      <p:sp>
+        <p:nvSpPr>
+          <p:cNvPr id="4" name="Espace réservé de la date 3">
+            <a:extLst>
+              <a:ext uri="{FF2B5EF4-FFF2-40B4-BE49-F238E27FC236}">
+                <a16:creationId xmlns:a16="http://schemas.microsoft.com/office/drawing/2014/main" id="{128C105D-3FC5-921F-5F93-49CE4E664E9B}"/>
+              </a:ext>
+            </a:extLst>
+          </p:cNvPr>
+          <p:cNvSpPr>
+            <a:spLocks noGrp="1"/>
+          </p:cNvSpPr>
+          <p:nvPr>
+            <p:ph type="dt" sz="half" idx="10"/>
+          </p:nvPr>
+        </p:nvSpPr>
+        <p:spPr/>
+        <p:txBody>
+          <a:bodyPr/>
+          <a:lstStyle/>
+          <a:p>
+            <a:fld id="{E0F05FE5-ABC7-4B79-938F-21D3A4ED17C4}" type="datetime1">
+              <a:rPr lang="en-US" smtClean="0"/>
+              <a:t>3/28/2023</a:t>
+            </a:fld>
+            <a:endParaRPr lang="en-US" dirty="0"/>
+          </a:p>
+        </p:txBody>
+      </p:sp>
+      <p:sp>
+        <p:nvSpPr>
+          <p:cNvPr id="5" name="Espace réservé du numéro de diapositive 4">
+            <a:extLst>
+              <a:ext uri="{FF2B5EF4-FFF2-40B4-BE49-F238E27FC236}">
+                <a16:creationId xmlns:a16="http://schemas.microsoft.com/office/drawing/2014/main" id="{CADFD5F4-53D6-1B6D-BE42-91B9EC6D521D}"/>
+              </a:ext>
+            </a:extLst>
+          </p:cNvPr>
+          <p:cNvSpPr>
+            <a:spLocks noGrp="1"/>
+          </p:cNvSpPr>
+          <p:nvPr>
+            <p:ph type="sldNum" sz="quarter" idx="12"/>
+          </p:nvPr>
+        </p:nvSpPr>
+        <p:spPr/>
+        <p:txBody>
+          <a:bodyPr/>
+          <a:lstStyle/>
+          <a:p>
+            <a:fld id="{D57F1E4F-1CFF-5643-939E-217C01CDF565}" type="slidenum">
+              <a:rPr lang="en-US" smtClean="0"/>
+              <a:pPr/>
+              <a:t>25</a:t>
+            </a:fld>
+            <a:endParaRPr lang="en-US" dirty="0"/>
+          </a:p>
+        </p:txBody>
+      </p:sp>
+      <p:graphicFrame>
+        <p:nvGraphicFramePr>
+          <p:cNvPr id="6" name="Tableau 7">
+            <a:extLst>
+              <a:ext uri="{FF2B5EF4-FFF2-40B4-BE49-F238E27FC236}">
+                <a16:creationId xmlns:a16="http://schemas.microsoft.com/office/drawing/2014/main" id="{46AD1ECE-D192-A2D2-4DE6-472FAA2FFF1B}"/>
+              </a:ext>
+            </a:extLst>
+          </p:cNvPr>
+          <p:cNvGraphicFramePr>
+            <a:graphicFrameLocks noGrp="1"/>
+          </p:cNvGraphicFramePr>
+          <p:nvPr>
+            <p:extLst>
+              <p:ext uri="{D42A27DB-BD31-4B8C-83A1-F6EECF244321}">
+                <p14:modId xmlns:p14="http://schemas.microsoft.com/office/powerpoint/2010/main" val="2662609191"/>
+              </p:ext>
+            </p:extLst>
+          </p:nvPr>
+        </p:nvGraphicFramePr>
+        <p:xfrm>
+          <a:off x="3873535" y="2059123"/>
+          <a:ext cx="8127999" cy="2494280"/>
+        </p:xfrm>
+        <a:graphic>
+          <a:graphicData uri="http://schemas.openxmlformats.org/drawingml/2006/table">
+            <a:tbl>
+              <a:tblPr firstRow="1" bandRow="1">
+                <a:tableStyleId>{5C22544A-7EE6-4342-B048-85BDC9FD1C3A}</a:tableStyleId>
+              </a:tblPr>
+              <a:tblGrid>
+                <a:gridCol w="2709333">
+                  <a:extLst>
+                    <a:ext uri="{9D8B030D-6E8A-4147-A177-3AD203B41FA5}">
+                      <a16:colId xmlns:a16="http://schemas.microsoft.com/office/drawing/2014/main" val="36433723"/>
+                    </a:ext>
+                  </a:extLst>
+                </a:gridCol>
+                <a:gridCol w="2709333">
+                  <a:extLst>
+                    <a:ext uri="{9D8B030D-6E8A-4147-A177-3AD203B41FA5}">
+                      <a16:colId xmlns:a16="http://schemas.microsoft.com/office/drawing/2014/main" val="3113951091"/>
+                    </a:ext>
+                  </a:extLst>
+                </a:gridCol>
+                <a:gridCol w="2709333">
+                  <a:extLst>
+                    <a:ext uri="{9D8B030D-6E8A-4147-A177-3AD203B41FA5}">
+                      <a16:colId xmlns:a16="http://schemas.microsoft.com/office/drawing/2014/main" val="1799123516"/>
+                    </a:ext>
+                  </a:extLst>
+                </a:gridCol>
+              </a:tblGrid>
+              <a:tr h="370840">
+                <a:tc>
+                  <a:txBody>
+                    <a:bodyPr/>
+                    <a:lstStyle/>
+                    <a:p>
+                      <a:pPr algn="ctr" fontAlgn="ctr"/>
+                      <a:r>
+                        <a:rPr lang="fr-FR" b="1" dirty="0">
+                          <a:solidFill>
+                            <a:schemeClr val="bg1"/>
+                          </a:solidFill>
+                          <a:effectLst/>
+                        </a:rPr>
+                        <a:t>model</a:t>
+                      </a:r>
+                    </a:p>
+                  </a:txBody>
+                  <a:tcPr anchor="ctr"/>
+                </a:tc>
+                <a:tc>
+                  <a:txBody>
+                    <a:bodyPr/>
+                    <a:lstStyle/>
+                    <a:p>
+                      <a:pPr algn="ctr" fontAlgn="ctr"/>
+                      <a:r>
+                        <a:rPr lang="fr-FR" b="1">
+                          <a:solidFill>
+                            <a:schemeClr val="bg1"/>
+                          </a:solidFill>
+                          <a:effectLst/>
+                        </a:rPr>
+                        <a:t>ARI</a:t>
+                      </a:r>
+                    </a:p>
+                  </a:txBody>
+                  <a:tcPr anchor="ctr"/>
+                </a:tc>
+                <a:tc>
+                  <a:txBody>
+                    <a:bodyPr/>
+                    <a:lstStyle/>
+                    <a:p>
+                      <a:pPr algn="ctr" fontAlgn="ctr"/>
+                      <a:r>
+                        <a:rPr lang="fr-FR" b="1" dirty="0" err="1">
+                          <a:solidFill>
+                            <a:schemeClr val="bg1"/>
+                          </a:solidFill>
+                          <a:effectLst/>
+                        </a:rPr>
+                        <a:t>prediction</a:t>
+                      </a:r>
+                      <a:r>
+                        <a:rPr lang="fr-FR" b="1" dirty="0">
+                          <a:solidFill>
+                            <a:schemeClr val="bg1"/>
+                          </a:solidFill>
+                          <a:effectLst/>
+                        </a:rPr>
+                        <a:t> time (seconds)</a:t>
+                      </a:r>
+                    </a:p>
+                  </a:txBody>
+                  <a:tcPr anchor="ctr"/>
+                </a:tc>
+                <a:extLst>
+                  <a:ext uri="{0D108BD9-81ED-4DB2-BD59-A6C34878D82A}">
+                    <a16:rowId xmlns:a16="http://schemas.microsoft.com/office/drawing/2014/main" val="1980525731"/>
+                  </a:ext>
+                </a:extLst>
+              </a:tr>
+              <a:tr h="370840">
+                <a:tc>
+                  <a:txBody>
+                    <a:bodyPr/>
+                    <a:lstStyle/>
+                    <a:p>
+                      <a:pPr algn="ctr" fontAlgn="ctr"/>
+                      <a:r>
+                        <a:rPr lang="fr-FR" dirty="0" err="1">
+                          <a:solidFill>
+                            <a:schemeClr val="bg1"/>
+                          </a:solidFill>
+                          <a:effectLst/>
+                        </a:rPr>
+                        <a:t>CountVectorizer</a:t>
+                      </a:r>
+                      <a:endParaRPr lang="fr-FR" dirty="0">
+                        <a:solidFill>
+                          <a:schemeClr val="bg1"/>
+                        </a:solidFill>
+                        <a:effectLst/>
+                      </a:endParaRPr>
+                    </a:p>
+                  </a:txBody>
+                  <a:tcPr anchor="ctr"/>
+                </a:tc>
+                <a:tc>
+                  <a:txBody>
+                    <a:bodyPr/>
+                    <a:lstStyle/>
+                    <a:p>
+                      <a:pPr algn="ctr" fontAlgn="ctr"/>
+                      <a:r>
+                        <a:rPr lang="fr-FR">
+                          <a:solidFill>
+                            <a:schemeClr val="bg1"/>
+                          </a:solidFill>
+                          <a:effectLst/>
+                        </a:rPr>
+                        <a:t>0.39</a:t>
+                      </a:r>
+                    </a:p>
+                  </a:txBody>
+                  <a:tcPr anchor="ctr"/>
+                </a:tc>
+                <a:tc>
+                  <a:txBody>
+                    <a:bodyPr/>
+                    <a:lstStyle/>
+                    <a:p>
+                      <a:pPr algn="ctr" fontAlgn="ctr"/>
+                      <a:r>
+                        <a:rPr lang="fr-FR">
+                          <a:solidFill>
+                            <a:schemeClr val="bg1"/>
+                          </a:solidFill>
+                          <a:effectLst/>
+                        </a:rPr>
+                        <a:t>0.05</a:t>
+                      </a:r>
+                    </a:p>
+                  </a:txBody>
+                  <a:tcPr anchor="ctr"/>
+                </a:tc>
+                <a:extLst>
+                  <a:ext uri="{0D108BD9-81ED-4DB2-BD59-A6C34878D82A}">
+                    <a16:rowId xmlns:a16="http://schemas.microsoft.com/office/drawing/2014/main" val="2676744415"/>
+                  </a:ext>
+                </a:extLst>
+              </a:tr>
+              <a:tr h="370840">
+                <a:tc>
+                  <a:txBody>
+                    <a:bodyPr/>
+                    <a:lstStyle/>
+                    <a:p>
+                      <a:pPr algn="ctr" fontAlgn="ctr"/>
+                      <a:r>
+                        <a:rPr lang="fr-FR" dirty="0" err="1">
+                          <a:solidFill>
+                            <a:schemeClr val="bg1"/>
+                          </a:solidFill>
+                          <a:effectLst/>
+                        </a:rPr>
+                        <a:t>TfidfVectorizer</a:t>
+                      </a:r>
+                      <a:endParaRPr lang="fr-FR" dirty="0">
+                        <a:solidFill>
+                          <a:schemeClr val="bg1"/>
+                        </a:solidFill>
+                        <a:effectLst/>
+                      </a:endParaRPr>
+                    </a:p>
+                  </a:txBody>
+                  <a:tcPr anchor="ctr"/>
+                </a:tc>
+                <a:tc>
+                  <a:txBody>
+                    <a:bodyPr/>
+                    <a:lstStyle/>
+                    <a:p>
+                      <a:pPr algn="ctr" fontAlgn="ctr"/>
+                      <a:r>
+                        <a:rPr lang="fr-FR" dirty="0">
+                          <a:solidFill>
+                            <a:schemeClr val="bg1"/>
+                          </a:solidFill>
+                          <a:effectLst/>
+                        </a:rPr>
+                        <a:t>0.47</a:t>
+                      </a:r>
+                    </a:p>
+                  </a:txBody>
+                  <a:tcPr anchor="ctr"/>
+                </a:tc>
+                <a:tc>
+                  <a:txBody>
+                    <a:bodyPr/>
+                    <a:lstStyle/>
+                    <a:p>
+                      <a:pPr algn="ctr" fontAlgn="ctr"/>
+                      <a:r>
+                        <a:rPr lang="fr-FR">
+                          <a:solidFill>
+                            <a:schemeClr val="bg1"/>
+                          </a:solidFill>
+                          <a:effectLst/>
+                        </a:rPr>
+                        <a:t>0.04</a:t>
+                      </a:r>
+                    </a:p>
+                  </a:txBody>
+                  <a:tcPr anchor="ctr"/>
+                </a:tc>
+                <a:extLst>
+                  <a:ext uri="{0D108BD9-81ED-4DB2-BD59-A6C34878D82A}">
+                    <a16:rowId xmlns:a16="http://schemas.microsoft.com/office/drawing/2014/main" val="2822500286"/>
+                  </a:ext>
+                </a:extLst>
+              </a:tr>
+              <a:tr h="370840">
+                <a:tc>
+                  <a:txBody>
+                    <a:bodyPr/>
+                    <a:lstStyle/>
+                    <a:p>
+                      <a:pPr algn="ctr" fontAlgn="ctr"/>
+                      <a:r>
+                        <a:rPr lang="fr-FR" dirty="0">
+                          <a:solidFill>
+                            <a:schemeClr val="bg1"/>
+                          </a:solidFill>
+                          <a:effectLst/>
+                        </a:rPr>
+                        <a:t>Word2Vec</a:t>
+                      </a:r>
+                    </a:p>
+                  </a:txBody>
+                  <a:tcPr anchor="ctr"/>
+                </a:tc>
+                <a:tc>
+                  <a:txBody>
+                    <a:bodyPr/>
+                    <a:lstStyle/>
+                    <a:p>
+                      <a:pPr algn="ctr" fontAlgn="ctr"/>
+                      <a:r>
+                        <a:rPr lang="fr-FR" dirty="0">
+                          <a:solidFill>
+                            <a:schemeClr val="bg1"/>
+                          </a:solidFill>
+                          <a:effectLst/>
+                        </a:rPr>
+                        <a:t>0.29</a:t>
+                      </a:r>
+                    </a:p>
+                  </a:txBody>
+                  <a:tcPr anchor="ctr"/>
+                </a:tc>
+                <a:tc>
+                  <a:txBody>
+                    <a:bodyPr/>
+                    <a:lstStyle/>
+                    <a:p>
+                      <a:pPr algn="ctr" fontAlgn="ctr"/>
+                      <a:r>
+                        <a:rPr lang="fr-FR">
+                          <a:solidFill>
+                            <a:schemeClr val="bg1"/>
+                          </a:solidFill>
+                          <a:effectLst/>
+                        </a:rPr>
+                        <a:t>0.18</a:t>
+                      </a:r>
+                    </a:p>
+                  </a:txBody>
+                  <a:tcPr anchor="ctr"/>
+                </a:tc>
+                <a:extLst>
+                  <a:ext uri="{0D108BD9-81ED-4DB2-BD59-A6C34878D82A}">
+                    <a16:rowId xmlns:a16="http://schemas.microsoft.com/office/drawing/2014/main" val="4181692194"/>
+                  </a:ext>
+                </a:extLst>
+              </a:tr>
+              <a:tr h="370840">
+                <a:tc>
+                  <a:txBody>
+                    <a:bodyPr/>
+                    <a:lstStyle/>
+                    <a:p>
+                      <a:pPr algn="ctr" fontAlgn="ctr"/>
+                      <a:r>
+                        <a:rPr lang="fr-FR">
+                          <a:solidFill>
+                            <a:schemeClr val="bg1"/>
+                          </a:solidFill>
+                          <a:effectLst/>
+                        </a:rPr>
+                        <a:t>BERT</a:t>
+                      </a:r>
+                    </a:p>
+                  </a:txBody>
+                  <a:tcPr anchor="ctr"/>
+                </a:tc>
+                <a:tc>
+                  <a:txBody>
+                    <a:bodyPr/>
+                    <a:lstStyle/>
+                    <a:p>
+                      <a:pPr algn="ctr" fontAlgn="ctr"/>
+                      <a:r>
+                        <a:rPr lang="fr-FR" dirty="0">
+                          <a:solidFill>
+                            <a:schemeClr val="bg1"/>
+                          </a:solidFill>
+                          <a:effectLst/>
+                        </a:rPr>
+                        <a:t>0.28</a:t>
+                      </a:r>
+                    </a:p>
+                  </a:txBody>
+                  <a:tcPr anchor="ctr"/>
+                </a:tc>
+                <a:tc>
+                  <a:txBody>
+                    <a:bodyPr/>
+                    <a:lstStyle/>
+                    <a:p>
+                      <a:pPr algn="ctr" fontAlgn="ctr"/>
+                      <a:r>
+                        <a:rPr lang="fr-FR" dirty="0">
+                          <a:solidFill>
+                            <a:schemeClr val="bg1"/>
+                          </a:solidFill>
+                          <a:effectLst/>
+                        </a:rPr>
+                        <a:t>205.70</a:t>
+                      </a:r>
+                    </a:p>
+                  </a:txBody>
+                  <a:tcPr anchor="ctr"/>
+                </a:tc>
+                <a:extLst>
+                  <a:ext uri="{0D108BD9-81ED-4DB2-BD59-A6C34878D82A}">
+                    <a16:rowId xmlns:a16="http://schemas.microsoft.com/office/drawing/2014/main" val="387838859"/>
+                  </a:ext>
+                </a:extLst>
+              </a:tr>
+              <a:tr h="370840">
+                <a:tc>
+                  <a:txBody>
+                    <a:bodyPr/>
+                    <a:lstStyle/>
+                    <a:p>
+                      <a:pPr algn="ctr" fontAlgn="ctr"/>
+                      <a:r>
+                        <a:rPr lang="fr-FR">
+                          <a:solidFill>
+                            <a:schemeClr val="bg1"/>
+                          </a:solidFill>
+                          <a:effectLst/>
+                        </a:rPr>
+                        <a:t>USE</a:t>
+                      </a:r>
+                    </a:p>
+                  </a:txBody>
+                  <a:tcPr anchor="ctr"/>
+                </a:tc>
+                <a:tc>
+                  <a:txBody>
+                    <a:bodyPr/>
+                    <a:lstStyle/>
+                    <a:p>
+                      <a:pPr algn="ctr" fontAlgn="ctr"/>
+                      <a:r>
+                        <a:rPr lang="fr-FR">
+                          <a:solidFill>
+                            <a:schemeClr val="bg1"/>
+                          </a:solidFill>
+                          <a:effectLst/>
+                        </a:rPr>
+                        <a:t>0.44</a:t>
+                      </a:r>
+                    </a:p>
+                  </a:txBody>
+                  <a:tcPr anchor="ctr"/>
+                </a:tc>
+                <a:tc>
+                  <a:txBody>
+                    <a:bodyPr/>
+                    <a:lstStyle/>
+                    <a:p>
+                      <a:pPr algn="ctr" fontAlgn="ctr"/>
+                      <a:r>
+                        <a:rPr lang="fr-FR" dirty="0">
+                          <a:solidFill>
+                            <a:schemeClr val="bg1"/>
+                          </a:solidFill>
+                          <a:effectLst/>
+                        </a:rPr>
+                        <a:t>0.93</a:t>
+                      </a:r>
+                    </a:p>
+                  </a:txBody>
+                  <a:tcPr anchor="ctr"/>
+                </a:tc>
+                <a:extLst>
+                  <a:ext uri="{0D108BD9-81ED-4DB2-BD59-A6C34878D82A}">
+                    <a16:rowId xmlns:a16="http://schemas.microsoft.com/office/drawing/2014/main" val="188212563"/>
+                  </a:ext>
+                </a:extLst>
+              </a:tr>
+            </a:tbl>
+          </a:graphicData>
+        </a:graphic>
+      </p:graphicFrame>
+      <p:graphicFrame>
+        <p:nvGraphicFramePr>
+          <p:cNvPr id="10" name="Tableau 10">
+            <a:extLst>
+              <a:ext uri="{FF2B5EF4-FFF2-40B4-BE49-F238E27FC236}">
+                <a16:creationId xmlns:a16="http://schemas.microsoft.com/office/drawing/2014/main" id="{F8DAEE8F-F665-2B17-DC16-2D7E0D7D7029}"/>
+              </a:ext>
+            </a:extLst>
+          </p:cNvPr>
+          <p:cNvGraphicFramePr>
+            <a:graphicFrameLocks noGrp="1"/>
+          </p:cNvGraphicFramePr>
+          <p:nvPr>
+            <p:extLst>
+              <p:ext uri="{D42A27DB-BD31-4B8C-83A1-F6EECF244321}">
+                <p14:modId xmlns:p14="http://schemas.microsoft.com/office/powerpoint/2010/main" val="2967795446"/>
+              </p:ext>
+            </p:extLst>
+          </p:nvPr>
+        </p:nvGraphicFramePr>
+        <p:xfrm>
+          <a:off x="3873535" y="4707468"/>
+          <a:ext cx="8127999" cy="1381760"/>
+        </p:xfrm>
+        <a:graphic>
+          <a:graphicData uri="http://schemas.openxmlformats.org/drawingml/2006/table">
+            <a:tbl>
+              <a:tblPr firstRow="1" bandRow="1">
+                <a:tableStyleId>{5C22544A-7EE6-4342-B048-85BDC9FD1C3A}</a:tableStyleId>
+              </a:tblPr>
+              <a:tblGrid>
+                <a:gridCol w="2709333">
+                  <a:extLst>
+                    <a:ext uri="{9D8B030D-6E8A-4147-A177-3AD203B41FA5}">
+                      <a16:colId xmlns:a16="http://schemas.microsoft.com/office/drawing/2014/main" val="2425537797"/>
+                    </a:ext>
+                  </a:extLst>
+                </a:gridCol>
+                <a:gridCol w="2709333">
+                  <a:extLst>
+                    <a:ext uri="{9D8B030D-6E8A-4147-A177-3AD203B41FA5}">
+                      <a16:colId xmlns:a16="http://schemas.microsoft.com/office/drawing/2014/main" val="1810319691"/>
+                    </a:ext>
+                  </a:extLst>
+                </a:gridCol>
+                <a:gridCol w="2709333">
+                  <a:extLst>
+                    <a:ext uri="{9D8B030D-6E8A-4147-A177-3AD203B41FA5}">
+                      <a16:colId xmlns:a16="http://schemas.microsoft.com/office/drawing/2014/main" val="422170324"/>
+                    </a:ext>
+                  </a:extLst>
+                </a:gridCol>
+              </a:tblGrid>
+              <a:tr h="370840">
+                <a:tc>
+                  <a:txBody>
+                    <a:bodyPr/>
+                    <a:lstStyle/>
+                    <a:p>
+                      <a:pPr algn="ctr" fontAlgn="ctr"/>
+                      <a:r>
+                        <a:rPr lang="fr-FR" b="1" dirty="0">
+                          <a:solidFill>
+                            <a:schemeClr val="bg1"/>
+                          </a:solidFill>
+                          <a:effectLst/>
+                        </a:rPr>
+                        <a:t>model</a:t>
+                      </a:r>
+                    </a:p>
+                  </a:txBody>
+                  <a:tcPr anchor="ctr"/>
+                </a:tc>
+                <a:tc>
+                  <a:txBody>
+                    <a:bodyPr/>
+                    <a:lstStyle/>
+                    <a:p>
+                      <a:pPr algn="ctr" fontAlgn="ctr"/>
+                      <a:r>
+                        <a:rPr lang="fr-FR" b="1" dirty="0">
+                          <a:solidFill>
+                            <a:schemeClr val="bg1"/>
+                          </a:solidFill>
+                          <a:effectLst/>
+                        </a:rPr>
+                        <a:t>ARI</a:t>
+                      </a:r>
+                    </a:p>
+                  </a:txBody>
+                  <a:tcPr anchor="ctr"/>
+                </a:tc>
+                <a:tc>
+                  <a:txBody>
+                    <a:bodyPr/>
+                    <a:lstStyle/>
+                    <a:p>
+                      <a:pPr algn="ctr" fontAlgn="ctr"/>
+                      <a:r>
+                        <a:rPr lang="fr-FR" b="1" dirty="0" err="1">
+                          <a:solidFill>
+                            <a:schemeClr val="bg1"/>
+                          </a:solidFill>
+                          <a:effectLst/>
+                        </a:rPr>
+                        <a:t>prediction</a:t>
+                      </a:r>
+                      <a:r>
+                        <a:rPr lang="fr-FR" b="1" dirty="0">
+                          <a:solidFill>
+                            <a:schemeClr val="bg1"/>
+                          </a:solidFill>
+                          <a:effectLst/>
+                        </a:rPr>
+                        <a:t> time</a:t>
+                      </a:r>
+                    </a:p>
+                    <a:p>
+                      <a:pPr algn="ctr" fontAlgn="ctr"/>
+                      <a:r>
+                        <a:rPr lang="fr-FR" b="1" dirty="0">
+                          <a:solidFill>
+                            <a:schemeClr val="bg1"/>
+                          </a:solidFill>
+                          <a:effectLst/>
+                        </a:rPr>
+                        <a:t>(seconds)</a:t>
+                      </a:r>
+                    </a:p>
+                  </a:txBody>
+                  <a:tcPr anchor="ctr"/>
+                </a:tc>
+                <a:extLst>
+                  <a:ext uri="{0D108BD9-81ED-4DB2-BD59-A6C34878D82A}">
+                    <a16:rowId xmlns:a16="http://schemas.microsoft.com/office/drawing/2014/main" val="659705780"/>
+                  </a:ext>
+                </a:extLst>
+              </a:tr>
+              <a:tr h="370840">
+                <a:tc>
+                  <a:txBody>
+                    <a:bodyPr/>
+                    <a:lstStyle/>
+                    <a:p>
+                      <a:pPr algn="ctr" fontAlgn="ctr"/>
+                      <a:r>
+                        <a:rPr lang="fr-FR" dirty="0">
+                          <a:effectLst/>
+                        </a:rPr>
+                        <a:t>SIFT</a:t>
+                      </a:r>
+                    </a:p>
+                  </a:txBody>
+                  <a:tcPr anchor="ctr"/>
+                </a:tc>
+                <a:tc>
+                  <a:txBody>
+                    <a:bodyPr/>
+                    <a:lstStyle/>
+                    <a:p>
+                      <a:pPr algn="ctr" fontAlgn="ctr"/>
+                      <a:r>
+                        <a:rPr lang="fr-FR" dirty="0">
+                          <a:effectLst/>
+                        </a:rPr>
+                        <a:t>0.44</a:t>
+                      </a:r>
+                    </a:p>
+                  </a:txBody>
+                  <a:tcPr anchor="ctr"/>
+                </a:tc>
+                <a:tc>
+                  <a:txBody>
+                    <a:bodyPr/>
+                    <a:lstStyle/>
+                    <a:p>
+                      <a:pPr algn="ctr" fontAlgn="ctr"/>
+                      <a:r>
+                        <a:rPr lang="fr-FR">
+                          <a:effectLst/>
+                        </a:rPr>
+                        <a:t>520.90</a:t>
+                      </a:r>
+                    </a:p>
+                  </a:txBody>
+                  <a:tcPr anchor="ctr"/>
+                </a:tc>
+                <a:extLst>
+                  <a:ext uri="{0D108BD9-81ED-4DB2-BD59-A6C34878D82A}">
+                    <a16:rowId xmlns:a16="http://schemas.microsoft.com/office/drawing/2014/main" val="545674210"/>
+                  </a:ext>
+                </a:extLst>
+              </a:tr>
+              <a:tr h="370840">
+                <a:tc>
+                  <a:txBody>
+                    <a:bodyPr/>
+                    <a:lstStyle/>
+                    <a:p>
+                      <a:pPr algn="ctr" fontAlgn="ctr"/>
+                      <a:r>
+                        <a:rPr lang="fr-FR" dirty="0">
+                          <a:effectLst/>
+                        </a:rPr>
+                        <a:t>VGG16</a:t>
+                      </a:r>
+                    </a:p>
+                  </a:txBody>
+                  <a:tcPr anchor="ctr"/>
+                </a:tc>
+                <a:tc>
+                  <a:txBody>
+                    <a:bodyPr/>
+                    <a:lstStyle/>
+                    <a:p>
+                      <a:pPr algn="ctr" fontAlgn="ctr"/>
+                      <a:r>
+                        <a:rPr lang="fr-FR" dirty="0">
+                          <a:effectLst/>
+                        </a:rPr>
+                        <a:t>0.45</a:t>
+                      </a:r>
+                    </a:p>
+                  </a:txBody>
+                  <a:tcPr anchor="ctr"/>
+                </a:tc>
+                <a:tc>
+                  <a:txBody>
+                    <a:bodyPr/>
+                    <a:lstStyle/>
+                    <a:p>
+                      <a:pPr algn="ctr" fontAlgn="ctr"/>
+                      <a:r>
+                        <a:rPr lang="fr-FR" dirty="0">
+                          <a:effectLst/>
+                        </a:rPr>
+                        <a:t>233.83</a:t>
+                      </a:r>
+                    </a:p>
+                  </a:txBody>
+                  <a:tcPr anchor="ctr"/>
+                </a:tc>
+                <a:extLst>
+                  <a:ext uri="{0D108BD9-81ED-4DB2-BD59-A6C34878D82A}">
+                    <a16:rowId xmlns:a16="http://schemas.microsoft.com/office/drawing/2014/main" val="1302404158"/>
+                  </a:ext>
+                </a:extLst>
+              </a:tr>
+            </a:tbl>
+          </a:graphicData>
+        </a:graphic>
+      </p:graphicFrame>
+    </p:spTree>
+    <p:extLst>
+      <p:ext uri="{BB962C8B-B14F-4D97-AF65-F5344CB8AC3E}">
+        <p14:creationId xmlns:p14="http://schemas.microsoft.com/office/powerpoint/2010/main" val="3905454626"/>
+      </p:ext>
+    </p:extLst>
+  </p:cSld>
+  <p:clrMapOvr>
+    <a:masterClrMapping/>
+  </p:clrMapOvr>
+</p:sld>
+</file>
+
+<file path=ppt/slides/slide26.xml><?xml version="1.0" encoding="utf-8"?>
+<p:sld xmlns:a="http://schemas.openxmlformats.org/drawingml/2006/main" xmlns:r="http://schemas.openxmlformats.org/officeDocument/2006/relationships" xmlns:p="http://schemas.openxmlformats.org/presentationml/2006/main">
+  <p:cSld>
+    <p:spTree>
+      <p:nvGrpSpPr>
+        <p:cNvPr id="1" name=""/>
+        <p:cNvGrpSpPr/>
+        <p:nvPr/>
+      </p:nvGrpSpPr>
+      <p:grpSpPr>
+        <a:xfrm>
+          <a:off x="0" y="0"/>
+          <a:ext cx="0" cy="0"/>
+          <a:chOff x="0" y="0"/>
+          <a:chExt cx="0" cy="0"/>
+        </a:xfrm>
+      </p:grpSpPr>
+      <p:sp>
+        <p:nvSpPr>
+          <p:cNvPr id="2" name="Titre 1">
+            <a:extLst>
+              <a:ext uri="{FF2B5EF4-FFF2-40B4-BE49-F238E27FC236}">
+                <a16:creationId xmlns:a16="http://schemas.microsoft.com/office/drawing/2014/main" id="{CC8DC5E3-547F-1CAC-74AA-8AD3A246DD5F}"/>
+              </a:ext>
+            </a:extLst>
+          </p:cNvPr>
+          <p:cNvSpPr>
+            <a:spLocks noGrp="1"/>
+          </p:cNvSpPr>
+          <p:nvPr>
+            <p:ph type="title"/>
+          </p:nvPr>
+        </p:nvSpPr>
+        <p:spPr/>
+        <p:txBody>
+          <a:bodyPr/>
+          <a:lstStyle/>
+          <a:p>
+            <a:r>
+              <a:rPr lang="fr-FR" sz="4000" b="1" dirty="0"/>
+              <a:t>Part 7 : Conclusion</a:t>
+            </a:r>
+          </a:p>
+        </p:txBody>
+      </p:sp>
+      <p:sp>
+        <p:nvSpPr>
+          <p:cNvPr id="3" name="Espace réservé du contenu 2">
+            <a:extLst>
+              <a:ext uri="{FF2B5EF4-FFF2-40B4-BE49-F238E27FC236}">
+                <a16:creationId xmlns:a16="http://schemas.microsoft.com/office/drawing/2014/main" id="{E57A140B-F8CB-842C-F3E7-F5ECF42B665F}"/>
+              </a:ext>
+            </a:extLst>
+          </p:cNvPr>
+          <p:cNvSpPr>
+            <a:spLocks noGrp="1"/>
+          </p:cNvSpPr>
+          <p:nvPr>
+            <p:ph idx="1"/>
+          </p:nvPr>
+        </p:nvSpPr>
+        <p:spPr>
+          <a:xfrm>
+            <a:off x="810000" y="2174161"/>
+            <a:ext cx="10554574" cy="3636511"/>
+          </a:xfrm>
+        </p:spPr>
+        <p:txBody>
+          <a:bodyPr anchor="t" anchorCtr="0">
+            <a:normAutofit/>
+          </a:bodyPr>
+          <a:lstStyle/>
+          <a:p>
+            <a:r>
+              <a:rPr lang="fr-FR" b="1" dirty="0" err="1"/>
+              <a:t>Supervized</a:t>
+            </a:r>
+            <a:r>
+              <a:rPr lang="fr-FR" b="1" dirty="0"/>
+              <a:t> image classification </a:t>
+            </a:r>
+            <a:r>
+              <a:rPr lang="fr-FR" b="1" dirty="0" err="1"/>
+              <a:t>with</a:t>
+            </a:r>
+            <a:r>
+              <a:rPr lang="fr-FR" b="1" dirty="0"/>
+              <a:t> data augmentation </a:t>
+            </a:r>
+            <a:r>
+              <a:rPr lang="fr-FR" b="1" dirty="0" err="1"/>
+              <a:t>results</a:t>
+            </a:r>
+            <a:endParaRPr lang="fr-FR" b="1" dirty="0"/>
+          </a:p>
+          <a:p>
+            <a:pPr lvl="1"/>
+            <a:r>
+              <a:rPr lang="fr-FR" dirty="0" err="1"/>
+              <a:t>Accuracy</a:t>
+            </a:r>
+            <a:r>
+              <a:rPr lang="fr-FR" dirty="0"/>
+              <a:t> : 0.79 (ARI : 0.58) – </a:t>
+            </a:r>
+          </a:p>
+          <a:p>
+            <a:pPr lvl="1"/>
+            <a:r>
+              <a:rPr lang="fr-FR" dirty="0" err="1"/>
+              <a:t>predicting</a:t>
+            </a:r>
+            <a:r>
+              <a:rPr lang="fr-FR" dirty="0"/>
+              <a:t> time </a:t>
+            </a:r>
+            <a:r>
+              <a:rPr lang="fr-FR" dirty="0" err="1"/>
+              <a:t>done</a:t>
+            </a:r>
+            <a:r>
+              <a:rPr lang="fr-FR" dirty="0"/>
+              <a:t> on the </a:t>
+            </a:r>
+            <a:r>
+              <a:rPr lang="fr-FR" dirty="0" err="1"/>
+              <a:t>whole</a:t>
+            </a:r>
+            <a:r>
+              <a:rPr lang="fr-FR" dirty="0"/>
+              <a:t> set </a:t>
+            </a:r>
+            <a:r>
+              <a:rPr lang="fr-FR" dirty="0" err="1"/>
+              <a:t>with</a:t>
+            </a:r>
+            <a:r>
+              <a:rPr lang="fr-FR" dirty="0"/>
+              <a:t> the </a:t>
+            </a:r>
+            <a:r>
+              <a:rPr lang="fr-FR" dirty="0" err="1"/>
+              <a:t>trained</a:t>
+            </a:r>
+            <a:r>
+              <a:rPr lang="fr-FR" dirty="0"/>
+              <a:t> model </a:t>
+            </a:r>
+            <a:r>
+              <a:rPr lang="fr-FR" dirty="0" err="1"/>
+              <a:t>is</a:t>
+            </a:r>
+            <a:r>
+              <a:rPr lang="fr-FR" dirty="0"/>
+              <a:t> 80 seconds</a:t>
+            </a:r>
+          </a:p>
+          <a:p>
+            <a:endParaRPr lang="fr-FR" dirty="0"/>
+          </a:p>
+          <a:p>
+            <a:r>
+              <a:rPr lang="fr-FR" b="1" dirty="0"/>
+              <a:t>Test API</a:t>
+            </a:r>
+          </a:p>
+          <a:p>
+            <a:pPr lvl="1"/>
+            <a:r>
+              <a:rPr lang="fr-FR" dirty="0"/>
+              <a:t>The has been </a:t>
+            </a:r>
+            <a:r>
+              <a:rPr lang="fr-FR" dirty="0" err="1"/>
+              <a:t>tested</a:t>
+            </a:r>
+            <a:r>
+              <a:rPr lang="fr-FR" dirty="0"/>
+              <a:t> and </a:t>
+            </a:r>
+            <a:r>
+              <a:rPr lang="fr-FR" dirty="0" err="1"/>
+              <a:t>found</a:t>
+            </a:r>
+            <a:r>
+              <a:rPr lang="fr-FR" dirty="0"/>
+              <a:t> OK</a:t>
+            </a:r>
+          </a:p>
+          <a:p>
+            <a:pPr lvl="1"/>
+            <a:r>
+              <a:rPr lang="fr-FR" dirty="0"/>
+              <a:t>The data </a:t>
+            </a:r>
+            <a:r>
+              <a:rPr lang="fr-FR" dirty="0" err="1"/>
+              <a:t>gathered</a:t>
+            </a:r>
+            <a:r>
+              <a:rPr lang="fr-FR" dirty="0"/>
+              <a:t> show </a:t>
+            </a:r>
+            <a:r>
+              <a:rPr lang="fr-FR" dirty="0" err="1"/>
+              <a:t>some</a:t>
+            </a:r>
+            <a:r>
+              <a:rPr lang="fr-FR" dirty="0"/>
+              <a:t> </a:t>
+            </a:r>
+            <a:r>
+              <a:rPr lang="fr-FR" dirty="0" err="1"/>
+              <a:t>missing</a:t>
+            </a:r>
+            <a:r>
+              <a:rPr lang="fr-FR" dirty="0"/>
+              <a:t> </a:t>
+            </a:r>
+            <a:r>
+              <a:rPr lang="fr-FR" dirty="0" err="1"/>
+              <a:t>pictures</a:t>
+            </a:r>
+            <a:r>
+              <a:rPr lang="fr-FR" dirty="0"/>
+              <a:t> and values. It </a:t>
+            </a:r>
+            <a:r>
+              <a:rPr lang="fr-FR" dirty="0" err="1"/>
+              <a:t>would</a:t>
+            </a:r>
+            <a:r>
+              <a:rPr lang="fr-FR" dirty="0"/>
+              <a:t> </a:t>
+            </a:r>
+            <a:r>
+              <a:rPr lang="fr-FR" dirty="0" err="1"/>
+              <a:t>be</a:t>
+            </a:r>
+            <a:r>
+              <a:rPr lang="fr-FR" dirty="0"/>
+              <a:t> </a:t>
+            </a:r>
+            <a:r>
+              <a:rPr lang="fr-FR" dirty="0" err="1"/>
+              <a:t>worth</a:t>
+            </a:r>
+            <a:r>
+              <a:rPr lang="fr-FR" dirty="0"/>
+              <a:t> </a:t>
+            </a:r>
+            <a:r>
+              <a:rPr lang="fr-FR" dirty="0" err="1"/>
+              <a:t>carrying</a:t>
+            </a:r>
+            <a:r>
+              <a:rPr lang="fr-FR" dirty="0"/>
+              <a:t> out an EDA on the </a:t>
+            </a:r>
+            <a:r>
+              <a:rPr lang="fr-FR" dirty="0" err="1"/>
+              <a:t>database</a:t>
+            </a:r>
+            <a:r>
+              <a:rPr lang="fr-FR" dirty="0"/>
+              <a:t>.</a:t>
+            </a:r>
+          </a:p>
+          <a:p>
+            <a:endParaRPr lang="fr-FR" dirty="0"/>
+          </a:p>
+          <a:p>
+            <a:endParaRPr lang="fr-FR" dirty="0"/>
+          </a:p>
+        </p:txBody>
+      </p:sp>
+      <p:sp>
+        <p:nvSpPr>
+          <p:cNvPr id="4" name="Espace réservé de la date 3">
+            <a:extLst>
+              <a:ext uri="{FF2B5EF4-FFF2-40B4-BE49-F238E27FC236}">
+                <a16:creationId xmlns:a16="http://schemas.microsoft.com/office/drawing/2014/main" id="{128C105D-3FC5-921F-5F93-49CE4E664E9B}"/>
+              </a:ext>
+            </a:extLst>
+          </p:cNvPr>
+          <p:cNvSpPr>
+            <a:spLocks noGrp="1"/>
+          </p:cNvSpPr>
+          <p:nvPr>
+            <p:ph type="dt" sz="half" idx="10"/>
+          </p:nvPr>
+        </p:nvSpPr>
+        <p:spPr/>
+        <p:txBody>
+          <a:bodyPr/>
+          <a:lstStyle/>
+          <a:p>
+            <a:fld id="{E0F05FE5-ABC7-4B79-938F-21D3A4ED17C4}" type="datetime1">
+              <a:rPr lang="en-US" smtClean="0"/>
+              <a:t>3/28/2023</a:t>
+            </a:fld>
+            <a:endParaRPr lang="en-US" dirty="0"/>
+          </a:p>
+        </p:txBody>
+      </p:sp>
+      <p:sp>
+        <p:nvSpPr>
+          <p:cNvPr id="5" name="Espace réservé du numéro de diapositive 4">
+            <a:extLst>
+              <a:ext uri="{FF2B5EF4-FFF2-40B4-BE49-F238E27FC236}">
+                <a16:creationId xmlns:a16="http://schemas.microsoft.com/office/drawing/2014/main" id="{CADFD5F4-53D6-1B6D-BE42-91B9EC6D521D}"/>
+              </a:ext>
+            </a:extLst>
+          </p:cNvPr>
+          <p:cNvSpPr>
+            <a:spLocks noGrp="1"/>
+          </p:cNvSpPr>
+          <p:nvPr>
+            <p:ph type="sldNum" sz="quarter" idx="12"/>
+          </p:nvPr>
+        </p:nvSpPr>
+        <p:spPr/>
+        <p:txBody>
+          <a:bodyPr/>
+          <a:lstStyle/>
+          <a:p>
+            <a:fld id="{D57F1E4F-1CFF-5643-939E-217C01CDF565}" type="slidenum">
+              <a:rPr lang="en-US" smtClean="0"/>
+              <a:pPr/>
+              <a:t>26</a:t>
+            </a:fld>
+            <a:endParaRPr lang="en-US" dirty="0"/>
+          </a:p>
+        </p:txBody>
+      </p:sp>
+    </p:spTree>
+    <p:extLst>
+      <p:ext uri="{BB962C8B-B14F-4D97-AF65-F5344CB8AC3E}">
+        <p14:creationId xmlns:p14="http://schemas.microsoft.com/office/powerpoint/2010/main" val="98057495"/>
       </p:ext>
     </p:extLst>
   </p:cSld>
@@ -6370,8 +13995,12 @@
           <a:lstStyle/>
           <a:p>
             <a:r>
+              <a:rPr lang="en-US" b="1" u="sng" dirty="0"/>
+              <a:t>Mission: </a:t>
+            </a:r>
+            <a:r>
               <a:rPr lang="en-US" dirty="0"/>
-              <a:t>Mission: From the database and the images provided:</a:t>
+              <a:t>From the database and the images provided:</a:t>
             </a:r>
           </a:p>
           <a:p>
@@ -6384,20 +14013,48 @@
             <a:pPr lvl="1"/>
             <a:r>
               <a:rPr lang="en-US" dirty="0"/>
-              <a:t>For text with Bag Of Word and Word Embedding approaches</a:t>
+              <a:t>For text with </a:t>
+            </a:r>
+            <a:r>
+              <a:rPr lang="en-US" b="1" dirty="0"/>
+              <a:t>Bag Of Word and Word Embedding </a:t>
+            </a:r>
+            <a:r>
+              <a:rPr lang="en-US" dirty="0"/>
+              <a:t>approaches</a:t>
             </a:r>
           </a:p>
           <a:p>
             <a:pPr lvl="1"/>
             <a:r>
               <a:rPr lang="en-US" dirty="0"/>
-              <a:t>For images with SIFT/ORB/SURF and CNN Transfer Learning approaches</a:t>
-            </a:r>
-          </a:p>
-          <a:p>
+              <a:t>For images with </a:t>
+            </a:r>
+            <a:r>
+              <a:rPr lang="en-US" b="1" dirty="0"/>
+              <a:t>SIFT/ORB/SURF </a:t>
+            </a:r>
             <a:r>
               <a:rPr lang="en-US" dirty="0"/>
-              <a:t>Secondly, carry out a supervised classification of images with data augmentation</a:t>
+              <a:t>and </a:t>
+            </a:r>
+            <a:r>
+              <a:rPr lang="en-US" b="1" dirty="0"/>
+              <a:t>CNN Transfer Learning </a:t>
+            </a:r>
+            <a:r>
+              <a:rPr lang="en-US" dirty="0"/>
+              <a:t>approaches</a:t>
+            </a:r>
+          </a:p>
+          <a:p>
+            <a:r>
+              <a:rPr lang="en-US" dirty="0"/>
+              <a:t>Secondly, carry out a </a:t>
+            </a:r>
+            <a:r>
+              <a:rPr lang="en-US" b="1" dirty="0"/>
+              <a:t>supervised classification of images with data augmentation</a:t>
             </a:r>
           </a:p>
           <a:p>
@@ -6406,12 +14063,16 @@
               <a:t>Test the </a:t>
             </a:r>
             <a:r>
-              <a:rPr lang="en-US" dirty="0" err="1"/>
+              <a:rPr lang="en-US" b="1" dirty="0" err="1"/>
               <a:t>Edamam</a:t>
             </a:r>
             <a:r>
+              <a:rPr lang="en-US" b="1" dirty="0"/>
+              <a:t> API </a:t>
+            </a:r>
+            <a:r>
               <a:rPr lang="en-US" dirty="0"/>
-              <a:t> API on the word Champagne</a:t>
+              <a:t>on the word Champagne</a:t>
             </a:r>
             <a:endParaRPr lang="fr-FR" dirty="0"/>
           </a:p>
@@ -6444,7 +14105,7 @@
           <a:p>
             <a:fld id="{122490F1-7678-4B4A-8EB6-229ACBC4AA74}" type="datetime1">
               <a:rPr lang="en-US" smtClean="0"/>
-              <a:t>3/27/2023</a:t>
+              <a:t>3/28/2023</a:t>
             </a:fld>
             <a:endParaRPr lang="en-US" dirty="0"/>
           </a:p>
@@ -6480,6 +14141,36 @@
           </a:p>
         </p:txBody>
       </p:sp>
+      <p:pic>
+        <p:nvPicPr>
+          <p:cNvPr id="5" name="Image 4">
+            <a:extLst>
+              <a:ext uri="{FF2B5EF4-FFF2-40B4-BE49-F238E27FC236}">
+                <a16:creationId xmlns:a16="http://schemas.microsoft.com/office/drawing/2014/main" id="{DD364803-7F62-C0DF-AB5B-161F9B498CDA}"/>
+              </a:ext>
+            </a:extLst>
+          </p:cNvPr>
+          <p:cNvPicPr>
+            <a:picLocks noChangeAspect="1"/>
+          </p:cNvPicPr>
+          <p:nvPr/>
+        </p:nvPicPr>
+        <p:blipFill>
+          <a:blip r:embed="rId2"/>
+          <a:stretch>
+            <a:fillRect/>
+          </a:stretch>
+        </p:blipFill>
+        <p:spPr>
+          <a:xfrm>
+            <a:off x="6098443" y="4473351"/>
+            <a:ext cx="3740342" cy="2305168"/>
+          </a:xfrm>
+          <a:prstGeom prst="rect">
+            <a:avLst/>
+          </a:prstGeom>
+        </p:spPr>
+      </p:pic>
     </p:spTree>
     <p:extLst>
       <p:ext uri="{BB962C8B-B14F-4D97-AF65-F5344CB8AC3E}">
@@ -6533,15 +14224,7 @@
           <a:p>
             <a:r>
               <a:rPr lang="fr-FR" dirty="0"/>
-              <a:t>Part 2 : </a:t>
-            </a:r>
-            <a:r>
-              <a:rPr lang="fr-FR" dirty="0" err="1"/>
-              <a:t>Cleaning</a:t>
-            </a:r>
-            <a:r>
-              <a:rPr lang="fr-FR" dirty="0"/>
-              <a:t> and EDA</a:t>
+              <a:t>Part 1 : Preliminary</a:t>
             </a:r>
           </a:p>
         </p:txBody>
@@ -6574,7 +14257,44 @@
           </a:bodyPr>
           <a:lstStyle/>
           <a:p>
-            <a:endParaRPr lang="fr-FR" dirty="0"/>
+            <a:r>
+              <a:rPr lang="fr-FR" dirty="0" err="1"/>
+              <a:t>Environment</a:t>
+            </a:r>
+            <a:r>
+              <a:rPr lang="fr-FR" dirty="0"/>
+              <a:t> :</a:t>
+            </a:r>
+          </a:p>
+          <a:p>
+            <a:pPr lvl="1"/>
+            <a:r>
+              <a:rPr lang="fr-FR" dirty="0"/>
+              <a:t>Azure Studio : Virtual machine size Standard_DS12_v2 (4 </a:t>
+            </a:r>
+            <a:r>
+              <a:rPr lang="fr-FR" dirty="0" err="1"/>
+              <a:t>cores</a:t>
+            </a:r>
+            <a:r>
+              <a:rPr lang="fr-FR" dirty="0"/>
+              <a:t>, 28 GB RAM, 56 GB </a:t>
+            </a:r>
+            <a:r>
+              <a:rPr lang="fr-FR" dirty="0" err="1"/>
+              <a:t>disk</a:t>
+            </a:r>
+            <a:r>
+              <a:rPr lang="fr-FR" dirty="0"/>
+              <a:t>)</a:t>
+            </a:r>
+          </a:p>
+          <a:p>
+            <a:pPr lvl="1"/>
+            <a:r>
+              <a:rPr lang="fr-FR" dirty="0"/>
+              <a:t>Python 3.8.5</a:t>
+            </a:r>
           </a:p>
         </p:txBody>
       </p:sp>
@@ -6601,7 +14321,7 @@
           <a:p>
             <a:fld id="{90E99AFC-95DA-422B-AA5F-BD111600920F}" type="datetime1">
               <a:rPr lang="en-US" smtClean="0"/>
-              <a:t>3/27/2023</a:t>
+              <a:t>3/28/2023</a:t>
             </a:fld>
             <a:endParaRPr lang="en-US" dirty="0"/>
           </a:p>
@@ -6689,22 +14409,17 @@
           <a:lstStyle/>
           <a:p>
             <a:r>
-              <a:rPr lang="fr-FR" sz="4000" b="1" dirty="0"/>
-              <a:t>Part 3 : </a:t>
-            </a:r>
-            <a:r>
-              <a:rPr lang="fr-FR" sz="4000" b="1" dirty="0" err="1"/>
-              <a:t>Text</a:t>
-            </a:r>
-            <a:r>
-              <a:rPr lang="fr-FR" sz="4000" b="1" dirty="0"/>
-              <a:t> classification </a:t>
-            </a:r>
-            <a:r>
-              <a:rPr lang="fr-FR" sz="4000" b="1" dirty="0" err="1"/>
-              <a:t>feasibility</a:t>
-            </a:r>
-            <a:endParaRPr lang="fr-FR" sz="4000" b="1" dirty="0"/>
+              <a:rPr lang="fr-FR" dirty="0"/>
+              <a:t>Part 2 : </a:t>
+            </a:r>
+            <a:r>
+              <a:rPr lang="fr-FR" dirty="0" err="1"/>
+              <a:t>Cleaning</a:t>
+            </a:r>
+            <a:r>
+              <a:rPr lang="fr-FR" dirty="0"/>
+              <a:t> and EDA</a:t>
+            </a:r>
           </a:p>
         </p:txBody>
       </p:sp>
@@ -6736,8 +14451,213 @@
           </a:bodyPr>
           <a:lstStyle/>
           <a:p>
+            <a:r>
+              <a:rPr lang="fr-FR" dirty="0" err="1"/>
+              <a:t>Cleaning</a:t>
+            </a:r>
+            <a:r>
+              <a:rPr lang="fr-FR" dirty="0"/>
+              <a:t> :</a:t>
+            </a:r>
+          </a:p>
+          <a:p>
+            <a:pPr lvl="1"/>
+            <a:r>
+              <a:rPr lang="fr-FR" dirty="0" err="1"/>
+              <a:t>Duplicated</a:t>
+            </a:r>
+            <a:r>
+              <a:rPr lang="fr-FR" dirty="0"/>
+              <a:t> : None</a:t>
+            </a:r>
+          </a:p>
+          <a:p>
+            <a:pPr lvl="1"/>
+            <a:r>
+              <a:rPr lang="fr-FR" dirty="0" err="1"/>
+              <a:t>Empty</a:t>
+            </a:r>
+            <a:r>
+              <a:rPr lang="fr-FR" dirty="0"/>
+              <a:t> </a:t>
+            </a:r>
+            <a:r>
+              <a:rPr lang="fr-FR" dirty="0" err="1"/>
+              <a:t>cells</a:t>
+            </a:r>
+            <a:r>
+              <a:rPr lang="fr-FR" dirty="0"/>
+              <a:t> :</a:t>
+            </a:r>
+          </a:p>
+          <a:p>
+            <a:pPr lvl="2"/>
+            <a:r>
+              <a:rPr lang="fr-FR" dirty="0" err="1"/>
+              <a:t>Column</a:t>
+            </a:r>
+            <a:r>
+              <a:rPr lang="fr-FR" dirty="0"/>
+              <a:t> ‘Brands’ : 712 </a:t>
+            </a:r>
+            <a:r>
+              <a:rPr lang="fr-FR" dirty="0" err="1"/>
+              <a:t>filleds</a:t>
+            </a:r>
+            <a:r>
+              <a:rPr lang="fr-FR" dirty="0"/>
+              <a:t> </a:t>
+            </a:r>
+            <a:r>
+              <a:rPr lang="fr-FR" dirty="0" err="1"/>
+              <a:t>cells</a:t>
+            </a:r>
+            <a:r>
+              <a:rPr lang="fr-FR" dirty="0"/>
+              <a:t> for 1050 total =&gt; </a:t>
+            </a:r>
+            <a:r>
+              <a:rPr lang="fr-FR" dirty="0" err="1"/>
+              <a:t>column</a:t>
+            </a:r>
+            <a:r>
+              <a:rPr lang="fr-FR" dirty="0"/>
+              <a:t> ‘Brands’ </a:t>
+            </a:r>
+            <a:r>
+              <a:rPr lang="fr-FR" dirty="0" err="1"/>
+              <a:t>removed</a:t>
+            </a:r>
             <a:endParaRPr lang="fr-FR" dirty="0"/>
           </a:p>
+          <a:p>
+            <a:pPr lvl="2"/>
+            <a:r>
+              <a:rPr lang="fr-FR" dirty="0" err="1"/>
+              <a:t>Two</a:t>
+            </a:r>
+            <a:r>
+              <a:rPr lang="fr-FR" dirty="0"/>
+              <a:t> </a:t>
+            </a:r>
+            <a:r>
+              <a:rPr lang="fr-FR" dirty="0" err="1"/>
+              <a:t>rows</a:t>
+            </a:r>
+            <a:r>
+              <a:rPr lang="fr-FR" dirty="0"/>
+              <a:t> </a:t>
+            </a:r>
+            <a:r>
+              <a:rPr lang="fr-FR" dirty="0" err="1"/>
+              <a:t>with</a:t>
+            </a:r>
+            <a:r>
+              <a:rPr lang="fr-FR" dirty="0"/>
+              <a:t> </a:t>
+            </a:r>
+            <a:r>
+              <a:rPr lang="fr-FR" dirty="0" err="1"/>
+              <a:t>empty</a:t>
+            </a:r>
+            <a:r>
+              <a:rPr lang="fr-FR" dirty="0"/>
+              <a:t> </a:t>
+            </a:r>
+            <a:r>
+              <a:rPr lang="fr-FR" dirty="0" err="1"/>
+              <a:t>cells</a:t>
+            </a:r>
+            <a:r>
+              <a:rPr lang="fr-FR" dirty="0"/>
+              <a:t> </a:t>
+            </a:r>
+            <a:r>
+              <a:rPr lang="fr-FR" dirty="0" err="1"/>
+              <a:t>removed</a:t>
+            </a:r>
+            <a:endParaRPr lang="fr-FR" dirty="0"/>
+          </a:p>
+          <a:p>
+            <a:r>
+              <a:rPr lang="fr-FR" dirty="0" err="1"/>
+              <a:t>Feature</a:t>
+            </a:r>
+            <a:r>
+              <a:rPr lang="fr-FR" dirty="0"/>
+              <a:t> Engineering ;</a:t>
+            </a:r>
+          </a:p>
+          <a:p>
+            <a:pPr lvl="1"/>
+            <a:r>
+              <a:rPr lang="fr-FR" dirty="0"/>
+              <a:t>One </a:t>
+            </a:r>
+            <a:r>
+              <a:rPr lang="fr-FR" dirty="0" err="1"/>
+              <a:t>column</a:t>
+            </a:r>
+            <a:r>
+              <a:rPr lang="fr-FR" dirty="0"/>
+              <a:t> </a:t>
+            </a:r>
+            <a:r>
+              <a:rPr lang="fr-FR" dirty="0" err="1"/>
+              <a:t>added</a:t>
+            </a:r>
+            <a:r>
+              <a:rPr lang="fr-FR" dirty="0"/>
+              <a:t> </a:t>
+            </a:r>
+            <a:r>
+              <a:rPr lang="fr-FR" dirty="0" err="1"/>
+              <a:t>with</a:t>
+            </a:r>
+            <a:r>
+              <a:rPr lang="fr-FR" dirty="0"/>
+              <a:t> labels </a:t>
+            </a:r>
+            <a:r>
+              <a:rPr lang="fr-FR" dirty="0" err="1"/>
+              <a:t>extracted</a:t>
+            </a:r>
+            <a:r>
+              <a:rPr lang="fr-FR" dirty="0"/>
+              <a:t> </a:t>
+            </a:r>
+            <a:r>
+              <a:rPr lang="fr-FR" dirty="0" err="1"/>
+              <a:t>from</a:t>
+            </a:r>
+            <a:r>
+              <a:rPr lang="fr-FR" dirty="0"/>
+              <a:t> </a:t>
+            </a:r>
+            <a:r>
+              <a:rPr lang="fr-FR" dirty="0" err="1"/>
+              <a:t>column</a:t>
+            </a:r>
+            <a:r>
+              <a:rPr lang="fr-FR" dirty="0"/>
+              <a:t> ‘</a:t>
+            </a:r>
+            <a:r>
+              <a:rPr lang="fr-FR" dirty="0" err="1"/>
+              <a:t>product_category_tree</a:t>
+            </a:r>
+            <a:r>
+              <a:rPr lang="fr-FR" dirty="0"/>
+              <a:t>’ :</a:t>
+            </a:r>
+          </a:p>
+          <a:p>
+            <a:pPr lvl="2"/>
+            <a:r>
+              <a:rPr lang="fr-FR" dirty="0"/>
+              <a:t>Liste of labels :</a:t>
+            </a:r>
+          </a:p>
         </p:txBody>
       </p:sp>
       <p:sp>
@@ -6745,7 +14665,7 @@
           <p:cNvPr id="4" name="Espace réservé de la date 3">
             <a:extLst>
               <a:ext uri="{FF2B5EF4-FFF2-40B4-BE49-F238E27FC236}">
-                <a16:creationId xmlns:a16="http://schemas.microsoft.com/office/drawing/2014/main" id="{CDACFC15-EC92-8C77-6720-CD3727DE2F16}"/>
+                <a16:creationId xmlns:a16="http://schemas.microsoft.com/office/drawing/2014/main" id="{DAF169AC-76EC-9350-C815-5673E3093912}"/>
               </a:ext>
             </a:extLst>
           </p:cNvPr>
@@ -6761,9 +14681,9 @@
           <a:bodyPr/>
           <a:lstStyle/>
           <a:p>
-            <a:fld id="{869FCAE3-2148-4EC4-A7B4-A35E953F750C}" type="datetime1">
+            <a:fld id="{90E99AFC-95DA-422B-AA5F-BD111600920F}" type="datetime1">
               <a:rPr lang="en-US" smtClean="0"/>
-              <a:t>3/27/2023</a:t>
+              <a:t>3/28/2023</a:t>
             </a:fld>
             <a:endParaRPr lang="en-US" dirty="0"/>
           </a:p>
@@ -6774,7 +14694,7 @@
           <p:cNvPr id="5" name="Espace réservé du numéro de diapositive 4">
             <a:extLst>
               <a:ext uri="{FF2B5EF4-FFF2-40B4-BE49-F238E27FC236}">
-                <a16:creationId xmlns:a16="http://schemas.microsoft.com/office/drawing/2014/main" id="{83714EF2-B3AF-5769-1C63-FFFF1485DFDD}"/>
+                <a16:creationId xmlns:a16="http://schemas.microsoft.com/office/drawing/2014/main" id="{70A60DE1-E94D-A62C-86B9-B1130432606C}"/>
               </a:ext>
             </a:extLst>
           </p:cNvPr>
@@ -6799,10 +14719,57 @@
           </a:p>
         </p:txBody>
       </p:sp>
+      <p:pic>
+        <p:nvPicPr>
+          <p:cNvPr id="1026" name="Picture 2">
+            <a:extLst>
+              <a:ext uri="{FF2B5EF4-FFF2-40B4-BE49-F238E27FC236}">
+                <a16:creationId xmlns:a16="http://schemas.microsoft.com/office/drawing/2014/main" id="{4F3972EF-59DE-DC99-C3D5-6DB8FA9E5820}"/>
+              </a:ext>
+            </a:extLst>
+          </p:cNvPr>
+          <p:cNvPicPr>
+            <a:picLocks noChangeAspect="1" noChangeArrowheads="1"/>
+          </p:cNvPicPr>
+          <p:nvPr/>
+        </p:nvPicPr>
+        <p:blipFill>
+          <a:blip r:embed="rId2">
+            <a:extLst>
+              <a:ext uri="{28A0092B-C50C-407E-A947-70E740481C1C}">
+                <a14:useLocalDpi xmlns:a14="http://schemas.microsoft.com/office/drawing/2010/main" val="0"/>
+              </a:ext>
+            </a:extLst>
+          </a:blip>
+          <a:srcRect/>
+          <a:stretch>
+            <a:fillRect/>
+          </a:stretch>
+        </p:blipFill>
+        <p:spPr bwMode="auto">
+          <a:xfrm>
+            <a:off x="3735421" y="4842846"/>
+            <a:ext cx="3644350" cy="1862754"/>
+          </a:xfrm>
+          <a:prstGeom prst="rect">
+            <a:avLst/>
+          </a:prstGeom>
+          <a:noFill/>
+          <a:extLst>
+            <a:ext uri="{909E8E84-426E-40DD-AFC4-6F175D3DCCD1}">
+              <a14:hiddenFill xmlns:a14="http://schemas.microsoft.com/office/drawing/2010/main">
+                <a:solidFill>
+                  <a:srgbClr val="FFFFFF"/>
+                </a:solidFill>
+              </a14:hiddenFill>
+            </a:ext>
+          </a:extLst>
+        </p:spPr>
+      </p:pic>
     </p:spTree>
     <p:extLst>
       <p:ext uri="{BB962C8B-B14F-4D97-AF65-F5344CB8AC3E}">
-        <p14:creationId xmlns:p14="http://schemas.microsoft.com/office/powerpoint/2010/main" val="1885868290"/>
+        <p14:creationId xmlns:p14="http://schemas.microsoft.com/office/powerpoint/2010/main" val="3708202605"/>
       </p:ext>
     </p:extLst>
   </p:cSld>
@@ -6851,14 +14818,17 @@
           <a:lstStyle/>
           <a:p>
             <a:r>
-              <a:rPr lang="fr-FR" sz="4000" b="1" dirty="0"/>
-              <a:t>Part 4 : Image classification </a:t>
-            </a:r>
-            <a:r>
-              <a:rPr lang="fr-FR" sz="4000" b="1" dirty="0" err="1"/>
-              <a:t>feasibility</a:t>
-            </a:r>
-            <a:endParaRPr lang="fr-FR" sz="4000" b="1" dirty="0"/>
+              <a:rPr lang="fr-FR" dirty="0"/>
+              <a:t>Part 2 : </a:t>
+            </a:r>
+            <a:r>
+              <a:rPr lang="fr-FR" dirty="0" err="1"/>
+              <a:t>Cleaning</a:t>
+            </a:r>
+            <a:r>
+              <a:rPr lang="fr-FR" dirty="0"/>
+              <a:t> and EDA</a:t>
+            </a:r>
           </a:p>
         </p:txBody>
       </p:sp>
@@ -6890,8 +14860,311 @@
           </a:bodyPr>
           <a:lstStyle/>
           <a:p>
+            <a:r>
+              <a:rPr lang="fr-FR" dirty="0" err="1"/>
+              <a:t>Text</a:t>
+            </a:r>
+            <a:r>
+              <a:rPr lang="fr-FR" dirty="0"/>
+              <a:t> </a:t>
+            </a:r>
+            <a:r>
+              <a:rPr lang="fr-FR" dirty="0" err="1"/>
+              <a:t>preparation</a:t>
+            </a:r>
+            <a:r>
+              <a:rPr lang="fr-FR" dirty="0"/>
+              <a:t> :</a:t>
+            </a:r>
+          </a:p>
+          <a:p>
+            <a:pPr lvl="1"/>
+            <a:r>
+              <a:rPr lang="fr-FR" b="1" dirty="0" err="1"/>
+              <a:t>Lowering</a:t>
+            </a:r>
+            <a:r>
+              <a:rPr lang="fr-FR" b="1" dirty="0"/>
+              <a:t> case : </a:t>
+            </a:r>
+            <a:r>
+              <a:rPr lang="fr-FR" dirty="0" err="1"/>
+              <a:t>Before</a:t>
+            </a:r>
+            <a:r>
+              <a:rPr lang="fr-FR" dirty="0"/>
+              <a:t> : </a:t>
+            </a:r>
+            <a:r>
+              <a:rPr lang="fr-FR" dirty="0" err="1"/>
+              <a:t>Analog</a:t>
+            </a:r>
+            <a:r>
+              <a:rPr lang="fr-FR" dirty="0"/>
+              <a:t> Watch =&gt; </a:t>
+            </a:r>
+            <a:r>
+              <a:rPr lang="fr-FR" dirty="0" err="1"/>
+              <a:t>After</a:t>
+            </a:r>
+            <a:r>
+              <a:rPr lang="fr-FR" dirty="0"/>
+              <a:t> : </a:t>
+            </a:r>
+            <a:r>
+              <a:rPr lang="fr-FR" dirty="0" err="1"/>
+              <a:t>analog</a:t>
+            </a:r>
+            <a:r>
+              <a:rPr lang="fr-FR" dirty="0"/>
+              <a:t> </a:t>
+            </a:r>
+            <a:r>
+              <a:rPr lang="fr-FR" dirty="0" err="1"/>
+              <a:t>watch</a:t>
+            </a:r>
             <a:endParaRPr lang="fr-FR" dirty="0"/>
           </a:p>
+          <a:p>
+            <a:pPr lvl="1"/>
+            <a:r>
+              <a:rPr lang="fr-FR" b="1" dirty="0" err="1"/>
+              <a:t>Removing</a:t>
+            </a:r>
+            <a:r>
+              <a:rPr lang="fr-FR" b="1" dirty="0"/>
+              <a:t> </a:t>
+            </a:r>
+            <a:r>
+              <a:rPr lang="fr-FR" b="1" dirty="0" err="1"/>
+              <a:t>punctuation</a:t>
+            </a:r>
+            <a:r>
+              <a:rPr lang="fr-FR" b="1" dirty="0"/>
+              <a:t> : </a:t>
+            </a:r>
+            <a:r>
+              <a:rPr lang="fr-FR" dirty="0" err="1"/>
+              <a:t>price</a:t>
+            </a:r>
+            <a:r>
+              <a:rPr lang="fr-FR" dirty="0"/>
+              <a:t>: </a:t>
+            </a:r>
+            <a:r>
+              <a:rPr lang="fr-FR" dirty="0" err="1"/>
+              <a:t>rs</a:t>
+            </a:r>
+            <a:r>
+              <a:rPr lang="fr-FR" dirty="0"/>
+              <a:t>. =&gt; </a:t>
+            </a:r>
+            <a:r>
+              <a:rPr lang="fr-FR" dirty="0" err="1"/>
+              <a:t>price</a:t>
+            </a:r>
+            <a:r>
+              <a:rPr lang="fr-FR" dirty="0"/>
+              <a:t> </a:t>
+            </a:r>
+            <a:r>
+              <a:rPr lang="fr-FR" dirty="0" err="1"/>
+              <a:t>rs</a:t>
+            </a:r>
+            <a:endParaRPr lang="fr-FR" dirty="0"/>
+          </a:p>
+          <a:p>
+            <a:pPr lvl="1"/>
+            <a:r>
+              <a:rPr lang="fr-FR" b="1" dirty="0" err="1"/>
+              <a:t>Tokenizing</a:t>
+            </a:r>
+            <a:r>
+              <a:rPr lang="fr-FR" b="1" dirty="0"/>
+              <a:t> : </a:t>
+            </a:r>
+            <a:r>
+              <a:rPr lang="fr-FR" dirty="0" err="1"/>
+              <a:t>analog</a:t>
+            </a:r>
+            <a:r>
+              <a:rPr lang="fr-FR" dirty="0"/>
+              <a:t> </a:t>
+            </a:r>
+            <a:r>
+              <a:rPr lang="fr-FR" dirty="0" err="1"/>
+              <a:t>watch</a:t>
+            </a:r>
+            <a:r>
+              <a:rPr lang="fr-FR" dirty="0"/>
+              <a:t>   for boys =&gt; '</a:t>
+            </a:r>
+            <a:r>
+              <a:rPr lang="fr-FR" dirty="0" err="1"/>
+              <a:t>analog</a:t>
+            </a:r>
+            <a:r>
+              <a:rPr lang="fr-FR" dirty="0"/>
+              <a:t>', '</a:t>
+            </a:r>
+            <a:r>
+              <a:rPr lang="fr-FR" dirty="0" err="1"/>
+              <a:t>watch</a:t>
+            </a:r>
+            <a:r>
+              <a:rPr lang="fr-FR" dirty="0"/>
+              <a:t>', 'for', 'boys'</a:t>
+            </a:r>
+          </a:p>
+          <a:p>
+            <a:pPr lvl="1"/>
+            <a:r>
+              <a:rPr lang="fr-FR" b="1" dirty="0" err="1"/>
+              <a:t>Removing</a:t>
+            </a:r>
+            <a:r>
+              <a:rPr lang="fr-FR" b="1" dirty="0"/>
+              <a:t> </a:t>
+            </a:r>
+            <a:r>
+              <a:rPr lang="fr-FR" b="1" dirty="0" err="1"/>
+              <a:t>stopwords</a:t>
+            </a:r>
+            <a:r>
+              <a:rPr lang="fr-FR" b="1" dirty="0"/>
+              <a:t> : </a:t>
+            </a:r>
+            <a:r>
+              <a:rPr lang="fr-FR" dirty="0"/>
+              <a:t>'</a:t>
+            </a:r>
+            <a:r>
+              <a:rPr lang="fr-FR" dirty="0" err="1"/>
+              <a:t>analog</a:t>
+            </a:r>
+            <a:r>
+              <a:rPr lang="fr-FR" dirty="0"/>
+              <a:t>', '</a:t>
+            </a:r>
+            <a:r>
+              <a:rPr lang="fr-FR" dirty="0" err="1"/>
+              <a:t>watch</a:t>
+            </a:r>
+            <a:r>
+              <a:rPr lang="fr-FR" dirty="0"/>
+              <a:t>', 'for', 'boys’ =&gt; '</a:t>
+            </a:r>
+            <a:r>
+              <a:rPr lang="fr-FR" dirty="0" err="1"/>
+              <a:t>analog</a:t>
+            </a:r>
+            <a:r>
+              <a:rPr lang="fr-FR" dirty="0"/>
+              <a:t>', '</a:t>
+            </a:r>
+            <a:r>
+              <a:rPr lang="fr-FR" dirty="0" err="1"/>
+              <a:t>watch</a:t>
+            </a:r>
+            <a:r>
+              <a:rPr lang="fr-FR" dirty="0"/>
+              <a:t>', 'boys'</a:t>
+            </a:r>
+          </a:p>
+          <a:p>
+            <a:pPr lvl="1"/>
+            <a:r>
+              <a:rPr lang="fr-FR" b="1" dirty="0" err="1"/>
+              <a:t>Removing</a:t>
+            </a:r>
+            <a:r>
+              <a:rPr lang="fr-FR" b="1" dirty="0"/>
+              <a:t> non </a:t>
+            </a:r>
+            <a:r>
+              <a:rPr lang="fr-FR" b="1" dirty="0" err="1"/>
+              <a:t>english</a:t>
+            </a:r>
+            <a:r>
+              <a:rPr lang="fr-FR" b="1" dirty="0"/>
+              <a:t> </a:t>
+            </a:r>
+            <a:r>
+              <a:rPr lang="fr-FR" b="1" dirty="0" err="1"/>
+              <a:t>words</a:t>
+            </a:r>
+            <a:r>
+              <a:rPr lang="fr-FR" b="1" dirty="0"/>
+              <a:t> : </a:t>
+            </a:r>
+            <a:r>
+              <a:rPr lang="fr-FR" dirty="0"/>
+              <a:t>'</a:t>
+            </a:r>
+            <a:r>
+              <a:rPr lang="fr-FR" dirty="0" err="1"/>
+              <a:t>price</a:t>
+            </a:r>
+            <a:r>
+              <a:rPr lang="fr-FR" dirty="0"/>
+              <a:t>', '</a:t>
+            </a:r>
+            <a:r>
+              <a:rPr lang="fr-FR" dirty="0" err="1"/>
+              <a:t>rs</a:t>
+            </a:r>
+            <a:r>
+              <a:rPr lang="fr-FR" dirty="0"/>
+              <a:t>', '399', '</a:t>
+            </a:r>
+            <a:r>
+              <a:rPr lang="fr-FR" dirty="0" err="1"/>
+              <a:t>whether</a:t>
+            </a:r>
+            <a:r>
+              <a:rPr lang="fr-FR" dirty="0"/>
+              <a:t>’ =&gt; '</a:t>
+            </a:r>
+            <a:r>
+              <a:rPr lang="fr-FR" dirty="0" err="1"/>
+              <a:t>price</a:t>
+            </a:r>
+            <a:r>
+              <a:rPr lang="fr-FR" dirty="0"/>
+              <a:t>', '</a:t>
+            </a:r>
+            <a:r>
+              <a:rPr lang="fr-FR" dirty="0" err="1"/>
+              <a:t>whether</a:t>
+            </a:r>
+            <a:r>
+              <a:rPr lang="fr-FR" dirty="0"/>
+              <a:t>',</a:t>
+            </a:r>
+          </a:p>
+          <a:p>
+            <a:pPr lvl="1"/>
+            <a:r>
+              <a:rPr lang="fr-FR" b="1" dirty="0" err="1"/>
+              <a:t>Lemmatizing</a:t>
+            </a:r>
+            <a:r>
+              <a:rPr lang="fr-FR" b="1" dirty="0"/>
+              <a:t> : </a:t>
+            </a:r>
+            <a:r>
+              <a:rPr lang="fr-FR" dirty="0"/>
+              <a:t>'</a:t>
+            </a:r>
+            <a:r>
+              <a:rPr lang="fr-FR" dirty="0" err="1"/>
+              <a:t>comes</a:t>
+            </a:r>
+            <a:r>
+              <a:rPr lang="fr-FR" dirty="0"/>
+              <a:t>’ =&gt; 'come'</a:t>
+            </a:r>
+          </a:p>
         </p:txBody>
       </p:sp>
       <p:sp>
@@ -6899,7 +15172,7 @@
           <p:cNvPr id="4" name="Espace réservé de la date 3">
             <a:extLst>
               <a:ext uri="{FF2B5EF4-FFF2-40B4-BE49-F238E27FC236}">
-                <a16:creationId xmlns:a16="http://schemas.microsoft.com/office/drawing/2014/main" id="{FE4CBB04-6343-5AD9-1F90-96ED5CF26CAE}"/>
+                <a16:creationId xmlns:a16="http://schemas.microsoft.com/office/drawing/2014/main" id="{DAF169AC-76EC-9350-C815-5673E3093912}"/>
               </a:ext>
             </a:extLst>
           </p:cNvPr>
@@ -6915,9 +15188,9 @@
           <a:bodyPr/>
           <a:lstStyle/>
           <a:p>
-            <a:fld id="{12B4ACCD-1085-4E95-90B7-9239FD28BE42}" type="datetime1">
+            <a:fld id="{90E99AFC-95DA-422B-AA5F-BD111600920F}" type="datetime1">
               <a:rPr lang="en-US" smtClean="0"/>
-              <a:t>3/27/2023</a:t>
+              <a:t>3/28/2023</a:t>
             </a:fld>
             <a:endParaRPr lang="en-US" dirty="0"/>
           </a:p>
@@ -6928,7 +15201,7 @@
           <p:cNvPr id="5" name="Espace réservé du numéro de diapositive 4">
             <a:extLst>
               <a:ext uri="{FF2B5EF4-FFF2-40B4-BE49-F238E27FC236}">
-                <a16:creationId xmlns:a16="http://schemas.microsoft.com/office/drawing/2014/main" id="{7B6798E4-D93C-1E85-82A8-C73B44F215BA}"/>
+                <a16:creationId xmlns:a16="http://schemas.microsoft.com/office/drawing/2014/main" id="{70A60DE1-E94D-A62C-86B9-B1130432606C}"/>
               </a:ext>
             </a:extLst>
           </p:cNvPr>
@@ -6956,7 +15229,7 @@
     </p:spTree>
     <p:extLst>
       <p:ext uri="{BB962C8B-B14F-4D97-AF65-F5344CB8AC3E}">
-        <p14:creationId xmlns:p14="http://schemas.microsoft.com/office/powerpoint/2010/main" val="4070953170"/>
+        <p14:creationId xmlns:p14="http://schemas.microsoft.com/office/powerpoint/2010/main" val="3995332886"/>
       </p:ext>
     </p:extLst>
   </p:cSld>
@@ -7005,24 +15278,16 @@
           <a:lstStyle/>
           <a:p>
             <a:r>
-              <a:rPr lang="fr-FR" sz="4000" b="1" dirty="0"/>
-              <a:t>Part 5 : </a:t>
-            </a:r>
-            <a:r>
-              <a:rPr lang="fr-FR" sz="4000" b="1" dirty="0" err="1"/>
-              <a:t>Supervized</a:t>
-            </a:r>
-            <a:r>
-              <a:rPr lang="fr-FR" sz="4000" b="1" dirty="0"/>
-              <a:t> image classification </a:t>
-            </a:r>
-            <a:r>
-              <a:rPr lang="fr-FR" sz="4000" b="1" dirty="0" err="1"/>
-              <a:t>with</a:t>
-            </a:r>
-            <a:r>
-              <a:rPr lang="fr-FR" sz="4000" b="1" dirty="0"/>
-              <a:t> data augmentation</a:t>
+              <a:rPr lang="fr-FR" dirty="0"/>
+              <a:t>Part 2 : </a:t>
+            </a:r>
+            <a:r>
+              <a:rPr lang="fr-FR" dirty="0" err="1"/>
+              <a:t>Cleaning</a:t>
+            </a:r>
+            <a:r>
+              <a:rPr lang="fr-FR" dirty="0"/>
+              <a:t> and EDA</a:t>
             </a:r>
           </a:p>
         </p:txBody>
@@ -7055,7 +15320,53 @@
           </a:bodyPr>
           <a:lstStyle/>
           <a:p>
-            <a:endParaRPr lang="fr-FR" dirty="0"/>
+            <a:r>
+              <a:rPr lang="fr-FR" dirty="0"/>
+              <a:t>Exploration :</a:t>
+            </a:r>
+          </a:p>
+          <a:p>
+            <a:pPr lvl="1"/>
+            <a:r>
+              <a:rPr lang="fr-FR" dirty="0" err="1"/>
+              <a:t>Number</a:t>
+            </a:r>
+            <a:r>
+              <a:rPr lang="fr-FR" dirty="0"/>
+              <a:t> of </a:t>
+            </a:r>
+            <a:r>
+              <a:rPr lang="fr-FR" dirty="0" err="1"/>
+              <a:t>words</a:t>
+            </a:r>
+            <a:r>
+              <a:rPr lang="fr-FR" dirty="0"/>
+              <a:t> per </a:t>
+            </a:r>
+            <a:r>
+              <a:rPr lang="fr-FR" dirty="0" err="1"/>
+              <a:t>text</a:t>
+            </a:r>
+            <a:r>
+              <a:rPr lang="fr-FR" dirty="0"/>
+              <a:t> description (</a:t>
+            </a:r>
+            <a:r>
+              <a:rPr lang="fr-FR" dirty="0" err="1"/>
+              <a:t>from</a:t>
+            </a:r>
+            <a:r>
+              <a:rPr lang="fr-FR" dirty="0"/>
+              <a:t> </a:t>
+            </a:r>
+            <a:r>
+              <a:rPr lang="fr-FR" dirty="0" err="1"/>
+              <a:t>column</a:t>
+            </a:r>
+            <a:r>
+              <a:rPr lang="fr-FR" dirty="0"/>
+              <a:t> ‘description’) :</a:t>
+            </a:r>
           </a:p>
         </p:txBody>
       </p:sp>
@@ -7064,7 +15375,7 @@
           <p:cNvPr id="4" name="Espace réservé de la date 3">
             <a:extLst>
               <a:ext uri="{FF2B5EF4-FFF2-40B4-BE49-F238E27FC236}">
-                <a16:creationId xmlns:a16="http://schemas.microsoft.com/office/drawing/2014/main" id="{FA94EBA3-E94D-DF2B-B479-2B8D8A7B3834}"/>
+                <a16:creationId xmlns:a16="http://schemas.microsoft.com/office/drawing/2014/main" id="{DAF169AC-76EC-9350-C815-5673E3093912}"/>
               </a:ext>
             </a:extLst>
           </p:cNvPr>
@@ -7080,9 +15391,9 @@
           <a:bodyPr/>
           <a:lstStyle/>
           <a:p>
-            <a:fld id="{2308EC4A-D272-4061-96D7-4F8E908D7EAD}" type="datetime1">
+            <a:fld id="{90E99AFC-95DA-422B-AA5F-BD111600920F}" type="datetime1">
               <a:rPr lang="en-US" smtClean="0"/>
-              <a:t>3/27/2023</a:t>
+              <a:t>3/28/2023</a:t>
             </a:fld>
             <a:endParaRPr lang="en-US" dirty="0"/>
           </a:p>
@@ -7093,7 +15404,7 @@
           <p:cNvPr id="5" name="Espace réservé du numéro de diapositive 4">
             <a:extLst>
               <a:ext uri="{FF2B5EF4-FFF2-40B4-BE49-F238E27FC236}">
-                <a16:creationId xmlns:a16="http://schemas.microsoft.com/office/drawing/2014/main" id="{526A5224-668C-5AB8-242B-4ACA62F29119}"/>
+                <a16:creationId xmlns:a16="http://schemas.microsoft.com/office/drawing/2014/main" id="{70A60DE1-E94D-A62C-86B9-B1130432606C}"/>
               </a:ext>
             </a:extLst>
           </p:cNvPr>
@@ -7118,10 +15429,57 @@
           </a:p>
         </p:txBody>
       </p:sp>
+      <p:pic>
+        <p:nvPicPr>
+          <p:cNvPr id="2050" name="Picture 2">
+            <a:extLst>
+              <a:ext uri="{FF2B5EF4-FFF2-40B4-BE49-F238E27FC236}">
+                <a16:creationId xmlns:a16="http://schemas.microsoft.com/office/drawing/2014/main" id="{7D131122-3994-3F82-E191-FE0580AF25A4}"/>
+              </a:ext>
+            </a:extLst>
+          </p:cNvPr>
+          <p:cNvPicPr>
+            <a:picLocks noChangeAspect="1" noChangeArrowheads="1"/>
+          </p:cNvPicPr>
+          <p:nvPr/>
+        </p:nvPicPr>
+        <p:blipFill>
+          <a:blip r:embed="rId2">
+            <a:extLst>
+              <a:ext uri="{28A0092B-C50C-407E-A947-70E740481C1C}">
+                <a14:useLocalDpi xmlns:a14="http://schemas.microsoft.com/office/drawing/2010/main" val="0"/>
+              </a:ext>
+            </a:extLst>
+          </a:blip>
+          <a:srcRect/>
+          <a:stretch>
+            <a:fillRect/>
+          </a:stretch>
+        </p:blipFill>
+        <p:spPr bwMode="auto">
+          <a:xfrm>
+            <a:off x="3579546" y="3080627"/>
+            <a:ext cx="5032905" cy="2612678"/>
+          </a:xfrm>
+          <a:prstGeom prst="rect">
+            <a:avLst/>
+          </a:prstGeom>
+          <a:noFill/>
+          <a:extLst>
+            <a:ext uri="{909E8E84-426E-40DD-AFC4-6F175D3DCCD1}">
+              <a14:hiddenFill xmlns:a14="http://schemas.microsoft.com/office/drawing/2010/main">
+                <a:solidFill>
+                  <a:srgbClr val="FFFFFF"/>
+                </a:solidFill>
+              </a14:hiddenFill>
+            </a:ext>
+          </a:extLst>
+        </p:spPr>
+      </p:pic>
     </p:spTree>
     <p:extLst>
       <p:ext uri="{BB962C8B-B14F-4D97-AF65-F5344CB8AC3E}">
-        <p14:creationId xmlns:p14="http://schemas.microsoft.com/office/powerpoint/2010/main" val="102065968"/>
+        <p14:creationId xmlns:p14="http://schemas.microsoft.com/office/powerpoint/2010/main" val="1747563883"/>
       </p:ext>
     </p:extLst>
   </p:cSld>
@@ -7170,16 +15528,16 @@
           <a:lstStyle/>
           <a:p>
             <a:r>
-              <a:rPr lang="fr-FR" sz="4000" b="1" dirty="0"/>
-              <a:t>Part 6 : Test of </a:t>
-            </a:r>
-            <a:r>
-              <a:rPr lang="fr-FR" sz="4000" b="1" dirty="0" err="1"/>
-              <a:t>Edamam</a:t>
-            </a:r>
-            <a:r>
-              <a:rPr lang="fr-FR" sz="4000" b="1" dirty="0"/>
-              <a:t> API</a:t>
+              <a:rPr lang="fr-FR" dirty="0"/>
+              <a:t>Part 2 : </a:t>
+            </a:r>
+            <a:r>
+              <a:rPr lang="fr-FR" dirty="0" err="1"/>
+              <a:t>Cleaning</a:t>
+            </a:r>
+            <a:r>
+              <a:rPr lang="fr-FR" dirty="0"/>
+              <a:t> and EDA</a:t>
             </a:r>
           </a:p>
         </p:txBody>
@@ -7212,7 +15570,33 @@
           </a:bodyPr>
           <a:lstStyle/>
           <a:p>
-            <a:endParaRPr lang="fr-FR" dirty="0"/>
+            <a:r>
+              <a:rPr lang="fr-FR" dirty="0"/>
+              <a:t>Exploration :</a:t>
+            </a:r>
+          </a:p>
+          <a:p>
+            <a:pPr lvl="1"/>
+            <a:r>
+              <a:rPr lang="fr-FR" dirty="0"/>
+              <a:t>Pareto of </a:t>
+            </a:r>
+            <a:r>
+              <a:rPr lang="fr-FR" dirty="0" err="1"/>
+              <a:t>word</a:t>
+            </a:r>
+            <a:r>
+              <a:rPr lang="fr-FR" dirty="0"/>
+              <a:t> </a:t>
+            </a:r>
+            <a:r>
+              <a:rPr lang="fr-FR" dirty="0" err="1"/>
+              <a:t>frequencies</a:t>
+            </a:r>
+            <a:r>
+              <a:rPr lang="fr-FR" dirty="0"/>
+              <a:t> in the corpus :</a:t>
+            </a:r>
           </a:p>
         </p:txBody>
       </p:sp>
@@ -7221,7 +15605,7 @@
           <p:cNvPr id="4" name="Espace réservé de la date 3">
             <a:extLst>
               <a:ext uri="{FF2B5EF4-FFF2-40B4-BE49-F238E27FC236}">
-                <a16:creationId xmlns:a16="http://schemas.microsoft.com/office/drawing/2014/main" id="{914C2D10-BB04-E54F-ED6F-A33B7388CC59}"/>
+                <a16:creationId xmlns:a16="http://schemas.microsoft.com/office/drawing/2014/main" id="{DAF169AC-76EC-9350-C815-5673E3093912}"/>
               </a:ext>
             </a:extLst>
           </p:cNvPr>
@@ -7237,9 +15621,9 @@
           <a:bodyPr/>
           <a:lstStyle/>
           <a:p>
-            <a:fld id="{80093CBD-8343-4972-8BF5-131A1B98389A}" type="datetime1">
+            <a:fld id="{90E99AFC-95DA-422B-AA5F-BD111600920F}" type="datetime1">
               <a:rPr lang="en-US" smtClean="0"/>
-              <a:t>3/27/2023</a:t>
+              <a:t>3/28/2023</a:t>
             </a:fld>
             <a:endParaRPr lang="en-US" dirty="0"/>
           </a:p>
@@ -7250,7 +15634,7 @@
           <p:cNvPr id="5" name="Espace réservé du numéro de diapositive 4">
             <a:extLst>
               <a:ext uri="{FF2B5EF4-FFF2-40B4-BE49-F238E27FC236}">
-                <a16:creationId xmlns:a16="http://schemas.microsoft.com/office/drawing/2014/main" id="{6B286118-C5AC-D436-D065-E0241803DEA5}"/>
+                <a16:creationId xmlns:a16="http://schemas.microsoft.com/office/drawing/2014/main" id="{70A60DE1-E94D-A62C-86B9-B1130432606C}"/>
               </a:ext>
             </a:extLst>
           </p:cNvPr>
@@ -7275,10 +15659,57 @@
           </a:p>
         </p:txBody>
       </p:sp>
+      <p:pic>
+        <p:nvPicPr>
+          <p:cNvPr id="3074" name="Picture 2">
+            <a:extLst>
+              <a:ext uri="{FF2B5EF4-FFF2-40B4-BE49-F238E27FC236}">
+                <a16:creationId xmlns:a16="http://schemas.microsoft.com/office/drawing/2014/main" id="{347B3EFA-0C39-D490-AF75-C34638F030C9}"/>
+              </a:ext>
+            </a:extLst>
+          </p:cNvPr>
+          <p:cNvPicPr>
+            <a:picLocks noChangeAspect="1" noChangeArrowheads="1"/>
+          </p:cNvPicPr>
+          <p:nvPr/>
+        </p:nvPicPr>
+        <p:blipFill>
+          <a:blip r:embed="rId2">
+            <a:extLst>
+              <a:ext uri="{28A0092B-C50C-407E-A947-70E740481C1C}">
+                <a14:useLocalDpi xmlns:a14="http://schemas.microsoft.com/office/drawing/2010/main" val="0"/>
+              </a:ext>
+            </a:extLst>
+          </a:blip>
+          <a:srcRect/>
+          <a:stretch>
+            <a:fillRect/>
+          </a:stretch>
+        </p:blipFill>
+        <p:spPr bwMode="auto">
+          <a:xfrm>
+            <a:off x="3647545" y="2909225"/>
+            <a:ext cx="4896908" cy="2901447"/>
+          </a:xfrm>
+          <a:prstGeom prst="rect">
+            <a:avLst/>
+          </a:prstGeom>
+          <a:noFill/>
+          <a:extLst>
+            <a:ext uri="{909E8E84-426E-40DD-AFC4-6F175D3DCCD1}">
+              <a14:hiddenFill xmlns:a14="http://schemas.microsoft.com/office/drawing/2010/main">
+                <a:solidFill>
+                  <a:srgbClr val="FFFFFF"/>
+                </a:solidFill>
+              </a14:hiddenFill>
+            </a:ext>
+          </a:extLst>
+        </p:spPr>
+      </p:pic>
     </p:spTree>
     <p:extLst>
       <p:ext uri="{BB962C8B-B14F-4D97-AF65-F5344CB8AC3E}">
-        <p14:creationId xmlns:p14="http://schemas.microsoft.com/office/powerpoint/2010/main" val="2213149124"/>
+        <p14:creationId xmlns:p14="http://schemas.microsoft.com/office/powerpoint/2010/main" val="2210042714"/>
       </p:ext>
     </p:extLst>
   </p:cSld>
@@ -7328,8 +15759,21 @@
           <a:p>
             <a:r>
               <a:rPr lang="fr-FR" sz="4000" b="1" dirty="0"/>
-              <a:t>Part 7 : Conclusion</a:t>
-            </a:r>
+              <a:t>Part 3 : </a:t>
+            </a:r>
+            <a:r>
+              <a:rPr lang="fr-FR" sz="4000" b="1" dirty="0" err="1"/>
+              <a:t>Text</a:t>
+            </a:r>
+            <a:r>
+              <a:rPr lang="fr-FR" sz="4000" b="1" dirty="0"/>
+              <a:t> classification </a:t>
+            </a:r>
+            <a:r>
+              <a:rPr lang="fr-FR" sz="4000" b="1" dirty="0" err="1"/>
+              <a:t>feasibility</a:t>
+            </a:r>
+            <a:endParaRPr lang="fr-FR" sz="4000" b="1" dirty="0"/>
           </a:p>
         </p:txBody>
       </p:sp>
@@ -7361,8 +15805,44 @@
           </a:bodyPr>
           <a:lstStyle/>
           <a:p>
+            <a:r>
+              <a:rPr lang="fr-FR" dirty="0"/>
+              <a:t>1st </a:t>
+            </a:r>
+            <a:r>
+              <a:rPr lang="fr-FR" dirty="0" err="1"/>
+              <a:t>Approach</a:t>
+            </a:r>
+            <a:r>
+              <a:rPr lang="fr-FR" dirty="0"/>
+              <a:t> : Bag of </a:t>
+            </a:r>
+            <a:r>
+              <a:rPr lang="fr-FR" dirty="0" err="1"/>
+              <a:t>words</a:t>
+            </a:r>
+            <a:r>
+              <a:rPr lang="fr-FR" dirty="0"/>
+              <a:t> </a:t>
+            </a:r>
+            <a:r>
+              <a:rPr lang="fr-FR" dirty="0" err="1"/>
+              <a:t>CountVectorizer</a:t>
+            </a:r>
             <a:endParaRPr lang="fr-FR" dirty="0"/>
           </a:p>
+          <a:p>
+            <a:pPr lvl="1"/>
+            <a:r>
+              <a:rPr lang="en-US" i="1" dirty="0" err="1"/>
+              <a:t>CountVectorizer</a:t>
+            </a:r>
+            <a:r>
+              <a:rPr lang="en-US" i="1" dirty="0"/>
+              <a:t> is a text feature extraction technique used to convert a collection of text documents into a matrix of token counts.</a:t>
+            </a:r>
+            <a:endParaRPr lang="fr-FR" i="1" dirty="0"/>
+          </a:p>
         </p:txBody>
       </p:sp>
       <p:sp>
@@ -7370,7 +15850,7 @@
           <p:cNvPr id="4" name="Espace réservé de la date 3">
             <a:extLst>
               <a:ext uri="{FF2B5EF4-FFF2-40B4-BE49-F238E27FC236}">
-                <a16:creationId xmlns:a16="http://schemas.microsoft.com/office/drawing/2014/main" id="{128C105D-3FC5-921F-5F93-49CE4E664E9B}"/>
+                <a16:creationId xmlns:a16="http://schemas.microsoft.com/office/drawing/2014/main" id="{CDACFC15-EC92-8C77-6720-CD3727DE2F16}"/>
               </a:ext>
             </a:extLst>
           </p:cNvPr>
@@ -7386,9 +15866,9 @@
           <a:bodyPr/>
           <a:lstStyle/>
           <a:p>
-            <a:fld id="{E0F05FE5-ABC7-4B79-938F-21D3A4ED17C4}" type="datetime1">
+            <a:fld id="{869FCAE3-2148-4EC4-A7B4-A35E953F750C}" type="datetime1">
               <a:rPr lang="en-US" smtClean="0"/>
-              <a:t>3/27/2023</a:t>
+              <a:t>3/28/2023</a:t>
             </a:fld>
             <a:endParaRPr lang="en-US" dirty="0"/>
           </a:p>
@@ -7399,7 +15879,7 @@
           <p:cNvPr id="5" name="Espace réservé du numéro de diapositive 4">
             <a:extLst>
               <a:ext uri="{FF2B5EF4-FFF2-40B4-BE49-F238E27FC236}">
-                <a16:creationId xmlns:a16="http://schemas.microsoft.com/office/drawing/2014/main" id="{CADFD5F4-53D6-1B6D-BE42-91B9EC6D521D}"/>
+                <a16:creationId xmlns:a16="http://schemas.microsoft.com/office/drawing/2014/main" id="{83714EF2-B3AF-5769-1C63-FFFF1485DFDD}"/>
               </a:ext>
             </a:extLst>
           </p:cNvPr>
@@ -7424,10 +15904,290 @@
           </a:p>
         </p:txBody>
       </p:sp>
+      <p:pic>
+        <p:nvPicPr>
+          <p:cNvPr id="7170" name="Picture 2">
+            <a:extLst>
+              <a:ext uri="{FF2B5EF4-FFF2-40B4-BE49-F238E27FC236}">
+                <a16:creationId xmlns:a16="http://schemas.microsoft.com/office/drawing/2014/main" id="{0CEDA202-72D5-4EC8-F7EF-4E7750EC6D6C}"/>
+              </a:ext>
+            </a:extLst>
+          </p:cNvPr>
+          <p:cNvPicPr>
+            <a:picLocks noChangeAspect="1" noChangeArrowheads="1"/>
+          </p:cNvPicPr>
+          <p:nvPr/>
+        </p:nvPicPr>
+        <p:blipFill>
+          <a:blip r:embed="rId2">
+            <a:extLst>
+              <a:ext uri="{28A0092B-C50C-407E-A947-70E740481C1C}">
+                <a14:useLocalDpi xmlns:a14="http://schemas.microsoft.com/office/drawing/2010/main" val="0"/>
+              </a:ext>
+            </a:extLst>
+          </a:blip>
+          <a:srcRect/>
+          <a:stretch>
+            <a:fillRect/>
+          </a:stretch>
+        </p:blipFill>
+        <p:spPr bwMode="auto">
+          <a:xfrm>
+            <a:off x="59375" y="3159314"/>
+            <a:ext cx="8443357" cy="3651182"/>
+          </a:xfrm>
+          <a:prstGeom prst="rect">
+            <a:avLst/>
+          </a:prstGeom>
+          <a:noFill/>
+          <a:extLst>
+            <a:ext uri="{909E8E84-426E-40DD-AFC4-6F175D3DCCD1}">
+              <a14:hiddenFill xmlns:a14="http://schemas.microsoft.com/office/drawing/2010/main">
+                <a:solidFill>
+                  <a:srgbClr val="FFFFFF"/>
+                </a:solidFill>
+              </a14:hiddenFill>
+            </a:ext>
+          </a:extLst>
+        </p:spPr>
+      </p:pic>
+      <p:sp>
+        <p:nvSpPr>
+          <p:cNvPr id="6" name="Espace réservé du contenu 2">
+            <a:extLst>
+              <a:ext uri="{FF2B5EF4-FFF2-40B4-BE49-F238E27FC236}">
+                <a16:creationId xmlns:a16="http://schemas.microsoft.com/office/drawing/2014/main" id="{9A345A37-4DBF-0DC8-59A9-C9A2AF18A186}"/>
+              </a:ext>
+            </a:extLst>
+          </p:cNvPr>
+          <p:cNvSpPr txBox="1">
+            <a:spLocks/>
+          </p:cNvSpPr>
+          <p:nvPr/>
+        </p:nvSpPr>
+        <p:spPr>
+          <a:xfrm>
+            <a:off x="9831575" y="4663713"/>
+            <a:ext cx="2055626" cy="1252175"/>
+          </a:xfrm>
+          <a:prstGeom prst="rect">
+            <a:avLst/>
+          </a:prstGeom>
+          <a:effectLst>
+            <a:outerShdw blurRad="50800" dir="14400000">
+              <a:srgbClr val="000000">
+                <a:alpha val="40000"/>
+              </a:srgbClr>
+            </a:outerShdw>
+          </a:effectLst>
+        </p:spPr>
+        <p:txBody>
+          <a:bodyPr vert="horz" lIns="91440" tIns="45720" rIns="91440" bIns="45720" rtlCol="0" anchor="t" anchorCtr="0">
+            <a:normAutofit/>
+          </a:bodyPr>
+          <a:lstStyle>
+            <a:lvl1pPr marL="342900" indent="-342900" algn="l" defTabSz="457200" rtl="0" eaLnBrk="1" latinLnBrk="0" hangingPunct="1">
+              <a:spcBef>
+                <a:spcPct val="20000"/>
+              </a:spcBef>
+              <a:spcAft>
+                <a:spcPts val="600"/>
+              </a:spcAft>
+              <a:buClr>
+                <a:schemeClr val="accent1"/>
+              </a:buClr>
+              <a:buFont typeface="Wingdings 2" charset="2"/>
+              <a:buChar char=""/>
+              <a:defRPr sz="1800" kern="1200">
+                <a:solidFill>
+                  <a:schemeClr val="tx1"/>
+                </a:solidFill>
+                <a:latin typeface="+mn-lt"/>
+                <a:ea typeface="+mn-ea"/>
+                <a:cs typeface="+mn-cs"/>
+              </a:defRPr>
+            </a:lvl1pPr>
+            <a:lvl2pPr marL="742950" indent="-285750" algn="l" defTabSz="457200" rtl="0" eaLnBrk="1" latinLnBrk="0" hangingPunct="1">
+              <a:spcBef>
+                <a:spcPct val="20000"/>
+              </a:spcBef>
+              <a:spcAft>
+                <a:spcPts val="600"/>
+              </a:spcAft>
+              <a:buClr>
+                <a:schemeClr val="accent1"/>
+              </a:buClr>
+              <a:buFont typeface="Wingdings 2" charset="2"/>
+              <a:buChar char=""/>
+              <a:defRPr sz="1600" kern="1200">
+                <a:solidFill>
+                  <a:schemeClr val="tx1"/>
+                </a:solidFill>
+                <a:latin typeface="+mn-lt"/>
+                <a:ea typeface="+mn-ea"/>
+                <a:cs typeface="+mn-cs"/>
+              </a:defRPr>
+            </a:lvl2pPr>
+            <a:lvl3pPr marL="1143000" indent="-228600" algn="l" defTabSz="457200" rtl="0" eaLnBrk="1" latinLnBrk="0" hangingPunct="1">
+              <a:spcBef>
+                <a:spcPct val="20000"/>
+              </a:spcBef>
+              <a:spcAft>
+                <a:spcPts val="600"/>
+              </a:spcAft>
+              <a:buClr>
+                <a:schemeClr val="accent1"/>
+              </a:buClr>
+              <a:buFont typeface="Wingdings 2" charset="2"/>
+              <a:buChar char=""/>
+              <a:defRPr sz="1400" kern="1200">
+                <a:solidFill>
+                  <a:schemeClr val="tx1"/>
+                </a:solidFill>
+                <a:latin typeface="+mn-lt"/>
+                <a:ea typeface="+mn-ea"/>
+                <a:cs typeface="+mn-cs"/>
+              </a:defRPr>
+            </a:lvl3pPr>
+            <a:lvl4pPr marL="1600200" indent="-228600" algn="l" defTabSz="457200" rtl="0" eaLnBrk="1" latinLnBrk="0" hangingPunct="1">
+              <a:spcBef>
+                <a:spcPct val="20000"/>
+              </a:spcBef>
+              <a:spcAft>
+                <a:spcPts val="600"/>
+              </a:spcAft>
+              <a:buClr>
+                <a:schemeClr val="accent1"/>
+              </a:buClr>
+              <a:buFont typeface="Wingdings 2" charset="2"/>
+              <a:buChar char=""/>
+              <a:defRPr sz="1200" kern="1200">
+                <a:solidFill>
+                  <a:schemeClr val="tx1"/>
+                </a:solidFill>
+                <a:latin typeface="+mn-lt"/>
+                <a:ea typeface="+mn-ea"/>
+                <a:cs typeface="+mn-cs"/>
+              </a:defRPr>
+            </a:lvl4pPr>
+            <a:lvl5pPr marL="2057400" indent="-228600" algn="l" defTabSz="457200" rtl="0" eaLnBrk="1" latinLnBrk="0" hangingPunct="1">
+              <a:spcBef>
+                <a:spcPct val="20000"/>
+              </a:spcBef>
+              <a:spcAft>
+                <a:spcPts val="600"/>
+              </a:spcAft>
+              <a:buClr>
+                <a:schemeClr val="accent1"/>
+              </a:buClr>
+              <a:buFont typeface="Wingdings 2" charset="2"/>
+              <a:buChar char=""/>
+              <a:defRPr sz="1200" kern="1200">
+                <a:solidFill>
+                  <a:schemeClr val="tx1"/>
+                </a:solidFill>
+                <a:latin typeface="+mn-lt"/>
+                <a:ea typeface="+mn-ea"/>
+                <a:cs typeface="+mn-cs"/>
+              </a:defRPr>
+            </a:lvl5pPr>
+            <a:lvl6pPr marL="2400000" indent="-228600" algn="l" defTabSz="457200" rtl="0" eaLnBrk="1" latinLnBrk="0" hangingPunct="1">
+              <a:spcBef>
+                <a:spcPct val="20000"/>
+              </a:spcBef>
+              <a:spcAft>
+                <a:spcPts val="600"/>
+              </a:spcAft>
+              <a:buClr>
+                <a:schemeClr val="accent1"/>
+              </a:buClr>
+              <a:buFont typeface="Wingdings 2" charset="2"/>
+              <a:buChar char=""/>
+              <a:defRPr sz="1200" kern="1200">
+                <a:solidFill>
+                  <a:schemeClr val="tx1"/>
+                </a:solidFill>
+                <a:latin typeface="+mn-lt"/>
+                <a:ea typeface="+mn-ea"/>
+                <a:cs typeface="+mn-cs"/>
+              </a:defRPr>
+            </a:lvl6pPr>
+            <a:lvl7pPr marL="2800000" indent="-228600" algn="l" defTabSz="457200" rtl="0" eaLnBrk="1" latinLnBrk="0" hangingPunct="1">
+              <a:spcBef>
+                <a:spcPct val="20000"/>
+              </a:spcBef>
+              <a:spcAft>
+                <a:spcPts val="600"/>
+              </a:spcAft>
+              <a:buClr>
+                <a:schemeClr val="accent1"/>
+              </a:buClr>
+              <a:buFont typeface="Wingdings 2" charset="2"/>
+              <a:buChar char=""/>
+              <a:defRPr sz="1200" kern="1200">
+                <a:solidFill>
+                  <a:schemeClr val="tx1"/>
+                </a:solidFill>
+                <a:latin typeface="+mn-lt"/>
+                <a:ea typeface="+mn-ea"/>
+                <a:cs typeface="+mn-cs"/>
+              </a:defRPr>
+            </a:lvl7pPr>
+            <a:lvl8pPr marL="3200000" indent="-228600" algn="l" defTabSz="457200" rtl="0" eaLnBrk="1" latinLnBrk="0" hangingPunct="1">
+              <a:spcBef>
+                <a:spcPct val="20000"/>
+              </a:spcBef>
+              <a:spcAft>
+                <a:spcPts val="600"/>
+              </a:spcAft>
+              <a:buClr>
+                <a:schemeClr val="accent1"/>
+              </a:buClr>
+              <a:buFont typeface="Wingdings 2" charset="2"/>
+              <a:buChar char=""/>
+              <a:defRPr sz="1200" kern="1200">
+                <a:solidFill>
+                  <a:schemeClr val="tx1"/>
+                </a:solidFill>
+                <a:latin typeface="+mn-lt"/>
+                <a:ea typeface="+mn-ea"/>
+                <a:cs typeface="+mn-cs"/>
+              </a:defRPr>
+            </a:lvl8pPr>
+            <a:lvl9pPr marL="3600000" indent="-228600" algn="l" defTabSz="457200" rtl="0" eaLnBrk="1" latinLnBrk="0" hangingPunct="1">
+              <a:spcBef>
+                <a:spcPct val="20000"/>
+              </a:spcBef>
+              <a:spcAft>
+                <a:spcPts val="600"/>
+              </a:spcAft>
+              <a:buClr>
+                <a:schemeClr val="accent1"/>
+              </a:buClr>
+              <a:buFont typeface="Wingdings 2" charset="2"/>
+              <a:buChar char=""/>
+              <a:defRPr sz="1200" kern="1200">
+                <a:solidFill>
+                  <a:schemeClr val="tx1"/>
+                </a:solidFill>
+                <a:latin typeface="+mn-lt"/>
+                <a:ea typeface="+mn-ea"/>
+                <a:cs typeface="+mn-cs"/>
+              </a:defRPr>
+            </a:lvl9pPr>
+          </a:lstStyle>
+          <a:p>
+            <a:r>
+              <a:rPr lang="fr-FR" dirty="0"/>
+              <a:t>Acc : 0.39</a:t>
+            </a:r>
+          </a:p>
+        </p:txBody>
+      </p:sp>
     </p:spTree>
     <p:extLst>
       <p:ext uri="{BB962C8B-B14F-4D97-AF65-F5344CB8AC3E}">
-        <p14:creationId xmlns:p14="http://schemas.microsoft.com/office/powerpoint/2010/main" val="3905454626"/>
+        <p14:creationId xmlns:p14="http://schemas.microsoft.com/office/powerpoint/2010/main" val="1885868290"/>
       </p:ext>
     </p:extLst>
   </p:cSld>

--- a/Naudy_Antoine_5_presentation_032023.pptx
+++ b/Naudy_Antoine_5_presentation_032023.pptx
@@ -587,7 +587,7 @@
           <a:effectLst/>
           <a:extLst>
             <a:ext uri="{91240B29-F687-4f45-9708-019B960494DF}">
-              <a14:hiddenLine xmlns:a14="http://schemas.microsoft.com/office/drawing/2010/main" xmlns="" w="9525">
+              <a14:hiddenLine xmlns="" xmlns:a14="http://schemas.microsoft.com/office/drawing/2010/main" w="9525">
                 <a:solidFill>
                   <a:srgbClr val="000000"/>
                 </a:solidFill>
@@ -2093,7 +2093,7 @@
           <a:ln/>
           <a:extLst>
             <a:ext uri="{91240B29-F687-4f45-9708-019B960494DF}">
-              <a14:hiddenLine xmlns:a14="http://schemas.microsoft.com/office/drawing/2010/main" xmlns="" w="9525">
+              <a14:hiddenLine xmlns="" xmlns:a14="http://schemas.microsoft.com/office/drawing/2010/main" w="9525">
                 <a:solidFill>
                   <a:srgbClr val="000000"/>
                 </a:solidFill>
@@ -2364,7 +2364,7 @@
           <a:ln/>
           <a:extLst>
             <a:ext uri="{91240B29-F687-4f45-9708-019B960494DF}">
-              <a14:hiddenLine xmlns:a14="http://schemas.microsoft.com/office/drawing/2010/main" xmlns="" w="9525">
+              <a14:hiddenLine xmlns="" xmlns:a14="http://schemas.microsoft.com/office/drawing/2010/main" w="9525">
                 <a:solidFill>
                   <a:srgbClr val="000000"/>
                 </a:solidFill>
@@ -2643,7 +2643,7 @@
           <a:ln/>
           <a:extLst>
             <a:ext uri="{91240B29-F687-4f45-9708-019B960494DF}">
-              <a14:hiddenLine xmlns:a14="http://schemas.microsoft.com/office/drawing/2010/main" xmlns="" w="9525">
+              <a14:hiddenLine xmlns="" xmlns:a14="http://schemas.microsoft.com/office/drawing/2010/main" w="9525">
                 <a:solidFill>
                   <a:srgbClr val="000000"/>
                 </a:solidFill>
@@ -3261,7 +3261,7 @@
           <a:ln/>
           <a:extLst>
             <a:ext uri="{91240B29-F687-4f45-9708-019B960494DF}">
-              <a14:hiddenLine xmlns:a14="http://schemas.microsoft.com/office/drawing/2010/main" xmlns="" w="9525">
+              <a14:hiddenLine xmlns="" xmlns:a14="http://schemas.microsoft.com/office/drawing/2010/main" w="9525">
                 <a:solidFill>
                   <a:srgbClr val="000000"/>
                 </a:solidFill>
@@ -3596,7 +3596,7 @@
           <a:ln/>
           <a:extLst>
             <a:ext uri="{91240B29-F687-4f45-9708-019B960494DF}">
-              <a14:hiddenLine xmlns:a14="http://schemas.microsoft.com/office/drawing/2010/main" xmlns="" w="9525">
+              <a14:hiddenLine xmlns="" xmlns:a14="http://schemas.microsoft.com/office/drawing/2010/main" w="9525">
                 <a:solidFill>
                   <a:srgbClr val="000000"/>
                 </a:solidFill>
@@ -4069,7 +4069,7 @@
           <a:ln/>
           <a:extLst>
             <a:ext uri="{91240B29-F687-4f45-9708-019B960494DF}">
-              <a14:hiddenLine xmlns:a14="http://schemas.microsoft.com/office/drawing/2010/main" xmlns="" w="9525">
+              <a14:hiddenLine xmlns="" xmlns:a14="http://schemas.microsoft.com/office/drawing/2010/main" w="9525">
                 <a:solidFill>
                   <a:srgbClr val="000000"/>
                 </a:solidFill>
@@ -4490,7 +4490,7 @@
           <a:ln/>
           <a:extLst>
             <a:ext uri="{91240B29-F687-4f45-9708-019B960494DF}">
-              <a14:hiddenLine xmlns:a14="http://schemas.microsoft.com/office/drawing/2010/main" xmlns="" w="9525">
+              <a14:hiddenLine xmlns="" xmlns:a14="http://schemas.microsoft.com/office/drawing/2010/main" w="9525">
                 <a:solidFill>
                   <a:srgbClr val="000000"/>
                 </a:solidFill>
@@ -11034,53 +11034,6 @@
           </a:p>
         </p:txBody>
       </p:sp>
-      <p:pic>
-        <p:nvPicPr>
-          <p:cNvPr id="5122" name="Picture 2">
-            <a:extLst>
-              <a:ext uri="{FF2B5EF4-FFF2-40B4-BE49-F238E27FC236}">
-                <a16:creationId xmlns:a16="http://schemas.microsoft.com/office/drawing/2014/main" id="{D5EC3D68-DB46-DCE1-E058-1DB5E44F815F}"/>
-              </a:ext>
-            </a:extLst>
-          </p:cNvPr>
-          <p:cNvPicPr>
-            <a:picLocks noChangeAspect="1" noChangeArrowheads="1"/>
-          </p:cNvPicPr>
-          <p:nvPr/>
-        </p:nvPicPr>
-        <p:blipFill>
-          <a:blip r:embed="rId2">
-            <a:extLst>
-              <a:ext uri="{28A0092B-C50C-407E-A947-70E740481C1C}">
-                <a14:useLocalDpi xmlns:a14="http://schemas.microsoft.com/office/drawing/2010/main" val="0"/>
-              </a:ext>
-            </a:extLst>
-          </a:blip>
-          <a:srcRect/>
-          <a:stretch>
-            <a:fillRect/>
-          </a:stretch>
-        </p:blipFill>
-        <p:spPr bwMode="auto">
-          <a:xfrm>
-            <a:off x="2052043" y="3447011"/>
-            <a:ext cx="6537489" cy="3304309"/>
-          </a:xfrm>
-          <a:prstGeom prst="rect">
-            <a:avLst/>
-          </a:prstGeom>
-          <a:noFill/>
-          <a:extLst>
-            <a:ext uri="{909E8E84-426E-40DD-AFC4-6F175D3DCCD1}">
-              <a14:hiddenFill xmlns:a14="http://schemas.microsoft.com/office/drawing/2010/main">
-                <a:solidFill>
-                  <a:srgbClr val="FFFFFF"/>
-                </a:solidFill>
-              </a14:hiddenFill>
-            </a:ext>
-          </a:extLst>
-        </p:spPr>
-      </p:pic>
       <p:sp>
         <p:nvSpPr>
           <p:cNvPr id="6" name="Espace réservé du contenu 2">
@@ -11309,17 +11262,64 @@
           <a:p>
             <a:r>
               <a:rPr lang="fr-FR" dirty="0"/>
-              <a:t>Acc : 0.79</a:t>
+              <a:t>Acc : 0.80</a:t>
             </a:r>
           </a:p>
           <a:p>
             <a:r>
               <a:rPr lang="fr-FR" dirty="0"/>
-              <a:t>ARI : 0.58</a:t>
-            </a:r>
-          </a:p>
-        </p:txBody>
-      </p:sp>
+              <a:t>ARI : 0.61</a:t>
+            </a:r>
+          </a:p>
+        </p:txBody>
+      </p:sp>
+      <p:pic>
+        <p:nvPicPr>
+          <p:cNvPr id="2050" name="Picture 2">
+            <a:extLst>
+              <a:ext uri="{FF2B5EF4-FFF2-40B4-BE49-F238E27FC236}">
+                <a16:creationId xmlns:a16="http://schemas.microsoft.com/office/drawing/2014/main" id="{A80EF829-A917-2217-500B-056F6BF3DD03}"/>
+              </a:ext>
+            </a:extLst>
+          </p:cNvPr>
+          <p:cNvPicPr>
+            <a:picLocks noChangeAspect="1" noChangeArrowheads="1"/>
+          </p:cNvPicPr>
+          <p:nvPr/>
+        </p:nvPicPr>
+        <p:blipFill>
+          <a:blip r:embed="rId2">
+            <a:extLst>
+              <a:ext uri="{28A0092B-C50C-407E-A947-70E740481C1C}">
+                <a14:useLocalDpi xmlns:a14="http://schemas.microsoft.com/office/drawing/2010/main" val="0"/>
+              </a:ext>
+            </a:extLst>
+          </a:blip>
+          <a:srcRect/>
+          <a:stretch>
+            <a:fillRect/>
+          </a:stretch>
+        </p:blipFill>
+        <p:spPr bwMode="auto">
+          <a:xfrm>
+            <a:off x="2409265" y="3415567"/>
+            <a:ext cx="6556603" cy="3313970"/>
+          </a:xfrm>
+          <a:prstGeom prst="rect">
+            <a:avLst/>
+          </a:prstGeom>
+          <a:noFill/>
+          <a:extLst>
+            <a:ext uri="{909E8E84-426E-40DD-AFC4-6F175D3DCCD1}">
+              <a14:hiddenFill xmlns:a14="http://schemas.microsoft.com/office/drawing/2010/main">
+                <a:solidFill>
+                  <a:srgbClr val="FFFFFF"/>
+                </a:solidFill>
+              </a14:hiddenFill>
+            </a:ext>
+          </a:extLst>
+        </p:spPr>
+      </p:pic>
     </p:spTree>
     <p:extLst>
       <p:ext uri="{BB962C8B-B14F-4D97-AF65-F5344CB8AC3E}">
@@ -11512,276 +11512,12 @@
           </a:p>
         </p:txBody>
       </p:sp>
-      <p:sp>
-        <p:nvSpPr>
-          <p:cNvPr id="6" name="Espace réservé du contenu 2">
-            <a:extLst>
-              <a:ext uri="{FF2B5EF4-FFF2-40B4-BE49-F238E27FC236}">
-                <a16:creationId xmlns:a16="http://schemas.microsoft.com/office/drawing/2014/main" id="{35FA10E9-7F4A-FE9C-8C25-E03BFAC40AC6}"/>
-              </a:ext>
-            </a:extLst>
-          </p:cNvPr>
-          <p:cNvSpPr txBox="1">
-            <a:spLocks/>
-          </p:cNvSpPr>
-          <p:nvPr/>
-        </p:nvSpPr>
-        <p:spPr>
-          <a:xfrm>
-            <a:off x="9831575" y="4663713"/>
-            <a:ext cx="2055626" cy="1252175"/>
-          </a:xfrm>
-          <a:prstGeom prst="rect">
-            <a:avLst/>
-          </a:prstGeom>
-          <a:effectLst>
-            <a:outerShdw blurRad="50800" dir="14400000">
-              <a:srgbClr val="000000">
-                <a:alpha val="40000"/>
-              </a:srgbClr>
-            </a:outerShdw>
-          </a:effectLst>
-        </p:spPr>
-        <p:txBody>
-          <a:bodyPr vert="horz" lIns="91440" tIns="45720" rIns="91440" bIns="45720" rtlCol="0" anchor="t" anchorCtr="0">
-            <a:normAutofit/>
-          </a:bodyPr>
-          <a:lstStyle>
-            <a:lvl1pPr marL="342900" indent="-342900" algn="l" defTabSz="457200" rtl="0" eaLnBrk="1" latinLnBrk="0" hangingPunct="1">
-              <a:spcBef>
-                <a:spcPct val="20000"/>
-              </a:spcBef>
-              <a:spcAft>
-                <a:spcPts val="600"/>
-              </a:spcAft>
-              <a:buClr>
-                <a:schemeClr val="accent1"/>
-              </a:buClr>
-              <a:buFont typeface="Wingdings 2" charset="2"/>
-              <a:buChar char=""/>
-              <a:defRPr sz="1800" kern="1200">
-                <a:solidFill>
-                  <a:schemeClr val="tx1"/>
-                </a:solidFill>
-                <a:latin typeface="+mn-lt"/>
-                <a:ea typeface="+mn-ea"/>
-                <a:cs typeface="+mn-cs"/>
-              </a:defRPr>
-            </a:lvl1pPr>
-            <a:lvl2pPr marL="742950" indent="-285750" algn="l" defTabSz="457200" rtl="0" eaLnBrk="1" latinLnBrk="0" hangingPunct="1">
-              <a:spcBef>
-                <a:spcPct val="20000"/>
-              </a:spcBef>
-              <a:spcAft>
-                <a:spcPts val="600"/>
-              </a:spcAft>
-              <a:buClr>
-                <a:schemeClr val="accent1"/>
-              </a:buClr>
-              <a:buFont typeface="Wingdings 2" charset="2"/>
-              <a:buChar char=""/>
-              <a:defRPr sz="1600" kern="1200">
-                <a:solidFill>
-                  <a:schemeClr val="tx1"/>
-                </a:solidFill>
-                <a:latin typeface="+mn-lt"/>
-                <a:ea typeface="+mn-ea"/>
-                <a:cs typeface="+mn-cs"/>
-              </a:defRPr>
-            </a:lvl2pPr>
-            <a:lvl3pPr marL="1143000" indent="-228600" algn="l" defTabSz="457200" rtl="0" eaLnBrk="1" latinLnBrk="0" hangingPunct="1">
-              <a:spcBef>
-                <a:spcPct val="20000"/>
-              </a:spcBef>
-              <a:spcAft>
-                <a:spcPts val="600"/>
-              </a:spcAft>
-              <a:buClr>
-                <a:schemeClr val="accent1"/>
-              </a:buClr>
-              <a:buFont typeface="Wingdings 2" charset="2"/>
-              <a:buChar char=""/>
-              <a:defRPr sz="1400" kern="1200">
-                <a:solidFill>
-                  <a:schemeClr val="tx1"/>
-                </a:solidFill>
-                <a:latin typeface="+mn-lt"/>
-                <a:ea typeface="+mn-ea"/>
-                <a:cs typeface="+mn-cs"/>
-              </a:defRPr>
-            </a:lvl3pPr>
-            <a:lvl4pPr marL="1600200" indent="-228600" algn="l" defTabSz="457200" rtl="0" eaLnBrk="1" latinLnBrk="0" hangingPunct="1">
-              <a:spcBef>
-                <a:spcPct val="20000"/>
-              </a:spcBef>
-              <a:spcAft>
-                <a:spcPts val="600"/>
-              </a:spcAft>
-              <a:buClr>
-                <a:schemeClr val="accent1"/>
-              </a:buClr>
-              <a:buFont typeface="Wingdings 2" charset="2"/>
-              <a:buChar char=""/>
-              <a:defRPr sz="1200" kern="1200">
-                <a:solidFill>
-                  <a:schemeClr val="tx1"/>
-                </a:solidFill>
-                <a:latin typeface="+mn-lt"/>
-                <a:ea typeface="+mn-ea"/>
-                <a:cs typeface="+mn-cs"/>
-              </a:defRPr>
-            </a:lvl4pPr>
-            <a:lvl5pPr marL="2057400" indent="-228600" algn="l" defTabSz="457200" rtl="0" eaLnBrk="1" latinLnBrk="0" hangingPunct="1">
-              <a:spcBef>
-                <a:spcPct val="20000"/>
-              </a:spcBef>
-              <a:spcAft>
-                <a:spcPts val="600"/>
-              </a:spcAft>
-              <a:buClr>
-                <a:schemeClr val="accent1"/>
-              </a:buClr>
-              <a:buFont typeface="Wingdings 2" charset="2"/>
-              <a:buChar char=""/>
-              <a:defRPr sz="1200" kern="1200">
-                <a:solidFill>
-                  <a:schemeClr val="tx1"/>
-                </a:solidFill>
-                <a:latin typeface="+mn-lt"/>
-                <a:ea typeface="+mn-ea"/>
-                <a:cs typeface="+mn-cs"/>
-              </a:defRPr>
-            </a:lvl5pPr>
-            <a:lvl6pPr marL="2400000" indent="-228600" algn="l" defTabSz="457200" rtl="0" eaLnBrk="1" latinLnBrk="0" hangingPunct="1">
-              <a:spcBef>
-                <a:spcPct val="20000"/>
-              </a:spcBef>
-              <a:spcAft>
-                <a:spcPts val="600"/>
-              </a:spcAft>
-              <a:buClr>
-                <a:schemeClr val="accent1"/>
-              </a:buClr>
-              <a:buFont typeface="Wingdings 2" charset="2"/>
-              <a:buChar char=""/>
-              <a:defRPr sz="1200" kern="1200">
-                <a:solidFill>
-                  <a:schemeClr val="tx1"/>
-                </a:solidFill>
-                <a:latin typeface="+mn-lt"/>
-                <a:ea typeface="+mn-ea"/>
-                <a:cs typeface="+mn-cs"/>
-              </a:defRPr>
-            </a:lvl6pPr>
-            <a:lvl7pPr marL="2800000" indent="-228600" algn="l" defTabSz="457200" rtl="0" eaLnBrk="1" latinLnBrk="0" hangingPunct="1">
-              <a:spcBef>
-                <a:spcPct val="20000"/>
-              </a:spcBef>
-              <a:spcAft>
-                <a:spcPts val="600"/>
-              </a:spcAft>
-              <a:buClr>
-                <a:schemeClr val="accent1"/>
-              </a:buClr>
-              <a:buFont typeface="Wingdings 2" charset="2"/>
-              <a:buChar char=""/>
-              <a:defRPr sz="1200" kern="1200">
-                <a:solidFill>
-                  <a:schemeClr val="tx1"/>
-                </a:solidFill>
-                <a:latin typeface="+mn-lt"/>
-                <a:ea typeface="+mn-ea"/>
-                <a:cs typeface="+mn-cs"/>
-              </a:defRPr>
-            </a:lvl7pPr>
-            <a:lvl8pPr marL="3200000" indent="-228600" algn="l" defTabSz="457200" rtl="0" eaLnBrk="1" latinLnBrk="0" hangingPunct="1">
-              <a:spcBef>
-                <a:spcPct val="20000"/>
-              </a:spcBef>
-              <a:spcAft>
-                <a:spcPts val="600"/>
-              </a:spcAft>
-              <a:buClr>
-                <a:schemeClr val="accent1"/>
-              </a:buClr>
-              <a:buFont typeface="Wingdings 2" charset="2"/>
-              <a:buChar char=""/>
-              <a:defRPr sz="1200" kern="1200">
-                <a:solidFill>
-                  <a:schemeClr val="tx1"/>
-                </a:solidFill>
-                <a:latin typeface="+mn-lt"/>
-                <a:ea typeface="+mn-ea"/>
-                <a:cs typeface="+mn-cs"/>
-              </a:defRPr>
-            </a:lvl8pPr>
-            <a:lvl9pPr marL="3600000" indent="-228600" algn="l" defTabSz="457200" rtl="0" eaLnBrk="1" latinLnBrk="0" hangingPunct="1">
-              <a:spcBef>
-                <a:spcPct val="20000"/>
-              </a:spcBef>
-              <a:spcAft>
-                <a:spcPts val="600"/>
-              </a:spcAft>
-              <a:buClr>
-                <a:schemeClr val="accent1"/>
-              </a:buClr>
-              <a:buFont typeface="Wingdings 2" charset="2"/>
-              <a:buChar char=""/>
-              <a:defRPr sz="1200" kern="1200">
-                <a:solidFill>
-                  <a:schemeClr val="tx1"/>
-                </a:solidFill>
-                <a:latin typeface="+mn-lt"/>
-                <a:ea typeface="+mn-ea"/>
-                <a:cs typeface="+mn-cs"/>
-              </a:defRPr>
-            </a:lvl9pPr>
-          </a:lstStyle>
-          <a:p>
-            <a:r>
-              <a:rPr lang="fr-FR" dirty="0"/>
-              <a:t>Acc : 0.79</a:t>
-            </a:r>
-            <a:endParaRPr lang="fr-FR" i="1" dirty="0"/>
-          </a:p>
-        </p:txBody>
-      </p:sp>
       <p:pic>
         <p:nvPicPr>
-          <p:cNvPr id="8" name="Image 7">
+          <p:cNvPr id="1026" name="Picture 2">
             <a:extLst>
               <a:ext uri="{FF2B5EF4-FFF2-40B4-BE49-F238E27FC236}">
-                <a16:creationId xmlns:a16="http://schemas.microsoft.com/office/drawing/2014/main" id="{39AE661E-748F-8063-0042-21BE89D609DF}"/>
-              </a:ext>
-            </a:extLst>
-          </p:cNvPr>
-          <p:cNvPicPr>
-            <a:picLocks noChangeAspect="1"/>
-          </p:cNvPicPr>
-          <p:nvPr/>
-        </p:nvPicPr>
-        <p:blipFill>
-          <a:blip r:embed="rId2"/>
-          <a:stretch>
-            <a:fillRect/>
-          </a:stretch>
-        </p:blipFill>
-        <p:spPr>
-          <a:xfrm>
-            <a:off x="6516340" y="2698087"/>
-            <a:ext cx="5622782" cy="3343275"/>
-          </a:xfrm>
-          <a:prstGeom prst="rect">
-            <a:avLst/>
-          </a:prstGeom>
-        </p:spPr>
-      </p:pic>
-      <p:pic>
-        <p:nvPicPr>
-          <p:cNvPr id="6146" name="Picture 2">
-            <a:extLst>
-              <a:ext uri="{FF2B5EF4-FFF2-40B4-BE49-F238E27FC236}">
-                <a16:creationId xmlns:a16="http://schemas.microsoft.com/office/drawing/2014/main" id="{187B9982-2DA2-2FE9-A7D2-3A5BBFCD9BF1}"/>
+                <a16:creationId xmlns:a16="http://schemas.microsoft.com/office/drawing/2014/main" id="{6A0568D3-12C5-8E93-64E7-31A46B6BFB8C}"/>
               </a:ext>
             </a:extLst>
           </p:cNvPr>
@@ -11791,7 +11527,7 @@
           <p:nvPr/>
         </p:nvPicPr>
         <p:blipFill>
-          <a:blip r:embed="rId3">
+          <a:blip r:embed="rId2">
             <a:extLst>
               <a:ext uri="{28A0092B-C50C-407E-A947-70E740481C1C}">
                 <a14:useLocalDpi xmlns:a14="http://schemas.microsoft.com/office/drawing/2010/main" val="0"/>
@@ -11805,7 +11541,7 @@
         </p:blipFill>
         <p:spPr bwMode="auto">
           <a:xfrm>
-            <a:off x="55053" y="2698087"/>
+            <a:off x="47250" y="2698087"/>
             <a:ext cx="6381750" cy="3343275"/>
           </a:xfrm>
           <a:prstGeom prst="rect">
@@ -11821,6 +11557,36 @@
               </a14:hiddenFill>
             </a:ext>
           </a:extLst>
+        </p:spPr>
+      </p:pic>
+      <p:pic>
+        <p:nvPicPr>
+          <p:cNvPr id="9" name="Image 8">
+            <a:extLst>
+              <a:ext uri="{FF2B5EF4-FFF2-40B4-BE49-F238E27FC236}">
+                <a16:creationId xmlns:a16="http://schemas.microsoft.com/office/drawing/2014/main" id="{4F9A9136-F170-B6E5-4994-9C29744C0558}"/>
+              </a:ext>
+            </a:extLst>
+          </p:cNvPr>
+          <p:cNvPicPr>
+            <a:picLocks noChangeAspect="1"/>
+          </p:cNvPicPr>
+          <p:nvPr/>
+        </p:nvPicPr>
+        <p:blipFill>
+          <a:blip r:embed="rId3"/>
+          <a:stretch>
+            <a:fillRect/>
+          </a:stretch>
+        </p:blipFill>
+        <p:spPr>
+          <a:xfrm>
+            <a:off x="6591809" y="2698086"/>
+            <a:ext cx="5252065" cy="3343275"/>
+          </a:xfrm>
+          <a:prstGeom prst="rect">
+            <a:avLst/>
+          </a:prstGeom>
         </p:spPr>
       </p:pic>
     </p:spTree>
@@ -12861,7 +12627,7 @@
           <p:nvPr>
             <p:extLst>
               <p:ext uri="{D42A27DB-BD31-4B8C-83A1-F6EECF244321}">
-                <p14:modId xmlns:p14="http://schemas.microsoft.com/office/powerpoint/2010/main" val="2662609191"/>
+                <p14:modId xmlns:p14="http://schemas.microsoft.com/office/powerpoint/2010/main" val="3076143602"/>
               </p:ext>
             </p:extLst>
           </p:nvPr>
@@ -12887,14 +12653,14 @@
                 <a:gridCol w="2709333">
                   <a:extLst>
                     <a:ext uri="{9D8B030D-6E8A-4147-A177-3AD203B41FA5}">
-                      <a16:colId xmlns:a16="http://schemas.microsoft.com/office/drawing/2014/main" val="3113951091"/>
+                      <a16:colId xmlns:a16="http://schemas.microsoft.com/office/drawing/2014/main" val="1885649432"/>
                     </a:ext>
                   </a:extLst>
                 </a:gridCol>
                 <a:gridCol w="2709333">
                   <a:extLst>
                     <a:ext uri="{9D8B030D-6E8A-4147-A177-3AD203B41FA5}">
-                      <a16:colId xmlns:a16="http://schemas.microsoft.com/office/drawing/2014/main" val="1799123516"/>
+                      <a16:colId xmlns:a16="http://schemas.microsoft.com/office/drawing/2014/main" val="3113951091"/>
                     </a:ext>
                   </a:extLst>
                 </a:gridCol>
@@ -12905,12 +12671,9 @@
                     <a:bodyPr/>
                     <a:lstStyle/>
                     <a:p>
-                      <a:pPr algn="ctr" fontAlgn="ctr"/>
+                      <a:pPr algn="r" fontAlgn="ctr"/>
                       <a:r>
                         <a:rPr lang="fr-FR" b="1" dirty="0">
-                          <a:solidFill>
-                            <a:schemeClr val="bg1"/>
-                          </a:solidFill>
                           <a:effectLst/>
                         </a:rPr>
                         <a:t>model</a:t>
@@ -12924,12 +12687,9 @@
                     <a:bodyPr/>
                     <a:lstStyle/>
                     <a:p>
-                      <a:pPr algn="ctr" fontAlgn="ctr"/>
+                      <a:pPr algn="r" fontAlgn="ctr"/>
                       <a:r>
-                        <a:rPr lang="fr-FR" b="1">
-                          <a:solidFill>
-                            <a:schemeClr val="bg1"/>
-                          </a:solidFill>
+                        <a:rPr lang="fr-FR" b="1" dirty="0">
                           <a:effectLst/>
                         </a:rPr>
                         <a:t>ARI</a:t>
@@ -12943,21 +12703,15 @@
                     <a:bodyPr/>
                     <a:lstStyle/>
                     <a:p>
-                      <a:pPr algn="ctr" fontAlgn="ctr"/>
+                      <a:pPr algn="r" fontAlgn="ctr"/>
                       <a:r>
                         <a:rPr lang="fr-FR" b="1" dirty="0" err="1">
-                          <a:solidFill>
-                            <a:schemeClr val="bg1"/>
-                          </a:solidFill>
                           <a:effectLst/>
                         </a:rPr>
-                        <a:t>prediction</a:t>
+                        <a:t>processing</a:t>
                       </a:r>
                       <a:r>
                         <a:rPr lang="fr-FR" b="1" dirty="0">
-                          <a:solidFill>
-                            <a:schemeClr val="bg1"/>
-                          </a:solidFill>
                           <a:effectLst/>
                         </a:rPr>
                         <a:t> time (seconds)</a:t>
@@ -12978,20 +12732,14 @@
                     <a:bodyPr/>
                     <a:lstStyle/>
                     <a:p>
-                      <a:pPr algn="ctr" fontAlgn="ctr"/>
+                      <a:pPr algn="r" fontAlgn="ctr"/>
                       <a:r>
                         <a:rPr lang="fr-FR" dirty="0" err="1">
-                          <a:solidFill>
-                            <a:schemeClr val="bg1"/>
-                          </a:solidFill>
                           <a:effectLst/>
                         </a:rPr>
                         <a:t>CountVectorizer</a:t>
                       </a:r>
                       <a:endParaRPr lang="fr-FR" dirty="0">
-                        <a:solidFill>
-                          <a:schemeClr val="bg1"/>
-                        </a:solidFill>
                         <a:effectLst/>
                       </a:endParaRPr>
                     </a:p>
@@ -13003,12 +12751,9 @@
                     <a:bodyPr/>
                     <a:lstStyle/>
                     <a:p>
-                      <a:pPr algn="ctr" fontAlgn="ctr"/>
+                      <a:pPr algn="r" fontAlgn="ctr"/>
                       <a:r>
                         <a:rPr lang="fr-FR">
-                          <a:solidFill>
-                            <a:schemeClr val="bg1"/>
-                          </a:solidFill>
                           <a:effectLst/>
                         </a:rPr>
                         <a:t>0.39</a:t>
@@ -13022,15 +12767,12 @@
                     <a:bodyPr/>
                     <a:lstStyle/>
                     <a:p>
-                      <a:pPr algn="ctr" fontAlgn="ctr"/>
+                      <a:pPr algn="r" fontAlgn="ctr"/>
                       <a:r>
                         <a:rPr lang="fr-FR">
-                          <a:solidFill>
-                            <a:schemeClr val="bg1"/>
-                          </a:solidFill>
                           <a:effectLst/>
                         </a:rPr>
-                        <a:t>0.05</a:t>
+                        <a:t>39.00</a:t>
                       </a:r>
                     </a:p>
                   </a:txBody>
@@ -13048,20 +12790,14 @@
                     <a:bodyPr/>
                     <a:lstStyle/>
                     <a:p>
-                      <a:pPr algn="ctr" fontAlgn="ctr"/>
+                      <a:pPr algn="r" fontAlgn="ctr"/>
                       <a:r>
                         <a:rPr lang="fr-FR" dirty="0" err="1">
-                          <a:solidFill>
-                            <a:schemeClr val="bg1"/>
-                          </a:solidFill>
                           <a:effectLst/>
                         </a:rPr>
                         <a:t>TfidfVectorizer</a:t>
                       </a:r>
                       <a:endParaRPr lang="fr-FR" dirty="0">
-                        <a:solidFill>
-                          <a:schemeClr val="bg1"/>
-                        </a:solidFill>
                         <a:effectLst/>
                       </a:endParaRPr>
                     </a:p>
@@ -13073,12 +12809,9 @@
                     <a:bodyPr/>
                     <a:lstStyle/>
                     <a:p>
-                      <a:pPr algn="ctr" fontAlgn="ctr"/>
+                      <a:pPr algn="r" fontAlgn="ctr"/>
                       <a:r>
-                        <a:rPr lang="fr-FR" dirty="0">
-                          <a:solidFill>
-                            <a:schemeClr val="bg1"/>
-                          </a:solidFill>
+                        <a:rPr lang="fr-FR">
                           <a:effectLst/>
                         </a:rPr>
                         <a:t>0.47</a:t>
@@ -13092,15 +12825,12 @@
                     <a:bodyPr/>
                     <a:lstStyle/>
                     <a:p>
-                      <a:pPr algn="ctr" fontAlgn="ctr"/>
+                      <a:pPr algn="r" fontAlgn="ctr"/>
                       <a:r>
                         <a:rPr lang="fr-FR">
-                          <a:solidFill>
-                            <a:schemeClr val="bg1"/>
-                          </a:solidFill>
                           <a:effectLst/>
                         </a:rPr>
-                        <a:t>0.04</a:t>
+                        <a:t>17.00</a:t>
                       </a:r>
                     </a:p>
                   </a:txBody>
@@ -13118,12 +12848,9 @@
                     <a:bodyPr/>
                     <a:lstStyle/>
                     <a:p>
-                      <a:pPr algn="ctr" fontAlgn="ctr"/>
+                      <a:pPr algn="r" fontAlgn="ctr"/>
                       <a:r>
                         <a:rPr lang="fr-FR" dirty="0">
-                          <a:solidFill>
-                            <a:schemeClr val="bg1"/>
-                          </a:solidFill>
                           <a:effectLst/>
                         </a:rPr>
                         <a:t>Word2Vec</a:t>
@@ -13137,12 +12864,9 @@
                     <a:bodyPr/>
                     <a:lstStyle/>
                     <a:p>
-                      <a:pPr algn="ctr" fontAlgn="ctr"/>
+                      <a:pPr algn="r" fontAlgn="ctr"/>
                       <a:r>
-                        <a:rPr lang="fr-FR" dirty="0">
-                          <a:solidFill>
-                            <a:schemeClr val="bg1"/>
-                          </a:solidFill>
+                        <a:rPr lang="fr-FR">
                           <a:effectLst/>
                         </a:rPr>
                         <a:t>0.29</a:t>
@@ -13156,15 +12880,12 @@
                     <a:bodyPr/>
                     <a:lstStyle/>
                     <a:p>
-                      <a:pPr algn="ctr" fontAlgn="ctr"/>
+                      <a:pPr algn="r" fontAlgn="ctr"/>
                       <a:r>
                         <a:rPr lang="fr-FR">
-                          <a:solidFill>
-                            <a:schemeClr val="bg1"/>
-                          </a:solidFill>
                           <a:effectLst/>
                         </a:rPr>
-                        <a:t>0.18</a:t>
+                        <a:t>70.00</a:t>
                       </a:r>
                     </a:p>
                   </a:txBody>
@@ -13182,12 +12903,9 @@
                     <a:bodyPr/>
                     <a:lstStyle/>
                     <a:p>
-                      <a:pPr algn="ctr" fontAlgn="ctr"/>
+                      <a:pPr algn="r" fontAlgn="ctr"/>
                       <a:r>
                         <a:rPr lang="fr-FR">
-                          <a:solidFill>
-                            <a:schemeClr val="bg1"/>
-                          </a:solidFill>
                           <a:effectLst/>
                         </a:rPr>
                         <a:t>BERT</a:t>
@@ -13201,12 +12919,9 @@
                     <a:bodyPr/>
                     <a:lstStyle/>
                     <a:p>
-                      <a:pPr algn="ctr" fontAlgn="ctr"/>
+                      <a:pPr algn="r" fontAlgn="ctr"/>
                       <a:r>
                         <a:rPr lang="fr-FR" dirty="0">
-                          <a:solidFill>
-                            <a:schemeClr val="bg1"/>
-                          </a:solidFill>
                           <a:effectLst/>
                         </a:rPr>
                         <a:t>0.28</a:t>
@@ -13220,15 +12935,12 @@
                     <a:bodyPr/>
                     <a:lstStyle/>
                     <a:p>
-                      <a:pPr algn="ctr" fontAlgn="ctr"/>
+                      <a:pPr algn="r" fontAlgn="ctr"/>
                       <a:r>
-                        <a:rPr lang="fr-FR" dirty="0">
-                          <a:solidFill>
-                            <a:schemeClr val="bg1"/>
-                          </a:solidFill>
+                        <a:rPr lang="fr-FR">
                           <a:effectLst/>
                         </a:rPr>
-                        <a:t>205.70</a:t>
+                        <a:t>5.00</a:t>
                       </a:r>
                     </a:p>
                   </a:txBody>
@@ -13246,12 +12958,9 @@
                     <a:bodyPr/>
                     <a:lstStyle/>
                     <a:p>
-                      <a:pPr algn="ctr" fontAlgn="ctr"/>
+                      <a:pPr algn="r" fontAlgn="ctr"/>
                       <a:r>
                         <a:rPr lang="fr-FR">
-                          <a:solidFill>
-                            <a:schemeClr val="bg1"/>
-                          </a:solidFill>
                           <a:effectLst/>
                         </a:rPr>
                         <a:t>USE</a:t>
@@ -13265,12 +12974,9 @@
                     <a:bodyPr/>
                     <a:lstStyle/>
                     <a:p>
-                      <a:pPr algn="ctr" fontAlgn="ctr"/>
+                      <a:pPr algn="r" fontAlgn="ctr"/>
                       <a:r>
                         <a:rPr lang="fr-FR">
-                          <a:solidFill>
-                            <a:schemeClr val="bg1"/>
-                          </a:solidFill>
                           <a:effectLst/>
                         </a:rPr>
                         <a:t>0.44</a:t>
@@ -13284,15 +12990,12 @@
                     <a:bodyPr/>
                     <a:lstStyle/>
                     <a:p>
-                      <a:pPr algn="ctr" fontAlgn="ctr"/>
+                      <a:pPr algn="r" fontAlgn="ctr"/>
                       <a:r>
                         <a:rPr lang="fr-FR" dirty="0">
-                          <a:solidFill>
-                            <a:schemeClr val="bg1"/>
-                          </a:solidFill>
                           <a:effectLst/>
                         </a:rPr>
-                        <a:t>0.93</a:t>
+                        <a:t>5.00</a:t>
                       </a:r>
                     </a:p>
                   </a:txBody>
@@ -13323,7 +13026,7 @@
           <p:nvPr>
             <p:extLst>
               <p:ext uri="{D42A27DB-BD31-4B8C-83A1-F6EECF244321}">
-                <p14:modId xmlns:p14="http://schemas.microsoft.com/office/powerpoint/2010/main" val="2967795446"/>
+                <p14:modId xmlns:p14="http://schemas.microsoft.com/office/powerpoint/2010/main" val="2018964800"/>
               </p:ext>
             </p:extLst>
           </p:nvPr>
@@ -13367,12 +13070,9 @@
                     <a:bodyPr/>
                     <a:lstStyle/>
                     <a:p>
-                      <a:pPr algn="ctr" fontAlgn="ctr"/>
+                      <a:pPr algn="r" fontAlgn="ctr"/>
                       <a:r>
                         <a:rPr lang="fr-FR" b="1" dirty="0">
-                          <a:solidFill>
-                            <a:schemeClr val="bg1"/>
-                          </a:solidFill>
                           <a:effectLst/>
                         </a:rPr>
                         <a:t>model</a:t>
@@ -13386,12 +13086,9 @@
                     <a:bodyPr/>
                     <a:lstStyle/>
                     <a:p>
-                      <a:pPr algn="ctr" fontAlgn="ctr"/>
+                      <a:pPr algn="r" fontAlgn="ctr"/>
                       <a:r>
                         <a:rPr lang="fr-FR" b="1" dirty="0">
-                          <a:solidFill>
-                            <a:schemeClr val="bg1"/>
-                          </a:solidFill>
                           <a:effectLst/>
                         </a:rPr>
                         <a:t>ARI</a:t>
@@ -13405,36 +13102,18 @@
                     <a:bodyPr/>
                     <a:lstStyle/>
                     <a:p>
-                      <a:pPr algn="ctr" fontAlgn="ctr"/>
+                      <a:pPr algn="r" fontAlgn="ctr"/>
                       <a:r>
                         <a:rPr lang="fr-FR" b="1" dirty="0" err="1">
-                          <a:solidFill>
-                            <a:schemeClr val="bg1"/>
-                          </a:solidFill>
                           <a:effectLst/>
                         </a:rPr>
-                        <a:t>prediction</a:t>
+                        <a:t>processing</a:t>
                       </a:r>
                       <a:r>
                         <a:rPr lang="fr-FR" b="1" dirty="0">
-                          <a:solidFill>
-                            <a:schemeClr val="bg1"/>
-                          </a:solidFill>
                           <a:effectLst/>
                         </a:rPr>
-                        <a:t> time</a:t>
-                      </a:r>
-                    </a:p>
-                    <a:p>
-                      <a:pPr algn="ctr" fontAlgn="ctr"/>
-                      <a:r>
-                        <a:rPr lang="fr-FR" b="1" dirty="0">
-                          <a:solidFill>
-                            <a:schemeClr val="bg1"/>
-                          </a:solidFill>
-                          <a:effectLst/>
-                        </a:rPr>
-                        <a:t>(seconds)</a:t>
+                        <a:t> time (seconds)</a:t>
                       </a:r>
                     </a:p>
                   </a:txBody>
@@ -13452,7 +13131,7 @@
                     <a:bodyPr/>
                     <a:lstStyle/>
                     <a:p>
-                      <a:pPr algn="ctr" fontAlgn="ctr"/>
+                      <a:pPr algn="r" fontAlgn="ctr"/>
                       <a:r>
                         <a:rPr lang="fr-FR" dirty="0">
                           <a:effectLst/>
@@ -13468,7 +13147,7 @@
                     <a:bodyPr/>
                     <a:lstStyle/>
                     <a:p>
-                      <a:pPr algn="ctr" fontAlgn="ctr"/>
+                      <a:pPr algn="r" fontAlgn="ctr"/>
                       <a:r>
                         <a:rPr lang="fr-FR" dirty="0">
                           <a:effectLst/>
@@ -13484,12 +13163,12 @@
                     <a:bodyPr/>
                     <a:lstStyle/>
                     <a:p>
-                      <a:pPr algn="ctr" fontAlgn="ctr"/>
+                      <a:pPr algn="r" fontAlgn="ctr"/>
                       <a:r>
-                        <a:rPr lang="fr-FR">
+                        <a:rPr lang="fr-FR" dirty="0">
                           <a:effectLst/>
                         </a:rPr>
-                        <a:t>520.90</a:t>
+                        <a:t>512.38</a:t>
                       </a:r>
                     </a:p>
                   </a:txBody>
@@ -13507,7 +13186,7 @@
                     <a:bodyPr/>
                     <a:lstStyle/>
                     <a:p>
-                      <a:pPr algn="ctr" fontAlgn="ctr"/>
+                      <a:pPr algn="r" fontAlgn="ctr"/>
                       <a:r>
                         <a:rPr lang="fr-FR" dirty="0">
                           <a:effectLst/>
@@ -13523,7 +13202,7 @@
                     <a:bodyPr/>
                     <a:lstStyle/>
                     <a:p>
-                      <a:pPr algn="ctr" fontAlgn="ctr"/>
+                      <a:pPr algn="r" fontAlgn="ctr"/>
                       <a:r>
                         <a:rPr lang="fr-FR" dirty="0">
                           <a:effectLst/>
@@ -13539,12 +13218,12 @@
                     <a:bodyPr/>
                     <a:lstStyle/>
                     <a:p>
-                      <a:pPr algn="ctr" fontAlgn="ctr"/>
+                      <a:pPr algn="r" fontAlgn="ctr"/>
                       <a:r>
                         <a:rPr lang="fr-FR" dirty="0">
                           <a:effectLst/>
                         </a:rPr>
-                        <a:t>233.83</a:t>
+                        <a:t>224.21</a:t>
                       </a:r>
                     </a:p>
                   </a:txBody>
@@ -13676,7 +13355,7 @@
             </a:r>
             <a:r>
               <a:rPr lang="fr-FR" dirty="0"/>
-              <a:t> : 0.79 (ARI : 0.58) – </a:t>
+              <a:t> : 0.80 (ARI : 0.61) – </a:t>
             </a:r>
           </a:p>
           <a:p>
@@ -13687,15 +13366,7 @@
             </a:r>
             <a:r>
               <a:rPr lang="fr-FR" dirty="0"/>
-              <a:t> time </a:t>
-            </a:r>
-            <a:r>
-              <a:rPr lang="fr-FR" dirty="0" err="1"/>
-              <a:t>done</a:t>
-            </a:r>
-            <a:r>
-              <a:rPr lang="fr-FR" dirty="0"/>
-              <a:t> on the </a:t>
+              <a:t> time on the </a:t>
             </a:r>
             <a:r>
               <a:rPr lang="fr-FR" dirty="0" err="1"/>
@@ -13722,13 +13393,10 @@
               <a:t> model </a:t>
             </a:r>
             <a:r>
-              <a:rPr lang="fr-FR" dirty="0" err="1"/>
-              <a:t>is</a:t>
-            </a:r>
-            <a:r>
-              <a:rPr lang="fr-FR" dirty="0"/>
-              <a:t> 80 seconds</a:t>
-            </a:r>
+              <a:rPr lang="fr-FR"/>
+              <a:t>: 72 seconds</a:t>
+            </a:r>
+            <a:endParaRPr lang="fr-FR" dirty="0"/>
           </a:p>
           <a:p>
             <a:endParaRPr lang="fr-FR" dirty="0"/>
@@ -13743,7 +13411,7 @@
             <a:pPr lvl="1"/>
             <a:r>
               <a:rPr lang="fr-FR" dirty="0"/>
-              <a:t>The has been </a:t>
+              <a:t>The API has been </a:t>
             </a:r>
             <a:r>
               <a:rPr lang="fr-FR" dirty="0" err="1"/>
